--- a/pres.pptx
+++ b/pres.pptx
@@ -5,10 +5,10 @@
     <p:sldMasterId id="2147483648" r:id="rId1"/>
   </p:sldMasterIdLst>
   <p:notesMasterIdLst>
-    <p:notesMasterId r:id="rId21"/>
+    <p:notesMasterId r:id="rId34"/>
   </p:notesMasterIdLst>
   <p:handoutMasterIdLst>
-    <p:handoutMasterId r:id="rId22"/>
+    <p:handoutMasterId r:id="rId35"/>
   </p:handoutMasterIdLst>
   <p:sldIdLst>
     <p:sldId id="256" r:id="rId2"/>
@@ -18,18 +18,31 @@
     <p:sldId id="269" r:id="rId6"/>
     <p:sldId id="270" r:id="rId7"/>
     <p:sldId id="271" r:id="rId8"/>
-    <p:sldId id="274" r:id="rId9"/>
-    <p:sldId id="263" r:id="rId10"/>
-    <p:sldId id="262" r:id="rId11"/>
-    <p:sldId id="272" r:id="rId12"/>
-    <p:sldId id="273" r:id="rId13"/>
-    <p:sldId id="275" r:id="rId14"/>
-    <p:sldId id="276" r:id="rId15"/>
-    <p:sldId id="277" r:id="rId16"/>
-    <p:sldId id="265" r:id="rId17"/>
-    <p:sldId id="264" r:id="rId18"/>
-    <p:sldId id="278" r:id="rId19"/>
-    <p:sldId id="279" r:id="rId20"/>
+    <p:sldId id="263" r:id="rId9"/>
+    <p:sldId id="262" r:id="rId10"/>
+    <p:sldId id="272" r:id="rId11"/>
+    <p:sldId id="273" r:id="rId12"/>
+    <p:sldId id="265" r:id="rId13"/>
+    <p:sldId id="264" r:id="rId14"/>
+    <p:sldId id="278" r:id="rId15"/>
+    <p:sldId id="282" r:id="rId16"/>
+    <p:sldId id="281" r:id="rId17"/>
+    <p:sldId id="284" r:id="rId18"/>
+    <p:sldId id="283" r:id="rId19"/>
+    <p:sldId id="285" r:id="rId20"/>
+    <p:sldId id="286" r:id="rId21"/>
+    <p:sldId id="287" r:id="rId22"/>
+    <p:sldId id="288" r:id="rId23"/>
+    <p:sldId id="289" r:id="rId24"/>
+    <p:sldId id="290" r:id="rId25"/>
+    <p:sldId id="291" r:id="rId26"/>
+    <p:sldId id="292" r:id="rId27"/>
+    <p:sldId id="293" r:id="rId28"/>
+    <p:sldId id="294" r:id="rId29"/>
+    <p:sldId id="295" r:id="rId30"/>
+    <p:sldId id="296" r:id="rId31"/>
+    <p:sldId id="280" r:id="rId32"/>
+    <p:sldId id="279" r:id="rId33"/>
   </p:sldIdLst>
   <p:sldSz cx="12192000" cy="6858000"/>
   <p:notesSz cx="6858000" cy="9144000"/>
@@ -233,7 +246,7 @@
           <a:p>
             <a:fld id="{5D634CDC-2FDF-4C1B-8C8F-397BA5B2D9C2}" type="datetimeFigureOut">
               <a:rPr lang="de-DE" smtClean="0"/>
-              <a:t>13.01.2025</a:t>
+              <a:t>14.01.2025</a:t>
             </a:fld>
             <a:endParaRPr lang="de-DE"/>
           </a:p>
@@ -410,7 +423,7 @@
           <a:p>
             <a:fld id="{41D9D135-AC5D-412D-9E0E-623545EAE33D}" type="datetimeFigureOut">
               <a:rPr lang="de-DE" smtClean="0"/>
-              <a:t>13.01.2025</a:t>
+              <a:t>14.01.2025</a:t>
             </a:fld>
             <a:endParaRPr lang="de-DE"/>
           </a:p>
@@ -675,6 +688,90 @@
     </a:lvl9pPr>
   </p:notesStyle>
 </p:notesMaster>
+</file>
+
+<file path=ppt/notesSlides/notesSlide1.xml><?xml version="1.0" encoding="utf-8"?>
+<p:notes xmlns:a="http://schemas.openxmlformats.org/drawingml/2006/main" xmlns:r="http://schemas.openxmlformats.org/officeDocument/2006/relationships" xmlns:p="http://schemas.openxmlformats.org/presentationml/2006/main">
+  <p:cSld>
+    <p:spTree>
+      <p:nvGrpSpPr>
+        <p:cNvPr id="1" name=""/>
+        <p:cNvGrpSpPr/>
+        <p:nvPr/>
+      </p:nvGrpSpPr>
+      <p:grpSpPr>
+        <a:xfrm>
+          <a:off x="0" y="0"/>
+          <a:ext cx="0" cy="0"/>
+          <a:chOff x="0" y="0"/>
+          <a:chExt cx="0" cy="0"/>
+        </a:xfrm>
+      </p:grpSpPr>
+      <p:sp>
+        <p:nvSpPr>
+          <p:cNvPr id="2" name="Folienbildplatzhalter 1"/>
+          <p:cNvSpPr>
+            <a:spLocks noGrp="1" noRot="1" noChangeAspect="1"/>
+          </p:cNvSpPr>
+          <p:nvPr>
+            <p:ph type="sldImg"/>
+          </p:nvPr>
+        </p:nvSpPr>
+        <p:spPr/>
+      </p:sp>
+      <p:sp>
+        <p:nvSpPr>
+          <p:cNvPr id="3" name="Notizenplatzhalter 2"/>
+          <p:cNvSpPr>
+            <a:spLocks noGrp="1"/>
+          </p:cNvSpPr>
+          <p:nvPr>
+            <p:ph type="body" idx="1"/>
+          </p:nvPr>
+        </p:nvSpPr>
+        <p:spPr/>
+        <p:txBody>
+          <a:bodyPr/>
+          <a:lstStyle/>
+          <a:p>
+            <a:endParaRPr lang="de-DE"/>
+          </a:p>
+        </p:txBody>
+      </p:sp>
+      <p:sp>
+        <p:nvSpPr>
+          <p:cNvPr id="4" name="Foliennummernplatzhalter 3"/>
+          <p:cNvSpPr>
+            <a:spLocks noGrp="1"/>
+          </p:cNvSpPr>
+          <p:nvPr>
+            <p:ph type="sldNum" sz="quarter" idx="5"/>
+          </p:nvPr>
+        </p:nvSpPr>
+        <p:spPr/>
+        <p:txBody>
+          <a:bodyPr/>
+          <a:lstStyle/>
+          <a:p>
+            <a:fld id="{4A2621F5-529A-4D54-A085-69F194259C1B}" type="slidenum">
+              <a:rPr lang="de-DE" smtClean="0"/>
+              <a:t>30</a:t>
+            </a:fld>
+            <a:endParaRPr lang="de-DE"/>
+          </a:p>
+        </p:txBody>
+      </p:sp>
+    </p:spTree>
+    <p:extLst>
+      <p:ext uri="{BB962C8B-B14F-4D97-AF65-F5344CB8AC3E}">
+        <p14:creationId xmlns:p14="http://schemas.microsoft.com/office/powerpoint/2010/main" val="1141652335"/>
+      </p:ext>
+    </p:extLst>
+  </p:cSld>
+  <p:clrMapOvr>
+    <a:masterClrMapping/>
+  </p:clrMapOvr>
+</p:notes>
 </file>
 
 <file path=ppt/slideLayouts/slideLayout1.xml><?xml version="1.0" encoding="utf-8"?>
@@ -5411,315 +5508,6 @@
   <p:cSld>
     <p:spTree>
       <p:nvGrpSpPr>
-        <p:cNvPr id="1" name=""/>
-        <p:cNvGrpSpPr/>
-        <p:nvPr/>
-      </p:nvGrpSpPr>
-      <p:grpSpPr>
-        <a:xfrm>
-          <a:off x="0" y="0"/>
-          <a:ext cx="0" cy="0"/>
-          <a:chOff x="0" y="0"/>
-          <a:chExt cx="0" cy="0"/>
-        </a:xfrm>
-      </p:grpSpPr>
-      <p:sp>
-        <p:nvSpPr>
-          <p:cNvPr id="9" name="Titel 8">
-            <a:extLst>
-              <a:ext uri="{FF2B5EF4-FFF2-40B4-BE49-F238E27FC236}">
-                <a16:creationId xmlns:a16="http://schemas.microsoft.com/office/drawing/2014/main" id="{268F133F-4C9A-7707-B34D-766AFFAB1857}"/>
-              </a:ext>
-            </a:extLst>
-          </p:cNvPr>
-          <p:cNvSpPr>
-            <a:spLocks noGrp="1"/>
-          </p:cNvSpPr>
-          <p:nvPr>
-            <p:ph type="title"/>
-          </p:nvPr>
-        </p:nvSpPr>
-        <p:spPr/>
-        <p:txBody>
-          <a:bodyPr/>
-          <a:lstStyle/>
-          <a:p>
-            <a:r>
-              <a:rPr lang="de-DE" dirty="0" err="1"/>
-              <a:t>Object</a:t>
-            </a:r>
-            <a:r>
-              <a:rPr lang="de-DE" dirty="0"/>
-              <a:t> </a:t>
-            </a:r>
-            <a:r>
-              <a:rPr lang="de-DE" dirty="0" err="1"/>
-              <a:t>Detector</a:t>
-            </a:r>
-            <a:endParaRPr lang="de-DE" dirty="0"/>
-          </a:p>
-        </p:txBody>
-      </p:sp>
-      <p:sp>
-        <p:nvSpPr>
-          <p:cNvPr id="10" name="Inhaltsplatzhalter 9">
-            <a:extLst>
-              <a:ext uri="{FF2B5EF4-FFF2-40B4-BE49-F238E27FC236}">
-                <a16:creationId xmlns:a16="http://schemas.microsoft.com/office/drawing/2014/main" id="{B094D90E-236B-B3CB-FD5E-EAB07D3098B9}"/>
-              </a:ext>
-            </a:extLst>
-          </p:cNvPr>
-          <p:cNvSpPr>
-            <a:spLocks noGrp="1"/>
-          </p:cNvSpPr>
-          <p:nvPr>
-            <p:ph idx="1"/>
-          </p:nvPr>
-        </p:nvSpPr>
-        <p:spPr/>
-        <p:txBody>
-          <a:bodyPr/>
-          <a:lstStyle/>
-          <a:p>
-            <a:r>
-              <a:rPr lang="de-DE" dirty="0"/>
-              <a:t>Laptop </a:t>
-            </a:r>
-            <a:r>
-              <a:rPr lang="de-DE" dirty="0" err="1"/>
-              <a:t>camera</a:t>
-            </a:r>
-            <a:endParaRPr lang="de-DE" dirty="0"/>
-          </a:p>
-          <a:p>
-            <a:r>
-              <a:rPr lang="de-DE" dirty="0" err="1"/>
-              <a:t>Opencv-python</a:t>
-            </a:r>
-            <a:endParaRPr lang="de-DE" dirty="0"/>
-          </a:p>
-          <a:p>
-            <a:r>
-              <a:rPr lang="de-DE" dirty="0"/>
-              <a:t>Takes a </a:t>
-            </a:r>
-            <a:r>
-              <a:rPr lang="de-DE" dirty="0" err="1"/>
-              <a:t>photo</a:t>
-            </a:r>
-            <a:r>
-              <a:rPr lang="de-DE" dirty="0"/>
-              <a:t> </a:t>
-            </a:r>
-            <a:r>
-              <a:rPr lang="de-DE" dirty="0" err="1"/>
-              <a:t>by</a:t>
-            </a:r>
-            <a:r>
-              <a:rPr lang="de-DE" dirty="0"/>
-              <a:t> </a:t>
-            </a:r>
-            <a:r>
-              <a:rPr lang="de-DE" dirty="0" err="1"/>
-              <a:t>triggering</a:t>
-            </a:r>
-            <a:r>
-              <a:rPr lang="de-DE" dirty="0"/>
-              <a:t> </a:t>
-            </a:r>
-            <a:r>
-              <a:rPr lang="de-DE" dirty="0" err="1"/>
-              <a:t>the</a:t>
-            </a:r>
-            <a:r>
-              <a:rPr lang="de-DE" dirty="0"/>
-              <a:t> „y“ (</a:t>
-            </a:r>
-            <a:r>
-              <a:rPr lang="de-DE" dirty="0" err="1"/>
-              <a:t>yes</a:t>
-            </a:r>
-            <a:r>
-              <a:rPr lang="de-DE" dirty="0"/>
-              <a:t>) on </a:t>
-            </a:r>
-            <a:r>
-              <a:rPr lang="de-DE" dirty="0" err="1"/>
-              <a:t>keyboard</a:t>
-            </a:r>
-            <a:endParaRPr lang="de-DE" dirty="0"/>
-          </a:p>
-          <a:p>
-            <a:r>
-              <a:rPr lang="de-DE" dirty="0"/>
-              <a:t>Takes </a:t>
-            </a:r>
-            <a:r>
-              <a:rPr lang="de-DE" dirty="0" err="1"/>
-              <a:t>no</a:t>
-            </a:r>
-            <a:r>
-              <a:rPr lang="de-DE" dirty="0"/>
-              <a:t> </a:t>
-            </a:r>
-            <a:r>
-              <a:rPr lang="de-DE" dirty="0" err="1"/>
-              <a:t>photo</a:t>
-            </a:r>
-            <a:r>
-              <a:rPr lang="de-DE" dirty="0"/>
-              <a:t> </a:t>
-            </a:r>
-            <a:r>
-              <a:rPr lang="de-DE" dirty="0" err="1"/>
-              <a:t>by</a:t>
-            </a:r>
-            <a:r>
-              <a:rPr lang="de-DE" dirty="0"/>
-              <a:t> </a:t>
-            </a:r>
-            <a:r>
-              <a:rPr lang="de-DE" dirty="0" err="1"/>
-              <a:t>triggering</a:t>
-            </a:r>
-            <a:r>
-              <a:rPr lang="de-DE" dirty="0"/>
-              <a:t> </a:t>
-            </a:r>
-            <a:r>
-              <a:rPr lang="de-DE" dirty="0" err="1"/>
-              <a:t>the</a:t>
-            </a:r>
-            <a:r>
-              <a:rPr lang="de-DE" dirty="0"/>
-              <a:t> „n“ (</a:t>
-            </a:r>
-            <a:r>
-              <a:rPr lang="de-DE" dirty="0" err="1"/>
-              <a:t>no</a:t>
-            </a:r>
-            <a:r>
-              <a:rPr lang="de-DE" dirty="0"/>
-              <a:t>) on </a:t>
-            </a:r>
-            <a:r>
-              <a:rPr lang="de-DE" dirty="0" err="1"/>
-              <a:t>keyboard</a:t>
-            </a:r>
-            <a:endParaRPr lang="de-DE" dirty="0"/>
-          </a:p>
-          <a:p>
-            <a:pPr marL="0" indent="0">
-              <a:buNone/>
-            </a:pPr>
-            <a:endParaRPr lang="de-DE" dirty="0"/>
-          </a:p>
-        </p:txBody>
-      </p:sp>
-      <p:sp>
-        <p:nvSpPr>
-          <p:cNvPr id="4" name="Datumsplatzhalter 3">
-            <a:extLst>
-              <a:ext uri="{FF2B5EF4-FFF2-40B4-BE49-F238E27FC236}">
-                <a16:creationId xmlns:a16="http://schemas.microsoft.com/office/drawing/2014/main" id="{361C50BC-9D54-6364-B64A-0681C9C40C87}"/>
-              </a:ext>
-            </a:extLst>
-          </p:cNvPr>
-          <p:cNvSpPr>
-            <a:spLocks noGrp="1"/>
-          </p:cNvSpPr>
-          <p:nvPr>
-            <p:ph type="dt" sz="half" idx="10"/>
-          </p:nvPr>
-        </p:nvSpPr>
-        <p:spPr/>
-        <p:txBody>
-          <a:bodyPr/>
-          <a:lstStyle/>
-          <a:p>
-            <a:r>
-              <a:rPr lang="de-DE" dirty="0"/>
-              <a:t>Anna Reiter, Chiara Perocco</a:t>
-            </a:r>
-          </a:p>
-        </p:txBody>
-      </p:sp>
-      <p:sp>
-        <p:nvSpPr>
-          <p:cNvPr id="5" name="Fußzeilenplatzhalter 4">
-            <a:extLst>
-              <a:ext uri="{FF2B5EF4-FFF2-40B4-BE49-F238E27FC236}">
-                <a16:creationId xmlns:a16="http://schemas.microsoft.com/office/drawing/2014/main" id="{B6C9F80D-11E7-C39D-F223-050B7FF75A29}"/>
-              </a:ext>
-            </a:extLst>
-          </p:cNvPr>
-          <p:cNvSpPr>
-            <a:spLocks noGrp="1"/>
-          </p:cNvSpPr>
-          <p:nvPr>
-            <p:ph type="ftr" sz="quarter" idx="11"/>
-          </p:nvPr>
-        </p:nvSpPr>
-        <p:spPr/>
-        <p:txBody>
-          <a:bodyPr/>
-          <a:lstStyle/>
-          <a:p>
-            <a:r>
-              <a:rPr lang="de-DE"/>
-              <a:t>Advanced Deep Learning </a:t>
-            </a:r>
-            <a:endParaRPr lang="de-DE" dirty="0"/>
-          </a:p>
-        </p:txBody>
-      </p:sp>
-      <p:sp>
-        <p:nvSpPr>
-          <p:cNvPr id="6" name="Foliennummernplatzhalter 5">
-            <a:extLst>
-              <a:ext uri="{FF2B5EF4-FFF2-40B4-BE49-F238E27FC236}">
-                <a16:creationId xmlns:a16="http://schemas.microsoft.com/office/drawing/2014/main" id="{E0FA3F44-66B9-48AA-BE5A-73CE10608016}"/>
-              </a:ext>
-            </a:extLst>
-          </p:cNvPr>
-          <p:cNvSpPr>
-            <a:spLocks noGrp="1"/>
-          </p:cNvSpPr>
-          <p:nvPr>
-            <p:ph type="sldNum" sz="quarter" idx="12"/>
-          </p:nvPr>
-        </p:nvSpPr>
-        <p:spPr/>
-        <p:txBody>
-          <a:bodyPr/>
-          <a:lstStyle/>
-          <a:p>
-            <a:fld id="{A13361CF-9A47-4C8C-A01E-566DC0626ACC}" type="slidenum">
-              <a:rPr lang="de-DE" smtClean="0"/>
-              <a:t>10</a:t>
-            </a:fld>
-            <a:endParaRPr lang="de-DE"/>
-          </a:p>
-        </p:txBody>
-      </p:sp>
-    </p:spTree>
-    <p:extLst>
-      <p:ext uri="{BB962C8B-B14F-4D97-AF65-F5344CB8AC3E}">
-        <p14:creationId xmlns:p14="http://schemas.microsoft.com/office/powerpoint/2010/main" val="3874882628"/>
-      </p:ext>
-    </p:extLst>
-  </p:cSld>
-  <p:clrMapOvr>
-    <a:masterClrMapping/>
-  </p:clrMapOvr>
-</p:sld>
-</file>
-
-<file path=ppt/slides/slide11.xml><?xml version="1.0" encoding="utf-8"?>
-<p:sld xmlns:a="http://schemas.openxmlformats.org/drawingml/2006/main" xmlns:r="http://schemas.openxmlformats.org/officeDocument/2006/relationships" xmlns:p="http://schemas.openxmlformats.org/presentationml/2006/main">
-  <p:cSld>
-    <p:spTree>
-      <p:nvGrpSpPr>
         <p:cNvPr id="1" name="">
           <a:extLst>
             <a:ext uri="{FF2B5EF4-FFF2-40B4-BE49-F238E27FC236}">
@@ -5868,7 +5656,7 @@
           <a:p>
             <a:fld id="{A13361CF-9A47-4C8C-A01E-566DC0626ACC}" type="slidenum">
               <a:rPr lang="de-DE" smtClean="0"/>
-              <a:t>11</a:t>
+              <a:t>10</a:t>
             </a:fld>
             <a:endParaRPr lang="de-DE"/>
           </a:p>
@@ -5945,7 +5733,7 @@
 </p:sld>
 </file>
 
-<file path=ppt/slides/slide12.xml><?xml version="1.0" encoding="utf-8"?>
+<file path=ppt/slides/slide11.xml><?xml version="1.0" encoding="utf-8"?>
 <p:sld xmlns:a="http://schemas.openxmlformats.org/drawingml/2006/main" xmlns:r="http://schemas.openxmlformats.org/officeDocument/2006/relationships" xmlns:p="http://schemas.openxmlformats.org/presentationml/2006/main">
   <p:cSld>
     <p:spTree>
@@ -6174,7 +5962,7 @@
           <a:p>
             <a:fld id="{A13361CF-9A47-4C8C-A01E-566DC0626ACC}" type="slidenum">
               <a:rPr lang="de-DE" smtClean="0"/>
-              <a:t>12</a:t>
+              <a:t>11</a:t>
             </a:fld>
             <a:endParaRPr lang="de-DE"/>
           </a:p>
@@ -6184,6 +5972,223 @@
     <p:extLst>
       <p:ext uri="{BB962C8B-B14F-4D97-AF65-F5344CB8AC3E}">
         <p14:creationId xmlns:p14="http://schemas.microsoft.com/office/powerpoint/2010/main" val="1965055965"/>
+      </p:ext>
+    </p:extLst>
+  </p:cSld>
+  <p:clrMapOvr>
+    <a:masterClrMapping/>
+  </p:clrMapOvr>
+</p:sld>
+</file>
+
+<file path=ppt/slides/slide12.xml><?xml version="1.0" encoding="utf-8"?>
+<p:sld xmlns:a="http://schemas.openxmlformats.org/drawingml/2006/main" xmlns:r="http://schemas.openxmlformats.org/officeDocument/2006/relationships" xmlns:p="http://schemas.openxmlformats.org/presentationml/2006/main">
+  <p:cSld>
+    <p:spTree>
+      <p:nvGrpSpPr>
+        <p:cNvPr id="1" name="">
+          <a:extLst>
+            <a:ext uri="{FF2B5EF4-FFF2-40B4-BE49-F238E27FC236}">
+              <a16:creationId xmlns:a16="http://schemas.microsoft.com/office/drawing/2014/main" id="{F405CDAD-DAF7-384B-A611-7D867DDEE6DC}"/>
+            </a:ext>
+          </a:extLst>
+        </p:cNvPr>
+        <p:cNvGrpSpPr/>
+        <p:nvPr/>
+      </p:nvGrpSpPr>
+      <p:grpSpPr>
+        <a:xfrm>
+          <a:off x="0" y="0"/>
+          <a:ext cx="0" cy="0"/>
+          <a:chOff x="0" y="0"/>
+          <a:chExt cx="0" cy="0"/>
+        </a:xfrm>
+      </p:grpSpPr>
+      <p:sp>
+        <p:nvSpPr>
+          <p:cNvPr id="2" name="Bildplatzhalter 1">
+            <a:extLst>
+              <a:ext uri="{FF2B5EF4-FFF2-40B4-BE49-F238E27FC236}">
+                <a16:creationId xmlns:a16="http://schemas.microsoft.com/office/drawing/2014/main" id="{643AE90D-95F1-6086-CF45-3156CF1EB5BB}"/>
+              </a:ext>
+            </a:extLst>
+          </p:cNvPr>
+          <p:cNvSpPr>
+            <a:spLocks noGrp="1"/>
+          </p:cNvSpPr>
+          <p:nvPr>
+            <p:ph type="pic" sz="quarter" idx="15"/>
+          </p:nvPr>
+        </p:nvSpPr>
+        <p:spPr/>
+        <p:txBody>
+          <a:bodyPr/>
+          <a:lstStyle/>
+          <a:p>
+            <a:endParaRPr lang="de-DE"/>
+          </a:p>
+        </p:txBody>
+      </p:sp>
+      <p:sp>
+        <p:nvSpPr>
+          <p:cNvPr id="3" name="Textplatzhalter 2">
+            <a:extLst>
+              <a:ext uri="{FF2B5EF4-FFF2-40B4-BE49-F238E27FC236}">
+                <a16:creationId xmlns:a16="http://schemas.microsoft.com/office/drawing/2014/main" id="{A41ACE2D-F778-FDE3-4936-2DBCF4119A22}"/>
+              </a:ext>
+            </a:extLst>
+          </p:cNvPr>
+          <p:cNvSpPr>
+            <a:spLocks noGrp="1"/>
+          </p:cNvSpPr>
+          <p:nvPr>
+            <p:ph type="body" sz="quarter" idx="16"/>
+          </p:nvPr>
+        </p:nvSpPr>
+        <p:spPr/>
+        <p:txBody>
+          <a:bodyPr/>
+          <a:lstStyle/>
+          <a:p>
+            <a:endParaRPr lang="de-DE"/>
+          </a:p>
+        </p:txBody>
+      </p:sp>
+      <p:sp>
+        <p:nvSpPr>
+          <p:cNvPr id="4" name="Datumsplatzhalter 3">
+            <a:extLst>
+              <a:ext uri="{FF2B5EF4-FFF2-40B4-BE49-F238E27FC236}">
+                <a16:creationId xmlns:a16="http://schemas.microsoft.com/office/drawing/2014/main" id="{2FF93EEC-5A6E-56D0-8F02-5092D298FF69}"/>
+              </a:ext>
+            </a:extLst>
+          </p:cNvPr>
+          <p:cNvSpPr>
+            <a:spLocks noGrp="1"/>
+          </p:cNvSpPr>
+          <p:nvPr>
+            <p:ph type="dt" sz="half" idx="10"/>
+          </p:nvPr>
+        </p:nvSpPr>
+        <p:spPr/>
+        <p:txBody>
+          <a:bodyPr/>
+          <a:lstStyle/>
+          <a:p>
+            <a:r>
+              <a:rPr lang="de-DE" dirty="0"/>
+              <a:t>Anna Reiter, Chiara Perocco</a:t>
+            </a:r>
+          </a:p>
+        </p:txBody>
+      </p:sp>
+      <p:sp>
+        <p:nvSpPr>
+          <p:cNvPr id="5" name="Fußzeilenplatzhalter 4">
+            <a:extLst>
+              <a:ext uri="{FF2B5EF4-FFF2-40B4-BE49-F238E27FC236}">
+                <a16:creationId xmlns:a16="http://schemas.microsoft.com/office/drawing/2014/main" id="{7DEC59FF-6BBB-D626-A695-1F644E9B8CF9}"/>
+              </a:ext>
+            </a:extLst>
+          </p:cNvPr>
+          <p:cNvSpPr>
+            <a:spLocks noGrp="1"/>
+          </p:cNvSpPr>
+          <p:nvPr>
+            <p:ph type="ftr" sz="quarter" idx="11"/>
+          </p:nvPr>
+        </p:nvSpPr>
+        <p:spPr/>
+        <p:txBody>
+          <a:bodyPr/>
+          <a:lstStyle/>
+          <a:p>
+            <a:r>
+              <a:rPr lang="de-DE"/>
+              <a:t>Advanced Deep Learning </a:t>
+            </a:r>
+            <a:endParaRPr lang="de-DE" dirty="0"/>
+          </a:p>
+        </p:txBody>
+      </p:sp>
+      <p:sp>
+        <p:nvSpPr>
+          <p:cNvPr id="6" name="Foliennummernplatzhalter 5">
+            <a:extLst>
+              <a:ext uri="{FF2B5EF4-FFF2-40B4-BE49-F238E27FC236}">
+                <a16:creationId xmlns:a16="http://schemas.microsoft.com/office/drawing/2014/main" id="{084B599A-0A5A-4670-105F-1D578DEB3E79}"/>
+              </a:ext>
+            </a:extLst>
+          </p:cNvPr>
+          <p:cNvSpPr>
+            <a:spLocks noGrp="1"/>
+          </p:cNvSpPr>
+          <p:nvPr>
+            <p:ph type="sldNum" sz="quarter" idx="12"/>
+          </p:nvPr>
+        </p:nvSpPr>
+        <p:spPr/>
+        <p:txBody>
+          <a:bodyPr/>
+          <a:lstStyle/>
+          <a:p>
+            <a:fld id="{A13361CF-9A47-4C8C-A01E-566DC0626ACC}" type="slidenum">
+              <a:rPr lang="de-DE" smtClean="0"/>
+              <a:t>12</a:t>
+            </a:fld>
+            <a:endParaRPr lang="de-DE"/>
+          </a:p>
+        </p:txBody>
+      </p:sp>
+      <p:sp>
+        <p:nvSpPr>
+          <p:cNvPr id="8" name="Titel 7">
+            <a:extLst>
+              <a:ext uri="{FF2B5EF4-FFF2-40B4-BE49-F238E27FC236}">
+                <a16:creationId xmlns:a16="http://schemas.microsoft.com/office/drawing/2014/main" id="{1B43C359-4159-E60A-FF96-7208AE87FF06}"/>
+              </a:ext>
+            </a:extLst>
+          </p:cNvPr>
+          <p:cNvSpPr>
+            <a:spLocks noGrp="1"/>
+          </p:cNvSpPr>
+          <p:nvPr>
+            <p:ph type="title"/>
+          </p:nvPr>
+        </p:nvSpPr>
+        <p:spPr>
+          <a:xfrm>
+            <a:off x="371473" y="277709"/>
+            <a:ext cx="9799815" cy="1638404"/>
+          </a:xfrm>
+        </p:spPr>
+        <p:txBody>
+          <a:bodyPr/>
+          <a:lstStyle/>
+          <a:p>
+            <a:r>
+              <a:rPr lang="de-DE" dirty="0" err="1"/>
+              <a:t>Article</a:t>
+            </a:r>
+            <a:r>
+              <a:rPr lang="de-DE" dirty="0"/>
+              <a:t> Agent, </a:t>
+            </a:r>
+            <a:r>
+              <a:rPr lang="de-DE" dirty="0" err="1"/>
+              <a:t>Artcile</a:t>
+            </a:r>
+            <a:r>
+              <a:rPr lang="de-DE" dirty="0"/>
+              <a:t> Assembler, Diffusion Model</a:t>
+            </a:r>
+          </a:p>
+        </p:txBody>
+      </p:sp>
+    </p:spTree>
+    <p:extLst>
+      <p:ext uri="{BB962C8B-B14F-4D97-AF65-F5344CB8AC3E}">
+        <p14:creationId xmlns:p14="http://schemas.microsoft.com/office/powerpoint/2010/main" val="3568476423"/>
       </p:ext>
     </p:extLst>
   </p:cSld>
@@ -6212,10 +6217,10 @@
       </p:grpSpPr>
       <p:sp>
         <p:nvSpPr>
-          <p:cNvPr id="2" name="Titel 1">
-            <a:extLst>
-              <a:ext uri="{FF2B5EF4-FFF2-40B4-BE49-F238E27FC236}">
-                <a16:creationId xmlns:a16="http://schemas.microsoft.com/office/drawing/2014/main" id="{1B6A7B94-4700-4964-21DA-601052034D00}"/>
+          <p:cNvPr id="9" name="Titel 8">
+            <a:extLst>
+              <a:ext uri="{FF2B5EF4-FFF2-40B4-BE49-F238E27FC236}">
+                <a16:creationId xmlns:a16="http://schemas.microsoft.com/office/drawing/2014/main" id="{136BF4A2-D5D9-D6E5-E454-0711F7E88DB2}"/>
               </a:ext>
             </a:extLst>
           </p:cNvPr>
@@ -6227,706 +6232,6 @@
           </p:nvPr>
         </p:nvSpPr>
         <p:spPr/>
-        <p:txBody>
-          <a:bodyPr/>
-          <a:lstStyle/>
-          <a:p>
-            <a:r>
-              <a:rPr lang="de-DE" dirty="0"/>
-              <a:t>Image </a:t>
-            </a:r>
-            <a:r>
-              <a:rPr lang="de-DE" dirty="0" err="1"/>
-              <a:t>Classifier</a:t>
-            </a:r>
-            <a:r>
-              <a:rPr lang="de-DE" dirty="0"/>
-              <a:t> - </a:t>
-            </a:r>
-            <a:r>
-              <a:rPr lang="de-DE" dirty="0" err="1"/>
-              <a:t>AlexNet</a:t>
-            </a:r>
-            <a:endParaRPr lang="de-DE" dirty="0"/>
-          </a:p>
-        </p:txBody>
-      </p:sp>
-      <p:sp>
-        <p:nvSpPr>
-          <p:cNvPr id="3" name="Inhaltsplatzhalter 2">
-            <a:extLst>
-              <a:ext uri="{FF2B5EF4-FFF2-40B4-BE49-F238E27FC236}">
-                <a16:creationId xmlns:a16="http://schemas.microsoft.com/office/drawing/2014/main" id="{A3E21A57-8125-C9FF-B4B1-0A9262416F7A}"/>
-              </a:ext>
-            </a:extLst>
-          </p:cNvPr>
-          <p:cNvSpPr>
-            <a:spLocks noGrp="1"/>
-          </p:cNvSpPr>
-          <p:nvPr>
-            <p:ph idx="1"/>
-          </p:nvPr>
-        </p:nvSpPr>
-        <p:spPr/>
-        <p:txBody>
-          <a:bodyPr/>
-          <a:lstStyle/>
-          <a:p>
-            <a:endParaRPr lang="de-DE"/>
-          </a:p>
-        </p:txBody>
-      </p:sp>
-      <p:sp>
-        <p:nvSpPr>
-          <p:cNvPr id="4" name="Datumsplatzhalter 3">
-            <a:extLst>
-              <a:ext uri="{FF2B5EF4-FFF2-40B4-BE49-F238E27FC236}">
-                <a16:creationId xmlns:a16="http://schemas.microsoft.com/office/drawing/2014/main" id="{1CA7CDE6-93BE-EEB8-FACF-81036F4A7E8F}"/>
-              </a:ext>
-            </a:extLst>
-          </p:cNvPr>
-          <p:cNvSpPr>
-            <a:spLocks noGrp="1"/>
-          </p:cNvSpPr>
-          <p:nvPr>
-            <p:ph type="dt" sz="half" idx="10"/>
-          </p:nvPr>
-        </p:nvSpPr>
-        <p:spPr/>
-        <p:txBody>
-          <a:bodyPr/>
-          <a:lstStyle/>
-          <a:p>
-            <a:r>
-              <a:rPr lang="de-DE" dirty="0"/>
-              <a:t>Anna Reiter, Chiara Perocco</a:t>
-            </a:r>
-          </a:p>
-        </p:txBody>
-      </p:sp>
-      <p:sp>
-        <p:nvSpPr>
-          <p:cNvPr id="5" name="Fußzeilenplatzhalter 4">
-            <a:extLst>
-              <a:ext uri="{FF2B5EF4-FFF2-40B4-BE49-F238E27FC236}">
-                <a16:creationId xmlns:a16="http://schemas.microsoft.com/office/drawing/2014/main" id="{66571739-177E-E587-0F24-7CACED7AECAE}"/>
-              </a:ext>
-            </a:extLst>
-          </p:cNvPr>
-          <p:cNvSpPr>
-            <a:spLocks noGrp="1"/>
-          </p:cNvSpPr>
-          <p:nvPr>
-            <p:ph type="ftr" sz="quarter" idx="11"/>
-          </p:nvPr>
-        </p:nvSpPr>
-        <p:spPr/>
-        <p:txBody>
-          <a:bodyPr/>
-          <a:lstStyle/>
-          <a:p>
-            <a:r>
-              <a:rPr lang="de-DE"/>
-              <a:t>Advanced Deep Learning </a:t>
-            </a:r>
-          </a:p>
-        </p:txBody>
-      </p:sp>
-      <p:sp>
-        <p:nvSpPr>
-          <p:cNvPr id="6" name="Foliennummernplatzhalter 5">
-            <a:extLst>
-              <a:ext uri="{FF2B5EF4-FFF2-40B4-BE49-F238E27FC236}">
-                <a16:creationId xmlns:a16="http://schemas.microsoft.com/office/drawing/2014/main" id="{9B0B9D7F-9111-55EF-97CA-7F057C9CB498}"/>
-              </a:ext>
-            </a:extLst>
-          </p:cNvPr>
-          <p:cNvSpPr>
-            <a:spLocks noGrp="1"/>
-          </p:cNvSpPr>
-          <p:nvPr>
-            <p:ph type="sldNum" sz="quarter" idx="12"/>
-          </p:nvPr>
-        </p:nvSpPr>
-        <p:spPr/>
-        <p:txBody>
-          <a:bodyPr/>
-          <a:lstStyle/>
-          <a:p>
-            <a:fld id="{A13361CF-9A47-4C8C-A01E-566DC0626ACC}" type="slidenum">
-              <a:rPr lang="de-DE" smtClean="0"/>
-              <a:pPr/>
-              <a:t>13</a:t>
-            </a:fld>
-            <a:endParaRPr lang="de-DE"/>
-          </a:p>
-        </p:txBody>
-      </p:sp>
-    </p:spTree>
-    <p:extLst>
-      <p:ext uri="{BB962C8B-B14F-4D97-AF65-F5344CB8AC3E}">
-        <p14:creationId xmlns:p14="http://schemas.microsoft.com/office/powerpoint/2010/main" val="742316637"/>
-      </p:ext>
-    </p:extLst>
-  </p:cSld>
-  <p:clrMapOvr>
-    <a:masterClrMapping/>
-  </p:clrMapOvr>
-</p:sld>
-</file>
-
-<file path=ppt/slides/slide14.xml><?xml version="1.0" encoding="utf-8"?>
-<p:sld xmlns:a="http://schemas.openxmlformats.org/drawingml/2006/main" xmlns:r="http://schemas.openxmlformats.org/officeDocument/2006/relationships" xmlns:p="http://schemas.openxmlformats.org/presentationml/2006/main">
-  <p:cSld>
-    <p:spTree>
-      <p:nvGrpSpPr>
-        <p:cNvPr id="1" name="">
-          <a:extLst>
-            <a:ext uri="{FF2B5EF4-FFF2-40B4-BE49-F238E27FC236}">
-              <a16:creationId xmlns:a16="http://schemas.microsoft.com/office/drawing/2014/main" id="{3FD2547B-74AA-6DA6-BE43-714BEEFC3DA4}"/>
-            </a:ext>
-          </a:extLst>
-        </p:cNvPr>
-        <p:cNvGrpSpPr/>
-        <p:nvPr/>
-      </p:nvGrpSpPr>
-      <p:grpSpPr>
-        <a:xfrm>
-          <a:off x="0" y="0"/>
-          <a:ext cx="0" cy="0"/>
-          <a:chOff x="0" y="0"/>
-          <a:chExt cx="0" cy="0"/>
-        </a:xfrm>
-      </p:grpSpPr>
-      <p:sp>
-        <p:nvSpPr>
-          <p:cNvPr id="2" name="Titel 1">
-            <a:extLst>
-              <a:ext uri="{FF2B5EF4-FFF2-40B4-BE49-F238E27FC236}">
-                <a16:creationId xmlns:a16="http://schemas.microsoft.com/office/drawing/2014/main" id="{AD924F99-CB66-236A-0528-DA7759ABB279}"/>
-              </a:ext>
-            </a:extLst>
-          </p:cNvPr>
-          <p:cNvSpPr>
-            <a:spLocks noGrp="1"/>
-          </p:cNvSpPr>
-          <p:nvPr>
-            <p:ph type="title"/>
-          </p:nvPr>
-        </p:nvSpPr>
-        <p:spPr/>
-        <p:txBody>
-          <a:bodyPr/>
-          <a:lstStyle/>
-          <a:p>
-            <a:r>
-              <a:rPr lang="de-DE" dirty="0"/>
-              <a:t>Image </a:t>
-            </a:r>
-            <a:r>
-              <a:rPr lang="de-DE" dirty="0" err="1"/>
-              <a:t>Classifier</a:t>
-            </a:r>
-            <a:r>
-              <a:rPr lang="de-DE" dirty="0"/>
-              <a:t> - </a:t>
-            </a:r>
-            <a:r>
-              <a:rPr lang="de-DE" dirty="0" err="1"/>
-              <a:t>VisionTransformer</a:t>
-            </a:r>
-            <a:endParaRPr lang="de-DE" dirty="0"/>
-          </a:p>
-        </p:txBody>
-      </p:sp>
-      <p:sp>
-        <p:nvSpPr>
-          <p:cNvPr id="3" name="Inhaltsplatzhalter 2">
-            <a:extLst>
-              <a:ext uri="{FF2B5EF4-FFF2-40B4-BE49-F238E27FC236}">
-                <a16:creationId xmlns:a16="http://schemas.microsoft.com/office/drawing/2014/main" id="{2E3FE83C-3CD0-7140-2CC7-BB9797F0C7F7}"/>
-              </a:ext>
-            </a:extLst>
-          </p:cNvPr>
-          <p:cNvSpPr>
-            <a:spLocks noGrp="1"/>
-          </p:cNvSpPr>
-          <p:nvPr>
-            <p:ph idx="1"/>
-          </p:nvPr>
-        </p:nvSpPr>
-        <p:spPr/>
-        <p:txBody>
-          <a:bodyPr/>
-          <a:lstStyle/>
-          <a:p>
-            <a:endParaRPr lang="de-DE"/>
-          </a:p>
-        </p:txBody>
-      </p:sp>
-      <p:sp>
-        <p:nvSpPr>
-          <p:cNvPr id="4" name="Datumsplatzhalter 3">
-            <a:extLst>
-              <a:ext uri="{FF2B5EF4-FFF2-40B4-BE49-F238E27FC236}">
-                <a16:creationId xmlns:a16="http://schemas.microsoft.com/office/drawing/2014/main" id="{7BDC77EF-9086-5D23-20D1-35D5F36803F3}"/>
-              </a:ext>
-            </a:extLst>
-          </p:cNvPr>
-          <p:cNvSpPr>
-            <a:spLocks noGrp="1"/>
-          </p:cNvSpPr>
-          <p:nvPr>
-            <p:ph type="dt" sz="half" idx="10"/>
-          </p:nvPr>
-        </p:nvSpPr>
-        <p:spPr/>
-        <p:txBody>
-          <a:bodyPr/>
-          <a:lstStyle/>
-          <a:p>
-            <a:r>
-              <a:rPr lang="de-DE" dirty="0"/>
-              <a:t>Anna Reiter, Chiara Perocco</a:t>
-            </a:r>
-          </a:p>
-        </p:txBody>
-      </p:sp>
-      <p:sp>
-        <p:nvSpPr>
-          <p:cNvPr id="5" name="Fußzeilenplatzhalter 4">
-            <a:extLst>
-              <a:ext uri="{FF2B5EF4-FFF2-40B4-BE49-F238E27FC236}">
-                <a16:creationId xmlns:a16="http://schemas.microsoft.com/office/drawing/2014/main" id="{1D72CADF-586C-D278-8774-518B45CAD801}"/>
-              </a:ext>
-            </a:extLst>
-          </p:cNvPr>
-          <p:cNvSpPr>
-            <a:spLocks noGrp="1"/>
-          </p:cNvSpPr>
-          <p:nvPr>
-            <p:ph type="ftr" sz="quarter" idx="11"/>
-          </p:nvPr>
-        </p:nvSpPr>
-        <p:spPr/>
-        <p:txBody>
-          <a:bodyPr/>
-          <a:lstStyle/>
-          <a:p>
-            <a:r>
-              <a:rPr lang="de-DE"/>
-              <a:t>Advanced Deep Learning </a:t>
-            </a:r>
-          </a:p>
-        </p:txBody>
-      </p:sp>
-      <p:sp>
-        <p:nvSpPr>
-          <p:cNvPr id="6" name="Foliennummernplatzhalter 5">
-            <a:extLst>
-              <a:ext uri="{FF2B5EF4-FFF2-40B4-BE49-F238E27FC236}">
-                <a16:creationId xmlns:a16="http://schemas.microsoft.com/office/drawing/2014/main" id="{BDA2F77C-F9CC-10E2-56FE-0DEF45BC4B03}"/>
-              </a:ext>
-            </a:extLst>
-          </p:cNvPr>
-          <p:cNvSpPr>
-            <a:spLocks noGrp="1"/>
-          </p:cNvSpPr>
-          <p:nvPr>
-            <p:ph type="sldNum" sz="quarter" idx="12"/>
-          </p:nvPr>
-        </p:nvSpPr>
-        <p:spPr/>
-        <p:txBody>
-          <a:bodyPr/>
-          <a:lstStyle/>
-          <a:p>
-            <a:fld id="{A13361CF-9A47-4C8C-A01E-566DC0626ACC}" type="slidenum">
-              <a:rPr lang="de-DE" smtClean="0"/>
-              <a:pPr/>
-              <a:t>14</a:t>
-            </a:fld>
-            <a:endParaRPr lang="de-DE"/>
-          </a:p>
-        </p:txBody>
-      </p:sp>
-    </p:spTree>
-    <p:extLst>
-      <p:ext uri="{BB962C8B-B14F-4D97-AF65-F5344CB8AC3E}">
-        <p14:creationId xmlns:p14="http://schemas.microsoft.com/office/powerpoint/2010/main" val="2642801672"/>
-      </p:ext>
-    </p:extLst>
-  </p:cSld>
-  <p:clrMapOvr>
-    <a:masterClrMapping/>
-  </p:clrMapOvr>
-</p:sld>
-</file>
-
-<file path=ppt/slides/slide15.xml><?xml version="1.0" encoding="utf-8"?>
-<p:sld xmlns:a="http://schemas.openxmlformats.org/drawingml/2006/main" xmlns:r="http://schemas.openxmlformats.org/officeDocument/2006/relationships" xmlns:p="http://schemas.openxmlformats.org/presentationml/2006/main">
-  <p:cSld>
-    <p:spTree>
-      <p:nvGrpSpPr>
-        <p:cNvPr id="1" name="">
-          <a:extLst>
-            <a:ext uri="{FF2B5EF4-FFF2-40B4-BE49-F238E27FC236}">
-              <a16:creationId xmlns:a16="http://schemas.microsoft.com/office/drawing/2014/main" id="{D62B2FAD-2F81-4C6C-DCBC-1DA15A4D7C51}"/>
-            </a:ext>
-          </a:extLst>
-        </p:cNvPr>
-        <p:cNvGrpSpPr/>
-        <p:nvPr/>
-      </p:nvGrpSpPr>
-      <p:grpSpPr>
-        <a:xfrm>
-          <a:off x="0" y="0"/>
-          <a:ext cx="0" cy="0"/>
-          <a:chOff x="0" y="0"/>
-          <a:chExt cx="0" cy="0"/>
-        </a:xfrm>
-      </p:grpSpPr>
-      <p:sp>
-        <p:nvSpPr>
-          <p:cNvPr id="2" name="Titel 1">
-            <a:extLst>
-              <a:ext uri="{FF2B5EF4-FFF2-40B4-BE49-F238E27FC236}">
-                <a16:creationId xmlns:a16="http://schemas.microsoft.com/office/drawing/2014/main" id="{271401BC-3B94-387B-85A1-9FDF233CC847}"/>
-              </a:ext>
-            </a:extLst>
-          </p:cNvPr>
-          <p:cNvSpPr>
-            <a:spLocks noGrp="1"/>
-          </p:cNvSpPr>
-          <p:nvPr>
-            <p:ph type="title"/>
-          </p:nvPr>
-        </p:nvSpPr>
-        <p:spPr/>
-        <p:txBody>
-          <a:bodyPr/>
-          <a:lstStyle/>
-          <a:p>
-            <a:r>
-              <a:rPr lang="de-DE" dirty="0"/>
-              <a:t>Image </a:t>
-            </a:r>
-            <a:r>
-              <a:rPr lang="de-DE" dirty="0" err="1"/>
-              <a:t>Classifier</a:t>
-            </a:r>
-            <a:r>
-              <a:rPr lang="de-DE" dirty="0"/>
-              <a:t> – ResNet50</a:t>
-            </a:r>
-          </a:p>
-        </p:txBody>
-      </p:sp>
-      <p:sp>
-        <p:nvSpPr>
-          <p:cNvPr id="3" name="Inhaltsplatzhalter 2">
-            <a:extLst>
-              <a:ext uri="{FF2B5EF4-FFF2-40B4-BE49-F238E27FC236}">
-                <a16:creationId xmlns:a16="http://schemas.microsoft.com/office/drawing/2014/main" id="{ECCDEA22-FDBA-FAEF-3C06-9441D4B6E1D3}"/>
-              </a:ext>
-            </a:extLst>
-          </p:cNvPr>
-          <p:cNvSpPr>
-            <a:spLocks noGrp="1"/>
-          </p:cNvSpPr>
-          <p:nvPr>
-            <p:ph idx="1"/>
-          </p:nvPr>
-        </p:nvSpPr>
-        <p:spPr/>
-        <p:txBody>
-          <a:bodyPr/>
-          <a:lstStyle/>
-          <a:p>
-            <a:endParaRPr lang="de-DE"/>
-          </a:p>
-        </p:txBody>
-      </p:sp>
-      <p:sp>
-        <p:nvSpPr>
-          <p:cNvPr id="4" name="Datumsplatzhalter 3">
-            <a:extLst>
-              <a:ext uri="{FF2B5EF4-FFF2-40B4-BE49-F238E27FC236}">
-                <a16:creationId xmlns:a16="http://schemas.microsoft.com/office/drawing/2014/main" id="{BF21F275-DC43-5FA9-A089-7C8643D7CD9F}"/>
-              </a:ext>
-            </a:extLst>
-          </p:cNvPr>
-          <p:cNvSpPr>
-            <a:spLocks noGrp="1"/>
-          </p:cNvSpPr>
-          <p:nvPr>
-            <p:ph type="dt" sz="half" idx="10"/>
-          </p:nvPr>
-        </p:nvSpPr>
-        <p:spPr/>
-        <p:txBody>
-          <a:bodyPr/>
-          <a:lstStyle/>
-          <a:p>
-            <a:r>
-              <a:rPr lang="de-DE" dirty="0"/>
-              <a:t>Anna Reiter, Chiara Perocco</a:t>
-            </a:r>
-          </a:p>
-        </p:txBody>
-      </p:sp>
-      <p:sp>
-        <p:nvSpPr>
-          <p:cNvPr id="5" name="Fußzeilenplatzhalter 4">
-            <a:extLst>
-              <a:ext uri="{FF2B5EF4-FFF2-40B4-BE49-F238E27FC236}">
-                <a16:creationId xmlns:a16="http://schemas.microsoft.com/office/drawing/2014/main" id="{DC00E5DC-1CE8-A56D-2962-DD237196E66B}"/>
-              </a:ext>
-            </a:extLst>
-          </p:cNvPr>
-          <p:cNvSpPr>
-            <a:spLocks noGrp="1"/>
-          </p:cNvSpPr>
-          <p:nvPr>
-            <p:ph type="ftr" sz="quarter" idx="11"/>
-          </p:nvPr>
-        </p:nvSpPr>
-        <p:spPr/>
-        <p:txBody>
-          <a:bodyPr/>
-          <a:lstStyle/>
-          <a:p>
-            <a:r>
-              <a:rPr lang="de-DE"/>
-              <a:t>Advanced Deep Learning </a:t>
-            </a:r>
-          </a:p>
-        </p:txBody>
-      </p:sp>
-      <p:sp>
-        <p:nvSpPr>
-          <p:cNvPr id="6" name="Foliennummernplatzhalter 5">
-            <a:extLst>
-              <a:ext uri="{FF2B5EF4-FFF2-40B4-BE49-F238E27FC236}">
-                <a16:creationId xmlns:a16="http://schemas.microsoft.com/office/drawing/2014/main" id="{381DBA9A-8975-36A9-F64B-786677C9A602}"/>
-              </a:ext>
-            </a:extLst>
-          </p:cNvPr>
-          <p:cNvSpPr>
-            <a:spLocks noGrp="1"/>
-          </p:cNvSpPr>
-          <p:nvPr>
-            <p:ph type="sldNum" sz="quarter" idx="12"/>
-          </p:nvPr>
-        </p:nvSpPr>
-        <p:spPr/>
-        <p:txBody>
-          <a:bodyPr/>
-          <a:lstStyle/>
-          <a:p>
-            <a:fld id="{A13361CF-9A47-4C8C-A01E-566DC0626ACC}" type="slidenum">
-              <a:rPr lang="de-DE" smtClean="0"/>
-              <a:pPr/>
-              <a:t>15</a:t>
-            </a:fld>
-            <a:endParaRPr lang="de-DE"/>
-          </a:p>
-        </p:txBody>
-      </p:sp>
-    </p:spTree>
-    <p:extLst>
-      <p:ext uri="{BB962C8B-B14F-4D97-AF65-F5344CB8AC3E}">
-        <p14:creationId xmlns:p14="http://schemas.microsoft.com/office/powerpoint/2010/main" val="764601049"/>
-      </p:ext>
-    </p:extLst>
-  </p:cSld>
-  <p:clrMapOvr>
-    <a:masterClrMapping/>
-  </p:clrMapOvr>
-</p:sld>
-</file>
-
-<file path=ppt/slides/slide16.xml><?xml version="1.0" encoding="utf-8"?>
-<p:sld xmlns:a="http://schemas.openxmlformats.org/drawingml/2006/main" xmlns:r="http://schemas.openxmlformats.org/officeDocument/2006/relationships" xmlns:p="http://schemas.openxmlformats.org/presentationml/2006/main">
-  <p:cSld>
-    <p:spTree>
-      <p:nvGrpSpPr>
-        <p:cNvPr id="1" name="">
-          <a:extLst>
-            <a:ext uri="{FF2B5EF4-FFF2-40B4-BE49-F238E27FC236}">
-              <a16:creationId xmlns:a16="http://schemas.microsoft.com/office/drawing/2014/main" id="{F405CDAD-DAF7-384B-A611-7D867DDEE6DC}"/>
-            </a:ext>
-          </a:extLst>
-        </p:cNvPr>
-        <p:cNvGrpSpPr/>
-        <p:nvPr/>
-      </p:nvGrpSpPr>
-      <p:grpSpPr>
-        <a:xfrm>
-          <a:off x="0" y="0"/>
-          <a:ext cx="0" cy="0"/>
-          <a:chOff x="0" y="0"/>
-          <a:chExt cx="0" cy="0"/>
-        </a:xfrm>
-      </p:grpSpPr>
-      <p:sp>
-        <p:nvSpPr>
-          <p:cNvPr id="2" name="Bildplatzhalter 1">
-            <a:extLst>
-              <a:ext uri="{FF2B5EF4-FFF2-40B4-BE49-F238E27FC236}">
-                <a16:creationId xmlns:a16="http://schemas.microsoft.com/office/drawing/2014/main" id="{643AE90D-95F1-6086-CF45-3156CF1EB5BB}"/>
-              </a:ext>
-            </a:extLst>
-          </p:cNvPr>
-          <p:cNvSpPr>
-            <a:spLocks noGrp="1"/>
-          </p:cNvSpPr>
-          <p:nvPr>
-            <p:ph type="pic" sz="quarter" idx="15"/>
-          </p:nvPr>
-        </p:nvSpPr>
-        <p:spPr/>
-        <p:txBody>
-          <a:bodyPr/>
-          <a:lstStyle/>
-          <a:p>
-            <a:endParaRPr lang="de-DE"/>
-          </a:p>
-        </p:txBody>
-      </p:sp>
-      <p:sp>
-        <p:nvSpPr>
-          <p:cNvPr id="3" name="Textplatzhalter 2">
-            <a:extLst>
-              <a:ext uri="{FF2B5EF4-FFF2-40B4-BE49-F238E27FC236}">
-                <a16:creationId xmlns:a16="http://schemas.microsoft.com/office/drawing/2014/main" id="{A41ACE2D-F778-FDE3-4936-2DBCF4119A22}"/>
-              </a:ext>
-            </a:extLst>
-          </p:cNvPr>
-          <p:cNvSpPr>
-            <a:spLocks noGrp="1"/>
-          </p:cNvSpPr>
-          <p:nvPr>
-            <p:ph type="body" sz="quarter" idx="16"/>
-          </p:nvPr>
-        </p:nvSpPr>
-        <p:spPr/>
-        <p:txBody>
-          <a:bodyPr/>
-          <a:lstStyle/>
-          <a:p>
-            <a:endParaRPr lang="de-DE"/>
-          </a:p>
-        </p:txBody>
-      </p:sp>
-      <p:sp>
-        <p:nvSpPr>
-          <p:cNvPr id="4" name="Datumsplatzhalter 3">
-            <a:extLst>
-              <a:ext uri="{FF2B5EF4-FFF2-40B4-BE49-F238E27FC236}">
-                <a16:creationId xmlns:a16="http://schemas.microsoft.com/office/drawing/2014/main" id="{2FF93EEC-5A6E-56D0-8F02-5092D298FF69}"/>
-              </a:ext>
-            </a:extLst>
-          </p:cNvPr>
-          <p:cNvSpPr>
-            <a:spLocks noGrp="1"/>
-          </p:cNvSpPr>
-          <p:nvPr>
-            <p:ph type="dt" sz="half" idx="10"/>
-          </p:nvPr>
-        </p:nvSpPr>
-        <p:spPr/>
-        <p:txBody>
-          <a:bodyPr/>
-          <a:lstStyle/>
-          <a:p>
-            <a:r>
-              <a:rPr lang="de-DE" dirty="0"/>
-              <a:t>Anna Reiter, Chiara Perocco</a:t>
-            </a:r>
-          </a:p>
-        </p:txBody>
-      </p:sp>
-      <p:sp>
-        <p:nvSpPr>
-          <p:cNvPr id="5" name="Fußzeilenplatzhalter 4">
-            <a:extLst>
-              <a:ext uri="{FF2B5EF4-FFF2-40B4-BE49-F238E27FC236}">
-                <a16:creationId xmlns:a16="http://schemas.microsoft.com/office/drawing/2014/main" id="{7DEC59FF-6BBB-D626-A695-1F644E9B8CF9}"/>
-              </a:ext>
-            </a:extLst>
-          </p:cNvPr>
-          <p:cNvSpPr>
-            <a:spLocks noGrp="1"/>
-          </p:cNvSpPr>
-          <p:nvPr>
-            <p:ph type="ftr" sz="quarter" idx="11"/>
-          </p:nvPr>
-        </p:nvSpPr>
-        <p:spPr/>
-        <p:txBody>
-          <a:bodyPr/>
-          <a:lstStyle/>
-          <a:p>
-            <a:r>
-              <a:rPr lang="de-DE"/>
-              <a:t>Advanced Deep Learning </a:t>
-            </a:r>
-            <a:endParaRPr lang="de-DE" dirty="0"/>
-          </a:p>
-        </p:txBody>
-      </p:sp>
-      <p:sp>
-        <p:nvSpPr>
-          <p:cNvPr id="6" name="Foliennummernplatzhalter 5">
-            <a:extLst>
-              <a:ext uri="{FF2B5EF4-FFF2-40B4-BE49-F238E27FC236}">
-                <a16:creationId xmlns:a16="http://schemas.microsoft.com/office/drawing/2014/main" id="{084B599A-0A5A-4670-105F-1D578DEB3E79}"/>
-              </a:ext>
-            </a:extLst>
-          </p:cNvPr>
-          <p:cNvSpPr>
-            <a:spLocks noGrp="1"/>
-          </p:cNvSpPr>
-          <p:nvPr>
-            <p:ph type="sldNum" sz="quarter" idx="12"/>
-          </p:nvPr>
-        </p:nvSpPr>
-        <p:spPr/>
-        <p:txBody>
-          <a:bodyPr/>
-          <a:lstStyle/>
-          <a:p>
-            <a:fld id="{A13361CF-9A47-4C8C-A01E-566DC0626ACC}" type="slidenum">
-              <a:rPr lang="de-DE" smtClean="0"/>
-              <a:t>16</a:t>
-            </a:fld>
-            <a:endParaRPr lang="de-DE"/>
-          </a:p>
-        </p:txBody>
-      </p:sp>
-      <p:sp>
-        <p:nvSpPr>
-          <p:cNvPr id="8" name="Titel 7">
-            <a:extLst>
-              <a:ext uri="{FF2B5EF4-FFF2-40B4-BE49-F238E27FC236}">
-                <a16:creationId xmlns:a16="http://schemas.microsoft.com/office/drawing/2014/main" id="{1B43C359-4159-E60A-FF96-7208AE87FF06}"/>
-              </a:ext>
-            </a:extLst>
-          </p:cNvPr>
-          <p:cNvSpPr>
-            <a:spLocks noGrp="1"/>
-          </p:cNvSpPr>
-          <p:nvPr>
-            <p:ph type="title"/>
-          </p:nvPr>
-        </p:nvSpPr>
-        <p:spPr>
-          <a:xfrm>
-            <a:off x="371473" y="277709"/>
-            <a:ext cx="9799815" cy="1638404"/>
-          </a:xfrm>
-        </p:spPr>
         <p:txBody>
           <a:bodyPr/>
           <a:lstStyle/>
@@ -6950,101 +6255,42 @@
           </a:p>
         </p:txBody>
       </p:sp>
-    </p:spTree>
-    <p:extLst>
-      <p:ext uri="{BB962C8B-B14F-4D97-AF65-F5344CB8AC3E}">
-        <p14:creationId xmlns:p14="http://schemas.microsoft.com/office/powerpoint/2010/main" val="3568476423"/>
-      </p:ext>
-    </p:extLst>
-  </p:cSld>
-  <p:clrMapOvr>
-    <a:masterClrMapping/>
-  </p:clrMapOvr>
-</p:sld>
-</file>
-
-<file path=ppt/slides/slide17.xml><?xml version="1.0" encoding="utf-8"?>
-<p:sld xmlns:a="http://schemas.openxmlformats.org/drawingml/2006/main" xmlns:r="http://schemas.openxmlformats.org/officeDocument/2006/relationships" xmlns:p="http://schemas.openxmlformats.org/presentationml/2006/main">
-  <p:cSld>
-    <p:spTree>
-      <p:nvGrpSpPr>
-        <p:cNvPr id="1" name=""/>
-        <p:cNvGrpSpPr/>
-        <p:nvPr/>
-      </p:nvGrpSpPr>
-      <p:grpSpPr>
-        <a:xfrm>
-          <a:off x="0" y="0"/>
-          <a:ext cx="0" cy="0"/>
-          <a:chOff x="0" y="0"/>
-          <a:chExt cx="0" cy="0"/>
-        </a:xfrm>
-      </p:grpSpPr>
-      <p:sp>
-        <p:nvSpPr>
-          <p:cNvPr id="9" name="Titel 8">
-            <a:extLst>
-              <a:ext uri="{FF2B5EF4-FFF2-40B4-BE49-F238E27FC236}">
-                <a16:creationId xmlns:a16="http://schemas.microsoft.com/office/drawing/2014/main" id="{136BF4A2-D5D9-D6E5-E454-0711F7E88DB2}"/>
-              </a:ext>
-            </a:extLst>
-          </p:cNvPr>
-          <p:cNvSpPr>
-            <a:spLocks noGrp="1"/>
-          </p:cNvSpPr>
-          <p:nvPr>
-            <p:ph type="title"/>
-          </p:nvPr>
-        </p:nvSpPr>
-        <p:spPr/>
-        <p:txBody>
-          <a:bodyPr/>
-          <a:lstStyle/>
-          <a:p>
+      <p:sp>
+        <p:nvSpPr>
+          <p:cNvPr id="10" name="Inhaltsplatzhalter 9">
+            <a:extLst>
+              <a:ext uri="{FF2B5EF4-FFF2-40B4-BE49-F238E27FC236}">
+                <a16:creationId xmlns:a16="http://schemas.microsoft.com/office/drawing/2014/main" id="{87F924D1-BDF6-6397-7219-0E536B60DCF7}"/>
+              </a:ext>
+            </a:extLst>
+          </p:cNvPr>
+          <p:cNvSpPr>
+            <a:spLocks noGrp="1"/>
+          </p:cNvSpPr>
+          <p:nvPr>
+            <p:ph idx="1"/>
+          </p:nvPr>
+        </p:nvSpPr>
+        <p:spPr/>
+        <p:txBody>
+          <a:bodyPr/>
+          <a:lstStyle/>
+          <a:p>
+            <a:r>
+              <a:rPr lang="de-DE" dirty="0"/>
+              <a:t>Tools: Wikipedia, DuckDuckGo</a:t>
+            </a:r>
+          </a:p>
+          <a:p>
+            <a:r>
+              <a:rPr lang="de-DE" dirty="0"/>
+              <a:t>LLM: Llama3.1 von </a:t>
+            </a:r>
             <a:r>
               <a:rPr lang="de-DE" dirty="0" err="1"/>
-              <a:t>Article</a:t>
-            </a:r>
-            <a:r>
-              <a:rPr lang="de-DE" dirty="0"/>
-              <a:t> Agent, </a:t>
-            </a:r>
-            <a:r>
-              <a:rPr lang="de-DE" dirty="0" err="1"/>
-              <a:t>Artcile</a:t>
-            </a:r>
-            <a:r>
-              <a:rPr lang="de-DE" dirty="0"/>
-              <a:t> Assembler, Diffusion Model</a:t>
-            </a:r>
-          </a:p>
-        </p:txBody>
-      </p:sp>
-      <p:sp>
-        <p:nvSpPr>
-          <p:cNvPr id="10" name="Inhaltsplatzhalter 9">
-            <a:extLst>
-              <a:ext uri="{FF2B5EF4-FFF2-40B4-BE49-F238E27FC236}">
-                <a16:creationId xmlns:a16="http://schemas.microsoft.com/office/drawing/2014/main" id="{87F924D1-BDF6-6397-7219-0E536B60DCF7}"/>
-              </a:ext>
-            </a:extLst>
-          </p:cNvPr>
-          <p:cNvSpPr>
-            <a:spLocks noGrp="1"/>
-          </p:cNvSpPr>
-          <p:nvPr>
-            <p:ph idx="1"/>
-          </p:nvPr>
-        </p:nvSpPr>
-        <p:spPr/>
-        <p:txBody>
-          <a:bodyPr/>
-          <a:lstStyle/>
-          <a:p>
-            <a:r>
-              <a:rPr lang="de-DE" dirty="0"/>
-              <a:t>Tools: Wikipedia, DuckDuckGo</a:t>
-            </a:r>
+              <a:t>Ollama</a:t>
+            </a:r>
+            <a:endParaRPr lang="de-DE" dirty="0"/>
           </a:p>
           <a:p>
             <a:r>
@@ -7103,9 +6349,6 @@
           <a:p>
             <a:endParaRPr lang="de-DE" dirty="0"/>
           </a:p>
-          <a:p>
-            <a:endParaRPr lang="de-DE" dirty="0"/>
-          </a:p>
         </p:txBody>
       </p:sp>
       <p:sp>
@@ -7188,7 +6431,7 @@
           <a:p>
             <a:fld id="{A13361CF-9A47-4C8C-A01E-566DC0626ACC}" type="slidenum">
               <a:rPr lang="de-DE" smtClean="0"/>
-              <a:t>17</a:t>
+              <a:t>13</a:t>
             </a:fld>
             <a:endParaRPr lang="de-DE"/>
           </a:p>
@@ -7207,7 +6450,7 @@
 </p:sld>
 </file>
 
-<file path=ppt/slides/slide18.xml><?xml version="1.0" encoding="utf-8"?>
+<file path=ppt/slides/slide14.xml><?xml version="1.0" encoding="utf-8"?>
 <p:sld xmlns:a="http://schemas.openxmlformats.org/drawingml/2006/main" xmlns:r="http://schemas.openxmlformats.org/officeDocument/2006/relationships" xmlns:p="http://schemas.openxmlformats.org/presentationml/2006/main">
   <p:cSld>
     <p:spTree>
@@ -7251,7 +6494,10 @@
           <a:bodyPr/>
           <a:lstStyle/>
           <a:p>
-            <a:endParaRPr lang="de-DE"/>
+            <a:r>
+              <a:rPr lang="de-DE" dirty="0"/>
+              <a:t>	</a:t>
+            </a:r>
           </a:p>
         </p:txBody>
       </p:sp>
@@ -7343,6 +6589,2218 @@
             <a:extLst>
               <a:ext uri="{FF2B5EF4-FFF2-40B4-BE49-F238E27FC236}">
                 <a16:creationId xmlns:a16="http://schemas.microsoft.com/office/drawing/2014/main" id="{4E6F431D-ED61-EF2D-8113-754A64ACE68C}"/>
+              </a:ext>
+            </a:extLst>
+          </p:cNvPr>
+          <p:cNvSpPr>
+            <a:spLocks noGrp="1"/>
+          </p:cNvSpPr>
+          <p:nvPr>
+            <p:ph type="sldNum" sz="quarter" idx="12"/>
+          </p:nvPr>
+        </p:nvSpPr>
+        <p:spPr/>
+        <p:txBody>
+          <a:bodyPr/>
+          <a:lstStyle/>
+          <a:p>
+            <a:fld id="{A13361CF-9A47-4C8C-A01E-566DC0626ACC}" type="slidenum">
+              <a:rPr lang="de-DE" smtClean="0"/>
+              <a:t>14</a:t>
+            </a:fld>
+            <a:endParaRPr lang="de-DE"/>
+          </a:p>
+        </p:txBody>
+      </p:sp>
+      <p:sp>
+        <p:nvSpPr>
+          <p:cNvPr id="7" name="Textplatzhalter 6">
+            <a:extLst>
+              <a:ext uri="{FF2B5EF4-FFF2-40B4-BE49-F238E27FC236}">
+                <a16:creationId xmlns:a16="http://schemas.microsoft.com/office/drawing/2014/main" id="{0DF80354-A93C-F0A8-00A0-F3E103204F23}"/>
+              </a:ext>
+            </a:extLst>
+          </p:cNvPr>
+          <p:cNvSpPr>
+            <a:spLocks noGrp="1"/>
+          </p:cNvSpPr>
+          <p:nvPr>
+            <p:ph type="body" sz="quarter" idx="14"/>
+          </p:nvPr>
+        </p:nvSpPr>
+        <p:spPr>
+          <a:xfrm>
+            <a:off x="6107112" y="277708"/>
+            <a:ext cx="5713413" cy="6073823"/>
+          </a:xfrm>
+        </p:spPr>
+        <p:txBody>
+          <a:bodyPr/>
+          <a:lstStyle/>
+          <a:p>
+            <a:pPr marL="514350" indent="-514350">
+              <a:buAutoNum type="arabicPeriod"/>
+            </a:pPr>
+            <a:r>
+              <a:rPr lang="de-DE" dirty="0"/>
+              <a:t>Ds1</a:t>
+            </a:r>
+          </a:p>
+          <a:p>
+            <a:r>
+              <a:rPr lang="de-DE" dirty="0"/>
+              <a:t>	1.1 </a:t>
+            </a:r>
+            <a:r>
+              <a:rPr lang="de-DE" dirty="0" err="1"/>
+              <a:t>AlexNet</a:t>
+            </a:r>
+            <a:endParaRPr lang="de-DE" dirty="0"/>
+          </a:p>
+          <a:p>
+            <a:r>
+              <a:rPr lang="de-DE" dirty="0"/>
+              <a:t>	1.2 ResNet50</a:t>
+            </a:r>
+          </a:p>
+          <a:p>
+            <a:r>
+              <a:rPr lang="de-DE" dirty="0"/>
+              <a:t>	1.3 </a:t>
+            </a:r>
+            <a:r>
+              <a:rPr lang="de-DE" dirty="0" err="1"/>
+              <a:t>VisionTransformer</a:t>
+            </a:r>
+            <a:endParaRPr lang="de-DE" dirty="0"/>
+          </a:p>
+          <a:p>
+            <a:endParaRPr lang="de-DE" dirty="0"/>
+          </a:p>
+          <a:p>
+            <a:r>
+              <a:rPr lang="de-DE" dirty="0"/>
+              <a:t>2. Ds2</a:t>
+            </a:r>
+          </a:p>
+          <a:p>
+            <a:r>
+              <a:rPr lang="de-DE" dirty="0"/>
+              <a:t>	2.1 </a:t>
+            </a:r>
+            <a:r>
+              <a:rPr lang="de-DE" dirty="0" err="1"/>
+              <a:t>AlexNet</a:t>
+            </a:r>
+            <a:endParaRPr lang="de-DE" dirty="0"/>
+          </a:p>
+          <a:p>
+            <a:r>
+              <a:rPr lang="de-DE" dirty="0"/>
+              <a:t>	2.2 ResNet50</a:t>
+            </a:r>
+          </a:p>
+          <a:p>
+            <a:r>
+              <a:rPr lang="de-DE" dirty="0"/>
+              <a:t>	2.3 </a:t>
+            </a:r>
+            <a:r>
+              <a:rPr lang="de-DE" dirty="0" err="1"/>
+              <a:t>VisionTransformer</a:t>
+            </a:r>
+            <a:endParaRPr lang="de-DE" dirty="0"/>
+          </a:p>
+          <a:p>
+            <a:endParaRPr lang="de-DE" dirty="0"/>
+          </a:p>
+          <a:p>
+            <a:r>
+              <a:rPr lang="de-DE" dirty="0"/>
+              <a:t>3. Ds3</a:t>
+            </a:r>
+          </a:p>
+          <a:p>
+            <a:r>
+              <a:rPr lang="de-DE" dirty="0"/>
+              <a:t>	3.1 </a:t>
+            </a:r>
+            <a:r>
+              <a:rPr lang="de-DE" dirty="0" err="1"/>
+              <a:t>AlexNet</a:t>
+            </a:r>
+            <a:endParaRPr lang="de-DE" dirty="0"/>
+          </a:p>
+          <a:p>
+            <a:r>
+              <a:rPr lang="de-DE" dirty="0"/>
+              <a:t>	3.2 ResNet50</a:t>
+            </a:r>
+          </a:p>
+          <a:p>
+            <a:r>
+              <a:rPr lang="de-DE" dirty="0"/>
+              <a:t>	3.3 </a:t>
+            </a:r>
+            <a:r>
+              <a:rPr lang="de-DE" dirty="0" err="1"/>
+              <a:t>VisionTransformer</a:t>
+            </a:r>
+            <a:endParaRPr lang="de-DE" dirty="0"/>
+          </a:p>
+          <a:p>
+            <a:endParaRPr lang="de-DE" dirty="0"/>
+          </a:p>
+        </p:txBody>
+      </p:sp>
+      <p:sp>
+        <p:nvSpPr>
+          <p:cNvPr id="8" name="Titel 7">
+            <a:extLst>
+              <a:ext uri="{FF2B5EF4-FFF2-40B4-BE49-F238E27FC236}">
+                <a16:creationId xmlns:a16="http://schemas.microsoft.com/office/drawing/2014/main" id="{44EC5263-3AC4-97B4-ABB7-541EEE803B9B}"/>
+              </a:ext>
+            </a:extLst>
+          </p:cNvPr>
+          <p:cNvSpPr>
+            <a:spLocks noGrp="1"/>
+          </p:cNvSpPr>
+          <p:nvPr>
+            <p:ph type="title"/>
+          </p:nvPr>
+        </p:nvSpPr>
+        <p:spPr/>
+        <p:txBody>
+          <a:bodyPr/>
+          <a:lstStyle/>
+          <a:p>
+            <a:r>
+              <a:rPr lang="de-DE" dirty="0" err="1"/>
+              <a:t>Results</a:t>
+            </a:r>
+            <a:endParaRPr lang="de-DE" dirty="0"/>
+          </a:p>
+        </p:txBody>
+      </p:sp>
+    </p:spTree>
+    <p:extLst>
+      <p:ext uri="{BB962C8B-B14F-4D97-AF65-F5344CB8AC3E}">
+        <p14:creationId xmlns:p14="http://schemas.microsoft.com/office/powerpoint/2010/main" val="787477154"/>
+      </p:ext>
+    </p:extLst>
+  </p:cSld>
+  <p:clrMapOvr>
+    <a:masterClrMapping/>
+  </p:clrMapOvr>
+</p:sld>
+</file>
+
+<file path=ppt/slides/slide15.xml><?xml version="1.0" encoding="utf-8"?>
+<p:sld xmlns:a="http://schemas.openxmlformats.org/drawingml/2006/main" xmlns:r="http://schemas.openxmlformats.org/officeDocument/2006/relationships" xmlns:p="http://schemas.openxmlformats.org/presentationml/2006/main">
+  <p:cSld>
+    <p:spTree>
+      <p:nvGrpSpPr>
+        <p:cNvPr id="1" name="">
+          <a:extLst>
+            <a:ext uri="{FF2B5EF4-FFF2-40B4-BE49-F238E27FC236}">
+              <a16:creationId xmlns:a16="http://schemas.microsoft.com/office/drawing/2014/main" id="{F987DE1E-68C5-D835-8A47-4340DF266200}"/>
+            </a:ext>
+          </a:extLst>
+        </p:cNvPr>
+        <p:cNvGrpSpPr/>
+        <p:nvPr/>
+      </p:nvGrpSpPr>
+      <p:grpSpPr>
+        <a:xfrm>
+          <a:off x="0" y="0"/>
+          <a:ext cx="0" cy="0"/>
+          <a:chOff x="0" y="0"/>
+          <a:chExt cx="0" cy="0"/>
+        </a:xfrm>
+      </p:grpSpPr>
+      <p:sp>
+        <p:nvSpPr>
+          <p:cNvPr id="9" name="Titel 8">
+            <a:extLst>
+              <a:ext uri="{FF2B5EF4-FFF2-40B4-BE49-F238E27FC236}">
+                <a16:creationId xmlns:a16="http://schemas.microsoft.com/office/drawing/2014/main" id="{0B7F9E4F-EFA6-46D7-411C-BBEC06BA889A}"/>
+              </a:ext>
+            </a:extLst>
+          </p:cNvPr>
+          <p:cNvSpPr>
+            <a:spLocks noGrp="1"/>
+          </p:cNvSpPr>
+          <p:nvPr>
+            <p:ph type="title"/>
+          </p:nvPr>
+        </p:nvSpPr>
+        <p:spPr/>
+        <p:txBody>
+          <a:bodyPr/>
+          <a:lstStyle/>
+          <a:p>
+            <a:r>
+              <a:rPr lang="de-DE" dirty="0"/>
+              <a:t>Definition Ds1, Ds2, Ds3</a:t>
+            </a:r>
+          </a:p>
+        </p:txBody>
+      </p:sp>
+      <p:sp>
+        <p:nvSpPr>
+          <p:cNvPr id="10" name="Inhaltsplatzhalter 9">
+            <a:extLst>
+              <a:ext uri="{FF2B5EF4-FFF2-40B4-BE49-F238E27FC236}">
+                <a16:creationId xmlns:a16="http://schemas.microsoft.com/office/drawing/2014/main" id="{70999EE2-AA0E-07B8-F1C7-E40875042EB3}"/>
+              </a:ext>
+            </a:extLst>
+          </p:cNvPr>
+          <p:cNvSpPr>
+            <a:spLocks noGrp="1"/>
+          </p:cNvSpPr>
+          <p:nvPr>
+            <p:ph idx="1"/>
+          </p:nvPr>
+        </p:nvSpPr>
+        <p:spPr>
+          <a:xfrm>
+            <a:off x="180242" y="1462509"/>
+            <a:ext cx="3346729" cy="4665127"/>
+          </a:xfrm>
+        </p:spPr>
+        <p:txBody>
+          <a:bodyPr/>
+          <a:lstStyle/>
+          <a:p>
+            <a:pPr marL="0" indent="0" algn="ctr">
+              <a:buNone/>
+            </a:pPr>
+            <a:r>
+              <a:rPr lang="de-DE" sz="2400" b="1" dirty="0"/>
+              <a:t>Ds1</a:t>
+            </a:r>
+          </a:p>
+          <a:p>
+            <a:pPr marL="0" indent="0">
+              <a:buNone/>
+            </a:pPr>
+            <a:endParaRPr lang="de-DE" b="1" dirty="0"/>
+          </a:p>
+          <a:p>
+            <a:pPr marL="0" indent="0">
+              <a:buNone/>
+            </a:pPr>
+            <a:r>
+              <a:rPr lang="de-DE" sz="1800" dirty="0"/>
+              <a:t>300 </a:t>
+            </a:r>
+            <a:r>
+              <a:rPr lang="de-DE" sz="1800" dirty="0" err="1"/>
+              <a:t>images</a:t>
+            </a:r>
+            <a:r>
+              <a:rPr lang="de-DE" sz="1800" dirty="0"/>
+              <a:t> per </a:t>
+            </a:r>
+            <a:r>
+              <a:rPr lang="de-DE" sz="1800" dirty="0" err="1"/>
+              <a:t>class</a:t>
+            </a:r>
+            <a:r>
+              <a:rPr lang="de-DE" sz="1800" dirty="0"/>
+              <a:t> (80% </a:t>
+            </a:r>
+            <a:r>
+              <a:rPr lang="de-DE" sz="1800" dirty="0" err="1"/>
+              <a:t>train</a:t>
+            </a:r>
+            <a:r>
+              <a:rPr lang="de-DE" sz="1800" dirty="0"/>
+              <a:t>, 10% </a:t>
+            </a:r>
+            <a:r>
+              <a:rPr lang="de-DE" sz="1800" dirty="0" err="1"/>
+              <a:t>val</a:t>
+            </a:r>
+            <a:r>
+              <a:rPr lang="de-DE" sz="1800" dirty="0"/>
+              <a:t>, 10% </a:t>
+            </a:r>
+            <a:r>
+              <a:rPr lang="de-DE" sz="1800" dirty="0" err="1"/>
+              <a:t>test</a:t>
+            </a:r>
+            <a:r>
+              <a:rPr lang="de-DE" sz="1800" dirty="0"/>
+              <a:t>) </a:t>
+            </a:r>
+            <a:r>
+              <a:rPr lang="de-DE" sz="1800" dirty="0">
+                <a:sym typeface="Wingdings" panose="05000000000000000000" pitchFamily="2" charset="2"/>
+              </a:rPr>
+              <a:t> </a:t>
+            </a:r>
+            <a:r>
+              <a:rPr lang="de-DE" sz="1800" dirty="0" err="1">
+                <a:sym typeface="Wingdings" panose="05000000000000000000" pitchFamily="2" charset="2"/>
+              </a:rPr>
+              <a:t>computing</a:t>
+            </a:r>
+            <a:r>
+              <a:rPr lang="de-DE" sz="1800" dirty="0">
+                <a:sym typeface="Wingdings" panose="05000000000000000000" pitchFamily="2" charset="2"/>
+              </a:rPr>
+              <a:t> power</a:t>
+            </a:r>
+            <a:endParaRPr lang="de-DE" sz="1800" dirty="0"/>
+          </a:p>
+          <a:p>
+            <a:pPr marL="0" indent="0">
+              <a:buNone/>
+            </a:pPr>
+            <a:endParaRPr lang="de-DE" sz="1800" dirty="0"/>
+          </a:p>
+          <a:p>
+            <a:pPr marL="0" indent="0">
+              <a:buNone/>
+            </a:pPr>
+            <a:r>
+              <a:rPr lang="de-DE" sz="1800" dirty="0"/>
+              <a:t>Data </a:t>
+            </a:r>
+            <a:r>
+              <a:rPr lang="de-DE" sz="1800" dirty="0" err="1"/>
+              <a:t>augmentation</a:t>
+            </a:r>
+            <a:r>
+              <a:rPr lang="de-DE" sz="1800" dirty="0"/>
+              <a:t>: horizontal </a:t>
+            </a:r>
+            <a:r>
+              <a:rPr lang="de-DE" sz="1800" dirty="0" err="1"/>
+              <a:t>flip</a:t>
+            </a:r>
+            <a:r>
+              <a:rPr lang="de-DE" sz="1800" dirty="0"/>
+              <a:t>, </a:t>
+            </a:r>
+            <a:r>
+              <a:rPr lang="de-DE" sz="1800" dirty="0" err="1"/>
+              <a:t>crop</a:t>
+            </a:r>
+            <a:r>
+              <a:rPr lang="de-DE" sz="1800" dirty="0"/>
+              <a:t> (</a:t>
+            </a:r>
+            <a:r>
+              <a:rPr lang="de-DE" sz="1800" dirty="0" err="1"/>
+              <a:t>padding</a:t>
+            </a:r>
+            <a:r>
+              <a:rPr lang="de-DE" sz="1800" dirty="0"/>
+              <a:t> n = 4)</a:t>
+            </a:r>
+          </a:p>
+          <a:p>
+            <a:pPr marL="0" indent="0">
+              <a:buNone/>
+            </a:pPr>
+            <a:endParaRPr lang="de-DE" dirty="0"/>
+          </a:p>
+          <a:p>
+            <a:pPr marL="0" indent="0">
+              <a:buNone/>
+            </a:pPr>
+            <a:endParaRPr lang="de-DE" dirty="0"/>
+          </a:p>
+          <a:p>
+            <a:pPr marL="0" indent="0">
+              <a:buNone/>
+            </a:pPr>
+            <a:endParaRPr lang="de-DE" dirty="0"/>
+          </a:p>
+          <a:p>
+            <a:pPr marL="0" indent="0">
+              <a:buNone/>
+            </a:pPr>
+            <a:endParaRPr lang="de-DE" dirty="0"/>
+          </a:p>
+          <a:p>
+            <a:pPr marL="0" indent="0">
+              <a:buNone/>
+            </a:pPr>
+            <a:endParaRPr lang="de-DE" dirty="0"/>
+          </a:p>
+        </p:txBody>
+      </p:sp>
+      <p:sp>
+        <p:nvSpPr>
+          <p:cNvPr id="4" name="Datumsplatzhalter 3">
+            <a:extLst>
+              <a:ext uri="{FF2B5EF4-FFF2-40B4-BE49-F238E27FC236}">
+                <a16:creationId xmlns:a16="http://schemas.microsoft.com/office/drawing/2014/main" id="{468BB1C1-970F-868B-2BCC-3F139A9E4317}"/>
+              </a:ext>
+            </a:extLst>
+          </p:cNvPr>
+          <p:cNvSpPr>
+            <a:spLocks noGrp="1"/>
+          </p:cNvSpPr>
+          <p:nvPr>
+            <p:ph type="dt" sz="half" idx="10"/>
+          </p:nvPr>
+        </p:nvSpPr>
+        <p:spPr/>
+        <p:txBody>
+          <a:bodyPr/>
+          <a:lstStyle/>
+          <a:p>
+            <a:r>
+              <a:rPr lang="de-DE" dirty="0"/>
+              <a:t>Anna Reiter, Chiara Perocco</a:t>
+            </a:r>
+          </a:p>
+        </p:txBody>
+      </p:sp>
+      <p:sp>
+        <p:nvSpPr>
+          <p:cNvPr id="5" name="Fußzeilenplatzhalter 4">
+            <a:extLst>
+              <a:ext uri="{FF2B5EF4-FFF2-40B4-BE49-F238E27FC236}">
+                <a16:creationId xmlns:a16="http://schemas.microsoft.com/office/drawing/2014/main" id="{4956F50B-23E4-A0E0-4B26-9D52D4D36F49}"/>
+              </a:ext>
+            </a:extLst>
+          </p:cNvPr>
+          <p:cNvSpPr>
+            <a:spLocks noGrp="1"/>
+          </p:cNvSpPr>
+          <p:nvPr>
+            <p:ph type="ftr" sz="quarter" idx="11"/>
+          </p:nvPr>
+        </p:nvSpPr>
+        <p:spPr/>
+        <p:txBody>
+          <a:bodyPr/>
+          <a:lstStyle/>
+          <a:p>
+            <a:r>
+              <a:rPr lang="de-DE"/>
+              <a:t>Advanced Deep Learning </a:t>
+            </a:r>
+            <a:endParaRPr lang="de-DE" dirty="0"/>
+          </a:p>
+        </p:txBody>
+      </p:sp>
+      <p:sp>
+        <p:nvSpPr>
+          <p:cNvPr id="6" name="Foliennummernplatzhalter 5">
+            <a:extLst>
+              <a:ext uri="{FF2B5EF4-FFF2-40B4-BE49-F238E27FC236}">
+                <a16:creationId xmlns:a16="http://schemas.microsoft.com/office/drawing/2014/main" id="{1A11FDAB-AF64-4328-8A91-B3BB984EB6C6}"/>
+              </a:ext>
+            </a:extLst>
+          </p:cNvPr>
+          <p:cNvSpPr>
+            <a:spLocks noGrp="1"/>
+          </p:cNvSpPr>
+          <p:nvPr>
+            <p:ph type="sldNum" sz="quarter" idx="12"/>
+          </p:nvPr>
+        </p:nvSpPr>
+        <p:spPr/>
+        <p:txBody>
+          <a:bodyPr/>
+          <a:lstStyle/>
+          <a:p>
+            <a:fld id="{A13361CF-9A47-4C8C-A01E-566DC0626ACC}" type="slidenum">
+              <a:rPr lang="de-DE" smtClean="0"/>
+              <a:t>15</a:t>
+            </a:fld>
+            <a:endParaRPr lang="de-DE"/>
+          </a:p>
+        </p:txBody>
+      </p:sp>
+      <p:sp>
+        <p:nvSpPr>
+          <p:cNvPr id="3" name="Inhaltsplatzhalter 9">
+            <a:extLst>
+              <a:ext uri="{FF2B5EF4-FFF2-40B4-BE49-F238E27FC236}">
+                <a16:creationId xmlns:a16="http://schemas.microsoft.com/office/drawing/2014/main" id="{75503E3B-1A8C-8A2E-E617-76313E741437}"/>
+              </a:ext>
+            </a:extLst>
+          </p:cNvPr>
+          <p:cNvSpPr txBox="1">
+            <a:spLocks/>
+          </p:cNvSpPr>
+          <p:nvPr/>
+        </p:nvSpPr>
+        <p:spPr>
+          <a:xfrm>
+            <a:off x="4083332" y="1448884"/>
+            <a:ext cx="3711855" cy="4665127"/>
+          </a:xfrm>
+          <a:prstGeom prst="rect">
+            <a:avLst/>
+          </a:prstGeom>
+        </p:spPr>
+        <p:txBody>
+          <a:bodyPr vert="horz" lIns="0" tIns="0" rIns="0" bIns="0" rtlCol="0" anchor="t" anchorCtr="0">
+            <a:noAutofit/>
+          </a:bodyPr>
+          <a:lstStyle>
+            <a:lvl1pPr marL="180975" indent="-180975" algn="l" defTabSz="914400" rtl="0" eaLnBrk="1" latinLnBrk="0" hangingPunct="1">
+              <a:lnSpc>
+                <a:spcPct val="110000"/>
+              </a:lnSpc>
+              <a:spcBef>
+                <a:spcPts val="0"/>
+              </a:spcBef>
+              <a:spcAft>
+                <a:spcPts val="800"/>
+              </a:spcAft>
+              <a:buFont typeface="Arial" panose="020B0604020202020204" pitchFamily="34" charset="0"/>
+              <a:buChar char="•"/>
+              <a:defRPr sz="2000" kern="1200">
+                <a:solidFill>
+                  <a:schemeClr val="tx1"/>
+                </a:solidFill>
+                <a:latin typeface="+mn-lt"/>
+                <a:ea typeface="+mn-ea"/>
+                <a:cs typeface="+mn-cs"/>
+              </a:defRPr>
+            </a:lvl1pPr>
+            <a:lvl2pPr marL="447675" indent="-266700" algn="l" defTabSz="914400" rtl="0" eaLnBrk="1" latinLnBrk="0" hangingPunct="1">
+              <a:lnSpc>
+                <a:spcPct val="110000"/>
+              </a:lnSpc>
+              <a:spcBef>
+                <a:spcPts val="0"/>
+              </a:spcBef>
+              <a:spcAft>
+                <a:spcPts val="800"/>
+              </a:spcAft>
+              <a:buFont typeface="Arial" panose="020B0604020202020204" pitchFamily="34" charset="0"/>
+              <a:buChar char="‒"/>
+              <a:defRPr sz="2000" kern="1200">
+                <a:solidFill>
+                  <a:schemeClr val="tx1"/>
+                </a:solidFill>
+                <a:latin typeface="+mn-lt"/>
+                <a:ea typeface="+mn-ea"/>
+                <a:cs typeface="+mn-cs"/>
+              </a:defRPr>
+            </a:lvl2pPr>
+            <a:lvl3pPr marL="717550" indent="-269875" algn="l" defTabSz="914400" rtl="0" eaLnBrk="1" latinLnBrk="0" hangingPunct="1">
+              <a:lnSpc>
+                <a:spcPct val="110000"/>
+              </a:lnSpc>
+              <a:spcBef>
+                <a:spcPts val="0"/>
+              </a:spcBef>
+              <a:spcAft>
+                <a:spcPts val="800"/>
+              </a:spcAft>
+              <a:buFont typeface="Arial" panose="020B0604020202020204" pitchFamily="34" charset="0"/>
+              <a:buChar char="‒"/>
+              <a:defRPr sz="2000" kern="1200">
+                <a:solidFill>
+                  <a:schemeClr val="tx1"/>
+                </a:solidFill>
+                <a:latin typeface="+mn-lt"/>
+                <a:ea typeface="+mn-ea"/>
+                <a:cs typeface="+mn-cs"/>
+              </a:defRPr>
+            </a:lvl3pPr>
+            <a:lvl4pPr marL="989013" indent="-271463" algn="l" defTabSz="914400" rtl="0" eaLnBrk="1" latinLnBrk="0" hangingPunct="1">
+              <a:lnSpc>
+                <a:spcPct val="110000"/>
+              </a:lnSpc>
+              <a:spcBef>
+                <a:spcPts val="0"/>
+              </a:spcBef>
+              <a:spcAft>
+                <a:spcPts val="800"/>
+              </a:spcAft>
+              <a:buFont typeface="Arial" panose="020B0604020202020204" pitchFamily="34" charset="0"/>
+              <a:buChar char="‒"/>
+              <a:defRPr sz="2000" kern="1200">
+                <a:solidFill>
+                  <a:schemeClr val="tx1"/>
+                </a:solidFill>
+                <a:latin typeface="+mn-lt"/>
+                <a:ea typeface="+mn-ea"/>
+                <a:cs typeface="+mn-cs"/>
+              </a:defRPr>
+            </a:lvl4pPr>
+            <a:lvl5pPr marL="1252538" indent="-263525" algn="l" defTabSz="914400" rtl="0" eaLnBrk="1" latinLnBrk="0" hangingPunct="1">
+              <a:lnSpc>
+                <a:spcPct val="110000"/>
+              </a:lnSpc>
+              <a:spcBef>
+                <a:spcPts val="0"/>
+              </a:spcBef>
+              <a:spcAft>
+                <a:spcPts val="800"/>
+              </a:spcAft>
+              <a:buFont typeface="Arial" panose="020B0604020202020204" pitchFamily="34" charset="0"/>
+              <a:buChar char="‒"/>
+              <a:defRPr sz="2000" kern="1200">
+                <a:solidFill>
+                  <a:schemeClr val="tx1"/>
+                </a:solidFill>
+                <a:latin typeface="+mn-lt"/>
+                <a:ea typeface="+mn-ea"/>
+                <a:cs typeface="+mn-cs"/>
+              </a:defRPr>
+            </a:lvl5pPr>
+            <a:lvl6pPr marL="2514600" indent="-228600" algn="l" defTabSz="914400" rtl="0" eaLnBrk="1" latinLnBrk="0" hangingPunct="1">
+              <a:lnSpc>
+                <a:spcPct val="90000"/>
+              </a:lnSpc>
+              <a:spcBef>
+                <a:spcPts val="500"/>
+              </a:spcBef>
+              <a:buFont typeface="Arial" panose="020B0604020202020204" pitchFamily="34" charset="0"/>
+              <a:buChar char="•"/>
+              <a:defRPr sz="1800" kern="1200">
+                <a:solidFill>
+                  <a:schemeClr val="tx1"/>
+                </a:solidFill>
+                <a:latin typeface="+mn-lt"/>
+                <a:ea typeface="+mn-ea"/>
+                <a:cs typeface="+mn-cs"/>
+              </a:defRPr>
+            </a:lvl6pPr>
+            <a:lvl7pPr marL="2971800" indent="-228600" algn="l" defTabSz="914400" rtl="0" eaLnBrk="1" latinLnBrk="0" hangingPunct="1">
+              <a:lnSpc>
+                <a:spcPct val="90000"/>
+              </a:lnSpc>
+              <a:spcBef>
+                <a:spcPts val="500"/>
+              </a:spcBef>
+              <a:buFont typeface="Arial" panose="020B0604020202020204" pitchFamily="34" charset="0"/>
+              <a:buChar char="•"/>
+              <a:defRPr sz="1800" kern="1200">
+                <a:solidFill>
+                  <a:schemeClr val="tx1"/>
+                </a:solidFill>
+                <a:latin typeface="+mn-lt"/>
+                <a:ea typeface="+mn-ea"/>
+                <a:cs typeface="+mn-cs"/>
+              </a:defRPr>
+            </a:lvl7pPr>
+            <a:lvl8pPr marL="3429000" indent="-228600" algn="l" defTabSz="914400" rtl="0" eaLnBrk="1" latinLnBrk="0" hangingPunct="1">
+              <a:lnSpc>
+                <a:spcPct val="90000"/>
+              </a:lnSpc>
+              <a:spcBef>
+                <a:spcPts val="500"/>
+              </a:spcBef>
+              <a:buFont typeface="Arial" panose="020B0604020202020204" pitchFamily="34" charset="0"/>
+              <a:buChar char="•"/>
+              <a:defRPr sz="1800" kern="1200">
+                <a:solidFill>
+                  <a:schemeClr val="tx1"/>
+                </a:solidFill>
+                <a:latin typeface="+mn-lt"/>
+                <a:ea typeface="+mn-ea"/>
+                <a:cs typeface="+mn-cs"/>
+              </a:defRPr>
+            </a:lvl8pPr>
+            <a:lvl9pPr marL="3886200" indent="-228600" algn="l" defTabSz="914400" rtl="0" eaLnBrk="1" latinLnBrk="0" hangingPunct="1">
+              <a:lnSpc>
+                <a:spcPct val="90000"/>
+              </a:lnSpc>
+              <a:spcBef>
+                <a:spcPts val="500"/>
+              </a:spcBef>
+              <a:buFont typeface="Arial" panose="020B0604020202020204" pitchFamily="34" charset="0"/>
+              <a:buChar char="•"/>
+              <a:defRPr sz="1800" kern="1200">
+                <a:solidFill>
+                  <a:schemeClr val="tx1"/>
+                </a:solidFill>
+                <a:latin typeface="+mn-lt"/>
+                <a:ea typeface="+mn-ea"/>
+                <a:cs typeface="+mn-cs"/>
+              </a:defRPr>
+            </a:lvl9pPr>
+          </a:lstStyle>
+          <a:p>
+            <a:pPr marL="0" indent="0" algn="ctr">
+              <a:buFont typeface="Arial" panose="020B0604020202020204" pitchFamily="34" charset="0"/>
+              <a:buNone/>
+            </a:pPr>
+            <a:r>
+              <a:rPr lang="de-DE" sz="2400" b="1" dirty="0"/>
+              <a:t>Ds2</a:t>
+            </a:r>
+          </a:p>
+          <a:p>
+            <a:pPr marL="0" indent="0">
+              <a:buFont typeface="Arial" panose="020B0604020202020204" pitchFamily="34" charset="0"/>
+              <a:buNone/>
+            </a:pPr>
+            <a:endParaRPr lang="de-DE" b="1" dirty="0"/>
+          </a:p>
+          <a:p>
+            <a:pPr marL="0" indent="0">
+              <a:buFont typeface="Arial" panose="020B0604020202020204" pitchFamily="34" charset="0"/>
+              <a:buNone/>
+            </a:pPr>
+            <a:r>
+              <a:rPr lang="de-DE" sz="1800" dirty="0"/>
+              <a:t>Adjustment </a:t>
+            </a:r>
+            <a:r>
+              <a:rPr lang="de-DE" sz="1800" dirty="0" err="1"/>
+              <a:t>of</a:t>
+            </a:r>
+            <a:r>
+              <a:rPr lang="de-DE" sz="1800" dirty="0"/>
+              <a:t> ds1 </a:t>
+            </a:r>
+            <a:r>
+              <a:rPr lang="de-DE" sz="1800" dirty="0" err="1"/>
+              <a:t>with</a:t>
+            </a:r>
+            <a:r>
+              <a:rPr lang="de-DE" sz="1800" dirty="0"/>
+              <a:t> </a:t>
+            </a:r>
+            <a:r>
+              <a:rPr lang="de-DE" sz="1800" dirty="0" err="1"/>
+              <a:t>mediapipe</a:t>
+            </a:r>
+            <a:r>
+              <a:rPr lang="de-DE" sz="1800" dirty="0"/>
+              <a:t>; 600 </a:t>
+            </a:r>
+            <a:r>
+              <a:rPr lang="de-DE" sz="1800" dirty="0" err="1"/>
+              <a:t>images</a:t>
+            </a:r>
+            <a:r>
+              <a:rPr lang="de-DE" sz="1800" dirty="0"/>
+              <a:t> per </a:t>
+            </a:r>
+            <a:r>
+              <a:rPr lang="de-DE" sz="1800" dirty="0" err="1"/>
+              <a:t>class</a:t>
+            </a:r>
+            <a:r>
+              <a:rPr lang="de-DE" sz="1800" dirty="0"/>
+              <a:t> (80% </a:t>
+            </a:r>
+            <a:r>
+              <a:rPr lang="de-DE" sz="1800" dirty="0" err="1"/>
+              <a:t>train</a:t>
+            </a:r>
+            <a:r>
+              <a:rPr lang="de-DE" sz="1800" dirty="0"/>
+              <a:t>, 10% </a:t>
+            </a:r>
+            <a:r>
+              <a:rPr lang="de-DE" sz="1800" dirty="0" err="1"/>
+              <a:t>val</a:t>
+            </a:r>
+            <a:r>
+              <a:rPr lang="de-DE" sz="1800" dirty="0"/>
+              <a:t>, 10% </a:t>
+            </a:r>
+            <a:r>
+              <a:rPr lang="de-DE" sz="1800" dirty="0" err="1"/>
+              <a:t>test</a:t>
+            </a:r>
+            <a:r>
+              <a:rPr lang="de-DE" sz="1800" dirty="0"/>
+              <a:t>)</a:t>
+            </a:r>
+          </a:p>
+          <a:p>
+            <a:pPr marL="0" indent="0">
+              <a:buFont typeface="Arial" panose="020B0604020202020204" pitchFamily="34" charset="0"/>
+              <a:buNone/>
+            </a:pPr>
+            <a:endParaRPr lang="de-DE" sz="1800" dirty="0"/>
+          </a:p>
+          <a:p>
+            <a:pPr marL="457200" indent="-457200">
+              <a:buFont typeface="Arial" panose="020B0604020202020204" pitchFamily="34" charset="0"/>
+              <a:buAutoNum type="arabicPeriod"/>
+            </a:pPr>
+            <a:r>
+              <a:rPr lang="de-DE" sz="1800" dirty="0"/>
+              <a:t>Data </a:t>
+            </a:r>
+            <a:r>
+              <a:rPr lang="de-DE" sz="1800" dirty="0" err="1"/>
+              <a:t>augmentation</a:t>
+            </a:r>
+            <a:r>
+              <a:rPr lang="de-DE" sz="1800" dirty="0"/>
+              <a:t>: horizontal </a:t>
+            </a:r>
+            <a:r>
+              <a:rPr lang="de-DE" sz="1800" dirty="0" err="1"/>
+              <a:t>flip</a:t>
+            </a:r>
+            <a:r>
+              <a:rPr lang="de-DE" sz="1800" dirty="0"/>
+              <a:t>, </a:t>
+            </a:r>
+            <a:r>
+              <a:rPr lang="de-DE" sz="1800" dirty="0" err="1"/>
+              <a:t>crop</a:t>
+            </a:r>
+            <a:r>
+              <a:rPr lang="de-DE" sz="1800" dirty="0"/>
+              <a:t> (</a:t>
+            </a:r>
+            <a:r>
+              <a:rPr lang="de-DE" sz="1800" dirty="0" err="1"/>
+              <a:t>padding</a:t>
+            </a:r>
+            <a:r>
+              <a:rPr lang="de-DE" sz="1800" dirty="0"/>
+              <a:t> n = 4)</a:t>
+            </a:r>
+          </a:p>
+          <a:p>
+            <a:pPr marL="457200" indent="-457200">
+              <a:buFont typeface="Arial" panose="020B0604020202020204" pitchFamily="34" charset="0"/>
+              <a:buAutoNum type="arabicPeriod"/>
+            </a:pPr>
+            <a:r>
+              <a:rPr lang="de-DE" sz="1800" dirty="0"/>
+              <a:t>Data </a:t>
+            </a:r>
+            <a:r>
+              <a:rPr lang="de-DE" sz="1800" dirty="0" err="1"/>
+              <a:t>augmentation</a:t>
+            </a:r>
+            <a:r>
+              <a:rPr lang="de-DE" sz="1800" dirty="0"/>
+              <a:t>: </a:t>
+            </a:r>
+            <a:r>
+              <a:rPr lang="de-DE" sz="1800" dirty="0" err="1"/>
+              <a:t>rotation</a:t>
+            </a:r>
+            <a:r>
+              <a:rPr lang="de-DE" sz="1800" dirty="0"/>
+              <a:t>, </a:t>
+            </a:r>
+            <a:r>
+              <a:rPr lang="de-DE" sz="1800" dirty="0" err="1"/>
+              <a:t>colour</a:t>
+            </a:r>
+            <a:r>
+              <a:rPr lang="de-DE" sz="1800" dirty="0"/>
+              <a:t> </a:t>
+            </a:r>
+            <a:r>
+              <a:rPr lang="de-DE" sz="1800" dirty="0" err="1"/>
+              <a:t>properties</a:t>
+            </a:r>
+            <a:r>
+              <a:rPr lang="de-DE" sz="1800" dirty="0"/>
+              <a:t>, affine </a:t>
+            </a:r>
+            <a:r>
+              <a:rPr lang="de-DE" sz="1800" dirty="0" err="1"/>
+              <a:t>transformations</a:t>
+            </a:r>
+            <a:r>
+              <a:rPr lang="de-DE" sz="1800" dirty="0"/>
+              <a:t>, </a:t>
+            </a:r>
+            <a:r>
+              <a:rPr lang="de-DE" sz="1800" dirty="0" err="1"/>
+              <a:t>grayscale</a:t>
+            </a:r>
+            <a:r>
+              <a:rPr lang="de-DE" sz="1800" dirty="0"/>
+              <a:t> </a:t>
+            </a:r>
+            <a:r>
+              <a:rPr lang="de-DE" sz="1800" dirty="0" err="1"/>
+              <a:t>conversion</a:t>
+            </a:r>
+            <a:endParaRPr lang="de-DE" sz="1800" dirty="0"/>
+          </a:p>
+          <a:p>
+            <a:pPr marL="0" indent="0">
+              <a:buFont typeface="Arial" panose="020B0604020202020204" pitchFamily="34" charset="0"/>
+              <a:buNone/>
+            </a:pPr>
+            <a:endParaRPr lang="de-DE" dirty="0"/>
+          </a:p>
+          <a:p>
+            <a:pPr marL="0" indent="0">
+              <a:buFont typeface="Arial" panose="020B0604020202020204" pitchFamily="34" charset="0"/>
+              <a:buNone/>
+            </a:pPr>
+            <a:endParaRPr lang="de-DE" dirty="0"/>
+          </a:p>
+          <a:p>
+            <a:pPr marL="0" indent="0">
+              <a:buFont typeface="Arial" panose="020B0604020202020204" pitchFamily="34" charset="0"/>
+              <a:buNone/>
+            </a:pPr>
+            <a:endParaRPr lang="de-DE" dirty="0"/>
+          </a:p>
+          <a:p>
+            <a:pPr marL="0" indent="0">
+              <a:buFont typeface="Arial" panose="020B0604020202020204" pitchFamily="34" charset="0"/>
+              <a:buNone/>
+            </a:pPr>
+            <a:endParaRPr lang="de-DE" dirty="0"/>
+          </a:p>
+          <a:p>
+            <a:pPr marL="0" indent="0">
+              <a:buFont typeface="Arial" panose="020B0604020202020204" pitchFamily="34" charset="0"/>
+              <a:buNone/>
+            </a:pPr>
+            <a:endParaRPr lang="de-DE" dirty="0"/>
+          </a:p>
+        </p:txBody>
+      </p:sp>
+      <p:sp>
+        <p:nvSpPr>
+          <p:cNvPr id="7" name="Inhaltsplatzhalter 9">
+            <a:extLst>
+              <a:ext uri="{FF2B5EF4-FFF2-40B4-BE49-F238E27FC236}">
+                <a16:creationId xmlns:a16="http://schemas.microsoft.com/office/drawing/2014/main" id="{991F47F8-1EF2-DA77-8AC2-BE1F28A22029}"/>
+              </a:ext>
+            </a:extLst>
+          </p:cNvPr>
+          <p:cNvSpPr txBox="1">
+            <a:spLocks/>
+          </p:cNvSpPr>
+          <p:nvPr/>
+        </p:nvSpPr>
+        <p:spPr>
+          <a:xfrm>
+            <a:off x="8108669" y="1448885"/>
+            <a:ext cx="3711855" cy="4665127"/>
+          </a:xfrm>
+          <a:prstGeom prst="rect">
+            <a:avLst/>
+          </a:prstGeom>
+        </p:spPr>
+        <p:txBody>
+          <a:bodyPr vert="horz" lIns="0" tIns="0" rIns="0" bIns="0" rtlCol="0" anchor="t" anchorCtr="0">
+            <a:noAutofit/>
+          </a:bodyPr>
+          <a:lstStyle>
+            <a:lvl1pPr marL="180975" indent="-180975" algn="l" defTabSz="914400" rtl="0" eaLnBrk="1" latinLnBrk="0" hangingPunct="1">
+              <a:lnSpc>
+                <a:spcPct val="110000"/>
+              </a:lnSpc>
+              <a:spcBef>
+                <a:spcPts val="0"/>
+              </a:spcBef>
+              <a:spcAft>
+                <a:spcPts val="800"/>
+              </a:spcAft>
+              <a:buFont typeface="Arial" panose="020B0604020202020204" pitchFamily="34" charset="0"/>
+              <a:buChar char="•"/>
+              <a:defRPr sz="2000" kern="1200">
+                <a:solidFill>
+                  <a:schemeClr val="tx1"/>
+                </a:solidFill>
+                <a:latin typeface="+mn-lt"/>
+                <a:ea typeface="+mn-ea"/>
+                <a:cs typeface="+mn-cs"/>
+              </a:defRPr>
+            </a:lvl1pPr>
+            <a:lvl2pPr marL="447675" indent="-266700" algn="l" defTabSz="914400" rtl="0" eaLnBrk="1" latinLnBrk="0" hangingPunct="1">
+              <a:lnSpc>
+                <a:spcPct val="110000"/>
+              </a:lnSpc>
+              <a:spcBef>
+                <a:spcPts val="0"/>
+              </a:spcBef>
+              <a:spcAft>
+                <a:spcPts val="800"/>
+              </a:spcAft>
+              <a:buFont typeface="Arial" panose="020B0604020202020204" pitchFamily="34" charset="0"/>
+              <a:buChar char="‒"/>
+              <a:defRPr sz="2000" kern="1200">
+                <a:solidFill>
+                  <a:schemeClr val="tx1"/>
+                </a:solidFill>
+                <a:latin typeface="+mn-lt"/>
+                <a:ea typeface="+mn-ea"/>
+                <a:cs typeface="+mn-cs"/>
+              </a:defRPr>
+            </a:lvl2pPr>
+            <a:lvl3pPr marL="717550" indent="-269875" algn="l" defTabSz="914400" rtl="0" eaLnBrk="1" latinLnBrk="0" hangingPunct="1">
+              <a:lnSpc>
+                <a:spcPct val="110000"/>
+              </a:lnSpc>
+              <a:spcBef>
+                <a:spcPts val="0"/>
+              </a:spcBef>
+              <a:spcAft>
+                <a:spcPts val="800"/>
+              </a:spcAft>
+              <a:buFont typeface="Arial" panose="020B0604020202020204" pitchFamily="34" charset="0"/>
+              <a:buChar char="‒"/>
+              <a:defRPr sz="2000" kern="1200">
+                <a:solidFill>
+                  <a:schemeClr val="tx1"/>
+                </a:solidFill>
+                <a:latin typeface="+mn-lt"/>
+                <a:ea typeface="+mn-ea"/>
+                <a:cs typeface="+mn-cs"/>
+              </a:defRPr>
+            </a:lvl3pPr>
+            <a:lvl4pPr marL="989013" indent="-271463" algn="l" defTabSz="914400" rtl="0" eaLnBrk="1" latinLnBrk="0" hangingPunct="1">
+              <a:lnSpc>
+                <a:spcPct val="110000"/>
+              </a:lnSpc>
+              <a:spcBef>
+                <a:spcPts val="0"/>
+              </a:spcBef>
+              <a:spcAft>
+                <a:spcPts val="800"/>
+              </a:spcAft>
+              <a:buFont typeface="Arial" panose="020B0604020202020204" pitchFamily="34" charset="0"/>
+              <a:buChar char="‒"/>
+              <a:defRPr sz="2000" kern="1200">
+                <a:solidFill>
+                  <a:schemeClr val="tx1"/>
+                </a:solidFill>
+                <a:latin typeface="+mn-lt"/>
+                <a:ea typeface="+mn-ea"/>
+                <a:cs typeface="+mn-cs"/>
+              </a:defRPr>
+            </a:lvl4pPr>
+            <a:lvl5pPr marL="1252538" indent="-263525" algn="l" defTabSz="914400" rtl="0" eaLnBrk="1" latinLnBrk="0" hangingPunct="1">
+              <a:lnSpc>
+                <a:spcPct val="110000"/>
+              </a:lnSpc>
+              <a:spcBef>
+                <a:spcPts val="0"/>
+              </a:spcBef>
+              <a:spcAft>
+                <a:spcPts val="800"/>
+              </a:spcAft>
+              <a:buFont typeface="Arial" panose="020B0604020202020204" pitchFamily="34" charset="0"/>
+              <a:buChar char="‒"/>
+              <a:defRPr sz="2000" kern="1200">
+                <a:solidFill>
+                  <a:schemeClr val="tx1"/>
+                </a:solidFill>
+                <a:latin typeface="+mn-lt"/>
+                <a:ea typeface="+mn-ea"/>
+                <a:cs typeface="+mn-cs"/>
+              </a:defRPr>
+            </a:lvl5pPr>
+            <a:lvl6pPr marL="2514600" indent="-228600" algn="l" defTabSz="914400" rtl="0" eaLnBrk="1" latinLnBrk="0" hangingPunct="1">
+              <a:lnSpc>
+                <a:spcPct val="90000"/>
+              </a:lnSpc>
+              <a:spcBef>
+                <a:spcPts val="500"/>
+              </a:spcBef>
+              <a:buFont typeface="Arial" panose="020B0604020202020204" pitchFamily="34" charset="0"/>
+              <a:buChar char="•"/>
+              <a:defRPr sz="1800" kern="1200">
+                <a:solidFill>
+                  <a:schemeClr val="tx1"/>
+                </a:solidFill>
+                <a:latin typeface="+mn-lt"/>
+                <a:ea typeface="+mn-ea"/>
+                <a:cs typeface="+mn-cs"/>
+              </a:defRPr>
+            </a:lvl6pPr>
+            <a:lvl7pPr marL="2971800" indent="-228600" algn="l" defTabSz="914400" rtl="0" eaLnBrk="1" latinLnBrk="0" hangingPunct="1">
+              <a:lnSpc>
+                <a:spcPct val="90000"/>
+              </a:lnSpc>
+              <a:spcBef>
+                <a:spcPts val="500"/>
+              </a:spcBef>
+              <a:buFont typeface="Arial" panose="020B0604020202020204" pitchFamily="34" charset="0"/>
+              <a:buChar char="•"/>
+              <a:defRPr sz="1800" kern="1200">
+                <a:solidFill>
+                  <a:schemeClr val="tx1"/>
+                </a:solidFill>
+                <a:latin typeface="+mn-lt"/>
+                <a:ea typeface="+mn-ea"/>
+                <a:cs typeface="+mn-cs"/>
+              </a:defRPr>
+            </a:lvl7pPr>
+            <a:lvl8pPr marL="3429000" indent="-228600" algn="l" defTabSz="914400" rtl="0" eaLnBrk="1" latinLnBrk="0" hangingPunct="1">
+              <a:lnSpc>
+                <a:spcPct val="90000"/>
+              </a:lnSpc>
+              <a:spcBef>
+                <a:spcPts val="500"/>
+              </a:spcBef>
+              <a:buFont typeface="Arial" panose="020B0604020202020204" pitchFamily="34" charset="0"/>
+              <a:buChar char="•"/>
+              <a:defRPr sz="1800" kern="1200">
+                <a:solidFill>
+                  <a:schemeClr val="tx1"/>
+                </a:solidFill>
+                <a:latin typeface="+mn-lt"/>
+                <a:ea typeface="+mn-ea"/>
+                <a:cs typeface="+mn-cs"/>
+              </a:defRPr>
+            </a:lvl8pPr>
+            <a:lvl9pPr marL="3886200" indent="-228600" algn="l" defTabSz="914400" rtl="0" eaLnBrk="1" latinLnBrk="0" hangingPunct="1">
+              <a:lnSpc>
+                <a:spcPct val="90000"/>
+              </a:lnSpc>
+              <a:spcBef>
+                <a:spcPts val="500"/>
+              </a:spcBef>
+              <a:buFont typeface="Arial" panose="020B0604020202020204" pitchFamily="34" charset="0"/>
+              <a:buChar char="•"/>
+              <a:defRPr sz="1800" kern="1200">
+                <a:solidFill>
+                  <a:schemeClr val="tx1"/>
+                </a:solidFill>
+                <a:latin typeface="+mn-lt"/>
+                <a:ea typeface="+mn-ea"/>
+                <a:cs typeface="+mn-cs"/>
+              </a:defRPr>
+            </a:lvl9pPr>
+          </a:lstStyle>
+          <a:p>
+            <a:pPr marL="0" indent="0" algn="ctr">
+              <a:buFont typeface="Arial" panose="020B0604020202020204" pitchFamily="34" charset="0"/>
+              <a:buNone/>
+            </a:pPr>
+            <a:r>
+              <a:rPr lang="de-DE" sz="2400" b="1" dirty="0"/>
+              <a:t>Ds3</a:t>
+            </a:r>
+          </a:p>
+          <a:p>
+            <a:pPr marL="0" indent="0">
+              <a:buFont typeface="Arial" panose="020B0604020202020204" pitchFamily="34" charset="0"/>
+              <a:buNone/>
+            </a:pPr>
+            <a:endParaRPr lang="de-DE" sz="1800" b="1" dirty="0"/>
+          </a:p>
+          <a:p>
+            <a:pPr marL="0" indent="0">
+              <a:buFont typeface="Arial" panose="020B0604020202020204" pitchFamily="34" charset="0"/>
+              <a:buNone/>
+            </a:pPr>
+            <a:r>
+              <a:rPr lang="de-DE" sz="1800" dirty="0"/>
+              <a:t>Adjustment </a:t>
+            </a:r>
+            <a:r>
+              <a:rPr lang="de-DE" sz="1800" dirty="0" err="1"/>
+              <a:t>of</a:t>
+            </a:r>
+            <a:r>
+              <a:rPr lang="de-DE" sz="1800" dirty="0"/>
+              <a:t> ds1 </a:t>
+            </a:r>
+            <a:r>
+              <a:rPr lang="de-DE" sz="1800" dirty="0" err="1"/>
+              <a:t>with</a:t>
+            </a:r>
+            <a:r>
+              <a:rPr lang="de-DE" sz="1800" dirty="0"/>
+              <a:t> </a:t>
+            </a:r>
+            <a:r>
+              <a:rPr lang="de-DE" sz="1800" dirty="0" err="1"/>
+              <a:t>mediapipe</a:t>
+            </a:r>
+            <a:r>
+              <a:rPr lang="de-DE" sz="1800" dirty="0"/>
+              <a:t>; 1300 </a:t>
+            </a:r>
+            <a:r>
+              <a:rPr lang="de-DE" sz="1800" dirty="0" err="1"/>
+              <a:t>images</a:t>
+            </a:r>
+            <a:r>
+              <a:rPr lang="de-DE" sz="1800" dirty="0"/>
+              <a:t> per </a:t>
+            </a:r>
+            <a:r>
+              <a:rPr lang="de-DE" sz="1800" dirty="0" err="1"/>
+              <a:t>class</a:t>
+            </a:r>
+            <a:r>
+              <a:rPr lang="de-DE" sz="1800" dirty="0"/>
+              <a:t> (80% </a:t>
+            </a:r>
+            <a:r>
+              <a:rPr lang="de-DE" sz="1800" dirty="0" err="1"/>
+              <a:t>train</a:t>
+            </a:r>
+            <a:r>
+              <a:rPr lang="de-DE" sz="1800" dirty="0"/>
+              <a:t>, 10% </a:t>
+            </a:r>
+            <a:r>
+              <a:rPr lang="de-DE" sz="1800" dirty="0" err="1"/>
+              <a:t>val</a:t>
+            </a:r>
+            <a:r>
+              <a:rPr lang="de-DE" sz="1800" dirty="0"/>
+              <a:t>, 10% </a:t>
+            </a:r>
+            <a:r>
+              <a:rPr lang="de-DE" sz="1800" dirty="0" err="1"/>
+              <a:t>test</a:t>
+            </a:r>
+            <a:r>
+              <a:rPr lang="de-DE" sz="1800" dirty="0"/>
+              <a:t>)</a:t>
+            </a:r>
+          </a:p>
+          <a:p>
+            <a:pPr marL="0" indent="0">
+              <a:buFont typeface="Arial" panose="020B0604020202020204" pitchFamily="34" charset="0"/>
+              <a:buNone/>
+            </a:pPr>
+            <a:endParaRPr lang="de-DE" sz="1800" dirty="0"/>
+          </a:p>
+          <a:p>
+            <a:pPr marL="457200" indent="-457200">
+              <a:buFont typeface="Arial" panose="020B0604020202020204" pitchFamily="34" charset="0"/>
+              <a:buAutoNum type="arabicPeriod"/>
+            </a:pPr>
+            <a:r>
+              <a:rPr lang="de-DE" sz="1800" dirty="0"/>
+              <a:t>Data </a:t>
+            </a:r>
+            <a:r>
+              <a:rPr lang="de-DE" sz="1800" dirty="0" err="1"/>
+              <a:t>augmentation</a:t>
+            </a:r>
+            <a:r>
+              <a:rPr lang="de-DE" sz="1800" dirty="0"/>
+              <a:t>: horizontal </a:t>
+            </a:r>
+            <a:r>
+              <a:rPr lang="de-DE" sz="1800" dirty="0" err="1"/>
+              <a:t>flip</a:t>
+            </a:r>
+            <a:r>
+              <a:rPr lang="de-DE" sz="1800" dirty="0"/>
+              <a:t>, </a:t>
+            </a:r>
+            <a:r>
+              <a:rPr lang="de-DE" sz="1800" dirty="0" err="1"/>
+              <a:t>crop</a:t>
+            </a:r>
+            <a:r>
+              <a:rPr lang="de-DE" sz="1800" dirty="0"/>
+              <a:t> (</a:t>
+            </a:r>
+            <a:r>
+              <a:rPr lang="de-DE" sz="1800" dirty="0" err="1"/>
+              <a:t>padding</a:t>
+            </a:r>
+            <a:r>
+              <a:rPr lang="de-DE" sz="1800" dirty="0"/>
+              <a:t> n = 4)</a:t>
+            </a:r>
+          </a:p>
+          <a:p>
+            <a:pPr marL="457200" indent="-457200">
+              <a:buFont typeface="Arial" panose="020B0604020202020204" pitchFamily="34" charset="0"/>
+              <a:buAutoNum type="arabicPeriod"/>
+            </a:pPr>
+            <a:r>
+              <a:rPr lang="de-DE" sz="1800" dirty="0"/>
+              <a:t>Data </a:t>
+            </a:r>
+            <a:r>
+              <a:rPr lang="de-DE" sz="1800" dirty="0" err="1"/>
+              <a:t>augmentation</a:t>
+            </a:r>
+            <a:r>
+              <a:rPr lang="de-DE" sz="1800" dirty="0"/>
+              <a:t>: </a:t>
+            </a:r>
+            <a:r>
+              <a:rPr lang="de-DE" sz="1800" dirty="0" err="1"/>
+              <a:t>rotation</a:t>
+            </a:r>
+            <a:r>
+              <a:rPr lang="de-DE" sz="1800" dirty="0"/>
+              <a:t>, </a:t>
+            </a:r>
+            <a:r>
+              <a:rPr lang="de-DE" sz="1800" dirty="0" err="1"/>
+              <a:t>colour</a:t>
+            </a:r>
+            <a:r>
+              <a:rPr lang="de-DE" sz="1800" dirty="0"/>
+              <a:t> </a:t>
+            </a:r>
+            <a:r>
+              <a:rPr lang="de-DE" sz="1800" dirty="0" err="1"/>
+              <a:t>properties</a:t>
+            </a:r>
+            <a:r>
+              <a:rPr lang="de-DE" sz="1800" dirty="0"/>
+              <a:t>, affine </a:t>
+            </a:r>
+            <a:r>
+              <a:rPr lang="de-DE" sz="1800" dirty="0" err="1"/>
+              <a:t>transformations</a:t>
+            </a:r>
+            <a:r>
+              <a:rPr lang="de-DE" sz="1800" dirty="0"/>
+              <a:t>, </a:t>
+            </a:r>
+            <a:r>
+              <a:rPr lang="de-DE" sz="1800" dirty="0" err="1"/>
+              <a:t>grayscale</a:t>
+            </a:r>
+            <a:r>
+              <a:rPr lang="de-DE" sz="1800" dirty="0"/>
+              <a:t> </a:t>
+            </a:r>
+            <a:r>
+              <a:rPr lang="de-DE" sz="1800" dirty="0" err="1"/>
+              <a:t>conversion</a:t>
+            </a:r>
+            <a:endParaRPr lang="de-DE" sz="1800" dirty="0"/>
+          </a:p>
+          <a:p>
+            <a:pPr marL="0" indent="0">
+              <a:buFont typeface="Arial" panose="020B0604020202020204" pitchFamily="34" charset="0"/>
+              <a:buNone/>
+            </a:pPr>
+            <a:endParaRPr lang="de-DE" sz="1800" dirty="0"/>
+          </a:p>
+          <a:p>
+            <a:pPr marL="0" indent="0">
+              <a:buFont typeface="Arial" panose="020B0604020202020204" pitchFamily="34" charset="0"/>
+              <a:buNone/>
+            </a:pPr>
+            <a:endParaRPr lang="de-DE" sz="1800" dirty="0"/>
+          </a:p>
+          <a:p>
+            <a:pPr marL="0" indent="0">
+              <a:buFont typeface="Arial" panose="020B0604020202020204" pitchFamily="34" charset="0"/>
+              <a:buNone/>
+            </a:pPr>
+            <a:endParaRPr lang="de-DE" sz="1800" dirty="0"/>
+          </a:p>
+          <a:p>
+            <a:pPr marL="0" indent="0">
+              <a:buFont typeface="Arial" panose="020B0604020202020204" pitchFamily="34" charset="0"/>
+              <a:buNone/>
+            </a:pPr>
+            <a:endParaRPr lang="de-DE" sz="1800" dirty="0"/>
+          </a:p>
+          <a:p>
+            <a:pPr marL="0" indent="0">
+              <a:buFont typeface="Arial" panose="020B0604020202020204" pitchFamily="34" charset="0"/>
+              <a:buNone/>
+            </a:pPr>
+            <a:endParaRPr lang="de-DE" sz="1800" dirty="0"/>
+          </a:p>
+        </p:txBody>
+      </p:sp>
+    </p:spTree>
+    <p:extLst>
+      <p:ext uri="{BB962C8B-B14F-4D97-AF65-F5344CB8AC3E}">
+        <p14:creationId xmlns:p14="http://schemas.microsoft.com/office/powerpoint/2010/main" val="3417330563"/>
+      </p:ext>
+    </p:extLst>
+  </p:cSld>
+  <p:clrMapOvr>
+    <a:masterClrMapping/>
+  </p:clrMapOvr>
+</p:sld>
+</file>
+
+<file path=ppt/slides/slide16.xml><?xml version="1.0" encoding="utf-8"?>
+<p:sld xmlns:a="http://schemas.openxmlformats.org/drawingml/2006/main" xmlns:r="http://schemas.openxmlformats.org/officeDocument/2006/relationships" xmlns:p="http://schemas.openxmlformats.org/presentationml/2006/main">
+  <p:cSld>
+    <p:spTree>
+      <p:nvGrpSpPr>
+        <p:cNvPr id="1" name="">
+          <a:extLst>
+            <a:ext uri="{FF2B5EF4-FFF2-40B4-BE49-F238E27FC236}">
+              <a16:creationId xmlns:a16="http://schemas.microsoft.com/office/drawing/2014/main" id="{492E20FD-F754-6754-6BF2-119B65C2D7EF}"/>
+            </a:ext>
+          </a:extLst>
+        </p:cNvPr>
+        <p:cNvGrpSpPr/>
+        <p:nvPr/>
+      </p:nvGrpSpPr>
+      <p:grpSpPr>
+        <a:xfrm>
+          <a:off x="0" y="0"/>
+          <a:ext cx="0" cy="0"/>
+          <a:chOff x="0" y="0"/>
+          <a:chExt cx="0" cy="0"/>
+        </a:xfrm>
+      </p:grpSpPr>
+      <p:sp>
+        <p:nvSpPr>
+          <p:cNvPr id="9" name="Titel 8">
+            <a:extLst>
+              <a:ext uri="{FF2B5EF4-FFF2-40B4-BE49-F238E27FC236}">
+                <a16:creationId xmlns:a16="http://schemas.microsoft.com/office/drawing/2014/main" id="{5A825DEA-049C-E6D8-3432-88BA80A05299}"/>
+              </a:ext>
+            </a:extLst>
+          </p:cNvPr>
+          <p:cNvSpPr>
+            <a:spLocks noGrp="1"/>
+          </p:cNvSpPr>
+          <p:nvPr>
+            <p:ph type="title"/>
+          </p:nvPr>
+        </p:nvSpPr>
+        <p:spPr/>
+        <p:txBody>
+          <a:bodyPr/>
+          <a:lstStyle/>
+          <a:p>
+            <a:r>
+              <a:rPr lang="de-DE" dirty="0"/>
+              <a:t>Ds1 – </a:t>
+            </a:r>
+            <a:r>
+              <a:rPr lang="de-DE" dirty="0" err="1"/>
+              <a:t>AlexNet</a:t>
+            </a:r>
+            <a:endParaRPr lang="de-DE" dirty="0"/>
+          </a:p>
+        </p:txBody>
+      </p:sp>
+      <p:sp>
+        <p:nvSpPr>
+          <p:cNvPr id="10" name="Inhaltsplatzhalter 9">
+            <a:extLst>
+              <a:ext uri="{FF2B5EF4-FFF2-40B4-BE49-F238E27FC236}">
+                <a16:creationId xmlns:a16="http://schemas.microsoft.com/office/drawing/2014/main" id="{3725AC4E-A8AF-5324-3BFB-EB2369047B3F}"/>
+              </a:ext>
+            </a:extLst>
+          </p:cNvPr>
+          <p:cNvSpPr>
+            <a:spLocks noGrp="1"/>
+          </p:cNvSpPr>
+          <p:nvPr>
+            <p:ph idx="1"/>
+          </p:nvPr>
+        </p:nvSpPr>
+        <p:spPr/>
+        <p:txBody>
+          <a:bodyPr/>
+          <a:lstStyle/>
+          <a:p>
+            <a:endParaRPr lang="de-DE" dirty="0"/>
+          </a:p>
+        </p:txBody>
+      </p:sp>
+      <p:sp>
+        <p:nvSpPr>
+          <p:cNvPr id="4" name="Datumsplatzhalter 3">
+            <a:extLst>
+              <a:ext uri="{FF2B5EF4-FFF2-40B4-BE49-F238E27FC236}">
+                <a16:creationId xmlns:a16="http://schemas.microsoft.com/office/drawing/2014/main" id="{13FEC456-7514-50A1-D727-E90ED7C27731}"/>
+              </a:ext>
+            </a:extLst>
+          </p:cNvPr>
+          <p:cNvSpPr>
+            <a:spLocks noGrp="1"/>
+          </p:cNvSpPr>
+          <p:nvPr>
+            <p:ph type="dt" sz="half" idx="10"/>
+          </p:nvPr>
+        </p:nvSpPr>
+        <p:spPr/>
+        <p:txBody>
+          <a:bodyPr/>
+          <a:lstStyle/>
+          <a:p>
+            <a:r>
+              <a:rPr lang="de-DE" dirty="0"/>
+              <a:t>Anna Reiter, Chiara Perocco</a:t>
+            </a:r>
+          </a:p>
+        </p:txBody>
+      </p:sp>
+      <p:sp>
+        <p:nvSpPr>
+          <p:cNvPr id="5" name="Fußzeilenplatzhalter 4">
+            <a:extLst>
+              <a:ext uri="{FF2B5EF4-FFF2-40B4-BE49-F238E27FC236}">
+                <a16:creationId xmlns:a16="http://schemas.microsoft.com/office/drawing/2014/main" id="{0459CC26-6016-51F3-BC81-3D1BB0F11B09}"/>
+              </a:ext>
+            </a:extLst>
+          </p:cNvPr>
+          <p:cNvSpPr>
+            <a:spLocks noGrp="1"/>
+          </p:cNvSpPr>
+          <p:nvPr>
+            <p:ph type="ftr" sz="quarter" idx="11"/>
+          </p:nvPr>
+        </p:nvSpPr>
+        <p:spPr/>
+        <p:txBody>
+          <a:bodyPr/>
+          <a:lstStyle/>
+          <a:p>
+            <a:r>
+              <a:rPr lang="de-DE"/>
+              <a:t>Advanced Deep Learning </a:t>
+            </a:r>
+            <a:endParaRPr lang="de-DE" dirty="0"/>
+          </a:p>
+        </p:txBody>
+      </p:sp>
+      <p:sp>
+        <p:nvSpPr>
+          <p:cNvPr id="6" name="Foliennummernplatzhalter 5">
+            <a:extLst>
+              <a:ext uri="{FF2B5EF4-FFF2-40B4-BE49-F238E27FC236}">
+                <a16:creationId xmlns:a16="http://schemas.microsoft.com/office/drawing/2014/main" id="{0B33E341-BA2A-E803-5EED-45C63E26DBD5}"/>
+              </a:ext>
+            </a:extLst>
+          </p:cNvPr>
+          <p:cNvSpPr>
+            <a:spLocks noGrp="1"/>
+          </p:cNvSpPr>
+          <p:nvPr>
+            <p:ph type="sldNum" sz="quarter" idx="12"/>
+          </p:nvPr>
+        </p:nvSpPr>
+        <p:spPr/>
+        <p:txBody>
+          <a:bodyPr/>
+          <a:lstStyle/>
+          <a:p>
+            <a:fld id="{A13361CF-9A47-4C8C-A01E-566DC0626ACC}" type="slidenum">
+              <a:rPr lang="de-DE" smtClean="0"/>
+              <a:t>16</a:t>
+            </a:fld>
+            <a:endParaRPr lang="de-DE"/>
+          </a:p>
+        </p:txBody>
+      </p:sp>
+      <p:pic>
+        <p:nvPicPr>
+          <p:cNvPr id="2" name="Grafik 1">
+            <a:extLst>
+              <a:ext uri="{FF2B5EF4-FFF2-40B4-BE49-F238E27FC236}">
+                <a16:creationId xmlns:a16="http://schemas.microsoft.com/office/drawing/2014/main" id="{21269621-63D2-C254-B02E-06CC78C77690}"/>
+              </a:ext>
+            </a:extLst>
+          </p:cNvPr>
+          <p:cNvPicPr>
+            <a:picLocks noChangeAspect="1"/>
+          </p:cNvPicPr>
+          <p:nvPr/>
+        </p:nvPicPr>
+        <p:blipFill>
+          <a:blip r:embed="rId2"/>
+          <a:stretch>
+            <a:fillRect/>
+          </a:stretch>
+        </p:blipFill>
+        <p:spPr>
+          <a:xfrm>
+            <a:off x="1713014" y="1394151"/>
+            <a:ext cx="8765969" cy="4795132"/>
+          </a:xfrm>
+          <a:prstGeom prst="rect">
+            <a:avLst/>
+          </a:prstGeom>
+        </p:spPr>
+      </p:pic>
+    </p:spTree>
+    <p:extLst>
+      <p:ext uri="{BB962C8B-B14F-4D97-AF65-F5344CB8AC3E}">
+        <p14:creationId xmlns:p14="http://schemas.microsoft.com/office/powerpoint/2010/main" val="2037232878"/>
+      </p:ext>
+    </p:extLst>
+  </p:cSld>
+  <p:clrMapOvr>
+    <a:masterClrMapping/>
+  </p:clrMapOvr>
+</p:sld>
+</file>
+
+<file path=ppt/slides/slide17.xml><?xml version="1.0" encoding="utf-8"?>
+<p:sld xmlns:a="http://schemas.openxmlformats.org/drawingml/2006/main" xmlns:r="http://schemas.openxmlformats.org/officeDocument/2006/relationships" xmlns:p="http://schemas.openxmlformats.org/presentationml/2006/main">
+  <p:cSld>
+    <p:spTree>
+      <p:nvGrpSpPr>
+        <p:cNvPr id="1" name="">
+          <a:extLst>
+            <a:ext uri="{FF2B5EF4-FFF2-40B4-BE49-F238E27FC236}">
+              <a16:creationId xmlns:a16="http://schemas.microsoft.com/office/drawing/2014/main" id="{A18FF60E-E191-DB7B-DCE7-93D29C8E0744}"/>
+            </a:ext>
+          </a:extLst>
+        </p:cNvPr>
+        <p:cNvGrpSpPr/>
+        <p:nvPr/>
+      </p:nvGrpSpPr>
+      <p:grpSpPr>
+        <a:xfrm>
+          <a:off x="0" y="0"/>
+          <a:ext cx="0" cy="0"/>
+          <a:chOff x="0" y="0"/>
+          <a:chExt cx="0" cy="0"/>
+        </a:xfrm>
+      </p:grpSpPr>
+      <p:sp>
+        <p:nvSpPr>
+          <p:cNvPr id="9" name="Titel 8">
+            <a:extLst>
+              <a:ext uri="{FF2B5EF4-FFF2-40B4-BE49-F238E27FC236}">
+                <a16:creationId xmlns:a16="http://schemas.microsoft.com/office/drawing/2014/main" id="{6100CA9C-6E9B-A80E-E6FD-ED1C0669EAE5}"/>
+              </a:ext>
+            </a:extLst>
+          </p:cNvPr>
+          <p:cNvSpPr>
+            <a:spLocks noGrp="1"/>
+          </p:cNvSpPr>
+          <p:nvPr>
+            <p:ph type="title"/>
+          </p:nvPr>
+        </p:nvSpPr>
+        <p:spPr/>
+        <p:txBody>
+          <a:bodyPr/>
+          <a:lstStyle/>
+          <a:p>
+            <a:r>
+              <a:rPr lang="de-DE" dirty="0"/>
+              <a:t>Ds1 - </a:t>
+            </a:r>
+            <a:r>
+              <a:rPr lang="de-DE" dirty="0" err="1"/>
+              <a:t>AlexNet</a:t>
+            </a:r>
+            <a:r>
+              <a:rPr lang="de-DE" dirty="0"/>
+              <a:t> </a:t>
+            </a:r>
+          </a:p>
+        </p:txBody>
+      </p:sp>
+      <p:sp>
+        <p:nvSpPr>
+          <p:cNvPr id="10" name="Inhaltsplatzhalter 9">
+            <a:extLst>
+              <a:ext uri="{FF2B5EF4-FFF2-40B4-BE49-F238E27FC236}">
+                <a16:creationId xmlns:a16="http://schemas.microsoft.com/office/drawing/2014/main" id="{66CBD2CE-1DB6-8BFE-9781-6862D708A4D2}"/>
+              </a:ext>
+            </a:extLst>
+          </p:cNvPr>
+          <p:cNvSpPr>
+            <a:spLocks noGrp="1"/>
+          </p:cNvSpPr>
+          <p:nvPr>
+            <p:ph idx="1"/>
+          </p:nvPr>
+        </p:nvSpPr>
+        <p:spPr/>
+        <p:txBody>
+          <a:bodyPr/>
+          <a:lstStyle/>
+          <a:p>
+            <a:endParaRPr lang="de-DE" dirty="0"/>
+          </a:p>
+        </p:txBody>
+      </p:sp>
+      <p:sp>
+        <p:nvSpPr>
+          <p:cNvPr id="4" name="Datumsplatzhalter 3">
+            <a:extLst>
+              <a:ext uri="{FF2B5EF4-FFF2-40B4-BE49-F238E27FC236}">
+                <a16:creationId xmlns:a16="http://schemas.microsoft.com/office/drawing/2014/main" id="{3D0FC681-17D0-285B-6A3E-E23AFCF17296}"/>
+              </a:ext>
+            </a:extLst>
+          </p:cNvPr>
+          <p:cNvSpPr>
+            <a:spLocks noGrp="1"/>
+          </p:cNvSpPr>
+          <p:nvPr>
+            <p:ph type="dt" sz="half" idx="10"/>
+          </p:nvPr>
+        </p:nvSpPr>
+        <p:spPr/>
+        <p:txBody>
+          <a:bodyPr/>
+          <a:lstStyle/>
+          <a:p>
+            <a:r>
+              <a:rPr lang="de-DE" dirty="0"/>
+              <a:t>Anna Reiter, Chiara Perocco</a:t>
+            </a:r>
+          </a:p>
+        </p:txBody>
+      </p:sp>
+      <p:sp>
+        <p:nvSpPr>
+          <p:cNvPr id="5" name="Fußzeilenplatzhalter 4">
+            <a:extLst>
+              <a:ext uri="{FF2B5EF4-FFF2-40B4-BE49-F238E27FC236}">
+                <a16:creationId xmlns:a16="http://schemas.microsoft.com/office/drawing/2014/main" id="{BF3AE583-D86B-6520-F90F-FCD4451DB02D}"/>
+              </a:ext>
+            </a:extLst>
+          </p:cNvPr>
+          <p:cNvSpPr>
+            <a:spLocks noGrp="1"/>
+          </p:cNvSpPr>
+          <p:nvPr>
+            <p:ph type="ftr" sz="quarter" idx="11"/>
+          </p:nvPr>
+        </p:nvSpPr>
+        <p:spPr/>
+        <p:txBody>
+          <a:bodyPr/>
+          <a:lstStyle/>
+          <a:p>
+            <a:r>
+              <a:rPr lang="de-DE"/>
+              <a:t>Advanced Deep Learning </a:t>
+            </a:r>
+            <a:endParaRPr lang="de-DE" dirty="0"/>
+          </a:p>
+        </p:txBody>
+      </p:sp>
+      <p:sp>
+        <p:nvSpPr>
+          <p:cNvPr id="6" name="Foliennummernplatzhalter 5">
+            <a:extLst>
+              <a:ext uri="{FF2B5EF4-FFF2-40B4-BE49-F238E27FC236}">
+                <a16:creationId xmlns:a16="http://schemas.microsoft.com/office/drawing/2014/main" id="{F21AF801-6FA5-889F-CB75-6100513F3E34}"/>
+              </a:ext>
+            </a:extLst>
+          </p:cNvPr>
+          <p:cNvSpPr>
+            <a:spLocks noGrp="1"/>
+          </p:cNvSpPr>
+          <p:nvPr>
+            <p:ph type="sldNum" sz="quarter" idx="12"/>
+          </p:nvPr>
+        </p:nvSpPr>
+        <p:spPr/>
+        <p:txBody>
+          <a:bodyPr/>
+          <a:lstStyle/>
+          <a:p>
+            <a:fld id="{A13361CF-9A47-4C8C-A01E-566DC0626ACC}" type="slidenum">
+              <a:rPr lang="de-DE" smtClean="0"/>
+              <a:t>17</a:t>
+            </a:fld>
+            <a:endParaRPr lang="de-DE"/>
+          </a:p>
+        </p:txBody>
+      </p:sp>
+      <p:pic>
+        <p:nvPicPr>
+          <p:cNvPr id="2" name="Grafik 1">
+            <a:extLst>
+              <a:ext uri="{FF2B5EF4-FFF2-40B4-BE49-F238E27FC236}">
+                <a16:creationId xmlns:a16="http://schemas.microsoft.com/office/drawing/2014/main" id="{5F9838F1-C4C6-6DDD-90CA-FD1F99812EF3}"/>
+              </a:ext>
+            </a:extLst>
+          </p:cNvPr>
+          <p:cNvPicPr>
+            <a:picLocks noChangeAspect="1"/>
+          </p:cNvPicPr>
+          <p:nvPr/>
+        </p:nvPicPr>
+        <p:blipFill>
+          <a:blip r:embed="rId2"/>
+          <a:stretch>
+            <a:fillRect/>
+          </a:stretch>
+        </p:blipFill>
+        <p:spPr>
+          <a:xfrm>
+            <a:off x="838200" y="1365206"/>
+            <a:ext cx="2133600" cy="2133600"/>
+          </a:xfrm>
+          <a:prstGeom prst="rect">
+            <a:avLst/>
+          </a:prstGeom>
+        </p:spPr>
+      </p:pic>
+      <p:pic>
+        <p:nvPicPr>
+          <p:cNvPr id="7" name="Grafik 6">
+            <a:extLst>
+              <a:ext uri="{FF2B5EF4-FFF2-40B4-BE49-F238E27FC236}">
+                <a16:creationId xmlns:a16="http://schemas.microsoft.com/office/drawing/2014/main" id="{BBCAD4A9-C476-0E12-1A47-DCC84A19934E}"/>
+              </a:ext>
+            </a:extLst>
+          </p:cNvPr>
+          <p:cNvPicPr>
+            <a:picLocks noChangeAspect="1"/>
+          </p:cNvPicPr>
+          <p:nvPr/>
+        </p:nvPicPr>
+        <p:blipFill>
+          <a:blip r:embed="rId3"/>
+          <a:stretch>
+            <a:fillRect/>
+          </a:stretch>
+        </p:blipFill>
+        <p:spPr>
+          <a:xfrm>
+            <a:off x="3426031" y="1365206"/>
+            <a:ext cx="2133600" cy="2133600"/>
+          </a:xfrm>
+          <a:prstGeom prst="rect">
+            <a:avLst/>
+          </a:prstGeom>
+        </p:spPr>
+      </p:pic>
+      <p:pic>
+        <p:nvPicPr>
+          <p:cNvPr id="8" name="Grafik 7">
+            <a:extLst>
+              <a:ext uri="{FF2B5EF4-FFF2-40B4-BE49-F238E27FC236}">
+                <a16:creationId xmlns:a16="http://schemas.microsoft.com/office/drawing/2014/main" id="{097BEAD1-AD45-FA3B-FEB2-4AF225AD0804}"/>
+              </a:ext>
+            </a:extLst>
+          </p:cNvPr>
+          <p:cNvPicPr>
+            <a:picLocks noChangeAspect="1"/>
+          </p:cNvPicPr>
+          <p:nvPr/>
+        </p:nvPicPr>
+        <p:blipFill>
+          <a:blip r:embed="rId4"/>
+          <a:stretch>
+            <a:fillRect/>
+          </a:stretch>
+        </p:blipFill>
+        <p:spPr>
+          <a:xfrm>
+            <a:off x="6013862" y="1365206"/>
+            <a:ext cx="2133600" cy="2133600"/>
+          </a:xfrm>
+          <a:prstGeom prst="rect">
+            <a:avLst/>
+          </a:prstGeom>
+        </p:spPr>
+      </p:pic>
+      <p:pic>
+        <p:nvPicPr>
+          <p:cNvPr id="11" name="Grafik 10">
+            <a:extLst>
+              <a:ext uri="{FF2B5EF4-FFF2-40B4-BE49-F238E27FC236}">
+                <a16:creationId xmlns:a16="http://schemas.microsoft.com/office/drawing/2014/main" id="{610A418A-69EF-0B28-9E3E-DBECCBE8DCAD}"/>
+              </a:ext>
+            </a:extLst>
+          </p:cNvPr>
+          <p:cNvPicPr>
+            <a:picLocks noChangeAspect="1"/>
+          </p:cNvPicPr>
+          <p:nvPr/>
+        </p:nvPicPr>
+        <p:blipFill>
+          <a:blip r:embed="rId5"/>
+          <a:stretch>
+            <a:fillRect/>
+          </a:stretch>
+        </p:blipFill>
+        <p:spPr>
+          <a:xfrm>
+            <a:off x="8601693" y="1365206"/>
+            <a:ext cx="2133600" cy="2133600"/>
+          </a:xfrm>
+          <a:prstGeom prst="rect">
+            <a:avLst/>
+          </a:prstGeom>
+        </p:spPr>
+      </p:pic>
+      <p:pic>
+        <p:nvPicPr>
+          <p:cNvPr id="12" name="Grafik 11">
+            <a:extLst>
+              <a:ext uri="{FF2B5EF4-FFF2-40B4-BE49-F238E27FC236}">
+                <a16:creationId xmlns:a16="http://schemas.microsoft.com/office/drawing/2014/main" id="{179FEF30-1801-E662-6BC6-F63ACD21563A}"/>
+              </a:ext>
+            </a:extLst>
+          </p:cNvPr>
+          <p:cNvPicPr>
+            <a:picLocks noChangeAspect="1"/>
+          </p:cNvPicPr>
+          <p:nvPr/>
+        </p:nvPicPr>
+        <p:blipFill>
+          <a:blip r:embed="rId6"/>
+          <a:stretch>
+            <a:fillRect/>
+          </a:stretch>
+        </p:blipFill>
+        <p:spPr>
+          <a:xfrm>
+            <a:off x="838200" y="3833281"/>
+            <a:ext cx="2133600" cy="2133600"/>
+          </a:xfrm>
+          <a:prstGeom prst="rect">
+            <a:avLst/>
+          </a:prstGeom>
+        </p:spPr>
+      </p:pic>
+      <p:pic>
+        <p:nvPicPr>
+          <p:cNvPr id="13" name="Grafik 12">
+            <a:extLst>
+              <a:ext uri="{FF2B5EF4-FFF2-40B4-BE49-F238E27FC236}">
+                <a16:creationId xmlns:a16="http://schemas.microsoft.com/office/drawing/2014/main" id="{08CBDD4D-DF20-C8B9-C2A6-1C6F122267BB}"/>
+              </a:ext>
+            </a:extLst>
+          </p:cNvPr>
+          <p:cNvPicPr>
+            <a:picLocks noChangeAspect="1"/>
+          </p:cNvPicPr>
+          <p:nvPr/>
+        </p:nvPicPr>
+        <p:blipFill>
+          <a:blip r:embed="rId7"/>
+          <a:stretch>
+            <a:fillRect/>
+          </a:stretch>
+        </p:blipFill>
+        <p:spPr>
+          <a:xfrm>
+            <a:off x="3426031" y="3833281"/>
+            <a:ext cx="2133600" cy="2133600"/>
+          </a:xfrm>
+          <a:prstGeom prst="rect">
+            <a:avLst/>
+          </a:prstGeom>
+        </p:spPr>
+      </p:pic>
+      <p:pic>
+        <p:nvPicPr>
+          <p:cNvPr id="14" name="Grafik 13">
+            <a:extLst>
+              <a:ext uri="{FF2B5EF4-FFF2-40B4-BE49-F238E27FC236}">
+                <a16:creationId xmlns:a16="http://schemas.microsoft.com/office/drawing/2014/main" id="{F67511D2-374C-2864-2F20-77926B37836A}"/>
+              </a:ext>
+            </a:extLst>
+          </p:cNvPr>
+          <p:cNvPicPr>
+            <a:picLocks noChangeAspect="1"/>
+          </p:cNvPicPr>
+          <p:nvPr/>
+        </p:nvPicPr>
+        <p:blipFill>
+          <a:blip r:embed="rId8"/>
+          <a:stretch>
+            <a:fillRect/>
+          </a:stretch>
+        </p:blipFill>
+        <p:spPr>
+          <a:xfrm>
+            <a:off x="6013862" y="3833281"/>
+            <a:ext cx="2133600" cy="2133600"/>
+          </a:xfrm>
+          <a:prstGeom prst="rect">
+            <a:avLst/>
+          </a:prstGeom>
+        </p:spPr>
+      </p:pic>
+      <p:pic>
+        <p:nvPicPr>
+          <p:cNvPr id="15" name="Grafik 14">
+            <a:extLst>
+              <a:ext uri="{FF2B5EF4-FFF2-40B4-BE49-F238E27FC236}">
+                <a16:creationId xmlns:a16="http://schemas.microsoft.com/office/drawing/2014/main" id="{C69B7B31-3EC8-1786-2DA9-E657EB26F95C}"/>
+              </a:ext>
+            </a:extLst>
+          </p:cNvPr>
+          <p:cNvPicPr>
+            <a:picLocks noChangeAspect="1"/>
+          </p:cNvPicPr>
+          <p:nvPr/>
+        </p:nvPicPr>
+        <p:blipFill>
+          <a:blip r:embed="rId9"/>
+          <a:stretch>
+            <a:fillRect/>
+          </a:stretch>
+        </p:blipFill>
+        <p:spPr>
+          <a:xfrm>
+            <a:off x="8601693" y="3833281"/>
+            <a:ext cx="2133600" cy="2133600"/>
+          </a:xfrm>
+          <a:prstGeom prst="rect">
+            <a:avLst/>
+          </a:prstGeom>
+        </p:spPr>
+      </p:pic>
+    </p:spTree>
+    <p:extLst>
+      <p:ext uri="{BB962C8B-B14F-4D97-AF65-F5344CB8AC3E}">
+        <p14:creationId xmlns:p14="http://schemas.microsoft.com/office/powerpoint/2010/main" val="3696741043"/>
+      </p:ext>
+    </p:extLst>
+  </p:cSld>
+  <p:clrMapOvr>
+    <a:masterClrMapping/>
+  </p:clrMapOvr>
+</p:sld>
+</file>
+
+<file path=ppt/slides/slide18.xml><?xml version="1.0" encoding="utf-8"?>
+<p:sld xmlns:a="http://schemas.openxmlformats.org/drawingml/2006/main" xmlns:r="http://schemas.openxmlformats.org/officeDocument/2006/relationships" xmlns:p="http://schemas.openxmlformats.org/presentationml/2006/main">
+  <p:cSld>
+    <p:spTree>
+      <p:nvGrpSpPr>
+        <p:cNvPr id="1" name="">
+          <a:extLst>
+            <a:ext uri="{FF2B5EF4-FFF2-40B4-BE49-F238E27FC236}">
+              <a16:creationId xmlns:a16="http://schemas.microsoft.com/office/drawing/2014/main" id="{1399ABD5-FFBB-72A4-3244-E30325D23A43}"/>
+            </a:ext>
+          </a:extLst>
+        </p:cNvPr>
+        <p:cNvGrpSpPr/>
+        <p:nvPr/>
+      </p:nvGrpSpPr>
+      <p:grpSpPr>
+        <a:xfrm>
+          <a:off x="0" y="0"/>
+          <a:ext cx="0" cy="0"/>
+          <a:chOff x="0" y="0"/>
+          <a:chExt cx="0" cy="0"/>
+        </a:xfrm>
+      </p:grpSpPr>
+      <p:sp>
+        <p:nvSpPr>
+          <p:cNvPr id="9" name="Titel 8">
+            <a:extLst>
+              <a:ext uri="{FF2B5EF4-FFF2-40B4-BE49-F238E27FC236}">
+                <a16:creationId xmlns:a16="http://schemas.microsoft.com/office/drawing/2014/main" id="{F4C2AEAB-B2B8-2346-DE4B-7CABC119ACF4}"/>
+              </a:ext>
+            </a:extLst>
+          </p:cNvPr>
+          <p:cNvSpPr>
+            <a:spLocks noGrp="1"/>
+          </p:cNvSpPr>
+          <p:nvPr>
+            <p:ph type="title"/>
+          </p:nvPr>
+        </p:nvSpPr>
+        <p:spPr/>
+        <p:txBody>
+          <a:bodyPr/>
+          <a:lstStyle/>
+          <a:p>
+            <a:r>
+              <a:rPr lang="de-DE" dirty="0"/>
+              <a:t>Ds1 - </a:t>
+            </a:r>
+            <a:r>
+              <a:rPr lang="de-DE" dirty="0" err="1"/>
+              <a:t>AlexNet</a:t>
+            </a:r>
+            <a:endParaRPr lang="de-DE" dirty="0"/>
+          </a:p>
+        </p:txBody>
+      </p:sp>
+      <p:sp>
+        <p:nvSpPr>
+          <p:cNvPr id="10" name="Inhaltsplatzhalter 9">
+            <a:extLst>
+              <a:ext uri="{FF2B5EF4-FFF2-40B4-BE49-F238E27FC236}">
+                <a16:creationId xmlns:a16="http://schemas.microsoft.com/office/drawing/2014/main" id="{DEF635D9-48AA-7626-2D7D-E77554EBF9C7}"/>
+              </a:ext>
+            </a:extLst>
+          </p:cNvPr>
+          <p:cNvSpPr>
+            <a:spLocks noGrp="1"/>
+          </p:cNvSpPr>
+          <p:nvPr>
+            <p:ph idx="1"/>
+          </p:nvPr>
+        </p:nvSpPr>
+        <p:spPr/>
+        <p:txBody>
+          <a:bodyPr/>
+          <a:lstStyle/>
+          <a:p>
+            <a:endParaRPr lang="de-DE" dirty="0"/>
+          </a:p>
+        </p:txBody>
+      </p:sp>
+      <p:sp>
+        <p:nvSpPr>
+          <p:cNvPr id="4" name="Datumsplatzhalter 3">
+            <a:extLst>
+              <a:ext uri="{FF2B5EF4-FFF2-40B4-BE49-F238E27FC236}">
+                <a16:creationId xmlns:a16="http://schemas.microsoft.com/office/drawing/2014/main" id="{ACBE3D3D-864E-4079-8ECC-050712EDF440}"/>
+              </a:ext>
+            </a:extLst>
+          </p:cNvPr>
+          <p:cNvSpPr>
+            <a:spLocks noGrp="1"/>
+          </p:cNvSpPr>
+          <p:nvPr>
+            <p:ph type="dt" sz="half" idx="10"/>
+          </p:nvPr>
+        </p:nvSpPr>
+        <p:spPr/>
+        <p:txBody>
+          <a:bodyPr/>
+          <a:lstStyle/>
+          <a:p>
+            <a:r>
+              <a:rPr lang="de-DE" dirty="0"/>
+              <a:t>Anna Reiter, Chiara Perocco</a:t>
+            </a:r>
+          </a:p>
+        </p:txBody>
+      </p:sp>
+      <p:sp>
+        <p:nvSpPr>
+          <p:cNvPr id="5" name="Fußzeilenplatzhalter 4">
+            <a:extLst>
+              <a:ext uri="{FF2B5EF4-FFF2-40B4-BE49-F238E27FC236}">
+                <a16:creationId xmlns:a16="http://schemas.microsoft.com/office/drawing/2014/main" id="{9A4E9ADC-8C0D-45A4-6065-C199A323549D}"/>
+              </a:ext>
+            </a:extLst>
+          </p:cNvPr>
+          <p:cNvSpPr>
+            <a:spLocks noGrp="1"/>
+          </p:cNvSpPr>
+          <p:nvPr>
+            <p:ph type="ftr" sz="quarter" idx="11"/>
+          </p:nvPr>
+        </p:nvSpPr>
+        <p:spPr/>
+        <p:txBody>
+          <a:bodyPr/>
+          <a:lstStyle/>
+          <a:p>
+            <a:r>
+              <a:rPr lang="de-DE"/>
+              <a:t>Advanced Deep Learning </a:t>
+            </a:r>
+            <a:endParaRPr lang="de-DE" dirty="0"/>
+          </a:p>
+        </p:txBody>
+      </p:sp>
+      <p:sp>
+        <p:nvSpPr>
+          <p:cNvPr id="6" name="Foliennummernplatzhalter 5">
+            <a:extLst>
+              <a:ext uri="{FF2B5EF4-FFF2-40B4-BE49-F238E27FC236}">
+                <a16:creationId xmlns:a16="http://schemas.microsoft.com/office/drawing/2014/main" id="{B4E55A9E-ED6B-8C9A-52BB-3CBD112C8CFD}"/>
               </a:ext>
             </a:extLst>
           </p:cNvPr>
@@ -7366,63 +8824,40 @@
           </a:p>
         </p:txBody>
       </p:sp>
-      <p:sp>
-        <p:nvSpPr>
-          <p:cNvPr id="7" name="Textplatzhalter 6">
-            <a:extLst>
-              <a:ext uri="{FF2B5EF4-FFF2-40B4-BE49-F238E27FC236}">
-                <a16:creationId xmlns:a16="http://schemas.microsoft.com/office/drawing/2014/main" id="{0DF80354-A93C-F0A8-00A0-F3E103204F23}"/>
-              </a:ext>
-            </a:extLst>
-          </p:cNvPr>
-          <p:cNvSpPr>
-            <a:spLocks noGrp="1"/>
-          </p:cNvSpPr>
-          <p:nvPr>
-            <p:ph type="body" sz="quarter" idx="14"/>
-          </p:nvPr>
-        </p:nvSpPr>
-        <p:spPr/>
-        <p:txBody>
-          <a:bodyPr/>
-          <a:lstStyle/>
-          <a:p>
-            <a:endParaRPr lang="de-DE"/>
-          </a:p>
-        </p:txBody>
-      </p:sp>
-      <p:sp>
-        <p:nvSpPr>
-          <p:cNvPr id="8" name="Titel 7">
-            <a:extLst>
-              <a:ext uri="{FF2B5EF4-FFF2-40B4-BE49-F238E27FC236}">
-                <a16:creationId xmlns:a16="http://schemas.microsoft.com/office/drawing/2014/main" id="{44EC5263-3AC4-97B4-ABB7-541EEE803B9B}"/>
-              </a:ext>
-            </a:extLst>
-          </p:cNvPr>
-          <p:cNvSpPr>
-            <a:spLocks noGrp="1"/>
-          </p:cNvSpPr>
-          <p:nvPr>
-            <p:ph type="title"/>
-          </p:nvPr>
-        </p:nvSpPr>
-        <p:spPr/>
-        <p:txBody>
-          <a:bodyPr/>
-          <a:lstStyle/>
-          <a:p>
-            <a:r>
-              <a:rPr lang="de-DE" dirty="0"/>
-              <a:t>Outlook</a:t>
-            </a:r>
-          </a:p>
-        </p:txBody>
-      </p:sp>
+      <p:pic>
+        <p:nvPicPr>
+          <p:cNvPr id="3" name="Grafik 2">
+            <a:extLst>
+              <a:ext uri="{FF2B5EF4-FFF2-40B4-BE49-F238E27FC236}">
+                <a16:creationId xmlns:a16="http://schemas.microsoft.com/office/drawing/2014/main" id="{28639A26-4707-1F5B-6A74-66E6DCFCB8C6}"/>
+              </a:ext>
+            </a:extLst>
+          </p:cNvPr>
+          <p:cNvPicPr>
+            <a:picLocks noChangeAspect="1"/>
+          </p:cNvPicPr>
+          <p:nvPr/>
+        </p:nvPicPr>
+        <p:blipFill>
+          <a:blip r:embed="rId2"/>
+          <a:stretch>
+            <a:fillRect/>
+          </a:stretch>
+        </p:blipFill>
+        <p:spPr>
+          <a:xfrm>
+            <a:off x="1269136" y="1039574"/>
+            <a:ext cx="9653726" cy="5099311"/>
+          </a:xfrm>
+          <a:prstGeom prst="rect">
+            <a:avLst/>
+          </a:prstGeom>
+        </p:spPr>
+      </p:pic>
     </p:spTree>
     <p:extLst>
       <p:ext uri="{BB962C8B-B14F-4D97-AF65-F5344CB8AC3E}">
-        <p14:creationId xmlns:p14="http://schemas.microsoft.com/office/powerpoint/2010/main" val="787477154"/>
+        <p14:creationId xmlns:p14="http://schemas.microsoft.com/office/powerpoint/2010/main" val="3391058801"/>
       </p:ext>
     </p:extLst>
   </p:cSld>
@@ -7437,13 +8872,7 @@
   <p:cSld>
     <p:spTree>
       <p:nvGrpSpPr>
-        <p:cNvPr id="1" name="">
-          <a:extLst>
-            <a:ext uri="{FF2B5EF4-FFF2-40B4-BE49-F238E27FC236}">
-              <a16:creationId xmlns:a16="http://schemas.microsoft.com/office/drawing/2014/main" id="{5BD18CE9-9F40-B3A8-703E-7A14262764CF}"/>
-            </a:ext>
-          </a:extLst>
-        </p:cNvPr>
+        <p:cNvPr id="1" name=""/>
         <p:cNvGrpSpPr/>
         <p:nvPr/>
       </p:nvGrpSpPr>
@@ -7457,10 +8886,10 @@
       </p:grpSpPr>
       <p:sp>
         <p:nvSpPr>
-          <p:cNvPr id="9" name="Titel 8">
-            <a:extLst>
-              <a:ext uri="{FF2B5EF4-FFF2-40B4-BE49-F238E27FC236}">
-                <a16:creationId xmlns:a16="http://schemas.microsoft.com/office/drawing/2014/main" id="{77756563-0B36-715B-2E80-2A8FDB296C13}"/>
+          <p:cNvPr id="2" name="Titel 1">
+            <a:extLst>
+              <a:ext uri="{FF2B5EF4-FFF2-40B4-BE49-F238E27FC236}">
+                <a16:creationId xmlns:a16="http://schemas.microsoft.com/office/drawing/2014/main" id="{69170D2E-E26D-0CDC-CCAE-12D263F56AD4}"/>
               </a:ext>
             </a:extLst>
           </p:cNvPr>
@@ -7478,17 +8907,17 @@
           <a:p>
             <a:r>
               <a:rPr lang="de-DE" dirty="0"/>
-              <a:t>Outlook</a:t>
-            </a:r>
-          </a:p>
-        </p:txBody>
-      </p:sp>
-      <p:sp>
-        <p:nvSpPr>
-          <p:cNvPr id="10" name="Inhaltsplatzhalter 9">
-            <a:extLst>
-              <a:ext uri="{FF2B5EF4-FFF2-40B4-BE49-F238E27FC236}">
-                <a16:creationId xmlns:a16="http://schemas.microsoft.com/office/drawing/2014/main" id="{D0BAAB43-1E20-FCC9-93DD-D591624EA33A}"/>
+              <a:t>Ds1 – ResNet50</a:t>
+            </a:r>
+          </a:p>
+        </p:txBody>
+      </p:sp>
+      <p:sp>
+        <p:nvSpPr>
+          <p:cNvPr id="3" name="Inhaltsplatzhalter 2">
+            <a:extLst>
+              <a:ext uri="{FF2B5EF4-FFF2-40B4-BE49-F238E27FC236}">
+                <a16:creationId xmlns:a16="http://schemas.microsoft.com/office/drawing/2014/main" id="{A9E8F293-6EC1-3E8C-CA0E-BD4D56DF4568}"/>
               </a:ext>
             </a:extLst>
           </p:cNvPr>
@@ -7504,7 +8933,7 @@
           <a:bodyPr/>
           <a:lstStyle/>
           <a:p>
-            <a:endParaRPr lang="de-DE" dirty="0"/>
+            <a:endParaRPr lang="de-DE"/>
           </a:p>
         </p:txBody>
       </p:sp>
@@ -7513,7 +8942,7 @@
           <p:cNvPr id="4" name="Datumsplatzhalter 3">
             <a:extLst>
               <a:ext uri="{FF2B5EF4-FFF2-40B4-BE49-F238E27FC236}">
-                <a16:creationId xmlns:a16="http://schemas.microsoft.com/office/drawing/2014/main" id="{5BF9F3B1-553A-3F18-91A0-2B8B185E7617}"/>
+                <a16:creationId xmlns:a16="http://schemas.microsoft.com/office/drawing/2014/main" id="{9EB22635-D8E1-FC5F-AFFB-1C34F62564AD}"/>
               </a:ext>
             </a:extLst>
           </p:cNvPr>
@@ -7530,8 +8959,8 @@
           <a:lstStyle/>
           <a:p>
             <a:r>
-              <a:rPr lang="de-DE" dirty="0"/>
-              <a:t>Anna Reiter, Chiara Perocco</a:t>
+              <a:rPr lang="de-DE"/>
+              <a:t>Markus Friedrich</a:t>
             </a:r>
           </a:p>
         </p:txBody>
@@ -7541,7 +8970,7 @@
           <p:cNvPr id="5" name="Fußzeilenplatzhalter 4">
             <a:extLst>
               <a:ext uri="{FF2B5EF4-FFF2-40B4-BE49-F238E27FC236}">
-                <a16:creationId xmlns:a16="http://schemas.microsoft.com/office/drawing/2014/main" id="{86EB82BD-3C7E-E9F1-3274-B7CE43FEDC24}"/>
+                <a16:creationId xmlns:a16="http://schemas.microsoft.com/office/drawing/2014/main" id="{938594C0-055E-785C-E28A-03B9A4E12158}"/>
               </a:ext>
             </a:extLst>
           </p:cNvPr>
@@ -7561,7 +8990,6 @@
               <a:rPr lang="de-DE"/>
               <a:t>Advanced Deep Learning </a:t>
             </a:r>
-            <a:endParaRPr lang="de-DE" dirty="0"/>
           </a:p>
         </p:txBody>
       </p:sp>
@@ -7570,7 +8998,7 @@
           <p:cNvPr id="6" name="Foliennummernplatzhalter 5">
             <a:extLst>
               <a:ext uri="{FF2B5EF4-FFF2-40B4-BE49-F238E27FC236}">
-                <a16:creationId xmlns:a16="http://schemas.microsoft.com/office/drawing/2014/main" id="{C7EE546B-A32A-2B0D-D87A-6EFA77AF0EDC}"/>
+                <a16:creationId xmlns:a16="http://schemas.microsoft.com/office/drawing/2014/main" id="{7944ED81-309A-2EBC-DCC3-8E4EA621D56C}"/>
               </a:ext>
             </a:extLst>
           </p:cNvPr>
@@ -7588,16 +9016,47 @@
           <a:p>
             <a:fld id="{A13361CF-9A47-4C8C-A01E-566DC0626ACC}" type="slidenum">
               <a:rPr lang="de-DE" smtClean="0"/>
+              <a:pPr/>
               <a:t>19</a:t>
             </a:fld>
             <a:endParaRPr lang="de-DE"/>
           </a:p>
         </p:txBody>
       </p:sp>
+      <p:pic>
+        <p:nvPicPr>
+          <p:cNvPr id="7" name="Grafik 6">
+            <a:extLst>
+              <a:ext uri="{FF2B5EF4-FFF2-40B4-BE49-F238E27FC236}">
+                <a16:creationId xmlns:a16="http://schemas.microsoft.com/office/drawing/2014/main" id="{CF74BFA3-F07A-073A-A1AB-E327CD839132}"/>
+              </a:ext>
+            </a:extLst>
+          </p:cNvPr>
+          <p:cNvPicPr>
+            <a:picLocks noChangeAspect="1"/>
+          </p:cNvPicPr>
+          <p:nvPr/>
+        </p:nvPicPr>
+        <p:blipFill>
+          <a:blip r:embed="rId2"/>
+          <a:stretch>
+            <a:fillRect/>
+          </a:stretch>
+        </p:blipFill>
+        <p:spPr>
+          <a:xfrm>
+            <a:off x="1803400" y="1374800"/>
+            <a:ext cx="9107618" cy="4749481"/>
+          </a:xfrm>
+          <a:prstGeom prst="rect">
+            <a:avLst/>
+          </a:prstGeom>
+        </p:spPr>
+      </p:pic>
     </p:spTree>
     <p:extLst>
       <p:ext uri="{BB962C8B-B14F-4D97-AF65-F5344CB8AC3E}">
-        <p14:creationId xmlns:p14="http://schemas.microsoft.com/office/powerpoint/2010/main" val="1441482819"/>
+        <p14:creationId xmlns:p14="http://schemas.microsoft.com/office/powerpoint/2010/main" val="402028621"/>
       </p:ext>
     </p:extLst>
   </p:cSld>
@@ -7779,7 +9238,7 @@
         <p:spPr>
           <a:xfrm>
             <a:off x="6107112" y="277708"/>
-            <a:ext cx="5713413" cy="4926470"/>
+            <a:ext cx="5713413" cy="5761666"/>
           </a:xfrm>
         </p:spPr>
         <p:txBody>
@@ -7793,8 +9252,130 @@
               <a:buAutoNum type="arabicPeriod"/>
             </a:pPr>
             <a:r>
-              <a:rPr lang="de-DE" dirty="0"/>
-              <a:t>Domain</a:t>
+              <a:rPr lang="de-DE" dirty="0" err="1"/>
+              <a:t>Introduction</a:t>
+            </a:r>
+            <a:endParaRPr lang="de-DE" dirty="0"/>
+          </a:p>
+          <a:p>
+            <a:pPr lvl="1">
+              <a:lnSpc>
+                <a:spcPct val="150000"/>
+              </a:lnSpc>
+            </a:pPr>
+            <a:r>
+              <a:rPr lang="de-DE" dirty="0"/>
+              <a:t>1.1 Architecture </a:t>
+            </a:r>
+            <a:r>
+              <a:rPr lang="de-DE" dirty="0" err="1"/>
+              <a:t>of</a:t>
+            </a:r>
+            <a:r>
+              <a:rPr lang="de-DE" dirty="0"/>
+              <a:t> </a:t>
+            </a:r>
+            <a:r>
+              <a:rPr lang="de-DE" dirty="0" err="1"/>
+              <a:t>the</a:t>
+            </a:r>
+            <a:r>
+              <a:rPr lang="de-DE" dirty="0"/>
+              <a:t> </a:t>
+            </a:r>
+            <a:r>
+              <a:rPr lang="de-DE" dirty="0" err="1"/>
+              <a:t>system</a:t>
+            </a:r>
+            <a:endParaRPr lang="de-DE" dirty="0"/>
+          </a:p>
+          <a:p>
+            <a:pPr lvl="1">
+              <a:lnSpc>
+                <a:spcPct val="150000"/>
+              </a:lnSpc>
+            </a:pPr>
+            <a:r>
+              <a:rPr lang="de-DE" dirty="0"/>
+              <a:t>1.2 </a:t>
+            </a:r>
+            <a:r>
+              <a:rPr lang="de-DE" dirty="0" err="1"/>
+              <a:t>Object</a:t>
+            </a:r>
+            <a:r>
+              <a:rPr lang="de-DE" dirty="0"/>
+              <a:t> </a:t>
+            </a:r>
+            <a:r>
+              <a:rPr lang="de-DE" dirty="0" err="1"/>
+              <a:t>Detector</a:t>
+            </a:r>
+            <a:endParaRPr lang="de-DE" dirty="0"/>
+          </a:p>
+          <a:p>
+            <a:pPr lvl="1">
+              <a:lnSpc>
+                <a:spcPct val="150000"/>
+              </a:lnSpc>
+            </a:pPr>
+            <a:r>
+              <a:rPr lang="de-DE" dirty="0"/>
+              <a:t>1.3 Image </a:t>
+            </a:r>
+            <a:r>
+              <a:rPr lang="de-DE" dirty="0" err="1"/>
+              <a:t>Classifier</a:t>
+            </a:r>
+            <a:endParaRPr lang="de-DE" dirty="0"/>
+          </a:p>
+          <a:p>
+            <a:pPr lvl="1">
+              <a:lnSpc>
+                <a:spcPct val="150000"/>
+              </a:lnSpc>
+            </a:pPr>
+            <a:r>
+              <a:rPr lang="de-DE" dirty="0"/>
+              <a:t>1.4 </a:t>
+            </a:r>
+            <a:r>
+              <a:rPr lang="de-DE" dirty="0" err="1"/>
+              <a:t>Article</a:t>
+            </a:r>
+            <a:r>
+              <a:rPr lang="de-DE" dirty="0"/>
+              <a:t> Agent</a:t>
+            </a:r>
+          </a:p>
+          <a:p>
+            <a:pPr lvl="1">
+              <a:lnSpc>
+                <a:spcPct val="150000"/>
+              </a:lnSpc>
+            </a:pPr>
+            <a:r>
+              <a:rPr lang="de-DE" dirty="0"/>
+              <a:t>1.5 </a:t>
+            </a:r>
+            <a:r>
+              <a:rPr lang="de-DE" dirty="0" err="1"/>
+              <a:t>Article</a:t>
+            </a:r>
+            <a:r>
+              <a:rPr lang="de-DE" dirty="0"/>
+              <a:t> Assembler</a:t>
+            </a:r>
+          </a:p>
+          <a:p>
+            <a:pPr lvl="1">
+              <a:lnSpc>
+                <a:spcPct val="150000"/>
+              </a:lnSpc>
+            </a:pPr>
+            <a:r>
+              <a:rPr lang="de-DE" dirty="0"/>
+              <a:t>1.6 Diffusion Model</a:t>
             </a:r>
           </a:p>
           <a:p>
@@ -7805,28 +9386,8 @@
               <a:buAutoNum type="arabicPeriod"/>
             </a:pPr>
             <a:r>
-              <a:rPr lang="de-DE" dirty="0"/>
-              <a:t>Architecture </a:t>
-            </a:r>
-            <a:r>
               <a:rPr lang="de-DE" dirty="0" err="1"/>
-              <a:t>of</a:t>
-            </a:r>
-            <a:r>
-              <a:rPr lang="de-DE" dirty="0"/>
-              <a:t> </a:t>
-            </a:r>
-            <a:r>
-              <a:rPr lang="de-DE" dirty="0" err="1"/>
-              <a:t>the</a:t>
-            </a:r>
-            <a:r>
-              <a:rPr lang="de-DE" dirty="0"/>
-              <a:t> </a:t>
-            </a:r>
-            <a:r>
-              <a:rPr lang="de-DE" dirty="0" err="1"/>
-              <a:t>system</a:t>
+              <a:t>Results</a:t>
             </a:r>
             <a:endParaRPr lang="de-DE" dirty="0"/>
           </a:p>
@@ -7838,8 +9399,12 @@
               <a:buAutoNum type="arabicPeriod"/>
             </a:pPr>
             <a:r>
-              <a:rPr lang="de-DE" dirty="0"/>
-              <a:t>Modules</a:t>
+              <a:rPr lang="de-DE" dirty="0" err="1"/>
+              <a:t>Conclusion</a:t>
+            </a:r>
+            <a:r>
+              <a:rPr lang="de-DE" dirty="0"/>
+              <a:t> </a:t>
             </a:r>
           </a:p>
           <a:p>
@@ -7850,91 +9415,17 @@
               <a:buAutoNum type="arabicPeriod"/>
             </a:pPr>
             <a:r>
-              <a:rPr lang="de-DE" dirty="0" err="1"/>
-              <a:t>Object</a:t>
-            </a:r>
-            <a:r>
-              <a:rPr lang="de-DE" dirty="0"/>
-              <a:t> </a:t>
-            </a:r>
-            <a:r>
-              <a:rPr lang="de-DE" dirty="0" err="1"/>
-              <a:t>Detector</a:t>
-            </a:r>
-            <a:endParaRPr lang="de-DE" dirty="0"/>
-          </a:p>
-          <a:p>
-            <a:pPr marL="514350" indent="-514350">
+              <a:rPr lang="de-DE" dirty="0"/>
+              <a:t>Outlook</a:t>
+            </a:r>
+          </a:p>
+          <a:p>
+            <a:pPr lvl="1">
               <a:lnSpc>
                 <a:spcPct val="150000"/>
               </a:lnSpc>
-              <a:buAutoNum type="arabicPeriod"/>
             </a:pPr>
-            <a:r>
-              <a:rPr lang="de-DE" dirty="0"/>
-              <a:t>Image </a:t>
-            </a:r>
-            <a:r>
-              <a:rPr lang="de-DE" dirty="0" err="1"/>
-              <a:t>Classifier</a:t>
-            </a:r>
             <a:endParaRPr lang="de-DE" dirty="0"/>
-          </a:p>
-          <a:p>
-            <a:pPr marL="514350" indent="-514350">
-              <a:lnSpc>
-                <a:spcPct val="150000"/>
-              </a:lnSpc>
-              <a:buAutoNum type="arabicPeriod"/>
-            </a:pPr>
-            <a:r>
-              <a:rPr lang="de-DE" dirty="0" err="1"/>
-              <a:t>Article</a:t>
-            </a:r>
-            <a:r>
-              <a:rPr lang="de-DE" dirty="0"/>
-              <a:t> Agent</a:t>
-            </a:r>
-          </a:p>
-          <a:p>
-            <a:pPr marL="514350" indent="-514350">
-              <a:lnSpc>
-                <a:spcPct val="150000"/>
-              </a:lnSpc>
-              <a:buAutoNum type="arabicPeriod"/>
-            </a:pPr>
-            <a:r>
-              <a:rPr lang="de-DE" dirty="0" err="1"/>
-              <a:t>Article</a:t>
-            </a:r>
-            <a:r>
-              <a:rPr lang="de-DE" dirty="0"/>
-              <a:t> Assembler</a:t>
-            </a:r>
-          </a:p>
-          <a:p>
-            <a:pPr marL="514350" indent="-514350">
-              <a:lnSpc>
-                <a:spcPct val="150000"/>
-              </a:lnSpc>
-              <a:buAutoNum type="arabicPeriod"/>
-            </a:pPr>
-            <a:r>
-              <a:rPr lang="de-DE" dirty="0"/>
-              <a:t>Diffusion Model</a:t>
-            </a:r>
-          </a:p>
-          <a:p>
-            <a:pPr marL="514350" indent="-514350">
-              <a:lnSpc>
-                <a:spcPct val="150000"/>
-              </a:lnSpc>
-              <a:buAutoNum type="arabicPeriod"/>
-            </a:pPr>
-            <a:r>
-              <a:rPr lang="de-DE" dirty="0"/>
-              <a:t>Outlook</a:t>
-            </a:r>
           </a:p>
         </p:txBody>
       </p:sp>
@@ -7970,6 +9461,2762 @@
     <p:extLst>
       <p:ext uri="{BB962C8B-B14F-4D97-AF65-F5344CB8AC3E}">
         <p14:creationId xmlns:p14="http://schemas.microsoft.com/office/powerpoint/2010/main" val="1305694883"/>
+      </p:ext>
+    </p:extLst>
+  </p:cSld>
+  <p:clrMapOvr>
+    <a:masterClrMapping/>
+  </p:clrMapOvr>
+</p:sld>
+</file>
+
+<file path=ppt/slides/slide20.xml><?xml version="1.0" encoding="utf-8"?>
+<p:sld xmlns:a="http://schemas.openxmlformats.org/drawingml/2006/main" xmlns:r="http://schemas.openxmlformats.org/officeDocument/2006/relationships" xmlns:p="http://schemas.openxmlformats.org/presentationml/2006/main">
+  <p:cSld>
+    <p:spTree>
+      <p:nvGrpSpPr>
+        <p:cNvPr id="1" name="">
+          <a:extLst>
+            <a:ext uri="{FF2B5EF4-FFF2-40B4-BE49-F238E27FC236}">
+              <a16:creationId xmlns:a16="http://schemas.microsoft.com/office/drawing/2014/main" id="{2DC3A908-85B2-B913-5E60-35713C10A03F}"/>
+            </a:ext>
+          </a:extLst>
+        </p:cNvPr>
+        <p:cNvGrpSpPr/>
+        <p:nvPr/>
+      </p:nvGrpSpPr>
+      <p:grpSpPr>
+        <a:xfrm>
+          <a:off x="0" y="0"/>
+          <a:ext cx="0" cy="0"/>
+          <a:chOff x="0" y="0"/>
+          <a:chExt cx="0" cy="0"/>
+        </a:xfrm>
+      </p:grpSpPr>
+      <p:sp>
+        <p:nvSpPr>
+          <p:cNvPr id="2" name="Titel 1">
+            <a:extLst>
+              <a:ext uri="{FF2B5EF4-FFF2-40B4-BE49-F238E27FC236}">
+                <a16:creationId xmlns:a16="http://schemas.microsoft.com/office/drawing/2014/main" id="{6D11E47B-0DD9-2E69-01F4-8082653D12BC}"/>
+              </a:ext>
+            </a:extLst>
+          </p:cNvPr>
+          <p:cNvSpPr>
+            <a:spLocks noGrp="1"/>
+          </p:cNvSpPr>
+          <p:nvPr>
+            <p:ph type="title"/>
+          </p:nvPr>
+        </p:nvSpPr>
+        <p:spPr/>
+        <p:txBody>
+          <a:bodyPr/>
+          <a:lstStyle/>
+          <a:p>
+            <a:r>
+              <a:rPr lang="de-DE" dirty="0"/>
+              <a:t>Ds1 – ResNet50</a:t>
+            </a:r>
+          </a:p>
+        </p:txBody>
+      </p:sp>
+      <p:sp>
+        <p:nvSpPr>
+          <p:cNvPr id="3" name="Inhaltsplatzhalter 2">
+            <a:extLst>
+              <a:ext uri="{FF2B5EF4-FFF2-40B4-BE49-F238E27FC236}">
+                <a16:creationId xmlns:a16="http://schemas.microsoft.com/office/drawing/2014/main" id="{728B1A80-471C-4193-56F9-B747D4244278}"/>
+              </a:ext>
+            </a:extLst>
+          </p:cNvPr>
+          <p:cNvSpPr>
+            <a:spLocks noGrp="1"/>
+          </p:cNvSpPr>
+          <p:nvPr>
+            <p:ph idx="1"/>
+          </p:nvPr>
+        </p:nvSpPr>
+        <p:spPr/>
+        <p:txBody>
+          <a:bodyPr/>
+          <a:lstStyle/>
+          <a:p>
+            <a:endParaRPr lang="de-DE"/>
+          </a:p>
+        </p:txBody>
+      </p:sp>
+      <p:sp>
+        <p:nvSpPr>
+          <p:cNvPr id="4" name="Datumsplatzhalter 3">
+            <a:extLst>
+              <a:ext uri="{FF2B5EF4-FFF2-40B4-BE49-F238E27FC236}">
+                <a16:creationId xmlns:a16="http://schemas.microsoft.com/office/drawing/2014/main" id="{F47052D8-F8EC-0366-0BB8-513EF3FAE146}"/>
+              </a:ext>
+            </a:extLst>
+          </p:cNvPr>
+          <p:cNvSpPr>
+            <a:spLocks noGrp="1"/>
+          </p:cNvSpPr>
+          <p:nvPr>
+            <p:ph type="dt" sz="half" idx="10"/>
+          </p:nvPr>
+        </p:nvSpPr>
+        <p:spPr/>
+        <p:txBody>
+          <a:bodyPr/>
+          <a:lstStyle/>
+          <a:p>
+            <a:r>
+              <a:rPr lang="de-DE"/>
+              <a:t>Markus Friedrich</a:t>
+            </a:r>
+          </a:p>
+        </p:txBody>
+      </p:sp>
+      <p:sp>
+        <p:nvSpPr>
+          <p:cNvPr id="5" name="Fußzeilenplatzhalter 4">
+            <a:extLst>
+              <a:ext uri="{FF2B5EF4-FFF2-40B4-BE49-F238E27FC236}">
+                <a16:creationId xmlns:a16="http://schemas.microsoft.com/office/drawing/2014/main" id="{A9EE10ED-5105-5A1A-3F41-B6AB7F5CB19A}"/>
+              </a:ext>
+            </a:extLst>
+          </p:cNvPr>
+          <p:cNvSpPr>
+            <a:spLocks noGrp="1"/>
+          </p:cNvSpPr>
+          <p:nvPr>
+            <p:ph type="ftr" sz="quarter" idx="11"/>
+          </p:nvPr>
+        </p:nvSpPr>
+        <p:spPr/>
+        <p:txBody>
+          <a:bodyPr/>
+          <a:lstStyle/>
+          <a:p>
+            <a:r>
+              <a:rPr lang="de-DE"/>
+              <a:t>Advanced Deep Learning </a:t>
+            </a:r>
+          </a:p>
+        </p:txBody>
+      </p:sp>
+      <p:sp>
+        <p:nvSpPr>
+          <p:cNvPr id="6" name="Foliennummernplatzhalter 5">
+            <a:extLst>
+              <a:ext uri="{FF2B5EF4-FFF2-40B4-BE49-F238E27FC236}">
+                <a16:creationId xmlns:a16="http://schemas.microsoft.com/office/drawing/2014/main" id="{11B14216-2E48-F93D-3329-D7137CE55DFF}"/>
+              </a:ext>
+            </a:extLst>
+          </p:cNvPr>
+          <p:cNvSpPr>
+            <a:spLocks noGrp="1"/>
+          </p:cNvSpPr>
+          <p:nvPr>
+            <p:ph type="sldNum" sz="quarter" idx="12"/>
+          </p:nvPr>
+        </p:nvSpPr>
+        <p:spPr/>
+        <p:txBody>
+          <a:bodyPr/>
+          <a:lstStyle/>
+          <a:p>
+            <a:fld id="{A13361CF-9A47-4C8C-A01E-566DC0626ACC}" type="slidenum">
+              <a:rPr lang="de-DE" smtClean="0"/>
+              <a:pPr/>
+              <a:t>20</a:t>
+            </a:fld>
+            <a:endParaRPr lang="de-DE"/>
+          </a:p>
+        </p:txBody>
+      </p:sp>
+      <p:pic>
+        <p:nvPicPr>
+          <p:cNvPr id="8" name="Grafik 7">
+            <a:extLst>
+              <a:ext uri="{FF2B5EF4-FFF2-40B4-BE49-F238E27FC236}">
+                <a16:creationId xmlns:a16="http://schemas.microsoft.com/office/drawing/2014/main" id="{04CCB189-C231-5971-4CDD-908E519EE536}"/>
+              </a:ext>
+            </a:extLst>
+          </p:cNvPr>
+          <p:cNvPicPr>
+            <a:picLocks noChangeAspect="1"/>
+          </p:cNvPicPr>
+          <p:nvPr/>
+        </p:nvPicPr>
+        <p:blipFill>
+          <a:blip r:embed="rId2"/>
+          <a:stretch>
+            <a:fillRect/>
+          </a:stretch>
+        </p:blipFill>
+        <p:spPr>
+          <a:xfrm>
+            <a:off x="838200" y="1347779"/>
+            <a:ext cx="2133600" cy="2133600"/>
+          </a:xfrm>
+          <a:prstGeom prst="rect">
+            <a:avLst/>
+          </a:prstGeom>
+        </p:spPr>
+      </p:pic>
+      <p:pic>
+        <p:nvPicPr>
+          <p:cNvPr id="9" name="Grafik 8">
+            <a:extLst>
+              <a:ext uri="{FF2B5EF4-FFF2-40B4-BE49-F238E27FC236}">
+                <a16:creationId xmlns:a16="http://schemas.microsoft.com/office/drawing/2014/main" id="{80052AC8-EE87-B47D-2F7F-1C9A4993B194}"/>
+              </a:ext>
+            </a:extLst>
+          </p:cNvPr>
+          <p:cNvPicPr>
+            <a:picLocks noChangeAspect="1"/>
+          </p:cNvPicPr>
+          <p:nvPr/>
+        </p:nvPicPr>
+        <p:blipFill>
+          <a:blip r:embed="rId3">
+            <a:extLst>
+              <a:ext uri="{28A0092B-C50C-407E-A947-70E740481C1C}">
+                <a14:useLocalDpi xmlns:a14="http://schemas.microsoft.com/office/drawing/2010/main" val="0"/>
+              </a:ext>
+            </a:extLst>
+          </a:blip>
+          <a:stretch>
+            <a:fillRect/>
+          </a:stretch>
+        </p:blipFill>
+        <p:spPr>
+          <a:xfrm>
+            <a:off x="3348842" y="1347779"/>
+            <a:ext cx="2133600" cy="2133600"/>
+          </a:xfrm>
+          <a:prstGeom prst="rect">
+            <a:avLst/>
+          </a:prstGeom>
+        </p:spPr>
+      </p:pic>
+      <p:pic>
+        <p:nvPicPr>
+          <p:cNvPr id="10" name="Grafik 9">
+            <a:extLst>
+              <a:ext uri="{FF2B5EF4-FFF2-40B4-BE49-F238E27FC236}">
+                <a16:creationId xmlns:a16="http://schemas.microsoft.com/office/drawing/2014/main" id="{0B32ACDD-0D0D-A882-4E77-9052FE4E3D28}"/>
+              </a:ext>
+            </a:extLst>
+          </p:cNvPr>
+          <p:cNvPicPr>
+            <a:picLocks noChangeAspect="1"/>
+          </p:cNvPicPr>
+          <p:nvPr/>
+        </p:nvPicPr>
+        <p:blipFill>
+          <a:blip r:embed="rId4">
+            <a:extLst>
+              <a:ext uri="{28A0092B-C50C-407E-A947-70E740481C1C}">
+                <a14:useLocalDpi xmlns:a14="http://schemas.microsoft.com/office/drawing/2010/main" val="0"/>
+              </a:ext>
+            </a:extLst>
+          </a:blip>
+          <a:stretch>
+            <a:fillRect/>
+          </a:stretch>
+        </p:blipFill>
+        <p:spPr>
+          <a:xfrm>
+            <a:off x="5859484" y="1347779"/>
+            <a:ext cx="2133600" cy="2133600"/>
+          </a:xfrm>
+          <a:prstGeom prst="rect">
+            <a:avLst/>
+          </a:prstGeom>
+        </p:spPr>
+      </p:pic>
+      <p:pic>
+        <p:nvPicPr>
+          <p:cNvPr id="11" name="Grafik 10">
+            <a:extLst>
+              <a:ext uri="{FF2B5EF4-FFF2-40B4-BE49-F238E27FC236}">
+                <a16:creationId xmlns:a16="http://schemas.microsoft.com/office/drawing/2014/main" id="{750D6472-1CE3-1B83-4199-2031DFB8D944}"/>
+              </a:ext>
+            </a:extLst>
+          </p:cNvPr>
+          <p:cNvPicPr>
+            <a:picLocks noChangeAspect="1"/>
+          </p:cNvPicPr>
+          <p:nvPr/>
+        </p:nvPicPr>
+        <p:blipFill>
+          <a:blip r:embed="rId5">
+            <a:extLst>
+              <a:ext uri="{28A0092B-C50C-407E-A947-70E740481C1C}">
+                <a14:useLocalDpi xmlns:a14="http://schemas.microsoft.com/office/drawing/2010/main" val="0"/>
+              </a:ext>
+            </a:extLst>
+          </a:blip>
+          <a:stretch>
+            <a:fillRect/>
+          </a:stretch>
+        </p:blipFill>
+        <p:spPr>
+          <a:xfrm>
+            <a:off x="8370126" y="1347779"/>
+            <a:ext cx="2133600" cy="2133600"/>
+          </a:xfrm>
+          <a:prstGeom prst="rect">
+            <a:avLst/>
+          </a:prstGeom>
+        </p:spPr>
+      </p:pic>
+      <p:pic>
+        <p:nvPicPr>
+          <p:cNvPr id="12" name="Grafik 11">
+            <a:extLst>
+              <a:ext uri="{FF2B5EF4-FFF2-40B4-BE49-F238E27FC236}">
+                <a16:creationId xmlns:a16="http://schemas.microsoft.com/office/drawing/2014/main" id="{A2807574-6BC5-AEA0-FB66-03B25D08CF82}"/>
+              </a:ext>
+            </a:extLst>
+          </p:cNvPr>
+          <p:cNvPicPr>
+            <a:picLocks noChangeAspect="1"/>
+          </p:cNvPicPr>
+          <p:nvPr/>
+        </p:nvPicPr>
+        <p:blipFill>
+          <a:blip r:embed="rId6">
+            <a:extLst>
+              <a:ext uri="{28A0092B-C50C-407E-A947-70E740481C1C}">
+                <a14:useLocalDpi xmlns:a14="http://schemas.microsoft.com/office/drawing/2010/main" val="0"/>
+              </a:ext>
+            </a:extLst>
+          </a:blip>
+          <a:stretch>
+            <a:fillRect/>
+          </a:stretch>
+        </p:blipFill>
+        <p:spPr>
+          <a:xfrm>
+            <a:off x="838200" y="3972782"/>
+            <a:ext cx="2133600" cy="2133600"/>
+          </a:xfrm>
+          <a:prstGeom prst="rect">
+            <a:avLst/>
+          </a:prstGeom>
+        </p:spPr>
+      </p:pic>
+      <p:pic>
+        <p:nvPicPr>
+          <p:cNvPr id="13" name="Grafik 12">
+            <a:extLst>
+              <a:ext uri="{FF2B5EF4-FFF2-40B4-BE49-F238E27FC236}">
+                <a16:creationId xmlns:a16="http://schemas.microsoft.com/office/drawing/2014/main" id="{97D7C461-0E72-3AEF-1FA2-082D48AE4D28}"/>
+              </a:ext>
+            </a:extLst>
+          </p:cNvPr>
+          <p:cNvPicPr>
+            <a:picLocks noChangeAspect="1"/>
+          </p:cNvPicPr>
+          <p:nvPr/>
+        </p:nvPicPr>
+        <p:blipFill>
+          <a:blip r:embed="rId7">
+            <a:extLst>
+              <a:ext uri="{28A0092B-C50C-407E-A947-70E740481C1C}">
+                <a14:useLocalDpi xmlns:a14="http://schemas.microsoft.com/office/drawing/2010/main" val="0"/>
+              </a:ext>
+            </a:extLst>
+          </a:blip>
+          <a:stretch>
+            <a:fillRect/>
+          </a:stretch>
+        </p:blipFill>
+        <p:spPr>
+          <a:xfrm>
+            <a:off x="3348842" y="3972782"/>
+            <a:ext cx="2133600" cy="2133600"/>
+          </a:xfrm>
+          <a:prstGeom prst="rect">
+            <a:avLst/>
+          </a:prstGeom>
+        </p:spPr>
+      </p:pic>
+      <p:pic>
+        <p:nvPicPr>
+          <p:cNvPr id="14" name="Grafik 13">
+            <a:extLst>
+              <a:ext uri="{FF2B5EF4-FFF2-40B4-BE49-F238E27FC236}">
+                <a16:creationId xmlns:a16="http://schemas.microsoft.com/office/drawing/2014/main" id="{6845F033-23A1-9C64-8F2C-5867E8B65C9A}"/>
+              </a:ext>
+            </a:extLst>
+          </p:cNvPr>
+          <p:cNvPicPr>
+            <a:picLocks noChangeAspect="1"/>
+          </p:cNvPicPr>
+          <p:nvPr/>
+        </p:nvPicPr>
+        <p:blipFill>
+          <a:blip r:embed="rId8">
+            <a:extLst>
+              <a:ext uri="{28A0092B-C50C-407E-A947-70E740481C1C}">
+                <a14:useLocalDpi xmlns:a14="http://schemas.microsoft.com/office/drawing/2010/main" val="0"/>
+              </a:ext>
+            </a:extLst>
+          </a:blip>
+          <a:stretch>
+            <a:fillRect/>
+          </a:stretch>
+        </p:blipFill>
+        <p:spPr>
+          <a:xfrm>
+            <a:off x="5859484" y="3972782"/>
+            <a:ext cx="2133600" cy="2133600"/>
+          </a:xfrm>
+          <a:prstGeom prst="rect">
+            <a:avLst/>
+          </a:prstGeom>
+        </p:spPr>
+      </p:pic>
+      <p:pic>
+        <p:nvPicPr>
+          <p:cNvPr id="15" name="Grafik 14">
+            <a:extLst>
+              <a:ext uri="{FF2B5EF4-FFF2-40B4-BE49-F238E27FC236}">
+                <a16:creationId xmlns:a16="http://schemas.microsoft.com/office/drawing/2014/main" id="{A52A6A1F-81EB-3D03-5662-F6B0FA5C2155}"/>
+              </a:ext>
+            </a:extLst>
+          </p:cNvPr>
+          <p:cNvPicPr>
+            <a:picLocks noChangeAspect="1"/>
+          </p:cNvPicPr>
+          <p:nvPr/>
+        </p:nvPicPr>
+        <p:blipFill>
+          <a:blip r:embed="rId9">
+            <a:extLst>
+              <a:ext uri="{28A0092B-C50C-407E-A947-70E740481C1C}">
+                <a14:useLocalDpi xmlns:a14="http://schemas.microsoft.com/office/drawing/2010/main" val="0"/>
+              </a:ext>
+            </a:extLst>
+          </a:blip>
+          <a:stretch>
+            <a:fillRect/>
+          </a:stretch>
+        </p:blipFill>
+        <p:spPr>
+          <a:xfrm>
+            <a:off x="8370126" y="3972782"/>
+            <a:ext cx="2133600" cy="2133600"/>
+          </a:xfrm>
+          <a:prstGeom prst="rect">
+            <a:avLst/>
+          </a:prstGeom>
+        </p:spPr>
+      </p:pic>
+    </p:spTree>
+    <p:extLst>
+      <p:ext uri="{BB962C8B-B14F-4D97-AF65-F5344CB8AC3E}">
+        <p14:creationId xmlns:p14="http://schemas.microsoft.com/office/powerpoint/2010/main" val="1752360699"/>
+      </p:ext>
+    </p:extLst>
+  </p:cSld>
+  <p:clrMapOvr>
+    <a:masterClrMapping/>
+  </p:clrMapOvr>
+</p:sld>
+</file>
+
+<file path=ppt/slides/slide21.xml><?xml version="1.0" encoding="utf-8"?>
+<p:sld xmlns:a="http://schemas.openxmlformats.org/drawingml/2006/main" xmlns:r="http://schemas.openxmlformats.org/officeDocument/2006/relationships" xmlns:p="http://schemas.openxmlformats.org/presentationml/2006/main">
+  <p:cSld>
+    <p:spTree>
+      <p:nvGrpSpPr>
+        <p:cNvPr id="1" name="">
+          <a:extLst>
+            <a:ext uri="{FF2B5EF4-FFF2-40B4-BE49-F238E27FC236}">
+              <a16:creationId xmlns:a16="http://schemas.microsoft.com/office/drawing/2014/main" id="{CF043DA7-5742-2449-5044-790485633FF9}"/>
+            </a:ext>
+          </a:extLst>
+        </p:cNvPr>
+        <p:cNvGrpSpPr/>
+        <p:nvPr/>
+      </p:nvGrpSpPr>
+      <p:grpSpPr>
+        <a:xfrm>
+          <a:off x="0" y="0"/>
+          <a:ext cx="0" cy="0"/>
+          <a:chOff x="0" y="0"/>
+          <a:chExt cx="0" cy="0"/>
+        </a:xfrm>
+      </p:grpSpPr>
+      <p:sp>
+        <p:nvSpPr>
+          <p:cNvPr id="2" name="Titel 1">
+            <a:extLst>
+              <a:ext uri="{FF2B5EF4-FFF2-40B4-BE49-F238E27FC236}">
+                <a16:creationId xmlns:a16="http://schemas.microsoft.com/office/drawing/2014/main" id="{EBBA3E3C-21D6-9F00-636A-496CC8A87AA0}"/>
+              </a:ext>
+            </a:extLst>
+          </p:cNvPr>
+          <p:cNvSpPr>
+            <a:spLocks noGrp="1"/>
+          </p:cNvSpPr>
+          <p:nvPr>
+            <p:ph type="title"/>
+          </p:nvPr>
+        </p:nvSpPr>
+        <p:spPr/>
+        <p:txBody>
+          <a:bodyPr/>
+          <a:lstStyle/>
+          <a:p>
+            <a:r>
+              <a:rPr lang="de-DE" dirty="0"/>
+              <a:t>Ds1 – ResNet50</a:t>
+            </a:r>
+          </a:p>
+        </p:txBody>
+      </p:sp>
+      <p:sp>
+        <p:nvSpPr>
+          <p:cNvPr id="3" name="Inhaltsplatzhalter 2">
+            <a:extLst>
+              <a:ext uri="{FF2B5EF4-FFF2-40B4-BE49-F238E27FC236}">
+                <a16:creationId xmlns:a16="http://schemas.microsoft.com/office/drawing/2014/main" id="{F239892B-FD0E-62CE-03D8-F267ADD899F5}"/>
+              </a:ext>
+            </a:extLst>
+          </p:cNvPr>
+          <p:cNvSpPr>
+            <a:spLocks noGrp="1"/>
+          </p:cNvSpPr>
+          <p:nvPr>
+            <p:ph idx="1"/>
+          </p:nvPr>
+        </p:nvSpPr>
+        <p:spPr/>
+        <p:txBody>
+          <a:bodyPr/>
+          <a:lstStyle/>
+          <a:p>
+            <a:endParaRPr lang="de-DE" dirty="0"/>
+          </a:p>
+        </p:txBody>
+      </p:sp>
+      <p:sp>
+        <p:nvSpPr>
+          <p:cNvPr id="4" name="Datumsplatzhalter 3">
+            <a:extLst>
+              <a:ext uri="{FF2B5EF4-FFF2-40B4-BE49-F238E27FC236}">
+                <a16:creationId xmlns:a16="http://schemas.microsoft.com/office/drawing/2014/main" id="{EAB9E94A-43C8-937A-70EA-FCCA5BF4F1A2}"/>
+              </a:ext>
+            </a:extLst>
+          </p:cNvPr>
+          <p:cNvSpPr>
+            <a:spLocks noGrp="1"/>
+          </p:cNvSpPr>
+          <p:nvPr>
+            <p:ph type="dt" sz="half" idx="10"/>
+          </p:nvPr>
+        </p:nvSpPr>
+        <p:spPr/>
+        <p:txBody>
+          <a:bodyPr/>
+          <a:lstStyle/>
+          <a:p>
+            <a:r>
+              <a:rPr lang="de-DE"/>
+              <a:t>Markus Friedrich</a:t>
+            </a:r>
+          </a:p>
+        </p:txBody>
+      </p:sp>
+      <p:sp>
+        <p:nvSpPr>
+          <p:cNvPr id="5" name="Fußzeilenplatzhalter 4">
+            <a:extLst>
+              <a:ext uri="{FF2B5EF4-FFF2-40B4-BE49-F238E27FC236}">
+                <a16:creationId xmlns:a16="http://schemas.microsoft.com/office/drawing/2014/main" id="{D7296092-A06E-85E7-01A4-F1BFC3EE1AB1}"/>
+              </a:ext>
+            </a:extLst>
+          </p:cNvPr>
+          <p:cNvSpPr>
+            <a:spLocks noGrp="1"/>
+          </p:cNvSpPr>
+          <p:nvPr>
+            <p:ph type="ftr" sz="quarter" idx="11"/>
+          </p:nvPr>
+        </p:nvSpPr>
+        <p:spPr/>
+        <p:txBody>
+          <a:bodyPr/>
+          <a:lstStyle/>
+          <a:p>
+            <a:r>
+              <a:rPr lang="de-DE"/>
+              <a:t>Advanced Deep Learning </a:t>
+            </a:r>
+          </a:p>
+        </p:txBody>
+      </p:sp>
+      <p:sp>
+        <p:nvSpPr>
+          <p:cNvPr id="6" name="Foliennummernplatzhalter 5">
+            <a:extLst>
+              <a:ext uri="{FF2B5EF4-FFF2-40B4-BE49-F238E27FC236}">
+                <a16:creationId xmlns:a16="http://schemas.microsoft.com/office/drawing/2014/main" id="{963EAFEC-E7BA-0305-E816-51C3607275D2}"/>
+              </a:ext>
+            </a:extLst>
+          </p:cNvPr>
+          <p:cNvSpPr>
+            <a:spLocks noGrp="1"/>
+          </p:cNvSpPr>
+          <p:nvPr>
+            <p:ph type="sldNum" sz="quarter" idx="12"/>
+          </p:nvPr>
+        </p:nvSpPr>
+        <p:spPr/>
+        <p:txBody>
+          <a:bodyPr/>
+          <a:lstStyle/>
+          <a:p>
+            <a:fld id="{A13361CF-9A47-4C8C-A01E-566DC0626ACC}" type="slidenum">
+              <a:rPr lang="de-DE" smtClean="0"/>
+              <a:pPr/>
+              <a:t>21</a:t>
+            </a:fld>
+            <a:endParaRPr lang="de-DE"/>
+          </a:p>
+        </p:txBody>
+      </p:sp>
+      <p:pic>
+        <p:nvPicPr>
+          <p:cNvPr id="8" name="Grafik 7">
+            <a:extLst>
+              <a:ext uri="{FF2B5EF4-FFF2-40B4-BE49-F238E27FC236}">
+                <a16:creationId xmlns:a16="http://schemas.microsoft.com/office/drawing/2014/main" id="{24280888-5246-F210-5719-C86825F03CE1}"/>
+              </a:ext>
+            </a:extLst>
+          </p:cNvPr>
+          <p:cNvPicPr>
+            <a:picLocks noChangeAspect="1"/>
+          </p:cNvPicPr>
+          <p:nvPr/>
+        </p:nvPicPr>
+        <p:blipFill>
+          <a:blip r:embed="rId2"/>
+          <a:stretch>
+            <a:fillRect/>
+          </a:stretch>
+        </p:blipFill>
+        <p:spPr>
+          <a:xfrm>
+            <a:off x="1803400" y="986700"/>
+            <a:ext cx="8748899" cy="5249339"/>
+          </a:xfrm>
+          <a:prstGeom prst="rect">
+            <a:avLst/>
+          </a:prstGeom>
+        </p:spPr>
+      </p:pic>
+    </p:spTree>
+    <p:extLst>
+      <p:ext uri="{BB962C8B-B14F-4D97-AF65-F5344CB8AC3E}">
+        <p14:creationId xmlns:p14="http://schemas.microsoft.com/office/powerpoint/2010/main" val="2489379566"/>
+      </p:ext>
+    </p:extLst>
+  </p:cSld>
+  <p:clrMapOvr>
+    <a:masterClrMapping/>
+  </p:clrMapOvr>
+</p:sld>
+</file>
+
+<file path=ppt/slides/slide22.xml><?xml version="1.0" encoding="utf-8"?>
+<p:sld xmlns:a="http://schemas.openxmlformats.org/drawingml/2006/main" xmlns:r="http://schemas.openxmlformats.org/officeDocument/2006/relationships" xmlns:p="http://schemas.openxmlformats.org/presentationml/2006/main">
+  <p:cSld>
+    <p:spTree>
+      <p:nvGrpSpPr>
+        <p:cNvPr id="1" name="">
+          <a:extLst>
+            <a:ext uri="{FF2B5EF4-FFF2-40B4-BE49-F238E27FC236}">
+              <a16:creationId xmlns:a16="http://schemas.microsoft.com/office/drawing/2014/main" id="{905706C4-CFC1-A87D-6A3B-A7668BCDA50D}"/>
+            </a:ext>
+          </a:extLst>
+        </p:cNvPr>
+        <p:cNvGrpSpPr/>
+        <p:nvPr/>
+      </p:nvGrpSpPr>
+      <p:grpSpPr>
+        <a:xfrm>
+          <a:off x="0" y="0"/>
+          <a:ext cx="0" cy="0"/>
+          <a:chOff x="0" y="0"/>
+          <a:chExt cx="0" cy="0"/>
+        </a:xfrm>
+      </p:grpSpPr>
+      <p:sp>
+        <p:nvSpPr>
+          <p:cNvPr id="2" name="Titel 1">
+            <a:extLst>
+              <a:ext uri="{FF2B5EF4-FFF2-40B4-BE49-F238E27FC236}">
+                <a16:creationId xmlns:a16="http://schemas.microsoft.com/office/drawing/2014/main" id="{3E24DED5-067F-76C0-9421-6C82E622CBEB}"/>
+              </a:ext>
+            </a:extLst>
+          </p:cNvPr>
+          <p:cNvSpPr>
+            <a:spLocks noGrp="1"/>
+          </p:cNvSpPr>
+          <p:nvPr>
+            <p:ph type="title"/>
+          </p:nvPr>
+        </p:nvSpPr>
+        <p:spPr/>
+        <p:txBody>
+          <a:bodyPr/>
+          <a:lstStyle/>
+          <a:p>
+            <a:r>
+              <a:rPr lang="de-DE" dirty="0"/>
+              <a:t>Ds1 – </a:t>
+            </a:r>
+            <a:r>
+              <a:rPr lang="de-DE" dirty="0" err="1"/>
+              <a:t>VisionTransformer</a:t>
+            </a:r>
+            <a:endParaRPr lang="de-DE" dirty="0"/>
+          </a:p>
+        </p:txBody>
+      </p:sp>
+      <p:sp>
+        <p:nvSpPr>
+          <p:cNvPr id="3" name="Inhaltsplatzhalter 2">
+            <a:extLst>
+              <a:ext uri="{FF2B5EF4-FFF2-40B4-BE49-F238E27FC236}">
+                <a16:creationId xmlns:a16="http://schemas.microsoft.com/office/drawing/2014/main" id="{FAF5F2CD-0091-3D0B-09AB-065B8E360DA2}"/>
+              </a:ext>
+            </a:extLst>
+          </p:cNvPr>
+          <p:cNvSpPr>
+            <a:spLocks noGrp="1"/>
+          </p:cNvSpPr>
+          <p:nvPr>
+            <p:ph idx="1"/>
+          </p:nvPr>
+        </p:nvSpPr>
+        <p:spPr/>
+        <p:txBody>
+          <a:bodyPr/>
+          <a:lstStyle/>
+          <a:p>
+            <a:endParaRPr lang="de-DE" dirty="0"/>
+          </a:p>
+        </p:txBody>
+      </p:sp>
+      <p:sp>
+        <p:nvSpPr>
+          <p:cNvPr id="4" name="Datumsplatzhalter 3">
+            <a:extLst>
+              <a:ext uri="{FF2B5EF4-FFF2-40B4-BE49-F238E27FC236}">
+                <a16:creationId xmlns:a16="http://schemas.microsoft.com/office/drawing/2014/main" id="{40D627AB-08EE-6227-24F1-9187500D0FF3}"/>
+              </a:ext>
+            </a:extLst>
+          </p:cNvPr>
+          <p:cNvSpPr>
+            <a:spLocks noGrp="1"/>
+          </p:cNvSpPr>
+          <p:nvPr>
+            <p:ph type="dt" sz="half" idx="10"/>
+          </p:nvPr>
+        </p:nvSpPr>
+        <p:spPr/>
+        <p:txBody>
+          <a:bodyPr/>
+          <a:lstStyle/>
+          <a:p>
+            <a:r>
+              <a:rPr lang="de-DE"/>
+              <a:t>Markus Friedrich</a:t>
+            </a:r>
+          </a:p>
+        </p:txBody>
+      </p:sp>
+      <p:sp>
+        <p:nvSpPr>
+          <p:cNvPr id="5" name="Fußzeilenplatzhalter 4">
+            <a:extLst>
+              <a:ext uri="{FF2B5EF4-FFF2-40B4-BE49-F238E27FC236}">
+                <a16:creationId xmlns:a16="http://schemas.microsoft.com/office/drawing/2014/main" id="{106800B0-55FF-4701-823E-37696DAFC621}"/>
+              </a:ext>
+            </a:extLst>
+          </p:cNvPr>
+          <p:cNvSpPr>
+            <a:spLocks noGrp="1"/>
+          </p:cNvSpPr>
+          <p:nvPr>
+            <p:ph type="ftr" sz="quarter" idx="11"/>
+          </p:nvPr>
+        </p:nvSpPr>
+        <p:spPr/>
+        <p:txBody>
+          <a:bodyPr/>
+          <a:lstStyle/>
+          <a:p>
+            <a:r>
+              <a:rPr lang="de-DE"/>
+              <a:t>Advanced Deep Learning </a:t>
+            </a:r>
+          </a:p>
+        </p:txBody>
+      </p:sp>
+      <p:sp>
+        <p:nvSpPr>
+          <p:cNvPr id="6" name="Foliennummernplatzhalter 5">
+            <a:extLst>
+              <a:ext uri="{FF2B5EF4-FFF2-40B4-BE49-F238E27FC236}">
+                <a16:creationId xmlns:a16="http://schemas.microsoft.com/office/drawing/2014/main" id="{E78AE3F8-D473-754B-05D2-B308B1C4FCA0}"/>
+              </a:ext>
+            </a:extLst>
+          </p:cNvPr>
+          <p:cNvSpPr>
+            <a:spLocks noGrp="1"/>
+          </p:cNvSpPr>
+          <p:nvPr>
+            <p:ph type="sldNum" sz="quarter" idx="12"/>
+          </p:nvPr>
+        </p:nvSpPr>
+        <p:spPr/>
+        <p:txBody>
+          <a:bodyPr/>
+          <a:lstStyle/>
+          <a:p>
+            <a:fld id="{A13361CF-9A47-4C8C-A01E-566DC0626ACC}" type="slidenum">
+              <a:rPr lang="de-DE" smtClean="0"/>
+              <a:pPr/>
+              <a:t>22</a:t>
+            </a:fld>
+            <a:endParaRPr lang="de-DE"/>
+          </a:p>
+        </p:txBody>
+      </p:sp>
+      <p:pic>
+        <p:nvPicPr>
+          <p:cNvPr id="7" name="Grafik 6">
+            <a:extLst>
+              <a:ext uri="{FF2B5EF4-FFF2-40B4-BE49-F238E27FC236}">
+                <a16:creationId xmlns:a16="http://schemas.microsoft.com/office/drawing/2014/main" id="{436CAD99-B1F4-15B6-ABF5-AA84E9FFA922}"/>
+              </a:ext>
+            </a:extLst>
+          </p:cNvPr>
+          <p:cNvPicPr>
+            <a:picLocks noChangeAspect="1"/>
+          </p:cNvPicPr>
+          <p:nvPr/>
+        </p:nvPicPr>
+        <p:blipFill>
+          <a:blip r:embed="rId2"/>
+          <a:stretch>
+            <a:fillRect/>
+          </a:stretch>
+        </p:blipFill>
+        <p:spPr>
+          <a:xfrm>
+            <a:off x="2110861" y="1064197"/>
+            <a:ext cx="7249553" cy="5074688"/>
+          </a:xfrm>
+          <a:prstGeom prst="rect">
+            <a:avLst/>
+          </a:prstGeom>
+        </p:spPr>
+      </p:pic>
+    </p:spTree>
+    <p:extLst>
+      <p:ext uri="{BB962C8B-B14F-4D97-AF65-F5344CB8AC3E}">
+        <p14:creationId xmlns:p14="http://schemas.microsoft.com/office/powerpoint/2010/main" val="3089434857"/>
+      </p:ext>
+    </p:extLst>
+  </p:cSld>
+  <p:clrMapOvr>
+    <a:masterClrMapping/>
+  </p:clrMapOvr>
+</p:sld>
+</file>
+
+<file path=ppt/slides/slide23.xml><?xml version="1.0" encoding="utf-8"?>
+<p:sld xmlns:a="http://schemas.openxmlformats.org/drawingml/2006/main" xmlns:r="http://schemas.openxmlformats.org/officeDocument/2006/relationships" xmlns:p="http://schemas.openxmlformats.org/presentationml/2006/main">
+  <p:cSld>
+    <p:spTree>
+      <p:nvGrpSpPr>
+        <p:cNvPr id="1" name="">
+          <a:extLst>
+            <a:ext uri="{FF2B5EF4-FFF2-40B4-BE49-F238E27FC236}">
+              <a16:creationId xmlns:a16="http://schemas.microsoft.com/office/drawing/2014/main" id="{7A7A8681-5178-2093-8620-7E7BC1A8A8E9}"/>
+            </a:ext>
+          </a:extLst>
+        </p:cNvPr>
+        <p:cNvGrpSpPr/>
+        <p:nvPr/>
+      </p:nvGrpSpPr>
+      <p:grpSpPr>
+        <a:xfrm>
+          <a:off x="0" y="0"/>
+          <a:ext cx="0" cy="0"/>
+          <a:chOff x="0" y="0"/>
+          <a:chExt cx="0" cy="0"/>
+        </a:xfrm>
+      </p:grpSpPr>
+      <p:sp>
+        <p:nvSpPr>
+          <p:cNvPr id="2" name="Titel 1">
+            <a:extLst>
+              <a:ext uri="{FF2B5EF4-FFF2-40B4-BE49-F238E27FC236}">
+                <a16:creationId xmlns:a16="http://schemas.microsoft.com/office/drawing/2014/main" id="{05D6B290-6452-6ECD-D381-01BAC4FF8DCB}"/>
+              </a:ext>
+            </a:extLst>
+          </p:cNvPr>
+          <p:cNvSpPr>
+            <a:spLocks noGrp="1"/>
+          </p:cNvSpPr>
+          <p:nvPr>
+            <p:ph type="title"/>
+          </p:nvPr>
+        </p:nvSpPr>
+        <p:spPr/>
+        <p:txBody>
+          <a:bodyPr/>
+          <a:lstStyle/>
+          <a:p>
+            <a:r>
+              <a:rPr lang="de-DE" dirty="0"/>
+              <a:t>Ds1 – </a:t>
+            </a:r>
+            <a:r>
+              <a:rPr lang="de-DE" dirty="0" err="1"/>
+              <a:t>VisionTransformer</a:t>
+            </a:r>
+            <a:endParaRPr lang="de-DE" dirty="0"/>
+          </a:p>
+        </p:txBody>
+      </p:sp>
+      <p:sp>
+        <p:nvSpPr>
+          <p:cNvPr id="3" name="Inhaltsplatzhalter 2">
+            <a:extLst>
+              <a:ext uri="{FF2B5EF4-FFF2-40B4-BE49-F238E27FC236}">
+                <a16:creationId xmlns:a16="http://schemas.microsoft.com/office/drawing/2014/main" id="{82A0EED5-BE20-BE4C-CCC8-086F2D3756B4}"/>
+              </a:ext>
+            </a:extLst>
+          </p:cNvPr>
+          <p:cNvSpPr>
+            <a:spLocks noGrp="1"/>
+          </p:cNvSpPr>
+          <p:nvPr>
+            <p:ph idx="1"/>
+          </p:nvPr>
+        </p:nvSpPr>
+        <p:spPr/>
+        <p:txBody>
+          <a:bodyPr/>
+          <a:lstStyle/>
+          <a:p>
+            <a:endParaRPr lang="de-DE" dirty="0"/>
+          </a:p>
+        </p:txBody>
+      </p:sp>
+      <p:sp>
+        <p:nvSpPr>
+          <p:cNvPr id="4" name="Datumsplatzhalter 3">
+            <a:extLst>
+              <a:ext uri="{FF2B5EF4-FFF2-40B4-BE49-F238E27FC236}">
+                <a16:creationId xmlns:a16="http://schemas.microsoft.com/office/drawing/2014/main" id="{DA6CA399-CE7A-629E-94E2-8E391D5E7687}"/>
+              </a:ext>
+            </a:extLst>
+          </p:cNvPr>
+          <p:cNvSpPr>
+            <a:spLocks noGrp="1"/>
+          </p:cNvSpPr>
+          <p:nvPr>
+            <p:ph type="dt" sz="half" idx="10"/>
+          </p:nvPr>
+        </p:nvSpPr>
+        <p:spPr/>
+        <p:txBody>
+          <a:bodyPr/>
+          <a:lstStyle/>
+          <a:p>
+            <a:r>
+              <a:rPr lang="de-DE"/>
+              <a:t>Markus Friedrich</a:t>
+            </a:r>
+          </a:p>
+        </p:txBody>
+      </p:sp>
+      <p:sp>
+        <p:nvSpPr>
+          <p:cNvPr id="5" name="Fußzeilenplatzhalter 4">
+            <a:extLst>
+              <a:ext uri="{FF2B5EF4-FFF2-40B4-BE49-F238E27FC236}">
+                <a16:creationId xmlns:a16="http://schemas.microsoft.com/office/drawing/2014/main" id="{D15196AA-5A18-6EAA-3657-5FB19A60BF4D}"/>
+              </a:ext>
+            </a:extLst>
+          </p:cNvPr>
+          <p:cNvSpPr>
+            <a:spLocks noGrp="1"/>
+          </p:cNvSpPr>
+          <p:nvPr>
+            <p:ph type="ftr" sz="quarter" idx="11"/>
+          </p:nvPr>
+        </p:nvSpPr>
+        <p:spPr/>
+        <p:txBody>
+          <a:bodyPr/>
+          <a:lstStyle/>
+          <a:p>
+            <a:r>
+              <a:rPr lang="de-DE"/>
+              <a:t>Advanced Deep Learning </a:t>
+            </a:r>
+          </a:p>
+        </p:txBody>
+      </p:sp>
+      <p:sp>
+        <p:nvSpPr>
+          <p:cNvPr id="6" name="Foliennummernplatzhalter 5">
+            <a:extLst>
+              <a:ext uri="{FF2B5EF4-FFF2-40B4-BE49-F238E27FC236}">
+                <a16:creationId xmlns:a16="http://schemas.microsoft.com/office/drawing/2014/main" id="{DF3B7ECA-3B10-3A6F-E471-29FEDE461EF7}"/>
+              </a:ext>
+            </a:extLst>
+          </p:cNvPr>
+          <p:cNvSpPr>
+            <a:spLocks noGrp="1"/>
+          </p:cNvSpPr>
+          <p:nvPr>
+            <p:ph type="sldNum" sz="quarter" idx="12"/>
+          </p:nvPr>
+        </p:nvSpPr>
+        <p:spPr/>
+        <p:txBody>
+          <a:bodyPr/>
+          <a:lstStyle/>
+          <a:p>
+            <a:fld id="{A13361CF-9A47-4C8C-A01E-566DC0626ACC}" type="slidenum">
+              <a:rPr lang="de-DE" smtClean="0"/>
+              <a:pPr/>
+              <a:t>23</a:t>
+            </a:fld>
+            <a:endParaRPr lang="de-DE"/>
+          </a:p>
+        </p:txBody>
+      </p:sp>
+      <p:pic>
+        <p:nvPicPr>
+          <p:cNvPr id="8" name="Grafik 7">
+            <a:extLst>
+              <a:ext uri="{FF2B5EF4-FFF2-40B4-BE49-F238E27FC236}">
+                <a16:creationId xmlns:a16="http://schemas.microsoft.com/office/drawing/2014/main" id="{CAF008A0-33C6-D4E3-3C17-B576AE5A6B04}"/>
+              </a:ext>
+            </a:extLst>
+          </p:cNvPr>
+          <p:cNvPicPr>
+            <a:picLocks noChangeAspect="1"/>
+          </p:cNvPicPr>
+          <p:nvPr/>
+        </p:nvPicPr>
+        <p:blipFill>
+          <a:blip r:embed="rId2">
+            <a:extLst>
+              <a:ext uri="{28A0092B-C50C-407E-A947-70E740481C1C}">
+                <a14:useLocalDpi xmlns:a14="http://schemas.microsoft.com/office/drawing/2010/main" val="0"/>
+              </a:ext>
+            </a:extLst>
+          </a:blip>
+          <a:stretch>
+            <a:fillRect/>
+          </a:stretch>
+        </p:blipFill>
+        <p:spPr>
+          <a:xfrm>
+            <a:off x="1143003" y="1457611"/>
+            <a:ext cx="2133600" cy="2133600"/>
+          </a:xfrm>
+          <a:prstGeom prst="rect">
+            <a:avLst/>
+          </a:prstGeom>
+        </p:spPr>
+      </p:pic>
+      <p:pic>
+        <p:nvPicPr>
+          <p:cNvPr id="9" name="Grafik 8">
+            <a:extLst>
+              <a:ext uri="{FF2B5EF4-FFF2-40B4-BE49-F238E27FC236}">
+                <a16:creationId xmlns:a16="http://schemas.microsoft.com/office/drawing/2014/main" id="{6EDD8DC0-146D-9030-F089-69C5ECED0369}"/>
+              </a:ext>
+            </a:extLst>
+          </p:cNvPr>
+          <p:cNvPicPr>
+            <a:picLocks noChangeAspect="1"/>
+          </p:cNvPicPr>
+          <p:nvPr/>
+        </p:nvPicPr>
+        <p:blipFill>
+          <a:blip r:embed="rId3">
+            <a:extLst>
+              <a:ext uri="{28A0092B-C50C-407E-A947-70E740481C1C}">
+                <a14:useLocalDpi xmlns:a14="http://schemas.microsoft.com/office/drawing/2010/main" val="0"/>
+              </a:ext>
+            </a:extLst>
+          </a:blip>
+          <a:stretch>
+            <a:fillRect/>
+          </a:stretch>
+        </p:blipFill>
+        <p:spPr>
+          <a:xfrm>
+            <a:off x="3594268" y="1457611"/>
+            <a:ext cx="2133600" cy="2133600"/>
+          </a:xfrm>
+          <a:prstGeom prst="rect">
+            <a:avLst/>
+          </a:prstGeom>
+        </p:spPr>
+      </p:pic>
+      <p:pic>
+        <p:nvPicPr>
+          <p:cNvPr id="10" name="Grafik 9">
+            <a:extLst>
+              <a:ext uri="{FF2B5EF4-FFF2-40B4-BE49-F238E27FC236}">
+                <a16:creationId xmlns:a16="http://schemas.microsoft.com/office/drawing/2014/main" id="{D4ECD8F9-FAFC-050F-A8CA-FC9B886733DE}"/>
+              </a:ext>
+            </a:extLst>
+          </p:cNvPr>
+          <p:cNvPicPr>
+            <a:picLocks noChangeAspect="1"/>
+          </p:cNvPicPr>
+          <p:nvPr/>
+        </p:nvPicPr>
+        <p:blipFill>
+          <a:blip r:embed="rId4"/>
+          <a:stretch>
+            <a:fillRect/>
+          </a:stretch>
+        </p:blipFill>
+        <p:spPr>
+          <a:xfrm>
+            <a:off x="6045533" y="1457611"/>
+            <a:ext cx="2133600" cy="2133600"/>
+          </a:xfrm>
+          <a:prstGeom prst="rect">
+            <a:avLst/>
+          </a:prstGeom>
+        </p:spPr>
+      </p:pic>
+      <p:pic>
+        <p:nvPicPr>
+          <p:cNvPr id="11" name="Grafik 10">
+            <a:extLst>
+              <a:ext uri="{FF2B5EF4-FFF2-40B4-BE49-F238E27FC236}">
+                <a16:creationId xmlns:a16="http://schemas.microsoft.com/office/drawing/2014/main" id="{D355A7B3-2DF0-D852-4C17-58D8A9C16893}"/>
+              </a:ext>
+            </a:extLst>
+          </p:cNvPr>
+          <p:cNvPicPr>
+            <a:picLocks noChangeAspect="1"/>
+          </p:cNvPicPr>
+          <p:nvPr/>
+        </p:nvPicPr>
+        <p:blipFill>
+          <a:blip r:embed="rId5">
+            <a:extLst>
+              <a:ext uri="{28A0092B-C50C-407E-A947-70E740481C1C}">
+                <a14:useLocalDpi xmlns:a14="http://schemas.microsoft.com/office/drawing/2010/main" val="0"/>
+              </a:ext>
+            </a:extLst>
+          </a:blip>
+          <a:stretch>
+            <a:fillRect/>
+          </a:stretch>
+        </p:blipFill>
+        <p:spPr>
+          <a:xfrm>
+            <a:off x="8496798" y="1457611"/>
+            <a:ext cx="2133600" cy="2133600"/>
+          </a:xfrm>
+          <a:prstGeom prst="rect">
+            <a:avLst/>
+          </a:prstGeom>
+        </p:spPr>
+      </p:pic>
+      <p:pic>
+        <p:nvPicPr>
+          <p:cNvPr id="12" name="Grafik 11">
+            <a:extLst>
+              <a:ext uri="{FF2B5EF4-FFF2-40B4-BE49-F238E27FC236}">
+                <a16:creationId xmlns:a16="http://schemas.microsoft.com/office/drawing/2014/main" id="{2ABC38CC-BA35-504C-5705-C7B26BB5B0C5}"/>
+              </a:ext>
+            </a:extLst>
+          </p:cNvPr>
+          <p:cNvPicPr>
+            <a:picLocks noChangeAspect="1"/>
+          </p:cNvPicPr>
+          <p:nvPr/>
+        </p:nvPicPr>
+        <p:blipFill>
+          <a:blip r:embed="rId6"/>
+          <a:stretch>
+            <a:fillRect/>
+          </a:stretch>
+        </p:blipFill>
+        <p:spPr>
+          <a:xfrm>
+            <a:off x="1143003" y="3940110"/>
+            <a:ext cx="2133600" cy="2133600"/>
+          </a:xfrm>
+          <a:prstGeom prst="rect">
+            <a:avLst/>
+          </a:prstGeom>
+        </p:spPr>
+      </p:pic>
+      <p:pic>
+        <p:nvPicPr>
+          <p:cNvPr id="13" name="Grafik 12">
+            <a:extLst>
+              <a:ext uri="{FF2B5EF4-FFF2-40B4-BE49-F238E27FC236}">
+                <a16:creationId xmlns:a16="http://schemas.microsoft.com/office/drawing/2014/main" id="{08255587-30B7-442B-2043-C1E37C6593BC}"/>
+              </a:ext>
+            </a:extLst>
+          </p:cNvPr>
+          <p:cNvPicPr>
+            <a:picLocks noChangeAspect="1"/>
+          </p:cNvPicPr>
+          <p:nvPr/>
+        </p:nvPicPr>
+        <p:blipFill>
+          <a:blip r:embed="rId7">
+            <a:extLst>
+              <a:ext uri="{28A0092B-C50C-407E-A947-70E740481C1C}">
+                <a14:useLocalDpi xmlns:a14="http://schemas.microsoft.com/office/drawing/2010/main" val="0"/>
+              </a:ext>
+            </a:extLst>
+          </a:blip>
+          <a:stretch>
+            <a:fillRect/>
+          </a:stretch>
+        </p:blipFill>
+        <p:spPr>
+          <a:xfrm>
+            <a:off x="3594268" y="3940110"/>
+            <a:ext cx="2133600" cy="2133600"/>
+          </a:xfrm>
+          <a:prstGeom prst="rect">
+            <a:avLst/>
+          </a:prstGeom>
+        </p:spPr>
+      </p:pic>
+      <p:pic>
+        <p:nvPicPr>
+          <p:cNvPr id="14" name="Grafik 13">
+            <a:extLst>
+              <a:ext uri="{FF2B5EF4-FFF2-40B4-BE49-F238E27FC236}">
+                <a16:creationId xmlns:a16="http://schemas.microsoft.com/office/drawing/2014/main" id="{AEEAB201-673D-FD99-0706-BDFA2C479000}"/>
+              </a:ext>
+            </a:extLst>
+          </p:cNvPr>
+          <p:cNvPicPr>
+            <a:picLocks noChangeAspect="1"/>
+          </p:cNvPicPr>
+          <p:nvPr/>
+        </p:nvPicPr>
+        <p:blipFill>
+          <a:blip r:embed="rId8">
+            <a:extLst>
+              <a:ext uri="{28A0092B-C50C-407E-A947-70E740481C1C}">
+                <a14:useLocalDpi xmlns:a14="http://schemas.microsoft.com/office/drawing/2010/main" val="0"/>
+              </a:ext>
+            </a:extLst>
+          </a:blip>
+          <a:stretch>
+            <a:fillRect/>
+          </a:stretch>
+        </p:blipFill>
+        <p:spPr>
+          <a:xfrm>
+            <a:off x="6045533" y="3940110"/>
+            <a:ext cx="2133600" cy="2133600"/>
+          </a:xfrm>
+          <a:prstGeom prst="rect">
+            <a:avLst/>
+          </a:prstGeom>
+        </p:spPr>
+      </p:pic>
+      <p:pic>
+        <p:nvPicPr>
+          <p:cNvPr id="15" name="Grafik 14">
+            <a:extLst>
+              <a:ext uri="{FF2B5EF4-FFF2-40B4-BE49-F238E27FC236}">
+                <a16:creationId xmlns:a16="http://schemas.microsoft.com/office/drawing/2014/main" id="{089CD01D-A142-57CB-69C1-C0C5F674A27A}"/>
+              </a:ext>
+            </a:extLst>
+          </p:cNvPr>
+          <p:cNvPicPr>
+            <a:picLocks noChangeAspect="1"/>
+          </p:cNvPicPr>
+          <p:nvPr/>
+        </p:nvPicPr>
+        <p:blipFill>
+          <a:blip r:embed="rId9"/>
+          <a:stretch>
+            <a:fillRect/>
+          </a:stretch>
+        </p:blipFill>
+        <p:spPr>
+          <a:xfrm>
+            <a:off x="8496798" y="3940110"/>
+            <a:ext cx="2133600" cy="2133600"/>
+          </a:xfrm>
+          <a:prstGeom prst="rect">
+            <a:avLst/>
+          </a:prstGeom>
+        </p:spPr>
+      </p:pic>
+    </p:spTree>
+    <p:extLst>
+      <p:ext uri="{BB962C8B-B14F-4D97-AF65-F5344CB8AC3E}">
+        <p14:creationId xmlns:p14="http://schemas.microsoft.com/office/powerpoint/2010/main" val="3570098137"/>
+      </p:ext>
+    </p:extLst>
+  </p:cSld>
+  <p:clrMapOvr>
+    <a:masterClrMapping/>
+  </p:clrMapOvr>
+</p:sld>
+</file>
+
+<file path=ppt/slides/slide24.xml><?xml version="1.0" encoding="utf-8"?>
+<p:sld xmlns:a="http://schemas.openxmlformats.org/drawingml/2006/main" xmlns:r="http://schemas.openxmlformats.org/officeDocument/2006/relationships" xmlns:p="http://schemas.openxmlformats.org/presentationml/2006/main">
+  <p:cSld>
+    <p:spTree>
+      <p:nvGrpSpPr>
+        <p:cNvPr id="1" name="">
+          <a:extLst>
+            <a:ext uri="{FF2B5EF4-FFF2-40B4-BE49-F238E27FC236}">
+              <a16:creationId xmlns:a16="http://schemas.microsoft.com/office/drawing/2014/main" id="{E3D2E67C-F375-75CC-DA7F-CD6BA421BC92}"/>
+            </a:ext>
+          </a:extLst>
+        </p:cNvPr>
+        <p:cNvGrpSpPr/>
+        <p:nvPr/>
+      </p:nvGrpSpPr>
+      <p:grpSpPr>
+        <a:xfrm>
+          <a:off x="0" y="0"/>
+          <a:ext cx="0" cy="0"/>
+          <a:chOff x="0" y="0"/>
+          <a:chExt cx="0" cy="0"/>
+        </a:xfrm>
+      </p:grpSpPr>
+      <p:sp>
+        <p:nvSpPr>
+          <p:cNvPr id="2" name="Titel 1">
+            <a:extLst>
+              <a:ext uri="{FF2B5EF4-FFF2-40B4-BE49-F238E27FC236}">
+                <a16:creationId xmlns:a16="http://schemas.microsoft.com/office/drawing/2014/main" id="{51792D20-0141-531A-D289-6AF2708695CE}"/>
+              </a:ext>
+            </a:extLst>
+          </p:cNvPr>
+          <p:cNvSpPr>
+            <a:spLocks noGrp="1"/>
+          </p:cNvSpPr>
+          <p:nvPr>
+            <p:ph type="title"/>
+          </p:nvPr>
+        </p:nvSpPr>
+        <p:spPr/>
+        <p:txBody>
+          <a:bodyPr/>
+          <a:lstStyle/>
+          <a:p>
+            <a:r>
+              <a:rPr lang="de-DE" dirty="0"/>
+              <a:t>Ds1 – </a:t>
+            </a:r>
+            <a:r>
+              <a:rPr lang="de-DE" dirty="0" err="1"/>
+              <a:t>VisionTransformer</a:t>
+            </a:r>
+            <a:endParaRPr lang="de-DE" dirty="0"/>
+          </a:p>
+        </p:txBody>
+      </p:sp>
+      <p:sp>
+        <p:nvSpPr>
+          <p:cNvPr id="3" name="Inhaltsplatzhalter 2">
+            <a:extLst>
+              <a:ext uri="{FF2B5EF4-FFF2-40B4-BE49-F238E27FC236}">
+                <a16:creationId xmlns:a16="http://schemas.microsoft.com/office/drawing/2014/main" id="{C3061E7D-2C8C-A541-4CF1-960897615969}"/>
+              </a:ext>
+            </a:extLst>
+          </p:cNvPr>
+          <p:cNvSpPr>
+            <a:spLocks noGrp="1"/>
+          </p:cNvSpPr>
+          <p:nvPr>
+            <p:ph idx="1"/>
+          </p:nvPr>
+        </p:nvSpPr>
+        <p:spPr/>
+        <p:txBody>
+          <a:bodyPr/>
+          <a:lstStyle/>
+          <a:p>
+            <a:endParaRPr lang="de-DE" dirty="0"/>
+          </a:p>
+        </p:txBody>
+      </p:sp>
+      <p:sp>
+        <p:nvSpPr>
+          <p:cNvPr id="4" name="Datumsplatzhalter 3">
+            <a:extLst>
+              <a:ext uri="{FF2B5EF4-FFF2-40B4-BE49-F238E27FC236}">
+                <a16:creationId xmlns:a16="http://schemas.microsoft.com/office/drawing/2014/main" id="{8EE9245A-F70E-4570-0417-B7767B92B91D}"/>
+              </a:ext>
+            </a:extLst>
+          </p:cNvPr>
+          <p:cNvSpPr>
+            <a:spLocks noGrp="1"/>
+          </p:cNvSpPr>
+          <p:nvPr>
+            <p:ph type="dt" sz="half" idx="10"/>
+          </p:nvPr>
+        </p:nvSpPr>
+        <p:spPr/>
+        <p:txBody>
+          <a:bodyPr/>
+          <a:lstStyle/>
+          <a:p>
+            <a:r>
+              <a:rPr lang="de-DE"/>
+              <a:t>Markus Friedrich</a:t>
+            </a:r>
+          </a:p>
+        </p:txBody>
+      </p:sp>
+      <p:sp>
+        <p:nvSpPr>
+          <p:cNvPr id="5" name="Fußzeilenplatzhalter 4">
+            <a:extLst>
+              <a:ext uri="{FF2B5EF4-FFF2-40B4-BE49-F238E27FC236}">
+                <a16:creationId xmlns:a16="http://schemas.microsoft.com/office/drawing/2014/main" id="{2C19DB91-4D0D-4403-27F7-6D4C2B44C3FE}"/>
+              </a:ext>
+            </a:extLst>
+          </p:cNvPr>
+          <p:cNvSpPr>
+            <a:spLocks noGrp="1"/>
+          </p:cNvSpPr>
+          <p:nvPr>
+            <p:ph type="ftr" sz="quarter" idx="11"/>
+          </p:nvPr>
+        </p:nvSpPr>
+        <p:spPr/>
+        <p:txBody>
+          <a:bodyPr/>
+          <a:lstStyle/>
+          <a:p>
+            <a:r>
+              <a:rPr lang="de-DE"/>
+              <a:t>Advanced Deep Learning </a:t>
+            </a:r>
+          </a:p>
+        </p:txBody>
+      </p:sp>
+      <p:sp>
+        <p:nvSpPr>
+          <p:cNvPr id="6" name="Foliennummernplatzhalter 5">
+            <a:extLst>
+              <a:ext uri="{FF2B5EF4-FFF2-40B4-BE49-F238E27FC236}">
+                <a16:creationId xmlns:a16="http://schemas.microsoft.com/office/drawing/2014/main" id="{524C9077-2593-D86A-53BB-4BD8B1F2A03E}"/>
+              </a:ext>
+            </a:extLst>
+          </p:cNvPr>
+          <p:cNvSpPr>
+            <a:spLocks noGrp="1"/>
+          </p:cNvSpPr>
+          <p:nvPr>
+            <p:ph type="sldNum" sz="quarter" idx="12"/>
+          </p:nvPr>
+        </p:nvSpPr>
+        <p:spPr/>
+        <p:txBody>
+          <a:bodyPr/>
+          <a:lstStyle/>
+          <a:p>
+            <a:fld id="{A13361CF-9A47-4C8C-A01E-566DC0626ACC}" type="slidenum">
+              <a:rPr lang="de-DE" smtClean="0"/>
+              <a:pPr/>
+              <a:t>24</a:t>
+            </a:fld>
+            <a:endParaRPr lang="de-DE"/>
+          </a:p>
+        </p:txBody>
+      </p:sp>
+      <p:pic>
+        <p:nvPicPr>
+          <p:cNvPr id="8" name="Grafik 7">
+            <a:extLst>
+              <a:ext uri="{FF2B5EF4-FFF2-40B4-BE49-F238E27FC236}">
+                <a16:creationId xmlns:a16="http://schemas.microsoft.com/office/drawing/2014/main" id="{53127A37-C6E9-D003-D202-EB9E207599FD}"/>
+              </a:ext>
+            </a:extLst>
+          </p:cNvPr>
+          <p:cNvPicPr>
+            <a:picLocks noChangeAspect="1"/>
+          </p:cNvPicPr>
+          <p:nvPr/>
+        </p:nvPicPr>
+        <p:blipFill>
+          <a:blip r:embed="rId2">
+            <a:extLst>
+              <a:ext uri="{28A0092B-C50C-407E-A947-70E740481C1C}">
+                <a14:useLocalDpi xmlns:a14="http://schemas.microsoft.com/office/drawing/2010/main" val="0"/>
+              </a:ext>
+            </a:extLst>
+          </a:blip>
+          <a:stretch>
+            <a:fillRect/>
+          </a:stretch>
+        </p:blipFill>
+        <p:spPr>
+          <a:xfrm>
+            <a:off x="1697702" y="860929"/>
+            <a:ext cx="8796594" cy="5277956"/>
+          </a:xfrm>
+          <a:prstGeom prst="rect">
+            <a:avLst/>
+          </a:prstGeom>
+        </p:spPr>
+      </p:pic>
+    </p:spTree>
+    <p:extLst>
+      <p:ext uri="{BB962C8B-B14F-4D97-AF65-F5344CB8AC3E}">
+        <p14:creationId xmlns:p14="http://schemas.microsoft.com/office/powerpoint/2010/main" val="3804749014"/>
+      </p:ext>
+    </p:extLst>
+  </p:cSld>
+  <p:clrMapOvr>
+    <a:masterClrMapping/>
+  </p:clrMapOvr>
+</p:sld>
+</file>
+
+<file path=ppt/slides/slide25.xml><?xml version="1.0" encoding="utf-8"?>
+<p:sld xmlns:a="http://schemas.openxmlformats.org/drawingml/2006/main" xmlns:r="http://schemas.openxmlformats.org/officeDocument/2006/relationships" xmlns:p="http://schemas.openxmlformats.org/presentationml/2006/main">
+  <p:cSld>
+    <p:spTree>
+      <p:nvGrpSpPr>
+        <p:cNvPr id="1" name="">
+          <a:extLst>
+            <a:ext uri="{FF2B5EF4-FFF2-40B4-BE49-F238E27FC236}">
+              <a16:creationId xmlns:a16="http://schemas.microsoft.com/office/drawing/2014/main" id="{11D9CD35-38E4-904B-6916-43E0E5C135FE}"/>
+            </a:ext>
+          </a:extLst>
+        </p:cNvPr>
+        <p:cNvGrpSpPr/>
+        <p:nvPr/>
+      </p:nvGrpSpPr>
+      <p:grpSpPr>
+        <a:xfrm>
+          <a:off x="0" y="0"/>
+          <a:ext cx="0" cy="0"/>
+          <a:chOff x="0" y="0"/>
+          <a:chExt cx="0" cy="0"/>
+        </a:xfrm>
+      </p:grpSpPr>
+      <p:sp>
+        <p:nvSpPr>
+          <p:cNvPr id="2" name="Titel 1">
+            <a:extLst>
+              <a:ext uri="{FF2B5EF4-FFF2-40B4-BE49-F238E27FC236}">
+                <a16:creationId xmlns:a16="http://schemas.microsoft.com/office/drawing/2014/main" id="{57E44222-8CEE-8058-E9F5-A665183776BB}"/>
+              </a:ext>
+            </a:extLst>
+          </p:cNvPr>
+          <p:cNvSpPr>
+            <a:spLocks noGrp="1"/>
+          </p:cNvSpPr>
+          <p:nvPr>
+            <p:ph type="title"/>
+          </p:nvPr>
+        </p:nvSpPr>
+        <p:spPr/>
+        <p:txBody>
+          <a:bodyPr/>
+          <a:lstStyle/>
+          <a:p>
+            <a:r>
+              <a:rPr lang="de-DE" dirty="0"/>
+              <a:t>Ds2 – </a:t>
+            </a:r>
+            <a:r>
+              <a:rPr lang="de-DE" dirty="0" err="1"/>
+              <a:t>AlexNet</a:t>
+            </a:r>
+            <a:endParaRPr lang="de-DE" dirty="0"/>
+          </a:p>
+        </p:txBody>
+      </p:sp>
+      <p:sp>
+        <p:nvSpPr>
+          <p:cNvPr id="3" name="Inhaltsplatzhalter 2">
+            <a:extLst>
+              <a:ext uri="{FF2B5EF4-FFF2-40B4-BE49-F238E27FC236}">
+                <a16:creationId xmlns:a16="http://schemas.microsoft.com/office/drawing/2014/main" id="{25623F67-408B-A64B-AB43-5D9859AA3956}"/>
+              </a:ext>
+            </a:extLst>
+          </p:cNvPr>
+          <p:cNvSpPr>
+            <a:spLocks noGrp="1"/>
+          </p:cNvSpPr>
+          <p:nvPr>
+            <p:ph idx="1"/>
+          </p:nvPr>
+        </p:nvSpPr>
+        <p:spPr/>
+        <p:txBody>
+          <a:bodyPr/>
+          <a:lstStyle/>
+          <a:p>
+            <a:endParaRPr lang="de-DE" dirty="0"/>
+          </a:p>
+        </p:txBody>
+      </p:sp>
+      <p:sp>
+        <p:nvSpPr>
+          <p:cNvPr id="4" name="Datumsplatzhalter 3">
+            <a:extLst>
+              <a:ext uri="{FF2B5EF4-FFF2-40B4-BE49-F238E27FC236}">
+                <a16:creationId xmlns:a16="http://schemas.microsoft.com/office/drawing/2014/main" id="{6F20EC81-033E-1262-F7BA-7B14030FBC9A}"/>
+              </a:ext>
+            </a:extLst>
+          </p:cNvPr>
+          <p:cNvSpPr>
+            <a:spLocks noGrp="1"/>
+          </p:cNvSpPr>
+          <p:nvPr>
+            <p:ph type="dt" sz="half" idx="10"/>
+          </p:nvPr>
+        </p:nvSpPr>
+        <p:spPr/>
+        <p:txBody>
+          <a:bodyPr/>
+          <a:lstStyle/>
+          <a:p>
+            <a:r>
+              <a:rPr lang="de-DE"/>
+              <a:t>Markus Friedrich</a:t>
+            </a:r>
+          </a:p>
+        </p:txBody>
+      </p:sp>
+      <p:sp>
+        <p:nvSpPr>
+          <p:cNvPr id="5" name="Fußzeilenplatzhalter 4">
+            <a:extLst>
+              <a:ext uri="{FF2B5EF4-FFF2-40B4-BE49-F238E27FC236}">
+                <a16:creationId xmlns:a16="http://schemas.microsoft.com/office/drawing/2014/main" id="{E9DBD030-AAF4-8523-F927-F84DC4B9CE95}"/>
+              </a:ext>
+            </a:extLst>
+          </p:cNvPr>
+          <p:cNvSpPr>
+            <a:spLocks noGrp="1"/>
+          </p:cNvSpPr>
+          <p:nvPr>
+            <p:ph type="ftr" sz="quarter" idx="11"/>
+          </p:nvPr>
+        </p:nvSpPr>
+        <p:spPr/>
+        <p:txBody>
+          <a:bodyPr/>
+          <a:lstStyle/>
+          <a:p>
+            <a:r>
+              <a:rPr lang="de-DE"/>
+              <a:t>Advanced Deep Learning </a:t>
+            </a:r>
+          </a:p>
+        </p:txBody>
+      </p:sp>
+      <p:sp>
+        <p:nvSpPr>
+          <p:cNvPr id="6" name="Foliennummernplatzhalter 5">
+            <a:extLst>
+              <a:ext uri="{FF2B5EF4-FFF2-40B4-BE49-F238E27FC236}">
+                <a16:creationId xmlns:a16="http://schemas.microsoft.com/office/drawing/2014/main" id="{80FAF80B-712D-938D-5F7F-55FC8D7CE902}"/>
+              </a:ext>
+            </a:extLst>
+          </p:cNvPr>
+          <p:cNvSpPr>
+            <a:spLocks noGrp="1"/>
+          </p:cNvSpPr>
+          <p:nvPr>
+            <p:ph type="sldNum" sz="quarter" idx="12"/>
+          </p:nvPr>
+        </p:nvSpPr>
+        <p:spPr/>
+        <p:txBody>
+          <a:bodyPr/>
+          <a:lstStyle/>
+          <a:p>
+            <a:fld id="{A13361CF-9A47-4C8C-A01E-566DC0626ACC}" type="slidenum">
+              <a:rPr lang="de-DE" smtClean="0"/>
+              <a:pPr/>
+              <a:t>25</a:t>
+            </a:fld>
+            <a:endParaRPr lang="de-DE"/>
+          </a:p>
+        </p:txBody>
+      </p:sp>
+    </p:spTree>
+    <p:extLst>
+      <p:ext uri="{BB962C8B-B14F-4D97-AF65-F5344CB8AC3E}">
+        <p14:creationId xmlns:p14="http://schemas.microsoft.com/office/powerpoint/2010/main" val="3323082438"/>
+      </p:ext>
+    </p:extLst>
+  </p:cSld>
+  <p:clrMapOvr>
+    <a:masterClrMapping/>
+  </p:clrMapOvr>
+</p:sld>
+</file>
+
+<file path=ppt/slides/slide26.xml><?xml version="1.0" encoding="utf-8"?>
+<p:sld xmlns:a="http://schemas.openxmlformats.org/drawingml/2006/main" xmlns:r="http://schemas.openxmlformats.org/officeDocument/2006/relationships" xmlns:p="http://schemas.openxmlformats.org/presentationml/2006/main">
+  <p:cSld>
+    <p:spTree>
+      <p:nvGrpSpPr>
+        <p:cNvPr id="1" name="">
+          <a:extLst>
+            <a:ext uri="{FF2B5EF4-FFF2-40B4-BE49-F238E27FC236}">
+              <a16:creationId xmlns:a16="http://schemas.microsoft.com/office/drawing/2014/main" id="{AE9639EF-B144-6002-6841-996E3F411B0C}"/>
+            </a:ext>
+          </a:extLst>
+        </p:cNvPr>
+        <p:cNvGrpSpPr/>
+        <p:nvPr/>
+      </p:nvGrpSpPr>
+      <p:grpSpPr>
+        <a:xfrm>
+          <a:off x="0" y="0"/>
+          <a:ext cx="0" cy="0"/>
+          <a:chOff x="0" y="0"/>
+          <a:chExt cx="0" cy="0"/>
+        </a:xfrm>
+      </p:grpSpPr>
+      <p:sp>
+        <p:nvSpPr>
+          <p:cNvPr id="2" name="Titel 1">
+            <a:extLst>
+              <a:ext uri="{FF2B5EF4-FFF2-40B4-BE49-F238E27FC236}">
+                <a16:creationId xmlns:a16="http://schemas.microsoft.com/office/drawing/2014/main" id="{F65C0C24-08D3-F362-BB09-A9BCD256482E}"/>
+              </a:ext>
+            </a:extLst>
+          </p:cNvPr>
+          <p:cNvSpPr>
+            <a:spLocks noGrp="1"/>
+          </p:cNvSpPr>
+          <p:nvPr>
+            <p:ph type="title"/>
+          </p:nvPr>
+        </p:nvSpPr>
+        <p:spPr/>
+        <p:txBody>
+          <a:bodyPr/>
+          <a:lstStyle/>
+          <a:p>
+            <a:r>
+              <a:rPr lang="de-DE" dirty="0"/>
+              <a:t>Ds3 – </a:t>
+            </a:r>
+            <a:r>
+              <a:rPr lang="de-DE" dirty="0" err="1"/>
+              <a:t>AlexNet</a:t>
+            </a:r>
+            <a:endParaRPr lang="de-DE" dirty="0"/>
+          </a:p>
+        </p:txBody>
+      </p:sp>
+      <p:pic>
+        <p:nvPicPr>
+          <p:cNvPr id="8" name="Inhaltsplatzhalter 7" descr="Ein Bild, das Screenshot, Reihe, Diagramm enthält.&#10;&#10;Automatisch generierte Beschreibung">
+            <a:extLst>
+              <a:ext uri="{FF2B5EF4-FFF2-40B4-BE49-F238E27FC236}">
+                <a16:creationId xmlns:a16="http://schemas.microsoft.com/office/drawing/2014/main" id="{D9DBC960-2779-978B-75F6-8E3062637D58}"/>
+              </a:ext>
+            </a:extLst>
+          </p:cNvPr>
+          <p:cNvPicPr>
+            <a:picLocks noGrp="1" noChangeAspect="1"/>
+          </p:cNvPicPr>
+          <p:nvPr>
+            <p:ph idx="1"/>
+          </p:nvPr>
+        </p:nvPicPr>
+        <p:blipFill>
+          <a:blip r:embed="rId2">
+            <a:extLst>
+              <a:ext uri="{28A0092B-C50C-407E-A947-70E740481C1C}">
+                <a14:useLocalDpi xmlns:a14="http://schemas.microsoft.com/office/drawing/2010/main" val="0"/>
+              </a:ext>
+            </a:extLst>
+          </a:blip>
+          <a:stretch>
+            <a:fillRect/>
+          </a:stretch>
+        </p:blipFill>
+        <p:spPr>
+          <a:xfrm>
+            <a:off x="804636" y="886665"/>
+            <a:ext cx="10582726" cy="5084669"/>
+          </a:xfrm>
+        </p:spPr>
+      </p:pic>
+      <p:sp>
+        <p:nvSpPr>
+          <p:cNvPr id="4" name="Datumsplatzhalter 3">
+            <a:extLst>
+              <a:ext uri="{FF2B5EF4-FFF2-40B4-BE49-F238E27FC236}">
+                <a16:creationId xmlns:a16="http://schemas.microsoft.com/office/drawing/2014/main" id="{5075E28F-930E-1408-0DE6-4EE124305848}"/>
+              </a:ext>
+            </a:extLst>
+          </p:cNvPr>
+          <p:cNvSpPr>
+            <a:spLocks noGrp="1"/>
+          </p:cNvSpPr>
+          <p:nvPr>
+            <p:ph type="dt" sz="half" idx="10"/>
+          </p:nvPr>
+        </p:nvSpPr>
+        <p:spPr/>
+        <p:txBody>
+          <a:bodyPr/>
+          <a:lstStyle/>
+          <a:p>
+            <a:r>
+              <a:rPr lang="de-DE"/>
+              <a:t>Markus Friedrich</a:t>
+            </a:r>
+          </a:p>
+        </p:txBody>
+      </p:sp>
+      <p:sp>
+        <p:nvSpPr>
+          <p:cNvPr id="5" name="Fußzeilenplatzhalter 4">
+            <a:extLst>
+              <a:ext uri="{FF2B5EF4-FFF2-40B4-BE49-F238E27FC236}">
+                <a16:creationId xmlns:a16="http://schemas.microsoft.com/office/drawing/2014/main" id="{B638066C-85D4-65D8-2B27-94D577F26C80}"/>
+              </a:ext>
+            </a:extLst>
+          </p:cNvPr>
+          <p:cNvSpPr>
+            <a:spLocks noGrp="1"/>
+          </p:cNvSpPr>
+          <p:nvPr>
+            <p:ph type="ftr" sz="quarter" idx="11"/>
+          </p:nvPr>
+        </p:nvSpPr>
+        <p:spPr/>
+        <p:txBody>
+          <a:bodyPr/>
+          <a:lstStyle/>
+          <a:p>
+            <a:r>
+              <a:rPr lang="de-DE"/>
+              <a:t>Advanced Deep Learning </a:t>
+            </a:r>
+          </a:p>
+        </p:txBody>
+      </p:sp>
+      <p:sp>
+        <p:nvSpPr>
+          <p:cNvPr id="6" name="Foliennummernplatzhalter 5">
+            <a:extLst>
+              <a:ext uri="{FF2B5EF4-FFF2-40B4-BE49-F238E27FC236}">
+                <a16:creationId xmlns:a16="http://schemas.microsoft.com/office/drawing/2014/main" id="{1CFDB8F5-3374-E6FB-9E0A-EEC82E781506}"/>
+              </a:ext>
+            </a:extLst>
+          </p:cNvPr>
+          <p:cNvSpPr>
+            <a:spLocks noGrp="1"/>
+          </p:cNvSpPr>
+          <p:nvPr>
+            <p:ph type="sldNum" sz="quarter" idx="12"/>
+          </p:nvPr>
+        </p:nvSpPr>
+        <p:spPr/>
+        <p:txBody>
+          <a:bodyPr/>
+          <a:lstStyle/>
+          <a:p>
+            <a:fld id="{A13361CF-9A47-4C8C-A01E-566DC0626ACC}" type="slidenum">
+              <a:rPr lang="de-DE" smtClean="0"/>
+              <a:pPr/>
+              <a:t>26</a:t>
+            </a:fld>
+            <a:endParaRPr lang="de-DE"/>
+          </a:p>
+        </p:txBody>
+      </p:sp>
+    </p:spTree>
+    <p:extLst>
+      <p:ext uri="{BB962C8B-B14F-4D97-AF65-F5344CB8AC3E}">
+        <p14:creationId xmlns:p14="http://schemas.microsoft.com/office/powerpoint/2010/main" val="4121159641"/>
+      </p:ext>
+    </p:extLst>
+  </p:cSld>
+  <p:clrMapOvr>
+    <a:masterClrMapping/>
+  </p:clrMapOvr>
+</p:sld>
+</file>
+
+<file path=ppt/slides/slide27.xml><?xml version="1.0" encoding="utf-8"?>
+<p:sld xmlns:a="http://schemas.openxmlformats.org/drawingml/2006/main" xmlns:r="http://schemas.openxmlformats.org/officeDocument/2006/relationships" xmlns:p="http://schemas.openxmlformats.org/presentationml/2006/main">
+  <p:cSld>
+    <p:spTree>
+      <p:nvGrpSpPr>
+        <p:cNvPr id="1" name="">
+          <a:extLst>
+            <a:ext uri="{FF2B5EF4-FFF2-40B4-BE49-F238E27FC236}">
+              <a16:creationId xmlns:a16="http://schemas.microsoft.com/office/drawing/2014/main" id="{2220D8CD-2A52-F127-A146-9363B47B1C5C}"/>
+            </a:ext>
+          </a:extLst>
+        </p:cNvPr>
+        <p:cNvGrpSpPr/>
+        <p:nvPr/>
+      </p:nvGrpSpPr>
+      <p:grpSpPr>
+        <a:xfrm>
+          <a:off x="0" y="0"/>
+          <a:ext cx="0" cy="0"/>
+          <a:chOff x="0" y="0"/>
+          <a:chExt cx="0" cy="0"/>
+        </a:xfrm>
+      </p:grpSpPr>
+      <p:sp>
+        <p:nvSpPr>
+          <p:cNvPr id="2" name="Titel 1">
+            <a:extLst>
+              <a:ext uri="{FF2B5EF4-FFF2-40B4-BE49-F238E27FC236}">
+                <a16:creationId xmlns:a16="http://schemas.microsoft.com/office/drawing/2014/main" id="{642CB496-C464-35C6-79B1-106CFF7631B6}"/>
+              </a:ext>
+            </a:extLst>
+          </p:cNvPr>
+          <p:cNvSpPr>
+            <a:spLocks noGrp="1"/>
+          </p:cNvSpPr>
+          <p:nvPr>
+            <p:ph type="title"/>
+          </p:nvPr>
+        </p:nvSpPr>
+        <p:spPr/>
+        <p:txBody>
+          <a:bodyPr/>
+          <a:lstStyle/>
+          <a:p>
+            <a:r>
+              <a:rPr lang="de-DE" dirty="0"/>
+              <a:t>Ds3 – </a:t>
+            </a:r>
+            <a:r>
+              <a:rPr lang="de-DE" dirty="0" err="1"/>
+              <a:t>AlexNet</a:t>
+            </a:r>
+            <a:endParaRPr lang="de-DE" dirty="0"/>
+          </a:p>
+        </p:txBody>
+      </p:sp>
+      <p:sp>
+        <p:nvSpPr>
+          <p:cNvPr id="4" name="Datumsplatzhalter 3">
+            <a:extLst>
+              <a:ext uri="{FF2B5EF4-FFF2-40B4-BE49-F238E27FC236}">
+                <a16:creationId xmlns:a16="http://schemas.microsoft.com/office/drawing/2014/main" id="{D9D88782-1E93-ED10-4E19-F88015F39470}"/>
+              </a:ext>
+            </a:extLst>
+          </p:cNvPr>
+          <p:cNvSpPr>
+            <a:spLocks noGrp="1"/>
+          </p:cNvSpPr>
+          <p:nvPr>
+            <p:ph type="dt" sz="half" idx="10"/>
+          </p:nvPr>
+        </p:nvSpPr>
+        <p:spPr/>
+        <p:txBody>
+          <a:bodyPr/>
+          <a:lstStyle/>
+          <a:p>
+            <a:r>
+              <a:rPr lang="de-DE"/>
+              <a:t>Markus Friedrich</a:t>
+            </a:r>
+          </a:p>
+        </p:txBody>
+      </p:sp>
+      <p:sp>
+        <p:nvSpPr>
+          <p:cNvPr id="5" name="Fußzeilenplatzhalter 4">
+            <a:extLst>
+              <a:ext uri="{FF2B5EF4-FFF2-40B4-BE49-F238E27FC236}">
+                <a16:creationId xmlns:a16="http://schemas.microsoft.com/office/drawing/2014/main" id="{00390076-C78F-1FF7-266A-CF8F773DBA94}"/>
+              </a:ext>
+            </a:extLst>
+          </p:cNvPr>
+          <p:cNvSpPr>
+            <a:spLocks noGrp="1"/>
+          </p:cNvSpPr>
+          <p:nvPr>
+            <p:ph type="ftr" sz="quarter" idx="11"/>
+          </p:nvPr>
+        </p:nvSpPr>
+        <p:spPr/>
+        <p:txBody>
+          <a:bodyPr/>
+          <a:lstStyle/>
+          <a:p>
+            <a:r>
+              <a:rPr lang="de-DE"/>
+              <a:t>Advanced Deep Learning </a:t>
+            </a:r>
+          </a:p>
+        </p:txBody>
+      </p:sp>
+      <p:sp>
+        <p:nvSpPr>
+          <p:cNvPr id="6" name="Foliennummernplatzhalter 5">
+            <a:extLst>
+              <a:ext uri="{FF2B5EF4-FFF2-40B4-BE49-F238E27FC236}">
+                <a16:creationId xmlns:a16="http://schemas.microsoft.com/office/drawing/2014/main" id="{D452ACAD-4290-0A1C-632D-7419DC0B43E7}"/>
+              </a:ext>
+            </a:extLst>
+          </p:cNvPr>
+          <p:cNvSpPr>
+            <a:spLocks noGrp="1"/>
+          </p:cNvSpPr>
+          <p:nvPr>
+            <p:ph type="sldNum" sz="quarter" idx="12"/>
+          </p:nvPr>
+        </p:nvSpPr>
+        <p:spPr/>
+        <p:txBody>
+          <a:bodyPr/>
+          <a:lstStyle/>
+          <a:p>
+            <a:fld id="{A13361CF-9A47-4C8C-A01E-566DC0626ACC}" type="slidenum">
+              <a:rPr lang="de-DE" smtClean="0"/>
+              <a:pPr/>
+              <a:t>27</a:t>
+            </a:fld>
+            <a:endParaRPr lang="de-DE"/>
+          </a:p>
+        </p:txBody>
+      </p:sp>
+      <p:pic>
+        <p:nvPicPr>
+          <p:cNvPr id="10" name="Inhaltsplatzhalter 9" descr="Ein Bild, das Person, Menschliches Gesicht, Kleidung, Verschwommen enthält.&#10;&#10;Automatisch generierte Beschreibung">
+            <a:extLst>
+              <a:ext uri="{FF2B5EF4-FFF2-40B4-BE49-F238E27FC236}">
+                <a16:creationId xmlns:a16="http://schemas.microsoft.com/office/drawing/2014/main" id="{B99B5037-0608-1C26-5752-890EF8981D7C}"/>
+              </a:ext>
+            </a:extLst>
+          </p:cNvPr>
+          <p:cNvPicPr>
+            <a:picLocks noGrp="1" noChangeAspect="1"/>
+          </p:cNvPicPr>
+          <p:nvPr>
+            <p:ph idx="1"/>
+          </p:nvPr>
+        </p:nvPicPr>
+        <p:blipFill>
+          <a:blip r:embed="rId2">
+            <a:extLst>
+              <a:ext uri="{28A0092B-C50C-407E-A947-70E740481C1C}">
+                <a14:useLocalDpi xmlns:a14="http://schemas.microsoft.com/office/drawing/2010/main" val="0"/>
+              </a:ext>
+            </a:extLst>
+          </a:blip>
+          <a:stretch>
+            <a:fillRect/>
+          </a:stretch>
+        </p:blipFill>
+        <p:spPr>
+          <a:xfrm>
+            <a:off x="8290950" y="3701569"/>
+            <a:ext cx="2133600" cy="2133600"/>
+          </a:xfrm>
+        </p:spPr>
+      </p:pic>
+      <p:pic>
+        <p:nvPicPr>
+          <p:cNvPr id="12" name="Grafik 11" descr="Ein Bild, das Person, Menschliches Gesicht, Mann, Wand enthält.&#10;&#10;Automatisch generierte Beschreibung">
+            <a:extLst>
+              <a:ext uri="{FF2B5EF4-FFF2-40B4-BE49-F238E27FC236}">
+                <a16:creationId xmlns:a16="http://schemas.microsoft.com/office/drawing/2014/main" id="{1ABE08BE-C18A-67E1-0960-8EAEEAEFBAC0}"/>
+              </a:ext>
+            </a:extLst>
+          </p:cNvPr>
+          <p:cNvPicPr>
+            <a:picLocks noChangeAspect="1"/>
+          </p:cNvPicPr>
+          <p:nvPr/>
+        </p:nvPicPr>
+        <p:blipFill>
+          <a:blip r:embed="rId3">
+            <a:extLst>
+              <a:ext uri="{28A0092B-C50C-407E-A947-70E740481C1C}">
+                <a14:useLocalDpi xmlns:a14="http://schemas.microsoft.com/office/drawing/2010/main" val="0"/>
+              </a:ext>
+            </a:extLst>
+          </a:blip>
+          <a:stretch>
+            <a:fillRect/>
+          </a:stretch>
+        </p:blipFill>
+        <p:spPr>
+          <a:xfrm>
+            <a:off x="8290950" y="1445022"/>
+            <a:ext cx="2133600" cy="2133600"/>
+          </a:xfrm>
+          <a:prstGeom prst="rect">
+            <a:avLst/>
+          </a:prstGeom>
+        </p:spPr>
+      </p:pic>
+      <p:pic>
+        <p:nvPicPr>
+          <p:cNvPr id="14" name="Grafik 13" descr="Ein Bild, das Farbigkeit, Regenbogen, Screenshot enthält.&#10;&#10;Automatisch generierte Beschreibung">
+            <a:extLst>
+              <a:ext uri="{FF2B5EF4-FFF2-40B4-BE49-F238E27FC236}">
+                <a16:creationId xmlns:a16="http://schemas.microsoft.com/office/drawing/2014/main" id="{1F04A37B-CB37-DE70-7653-E06ECE0D6883}"/>
+              </a:ext>
+            </a:extLst>
+          </p:cNvPr>
+          <p:cNvPicPr>
+            <a:picLocks noChangeAspect="1"/>
+          </p:cNvPicPr>
+          <p:nvPr/>
+        </p:nvPicPr>
+        <p:blipFill>
+          <a:blip r:embed="rId4">
+            <a:extLst>
+              <a:ext uri="{28A0092B-C50C-407E-A947-70E740481C1C}">
+                <a14:useLocalDpi xmlns:a14="http://schemas.microsoft.com/office/drawing/2010/main" val="0"/>
+              </a:ext>
+            </a:extLst>
+          </a:blip>
+          <a:stretch>
+            <a:fillRect/>
+          </a:stretch>
+        </p:blipFill>
+        <p:spPr>
+          <a:xfrm>
+            <a:off x="3624262" y="1445022"/>
+            <a:ext cx="2133600" cy="2133600"/>
+          </a:xfrm>
+          <a:prstGeom prst="rect">
+            <a:avLst/>
+          </a:prstGeom>
+        </p:spPr>
+      </p:pic>
+      <p:pic>
+        <p:nvPicPr>
+          <p:cNvPr id="16" name="Grafik 15" descr="Ein Bild, das Farbigkeit, Screenshot enthält.&#10;&#10;Automatisch generierte Beschreibung">
+            <a:extLst>
+              <a:ext uri="{FF2B5EF4-FFF2-40B4-BE49-F238E27FC236}">
+                <a16:creationId xmlns:a16="http://schemas.microsoft.com/office/drawing/2014/main" id="{20A56BB0-00E3-4C46-2909-5AFEE8C06C3E}"/>
+              </a:ext>
+            </a:extLst>
+          </p:cNvPr>
+          <p:cNvPicPr>
+            <a:picLocks noChangeAspect="1"/>
+          </p:cNvPicPr>
+          <p:nvPr/>
+        </p:nvPicPr>
+        <p:blipFill>
+          <a:blip r:embed="rId5">
+            <a:extLst>
+              <a:ext uri="{28A0092B-C50C-407E-A947-70E740481C1C}">
+                <a14:useLocalDpi xmlns:a14="http://schemas.microsoft.com/office/drawing/2010/main" val="0"/>
+              </a:ext>
+            </a:extLst>
+          </a:blip>
+          <a:stretch>
+            <a:fillRect/>
+          </a:stretch>
+        </p:blipFill>
+        <p:spPr>
+          <a:xfrm>
+            <a:off x="5957606" y="3701569"/>
+            <a:ext cx="2133600" cy="2133600"/>
+          </a:xfrm>
+          <a:prstGeom prst="rect">
+            <a:avLst/>
+          </a:prstGeom>
+        </p:spPr>
+      </p:pic>
+      <p:pic>
+        <p:nvPicPr>
+          <p:cNvPr id="18" name="Grafik 17" descr="Ein Bild, das Farbigkeit, Regenbogen, Kunst enthält.&#10;&#10;Automatisch generierte Beschreibung">
+            <a:extLst>
+              <a:ext uri="{FF2B5EF4-FFF2-40B4-BE49-F238E27FC236}">
+                <a16:creationId xmlns:a16="http://schemas.microsoft.com/office/drawing/2014/main" id="{488CDA69-1722-4EE5-EE04-0C77F1F262CE}"/>
+              </a:ext>
+            </a:extLst>
+          </p:cNvPr>
+          <p:cNvPicPr>
+            <a:picLocks noChangeAspect="1"/>
+          </p:cNvPicPr>
+          <p:nvPr/>
+        </p:nvPicPr>
+        <p:blipFill>
+          <a:blip r:embed="rId6">
+            <a:extLst>
+              <a:ext uri="{28A0092B-C50C-407E-A947-70E740481C1C}">
+                <a14:useLocalDpi xmlns:a14="http://schemas.microsoft.com/office/drawing/2010/main" val="0"/>
+              </a:ext>
+            </a:extLst>
+          </a:blip>
+          <a:stretch>
+            <a:fillRect/>
+          </a:stretch>
+        </p:blipFill>
+        <p:spPr>
+          <a:xfrm>
+            <a:off x="5957606" y="1463806"/>
+            <a:ext cx="2133600" cy="2133600"/>
+          </a:xfrm>
+          <a:prstGeom prst="rect">
+            <a:avLst/>
+          </a:prstGeom>
+        </p:spPr>
+      </p:pic>
+      <p:pic>
+        <p:nvPicPr>
+          <p:cNvPr id="20" name="Grafik 19" descr="Ein Bild, das Farbigkeit, Regenbogen, Screenshot enthält.&#10;&#10;Automatisch generierte Beschreibung">
+            <a:extLst>
+              <a:ext uri="{FF2B5EF4-FFF2-40B4-BE49-F238E27FC236}">
+                <a16:creationId xmlns:a16="http://schemas.microsoft.com/office/drawing/2014/main" id="{CF85A2DF-A320-4D34-9E50-870D49D8BEB3}"/>
+              </a:ext>
+            </a:extLst>
+          </p:cNvPr>
+          <p:cNvPicPr>
+            <a:picLocks noChangeAspect="1"/>
+          </p:cNvPicPr>
+          <p:nvPr/>
+        </p:nvPicPr>
+        <p:blipFill>
+          <a:blip r:embed="rId7">
+            <a:extLst>
+              <a:ext uri="{28A0092B-C50C-407E-A947-70E740481C1C}">
+                <a14:useLocalDpi xmlns:a14="http://schemas.microsoft.com/office/drawing/2010/main" val="0"/>
+              </a:ext>
+            </a:extLst>
+          </a:blip>
+          <a:stretch>
+            <a:fillRect/>
+          </a:stretch>
+        </p:blipFill>
+        <p:spPr>
+          <a:xfrm>
+            <a:off x="3624262" y="3730913"/>
+            <a:ext cx="2133600" cy="2133600"/>
+          </a:xfrm>
+          <a:prstGeom prst="rect">
+            <a:avLst/>
+          </a:prstGeom>
+        </p:spPr>
+      </p:pic>
+      <p:pic>
+        <p:nvPicPr>
+          <p:cNvPr id="22" name="Grafik 21" descr="Ein Bild, das Farbigkeit, Grafiken, Kunst, Regenbogen enthält.&#10;&#10;Automatisch generierte Beschreibung">
+            <a:extLst>
+              <a:ext uri="{FF2B5EF4-FFF2-40B4-BE49-F238E27FC236}">
+                <a16:creationId xmlns:a16="http://schemas.microsoft.com/office/drawing/2014/main" id="{20ACF8B8-A659-D2C1-1AA5-7A7931AF1827}"/>
+              </a:ext>
+            </a:extLst>
+          </p:cNvPr>
+          <p:cNvPicPr>
+            <a:picLocks noChangeAspect="1"/>
+          </p:cNvPicPr>
+          <p:nvPr/>
+        </p:nvPicPr>
+        <p:blipFill>
+          <a:blip r:embed="rId8">
+            <a:extLst>
+              <a:ext uri="{28A0092B-C50C-407E-A947-70E740481C1C}">
+                <a14:useLocalDpi xmlns:a14="http://schemas.microsoft.com/office/drawing/2010/main" val="0"/>
+              </a:ext>
+            </a:extLst>
+          </a:blip>
+          <a:stretch>
+            <a:fillRect/>
+          </a:stretch>
+        </p:blipFill>
+        <p:spPr>
+          <a:xfrm>
+            <a:off x="1290918" y="3730913"/>
+            <a:ext cx="2133600" cy="2133600"/>
+          </a:xfrm>
+          <a:prstGeom prst="rect">
+            <a:avLst/>
+          </a:prstGeom>
+        </p:spPr>
+      </p:pic>
+      <p:pic>
+        <p:nvPicPr>
+          <p:cNvPr id="24" name="Grafik 23" descr="Ein Bild, das Farbigkeit, Screenshot, Kunst, Regenbogen enthält.&#10;&#10;Automatisch generierte Beschreibung">
+            <a:extLst>
+              <a:ext uri="{FF2B5EF4-FFF2-40B4-BE49-F238E27FC236}">
+                <a16:creationId xmlns:a16="http://schemas.microsoft.com/office/drawing/2014/main" id="{4A855196-94B3-0828-F595-B4D511D509D3}"/>
+              </a:ext>
+            </a:extLst>
+          </p:cNvPr>
+          <p:cNvPicPr>
+            <a:picLocks noChangeAspect="1"/>
+          </p:cNvPicPr>
+          <p:nvPr/>
+        </p:nvPicPr>
+        <p:blipFill>
+          <a:blip r:embed="rId9">
+            <a:extLst>
+              <a:ext uri="{28A0092B-C50C-407E-A947-70E740481C1C}">
+                <a14:useLocalDpi xmlns:a14="http://schemas.microsoft.com/office/drawing/2010/main" val="0"/>
+              </a:ext>
+            </a:extLst>
+          </a:blip>
+          <a:stretch>
+            <a:fillRect/>
+          </a:stretch>
+        </p:blipFill>
+        <p:spPr>
+          <a:xfrm>
+            <a:off x="1290918" y="1448886"/>
+            <a:ext cx="2133600" cy="2133600"/>
+          </a:xfrm>
+          <a:prstGeom prst="rect">
+            <a:avLst/>
+          </a:prstGeom>
+        </p:spPr>
+      </p:pic>
+    </p:spTree>
+    <p:extLst>
+      <p:ext uri="{BB962C8B-B14F-4D97-AF65-F5344CB8AC3E}">
+        <p14:creationId xmlns:p14="http://schemas.microsoft.com/office/powerpoint/2010/main" val="2426609931"/>
+      </p:ext>
+    </p:extLst>
+  </p:cSld>
+  <p:clrMapOvr>
+    <a:masterClrMapping/>
+  </p:clrMapOvr>
+</p:sld>
+</file>
+
+<file path=ppt/slides/slide28.xml><?xml version="1.0" encoding="utf-8"?>
+<p:sld xmlns:a="http://schemas.openxmlformats.org/drawingml/2006/main" xmlns:r="http://schemas.openxmlformats.org/officeDocument/2006/relationships" xmlns:p="http://schemas.openxmlformats.org/presentationml/2006/main">
+  <p:cSld>
+    <p:spTree>
+      <p:nvGrpSpPr>
+        <p:cNvPr id="1" name="">
+          <a:extLst>
+            <a:ext uri="{FF2B5EF4-FFF2-40B4-BE49-F238E27FC236}">
+              <a16:creationId xmlns:a16="http://schemas.microsoft.com/office/drawing/2014/main" id="{6ABDD00B-6D18-3680-9376-08E0A672918D}"/>
+            </a:ext>
+          </a:extLst>
+        </p:cNvPr>
+        <p:cNvGrpSpPr/>
+        <p:nvPr/>
+      </p:nvGrpSpPr>
+      <p:grpSpPr>
+        <a:xfrm>
+          <a:off x="0" y="0"/>
+          <a:ext cx="0" cy="0"/>
+          <a:chOff x="0" y="0"/>
+          <a:chExt cx="0" cy="0"/>
+        </a:xfrm>
+      </p:grpSpPr>
+      <p:sp>
+        <p:nvSpPr>
+          <p:cNvPr id="2" name="Titel 1">
+            <a:extLst>
+              <a:ext uri="{FF2B5EF4-FFF2-40B4-BE49-F238E27FC236}">
+                <a16:creationId xmlns:a16="http://schemas.microsoft.com/office/drawing/2014/main" id="{048AC031-8A77-25D7-877D-5C91FE1F7E68}"/>
+              </a:ext>
+            </a:extLst>
+          </p:cNvPr>
+          <p:cNvSpPr>
+            <a:spLocks noGrp="1"/>
+          </p:cNvSpPr>
+          <p:nvPr>
+            <p:ph type="title"/>
+          </p:nvPr>
+        </p:nvSpPr>
+        <p:spPr/>
+        <p:txBody>
+          <a:bodyPr/>
+          <a:lstStyle/>
+          <a:p>
+            <a:r>
+              <a:rPr lang="de-DE" dirty="0"/>
+              <a:t>Ds3 – </a:t>
+            </a:r>
+            <a:r>
+              <a:rPr lang="de-DE" dirty="0" err="1"/>
+              <a:t>AlexNet</a:t>
+            </a:r>
+            <a:endParaRPr lang="de-DE" dirty="0"/>
+          </a:p>
+        </p:txBody>
+      </p:sp>
+      <p:sp>
+        <p:nvSpPr>
+          <p:cNvPr id="4" name="Datumsplatzhalter 3">
+            <a:extLst>
+              <a:ext uri="{FF2B5EF4-FFF2-40B4-BE49-F238E27FC236}">
+                <a16:creationId xmlns:a16="http://schemas.microsoft.com/office/drawing/2014/main" id="{296DE9BC-20C1-BEF4-64A5-DA37250DF60F}"/>
+              </a:ext>
+            </a:extLst>
+          </p:cNvPr>
+          <p:cNvSpPr>
+            <a:spLocks noGrp="1"/>
+          </p:cNvSpPr>
+          <p:nvPr>
+            <p:ph type="dt" sz="half" idx="10"/>
+          </p:nvPr>
+        </p:nvSpPr>
+        <p:spPr/>
+        <p:txBody>
+          <a:bodyPr/>
+          <a:lstStyle/>
+          <a:p>
+            <a:r>
+              <a:rPr lang="de-DE"/>
+              <a:t>Markus Friedrich</a:t>
+            </a:r>
+          </a:p>
+        </p:txBody>
+      </p:sp>
+      <p:sp>
+        <p:nvSpPr>
+          <p:cNvPr id="5" name="Fußzeilenplatzhalter 4">
+            <a:extLst>
+              <a:ext uri="{FF2B5EF4-FFF2-40B4-BE49-F238E27FC236}">
+                <a16:creationId xmlns:a16="http://schemas.microsoft.com/office/drawing/2014/main" id="{5CDF5967-A3B3-3BC4-0D8F-ACDBEF3ECC4B}"/>
+              </a:ext>
+            </a:extLst>
+          </p:cNvPr>
+          <p:cNvSpPr>
+            <a:spLocks noGrp="1"/>
+          </p:cNvSpPr>
+          <p:nvPr>
+            <p:ph type="ftr" sz="quarter" idx="11"/>
+          </p:nvPr>
+        </p:nvSpPr>
+        <p:spPr/>
+        <p:txBody>
+          <a:bodyPr/>
+          <a:lstStyle/>
+          <a:p>
+            <a:r>
+              <a:rPr lang="de-DE"/>
+              <a:t>Advanced Deep Learning </a:t>
+            </a:r>
+          </a:p>
+        </p:txBody>
+      </p:sp>
+      <p:sp>
+        <p:nvSpPr>
+          <p:cNvPr id="6" name="Foliennummernplatzhalter 5">
+            <a:extLst>
+              <a:ext uri="{FF2B5EF4-FFF2-40B4-BE49-F238E27FC236}">
+                <a16:creationId xmlns:a16="http://schemas.microsoft.com/office/drawing/2014/main" id="{25956515-B9D1-461C-FC44-3406358C611A}"/>
+              </a:ext>
+            </a:extLst>
+          </p:cNvPr>
+          <p:cNvSpPr>
+            <a:spLocks noGrp="1"/>
+          </p:cNvSpPr>
+          <p:nvPr>
+            <p:ph type="sldNum" sz="quarter" idx="12"/>
+          </p:nvPr>
+        </p:nvSpPr>
+        <p:spPr/>
+        <p:txBody>
+          <a:bodyPr/>
+          <a:lstStyle/>
+          <a:p>
+            <a:fld id="{A13361CF-9A47-4C8C-A01E-566DC0626ACC}" type="slidenum">
+              <a:rPr lang="de-DE" smtClean="0"/>
+              <a:pPr/>
+              <a:t>28</a:t>
+            </a:fld>
+            <a:endParaRPr lang="de-DE"/>
+          </a:p>
+        </p:txBody>
+      </p:sp>
+      <p:sp>
+        <p:nvSpPr>
+          <p:cNvPr id="7" name="Inhaltsplatzhalter 6">
+            <a:extLst>
+              <a:ext uri="{FF2B5EF4-FFF2-40B4-BE49-F238E27FC236}">
+                <a16:creationId xmlns:a16="http://schemas.microsoft.com/office/drawing/2014/main" id="{0A4E2727-77D3-AB75-C177-F8A3B566FCBB}"/>
+              </a:ext>
+            </a:extLst>
+          </p:cNvPr>
+          <p:cNvSpPr>
+            <a:spLocks noGrp="1"/>
+          </p:cNvSpPr>
+          <p:nvPr>
+            <p:ph idx="1"/>
+          </p:nvPr>
+        </p:nvSpPr>
+        <p:spPr/>
+        <p:txBody>
+          <a:bodyPr/>
+          <a:lstStyle/>
+          <a:p>
+            <a:endParaRPr lang="de-DE"/>
+          </a:p>
+        </p:txBody>
+      </p:sp>
+      <p:pic>
+        <p:nvPicPr>
+          <p:cNvPr id="9" name="Grafik 8" descr="Ein Bild, das Reihe, Diagramm, Text, Steigung enthält.&#10;&#10;Automatisch generierte Beschreibung">
+            <a:extLst>
+              <a:ext uri="{FF2B5EF4-FFF2-40B4-BE49-F238E27FC236}">
+                <a16:creationId xmlns:a16="http://schemas.microsoft.com/office/drawing/2014/main" id="{7E892B9F-87A5-C0D4-895B-55DFF5094E00}"/>
+              </a:ext>
+            </a:extLst>
+          </p:cNvPr>
+          <p:cNvPicPr>
+            <a:picLocks noChangeAspect="1"/>
+          </p:cNvPicPr>
+          <p:nvPr/>
+        </p:nvPicPr>
+        <p:blipFill>
+          <a:blip r:embed="rId2">
+            <a:extLst>
+              <a:ext uri="{28A0092B-C50C-407E-A947-70E740481C1C}">
+                <a14:useLocalDpi xmlns:a14="http://schemas.microsoft.com/office/drawing/2010/main" val="0"/>
+              </a:ext>
+            </a:extLst>
+          </a:blip>
+          <a:stretch>
+            <a:fillRect/>
+          </a:stretch>
+        </p:blipFill>
+        <p:spPr>
+          <a:xfrm>
+            <a:off x="813807" y="1015475"/>
+            <a:ext cx="10564383" cy="5075856"/>
+          </a:xfrm>
+          <a:prstGeom prst="rect">
+            <a:avLst/>
+          </a:prstGeom>
+        </p:spPr>
+      </p:pic>
+    </p:spTree>
+    <p:extLst>
+      <p:ext uri="{BB962C8B-B14F-4D97-AF65-F5344CB8AC3E}">
+        <p14:creationId xmlns:p14="http://schemas.microsoft.com/office/powerpoint/2010/main" val="1694713964"/>
+      </p:ext>
+    </p:extLst>
+  </p:cSld>
+  <p:clrMapOvr>
+    <a:masterClrMapping/>
+  </p:clrMapOvr>
+</p:sld>
+</file>
+
+<file path=ppt/slides/slide29.xml><?xml version="1.0" encoding="utf-8"?>
+<p:sld xmlns:a="http://schemas.openxmlformats.org/drawingml/2006/main" xmlns:r="http://schemas.openxmlformats.org/officeDocument/2006/relationships" xmlns:p="http://schemas.openxmlformats.org/presentationml/2006/main">
+  <p:cSld>
+    <p:spTree>
+      <p:nvGrpSpPr>
+        <p:cNvPr id="1" name="">
+          <a:extLst>
+            <a:ext uri="{FF2B5EF4-FFF2-40B4-BE49-F238E27FC236}">
+              <a16:creationId xmlns:a16="http://schemas.microsoft.com/office/drawing/2014/main" id="{37D08DDA-CF37-1B3B-EA4A-469090667A83}"/>
+            </a:ext>
+          </a:extLst>
+        </p:cNvPr>
+        <p:cNvGrpSpPr/>
+        <p:nvPr/>
+      </p:nvGrpSpPr>
+      <p:grpSpPr>
+        <a:xfrm>
+          <a:off x="0" y="0"/>
+          <a:ext cx="0" cy="0"/>
+          <a:chOff x="0" y="0"/>
+          <a:chExt cx="0" cy="0"/>
+        </a:xfrm>
+      </p:grpSpPr>
+      <p:sp>
+        <p:nvSpPr>
+          <p:cNvPr id="2" name="Titel 1">
+            <a:extLst>
+              <a:ext uri="{FF2B5EF4-FFF2-40B4-BE49-F238E27FC236}">
+                <a16:creationId xmlns:a16="http://schemas.microsoft.com/office/drawing/2014/main" id="{9A681973-D393-0E75-CBAC-FF46DA66C9DC}"/>
+              </a:ext>
+            </a:extLst>
+          </p:cNvPr>
+          <p:cNvSpPr>
+            <a:spLocks noGrp="1"/>
+          </p:cNvSpPr>
+          <p:nvPr>
+            <p:ph type="title"/>
+          </p:nvPr>
+        </p:nvSpPr>
+        <p:spPr/>
+        <p:txBody>
+          <a:bodyPr/>
+          <a:lstStyle/>
+          <a:p>
+            <a:r>
+              <a:rPr lang="de-DE" dirty="0"/>
+              <a:t>Ds3 – </a:t>
+            </a:r>
+            <a:r>
+              <a:rPr lang="de-DE" dirty="0" err="1"/>
+              <a:t>VisionTransformer</a:t>
+            </a:r>
+            <a:endParaRPr lang="de-DE" dirty="0"/>
+          </a:p>
+        </p:txBody>
+      </p:sp>
+      <p:sp>
+        <p:nvSpPr>
+          <p:cNvPr id="4" name="Datumsplatzhalter 3">
+            <a:extLst>
+              <a:ext uri="{FF2B5EF4-FFF2-40B4-BE49-F238E27FC236}">
+                <a16:creationId xmlns:a16="http://schemas.microsoft.com/office/drawing/2014/main" id="{1AC9190B-CDF2-A2D5-A60A-7B9455B70125}"/>
+              </a:ext>
+            </a:extLst>
+          </p:cNvPr>
+          <p:cNvSpPr>
+            <a:spLocks noGrp="1"/>
+          </p:cNvSpPr>
+          <p:nvPr>
+            <p:ph type="dt" sz="half" idx="10"/>
+          </p:nvPr>
+        </p:nvSpPr>
+        <p:spPr/>
+        <p:txBody>
+          <a:bodyPr/>
+          <a:lstStyle/>
+          <a:p>
+            <a:r>
+              <a:rPr lang="de-DE"/>
+              <a:t>Markus Friedrich</a:t>
+            </a:r>
+          </a:p>
+        </p:txBody>
+      </p:sp>
+      <p:sp>
+        <p:nvSpPr>
+          <p:cNvPr id="5" name="Fußzeilenplatzhalter 4">
+            <a:extLst>
+              <a:ext uri="{FF2B5EF4-FFF2-40B4-BE49-F238E27FC236}">
+                <a16:creationId xmlns:a16="http://schemas.microsoft.com/office/drawing/2014/main" id="{D84AC430-B190-5F19-232D-75CDAC752F27}"/>
+              </a:ext>
+            </a:extLst>
+          </p:cNvPr>
+          <p:cNvSpPr>
+            <a:spLocks noGrp="1"/>
+          </p:cNvSpPr>
+          <p:nvPr>
+            <p:ph type="ftr" sz="quarter" idx="11"/>
+          </p:nvPr>
+        </p:nvSpPr>
+        <p:spPr/>
+        <p:txBody>
+          <a:bodyPr/>
+          <a:lstStyle/>
+          <a:p>
+            <a:r>
+              <a:rPr lang="de-DE"/>
+              <a:t>Advanced Deep Learning </a:t>
+            </a:r>
+          </a:p>
+        </p:txBody>
+      </p:sp>
+      <p:sp>
+        <p:nvSpPr>
+          <p:cNvPr id="6" name="Foliennummernplatzhalter 5">
+            <a:extLst>
+              <a:ext uri="{FF2B5EF4-FFF2-40B4-BE49-F238E27FC236}">
+                <a16:creationId xmlns:a16="http://schemas.microsoft.com/office/drawing/2014/main" id="{AAAB3CA4-5AAF-DEB8-B69F-C043F1F69B58}"/>
+              </a:ext>
+            </a:extLst>
+          </p:cNvPr>
+          <p:cNvSpPr>
+            <a:spLocks noGrp="1"/>
+          </p:cNvSpPr>
+          <p:nvPr>
+            <p:ph type="sldNum" sz="quarter" idx="12"/>
+          </p:nvPr>
+        </p:nvSpPr>
+        <p:spPr/>
+        <p:txBody>
+          <a:bodyPr/>
+          <a:lstStyle/>
+          <a:p>
+            <a:fld id="{A13361CF-9A47-4C8C-A01E-566DC0626ACC}" type="slidenum">
+              <a:rPr lang="de-DE" smtClean="0"/>
+              <a:pPr/>
+              <a:t>29</a:t>
+            </a:fld>
+            <a:endParaRPr lang="de-DE"/>
+          </a:p>
+        </p:txBody>
+      </p:sp>
+      <p:pic>
+        <p:nvPicPr>
+          <p:cNvPr id="10" name="Inhaltsplatzhalter 9" descr="Ein Bild, das Screenshot, Reihe, Diagramm enthält.&#10;&#10;Automatisch generierte Beschreibung">
+            <a:extLst>
+              <a:ext uri="{FF2B5EF4-FFF2-40B4-BE49-F238E27FC236}">
+                <a16:creationId xmlns:a16="http://schemas.microsoft.com/office/drawing/2014/main" id="{78EE903D-63E8-2A1D-8D97-287C1AAE76A3}"/>
+              </a:ext>
+            </a:extLst>
+          </p:cNvPr>
+          <p:cNvPicPr>
+            <a:picLocks noGrp="1" noChangeAspect="1"/>
+          </p:cNvPicPr>
+          <p:nvPr>
+            <p:ph idx="1"/>
+          </p:nvPr>
+        </p:nvPicPr>
+        <p:blipFill>
+          <a:blip r:embed="rId2">
+            <a:extLst>
+              <a:ext uri="{28A0092B-C50C-407E-A947-70E740481C1C}">
+                <a14:useLocalDpi xmlns:a14="http://schemas.microsoft.com/office/drawing/2010/main" val="0"/>
+              </a:ext>
+            </a:extLst>
+          </a:blip>
+          <a:stretch>
+            <a:fillRect/>
+          </a:stretch>
+        </p:blipFill>
+        <p:spPr>
+          <a:xfrm>
+            <a:off x="880315" y="1228724"/>
+            <a:ext cx="9710646" cy="4665662"/>
+          </a:xfrm>
+        </p:spPr>
+      </p:pic>
+    </p:spTree>
+    <p:extLst>
+      <p:ext uri="{BB962C8B-B14F-4D97-AF65-F5344CB8AC3E}">
+        <p14:creationId xmlns:p14="http://schemas.microsoft.com/office/powerpoint/2010/main" val="3683197111"/>
       </p:ext>
     </p:extLst>
   </p:cSld>
@@ -8189,6 +12436,740 @@
     <p:extLst>
       <p:ext uri="{BB962C8B-B14F-4D97-AF65-F5344CB8AC3E}">
         <p14:creationId xmlns:p14="http://schemas.microsoft.com/office/powerpoint/2010/main" val="2342609883"/>
+      </p:ext>
+    </p:extLst>
+  </p:cSld>
+  <p:clrMapOvr>
+    <a:masterClrMapping/>
+  </p:clrMapOvr>
+</p:sld>
+</file>
+
+<file path=ppt/slides/slide30.xml><?xml version="1.0" encoding="utf-8"?>
+<p:sld xmlns:a="http://schemas.openxmlformats.org/drawingml/2006/main" xmlns:r="http://schemas.openxmlformats.org/officeDocument/2006/relationships" xmlns:p="http://schemas.openxmlformats.org/presentationml/2006/main">
+  <p:cSld>
+    <p:spTree>
+      <p:nvGrpSpPr>
+        <p:cNvPr id="1" name="">
+          <a:extLst>
+            <a:ext uri="{FF2B5EF4-FFF2-40B4-BE49-F238E27FC236}">
+              <a16:creationId xmlns:a16="http://schemas.microsoft.com/office/drawing/2014/main" id="{4602EE6F-3BDC-2509-A1EA-E23D801EAE24}"/>
+            </a:ext>
+          </a:extLst>
+        </p:cNvPr>
+        <p:cNvGrpSpPr/>
+        <p:nvPr/>
+      </p:nvGrpSpPr>
+      <p:grpSpPr>
+        <a:xfrm>
+          <a:off x="0" y="0"/>
+          <a:ext cx="0" cy="0"/>
+          <a:chOff x="0" y="0"/>
+          <a:chExt cx="0" cy="0"/>
+        </a:xfrm>
+      </p:grpSpPr>
+      <p:sp>
+        <p:nvSpPr>
+          <p:cNvPr id="2" name="Titel 1">
+            <a:extLst>
+              <a:ext uri="{FF2B5EF4-FFF2-40B4-BE49-F238E27FC236}">
+                <a16:creationId xmlns:a16="http://schemas.microsoft.com/office/drawing/2014/main" id="{3A4E0E5C-A8E7-47D2-09CB-60EEE3FD0186}"/>
+              </a:ext>
+            </a:extLst>
+          </p:cNvPr>
+          <p:cNvSpPr>
+            <a:spLocks noGrp="1"/>
+          </p:cNvSpPr>
+          <p:nvPr>
+            <p:ph type="title"/>
+          </p:nvPr>
+        </p:nvSpPr>
+        <p:spPr/>
+        <p:txBody>
+          <a:bodyPr/>
+          <a:lstStyle/>
+          <a:p>
+            <a:r>
+              <a:rPr lang="de-DE" dirty="0"/>
+              <a:t>Ds3 – </a:t>
+            </a:r>
+            <a:r>
+              <a:rPr lang="de-DE" dirty="0" err="1"/>
+              <a:t>VisionTransformer</a:t>
+            </a:r>
+            <a:endParaRPr lang="de-DE" dirty="0"/>
+          </a:p>
+        </p:txBody>
+      </p:sp>
+      <p:sp>
+        <p:nvSpPr>
+          <p:cNvPr id="4" name="Datumsplatzhalter 3">
+            <a:extLst>
+              <a:ext uri="{FF2B5EF4-FFF2-40B4-BE49-F238E27FC236}">
+                <a16:creationId xmlns:a16="http://schemas.microsoft.com/office/drawing/2014/main" id="{F24805D4-38FC-CFE0-79C8-D6A1713F9A0D}"/>
+              </a:ext>
+            </a:extLst>
+          </p:cNvPr>
+          <p:cNvSpPr>
+            <a:spLocks noGrp="1"/>
+          </p:cNvSpPr>
+          <p:nvPr>
+            <p:ph type="dt" sz="half" idx="10"/>
+          </p:nvPr>
+        </p:nvSpPr>
+        <p:spPr/>
+        <p:txBody>
+          <a:bodyPr/>
+          <a:lstStyle/>
+          <a:p>
+            <a:r>
+              <a:rPr lang="de-DE"/>
+              <a:t>Markus Friedrich</a:t>
+            </a:r>
+          </a:p>
+        </p:txBody>
+      </p:sp>
+      <p:sp>
+        <p:nvSpPr>
+          <p:cNvPr id="5" name="Fußzeilenplatzhalter 4">
+            <a:extLst>
+              <a:ext uri="{FF2B5EF4-FFF2-40B4-BE49-F238E27FC236}">
+                <a16:creationId xmlns:a16="http://schemas.microsoft.com/office/drawing/2014/main" id="{33B72D66-125D-05A6-59A7-2DD64E3CD000}"/>
+              </a:ext>
+            </a:extLst>
+          </p:cNvPr>
+          <p:cNvSpPr>
+            <a:spLocks noGrp="1"/>
+          </p:cNvSpPr>
+          <p:nvPr>
+            <p:ph type="ftr" sz="quarter" idx="11"/>
+          </p:nvPr>
+        </p:nvSpPr>
+        <p:spPr/>
+        <p:txBody>
+          <a:bodyPr/>
+          <a:lstStyle/>
+          <a:p>
+            <a:r>
+              <a:rPr lang="de-DE"/>
+              <a:t>Advanced Deep Learning </a:t>
+            </a:r>
+          </a:p>
+        </p:txBody>
+      </p:sp>
+      <p:sp>
+        <p:nvSpPr>
+          <p:cNvPr id="6" name="Foliennummernplatzhalter 5">
+            <a:extLst>
+              <a:ext uri="{FF2B5EF4-FFF2-40B4-BE49-F238E27FC236}">
+                <a16:creationId xmlns:a16="http://schemas.microsoft.com/office/drawing/2014/main" id="{A9ADBC05-A901-699A-ED29-D524CFA2380B}"/>
+              </a:ext>
+            </a:extLst>
+          </p:cNvPr>
+          <p:cNvSpPr>
+            <a:spLocks noGrp="1"/>
+          </p:cNvSpPr>
+          <p:nvPr>
+            <p:ph type="sldNum" sz="quarter" idx="12"/>
+          </p:nvPr>
+        </p:nvSpPr>
+        <p:spPr/>
+        <p:txBody>
+          <a:bodyPr/>
+          <a:lstStyle/>
+          <a:p>
+            <a:fld id="{A13361CF-9A47-4C8C-A01E-566DC0626ACC}" type="slidenum">
+              <a:rPr lang="de-DE" smtClean="0"/>
+              <a:pPr/>
+              <a:t>30</a:t>
+            </a:fld>
+            <a:endParaRPr lang="de-DE"/>
+          </a:p>
+        </p:txBody>
+      </p:sp>
+      <p:pic>
+        <p:nvPicPr>
+          <p:cNvPr id="9" name="Inhaltsplatzhalter 8" descr="Ein Bild, das Farbigkeit, Cartoon, Fraktalkunst, Fisch enthält.&#10;&#10;Automatisch generierte Beschreibung">
+            <a:extLst>
+              <a:ext uri="{FF2B5EF4-FFF2-40B4-BE49-F238E27FC236}">
+                <a16:creationId xmlns:a16="http://schemas.microsoft.com/office/drawing/2014/main" id="{A1E319A6-189B-C4E5-2AFB-B76805127E7B}"/>
+              </a:ext>
+            </a:extLst>
+          </p:cNvPr>
+          <p:cNvPicPr>
+            <a:picLocks noGrp="1" noChangeAspect="1"/>
+          </p:cNvPicPr>
+          <p:nvPr>
+            <p:ph idx="1"/>
+          </p:nvPr>
+        </p:nvPicPr>
+        <p:blipFill>
+          <a:blip r:embed="rId3">
+            <a:extLst>
+              <a:ext uri="{28A0092B-C50C-407E-A947-70E740481C1C}">
+                <a14:useLocalDpi xmlns:a14="http://schemas.microsoft.com/office/drawing/2010/main" val="0"/>
+              </a:ext>
+            </a:extLst>
+          </a:blip>
+          <a:stretch>
+            <a:fillRect/>
+          </a:stretch>
+        </p:blipFill>
+        <p:spPr>
+          <a:xfrm>
+            <a:off x="736600" y="1448886"/>
+            <a:ext cx="2133600" cy="2133600"/>
+          </a:xfrm>
+        </p:spPr>
+      </p:pic>
+      <p:pic>
+        <p:nvPicPr>
+          <p:cNvPr id="12" name="Grafik 11" descr="Ein Bild, das Screenshot, Majorelle Blue, Electric Blue (Farbe), Farbigkeit enthält.&#10;&#10;Automatisch generierte Beschreibung">
+            <a:extLst>
+              <a:ext uri="{FF2B5EF4-FFF2-40B4-BE49-F238E27FC236}">
+                <a16:creationId xmlns:a16="http://schemas.microsoft.com/office/drawing/2014/main" id="{48F0F35A-5434-FB7D-05EE-39A4520190A6}"/>
+              </a:ext>
+            </a:extLst>
+          </p:cNvPr>
+          <p:cNvPicPr>
+            <a:picLocks noChangeAspect="1"/>
+          </p:cNvPicPr>
+          <p:nvPr/>
+        </p:nvPicPr>
+        <p:blipFill>
+          <a:blip r:embed="rId4">
+            <a:extLst>
+              <a:ext uri="{28A0092B-C50C-407E-A947-70E740481C1C}">
+                <a14:useLocalDpi xmlns:a14="http://schemas.microsoft.com/office/drawing/2010/main" val="0"/>
+              </a:ext>
+            </a:extLst>
+          </a:blip>
+          <a:stretch>
+            <a:fillRect/>
+          </a:stretch>
+        </p:blipFill>
+        <p:spPr>
+          <a:xfrm>
+            <a:off x="5520766" y="1448886"/>
+            <a:ext cx="2133600" cy="2133600"/>
+          </a:xfrm>
+          <a:prstGeom prst="rect">
+            <a:avLst/>
+          </a:prstGeom>
+        </p:spPr>
+      </p:pic>
+      <p:pic>
+        <p:nvPicPr>
+          <p:cNvPr id="14" name="Grafik 13" descr="Ein Bild, das Farbigkeit, Fraktalkunst, Screenshot, Grafiken enthält.&#10;&#10;Automatisch generierte Beschreibung">
+            <a:extLst>
+              <a:ext uri="{FF2B5EF4-FFF2-40B4-BE49-F238E27FC236}">
+                <a16:creationId xmlns:a16="http://schemas.microsoft.com/office/drawing/2014/main" id="{221AA7D7-1DF6-1220-24F8-D7E8B125BAD2}"/>
+              </a:ext>
+            </a:extLst>
+          </p:cNvPr>
+          <p:cNvPicPr>
+            <a:picLocks noChangeAspect="1"/>
+          </p:cNvPicPr>
+          <p:nvPr/>
+        </p:nvPicPr>
+        <p:blipFill>
+          <a:blip r:embed="rId5">
+            <a:extLst>
+              <a:ext uri="{28A0092B-C50C-407E-A947-70E740481C1C}">
+                <a14:useLocalDpi xmlns:a14="http://schemas.microsoft.com/office/drawing/2010/main" val="0"/>
+              </a:ext>
+            </a:extLst>
+          </a:blip>
+          <a:stretch>
+            <a:fillRect/>
+          </a:stretch>
+        </p:blipFill>
+        <p:spPr>
+          <a:xfrm>
+            <a:off x="3128683" y="1448886"/>
+            <a:ext cx="2133600" cy="2133600"/>
+          </a:xfrm>
+          <a:prstGeom prst="rect">
+            <a:avLst/>
+          </a:prstGeom>
+        </p:spPr>
+      </p:pic>
+      <p:pic>
+        <p:nvPicPr>
+          <p:cNvPr id="16" name="Grafik 15" descr="Ein Bild, das Screenshot, Electric Blue (Farbe), violett, Farbigkeit enthält.&#10;&#10;Automatisch generierte Beschreibung">
+            <a:extLst>
+              <a:ext uri="{FF2B5EF4-FFF2-40B4-BE49-F238E27FC236}">
+                <a16:creationId xmlns:a16="http://schemas.microsoft.com/office/drawing/2014/main" id="{276DD7E2-846F-E506-7B95-E575B06EC870}"/>
+              </a:ext>
+            </a:extLst>
+          </p:cNvPr>
+          <p:cNvPicPr>
+            <a:picLocks noChangeAspect="1"/>
+          </p:cNvPicPr>
+          <p:nvPr/>
+        </p:nvPicPr>
+        <p:blipFill>
+          <a:blip r:embed="rId6">
+            <a:extLst>
+              <a:ext uri="{28A0092B-C50C-407E-A947-70E740481C1C}">
+                <a14:useLocalDpi xmlns:a14="http://schemas.microsoft.com/office/drawing/2010/main" val="0"/>
+              </a:ext>
+            </a:extLst>
+          </a:blip>
+          <a:stretch>
+            <a:fillRect/>
+          </a:stretch>
+        </p:blipFill>
+        <p:spPr>
+          <a:xfrm>
+            <a:off x="7912849" y="1448886"/>
+            <a:ext cx="2133600" cy="2133600"/>
+          </a:xfrm>
+          <a:prstGeom prst="rect">
+            <a:avLst/>
+          </a:prstGeom>
+        </p:spPr>
+      </p:pic>
+      <p:pic>
+        <p:nvPicPr>
+          <p:cNvPr id="18" name="Grafik 17" descr="Ein Bild, das Farbigkeit, Fraktalkunst, Screenshot, Grafiken enthält.&#10;&#10;Automatisch generierte Beschreibung">
+            <a:extLst>
+              <a:ext uri="{FF2B5EF4-FFF2-40B4-BE49-F238E27FC236}">
+                <a16:creationId xmlns:a16="http://schemas.microsoft.com/office/drawing/2014/main" id="{7D4B8288-0346-469B-70E8-0BAA298314DD}"/>
+              </a:ext>
+            </a:extLst>
+          </p:cNvPr>
+          <p:cNvPicPr>
+            <a:picLocks noChangeAspect="1"/>
+          </p:cNvPicPr>
+          <p:nvPr/>
+        </p:nvPicPr>
+        <p:blipFill>
+          <a:blip r:embed="rId7">
+            <a:extLst>
+              <a:ext uri="{28A0092B-C50C-407E-A947-70E740481C1C}">
+                <a14:useLocalDpi xmlns:a14="http://schemas.microsoft.com/office/drawing/2010/main" val="0"/>
+              </a:ext>
+            </a:extLst>
+          </a:blip>
+          <a:stretch>
+            <a:fillRect/>
+          </a:stretch>
+        </p:blipFill>
+        <p:spPr>
+          <a:xfrm>
+            <a:off x="736600" y="3802648"/>
+            <a:ext cx="2133600" cy="2133600"/>
+          </a:xfrm>
+          <a:prstGeom prst="rect">
+            <a:avLst/>
+          </a:prstGeom>
+        </p:spPr>
+      </p:pic>
+    </p:spTree>
+    <p:extLst>
+      <p:ext uri="{BB962C8B-B14F-4D97-AF65-F5344CB8AC3E}">
+        <p14:creationId xmlns:p14="http://schemas.microsoft.com/office/powerpoint/2010/main" val="4154390492"/>
+      </p:ext>
+    </p:extLst>
+  </p:cSld>
+  <p:clrMapOvr>
+    <a:masterClrMapping/>
+  </p:clrMapOvr>
+</p:sld>
+</file>
+
+<file path=ppt/slides/slide31.xml><?xml version="1.0" encoding="utf-8"?>
+<p:sld xmlns:a="http://schemas.openxmlformats.org/drawingml/2006/main" xmlns:r="http://schemas.openxmlformats.org/officeDocument/2006/relationships" xmlns:p="http://schemas.openxmlformats.org/presentationml/2006/main">
+  <p:cSld>
+    <p:spTree>
+      <p:nvGrpSpPr>
+        <p:cNvPr id="1" name="">
+          <a:extLst>
+            <a:ext uri="{FF2B5EF4-FFF2-40B4-BE49-F238E27FC236}">
+              <a16:creationId xmlns:a16="http://schemas.microsoft.com/office/drawing/2014/main" id="{35669913-AE1F-590C-A7CD-94746E87F36B}"/>
+            </a:ext>
+          </a:extLst>
+        </p:cNvPr>
+        <p:cNvGrpSpPr/>
+        <p:nvPr/>
+      </p:nvGrpSpPr>
+      <p:grpSpPr>
+        <a:xfrm>
+          <a:off x="0" y="0"/>
+          <a:ext cx="0" cy="0"/>
+          <a:chOff x="0" y="0"/>
+          <a:chExt cx="0" cy="0"/>
+        </a:xfrm>
+      </p:grpSpPr>
+      <p:sp>
+        <p:nvSpPr>
+          <p:cNvPr id="2" name="Bildplatzhalter 1">
+            <a:extLst>
+              <a:ext uri="{FF2B5EF4-FFF2-40B4-BE49-F238E27FC236}">
+                <a16:creationId xmlns:a16="http://schemas.microsoft.com/office/drawing/2014/main" id="{AE244E23-32FC-1441-C8D6-AD99C1EC0AF3}"/>
+              </a:ext>
+            </a:extLst>
+          </p:cNvPr>
+          <p:cNvSpPr>
+            <a:spLocks noGrp="1"/>
+          </p:cNvSpPr>
+          <p:nvPr>
+            <p:ph type="pic" sz="quarter" idx="15"/>
+          </p:nvPr>
+        </p:nvSpPr>
+        <p:spPr/>
+        <p:txBody>
+          <a:bodyPr/>
+          <a:lstStyle/>
+          <a:p>
+            <a:endParaRPr lang="de-DE"/>
+          </a:p>
+        </p:txBody>
+      </p:sp>
+      <p:sp>
+        <p:nvSpPr>
+          <p:cNvPr id="3" name="Textplatzhalter 2">
+            <a:extLst>
+              <a:ext uri="{FF2B5EF4-FFF2-40B4-BE49-F238E27FC236}">
+                <a16:creationId xmlns:a16="http://schemas.microsoft.com/office/drawing/2014/main" id="{1D845D88-6BC9-A1ED-6536-D2E1C04F653E}"/>
+              </a:ext>
+            </a:extLst>
+          </p:cNvPr>
+          <p:cNvSpPr>
+            <a:spLocks noGrp="1"/>
+          </p:cNvSpPr>
+          <p:nvPr>
+            <p:ph type="body" sz="quarter" idx="16"/>
+          </p:nvPr>
+        </p:nvSpPr>
+        <p:spPr/>
+        <p:txBody>
+          <a:bodyPr/>
+          <a:lstStyle/>
+          <a:p>
+            <a:endParaRPr lang="de-DE"/>
+          </a:p>
+        </p:txBody>
+      </p:sp>
+      <p:sp>
+        <p:nvSpPr>
+          <p:cNvPr id="4" name="Datumsplatzhalter 3">
+            <a:extLst>
+              <a:ext uri="{FF2B5EF4-FFF2-40B4-BE49-F238E27FC236}">
+                <a16:creationId xmlns:a16="http://schemas.microsoft.com/office/drawing/2014/main" id="{1917C6C0-5ECE-7A93-2BE8-144341E702C6}"/>
+              </a:ext>
+            </a:extLst>
+          </p:cNvPr>
+          <p:cNvSpPr>
+            <a:spLocks noGrp="1"/>
+          </p:cNvSpPr>
+          <p:nvPr>
+            <p:ph type="dt" sz="half" idx="10"/>
+          </p:nvPr>
+        </p:nvSpPr>
+        <p:spPr/>
+        <p:txBody>
+          <a:bodyPr/>
+          <a:lstStyle/>
+          <a:p>
+            <a:r>
+              <a:rPr lang="de-DE" dirty="0"/>
+              <a:t>Anna Reiter, Chiara Perocco</a:t>
+            </a:r>
+          </a:p>
+        </p:txBody>
+      </p:sp>
+      <p:sp>
+        <p:nvSpPr>
+          <p:cNvPr id="5" name="Fußzeilenplatzhalter 4">
+            <a:extLst>
+              <a:ext uri="{FF2B5EF4-FFF2-40B4-BE49-F238E27FC236}">
+                <a16:creationId xmlns:a16="http://schemas.microsoft.com/office/drawing/2014/main" id="{F1447FDE-2D6F-7217-286C-71AB364A3AD1}"/>
+              </a:ext>
+            </a:extLst>
+          </p:cNvPr>
+          <p:cNvSpPr>
+            <a:spLocks noGrp="1"/>
+          </p:cNvSpPr>
+          <p:nvPr>
+            <p:ph type="ftr" sz="quarter" idx="11"/>
+          </p:nvPr>
+        </p:nvSpPr>
+        <p:spPr/>
+        <p:txBody>
+          <a:bodyPr/>
+          <a:lstStyle/>
+          <a:p>
+            <a:r>
+              <a:rPr lang="de-DE"/>
+              <a:t>Advanced Deep Learning </a:t>
+            </a:r>
+            <a:endParaRPr lang="de-DE" dirty="0"/>
+          </a:p>
+        </p:txBody>
+      </p:sp>
+      <p:sp>
+        <p:nvSpPr>
+          <p:cNvPr id="6" name="Foliennummernplatzhalter 5">
+            <a:extLst>
+              <a:ext uri="{FF2B5EF4-FFF2-40B4-BE49-F238E27FC236}">
+                <a16:creationId xmlns:a16="http://schemas.microsoft.com/office/drawing/2014/main" id="{8FD164F7-008E-C240-AF90-1AD82622C2A1}"/>
+              </a:ext>
+            </a:extLst>
+          </p:cNvPr>
+          <p:cNvSpPr>
+            <a:spLocks noGrp="1"/>
+          </p:cNvSpPr>
+          <p:nvPr>
+            <p:ph type="sldNum" sz="quarter" idx="12"/>
+          </p:nvPr>
+        </p:nvSpPr>
+        <p:spPr/>
+        <p:txBody>
+          <a:bodyPr/>
+          <a:lstStyle/>
+          <a:p>
+            <a:fld id="{A13361CF-9A47-4C8C-A01E-566DC0626ACC}" type="slidenum">
+              <a:rPr lang="de-DE" smtClean="0"/>
+              <a:t>31</a:t>
+            </a:fld>
+            <a:endParaRPr lang="de-DE"/>
+          </a:p>
+        </p:txBody>
+      </p:sp>
+      <p:sp>
+        <p:nvSpPr>
+          <p:cNvPr id="7" name="Textplatzhalter 6">
+            <a:extLst>
+              <a:ext uri="{FF2B5EF4-FFF2-40B4-BE49-F238E27FC236}">
+                <a16:creationId xmlns:a16="http://schemas.microsoft.com/office/drawing/2014/main" id="{F8D8339B-8CB7-091E-DB8C-96BB472C24E7}"/>
+              </a:ext>
+            </a:extLst>
+          </p:cNvPr>
+          <p:cNvSpPr>
+            <a:spLocks noGrp="1"/>
+          </p:cNvSpPr>
+          <p:nvPr>
+            <p:ph type="body" sz="quarter" idx="14"/>
+          </p:nvPr>
+        </p:nvSpPr>
+        <p:spPr/>
+        <p:txBody>
+          <a:bodyPr/>
+          <a:lstStyle/>
+          <a:p>
+            <a:endParaRPr lang="de-DE"/>
+          </a:p>
+        </p:txBody>
+      </p:sp>
+      <p:sp>
+        <p:nvSpPr>
+          <p:cNvPr id="8" name="Titel 7">
+            <a:extLst>
+              <a:ext uri="{FF2B5EF4-FFF2-40B4-BE49-F238E27FC236}">
+                <a16:creationId xmlns:a16="http://schemas.microsoft.com/office/drawing/2014/main" id="{C6BE9DBC-BB3B-F0FD-B24C-2A7F9EC13E90}"/>
+              </a:ext>
+            </a:extLst>
+          </p:cNvPr>
+          <p:cNvSpPr>
+            <a:spLocks noGrp="1"/>
+          </p:cNvSpPr>
+          <p:nvPr>
+            <p:ph type="title"/>
+          </p:nvPr>
+        </p:nvSpPr>
+        <p:spPr/>
+        <p:txBody>
+          <a:bodyPr/>
+          <a:lstStyle/>
+          <a:p>
+            <a:r>
+              <a:rPr lang="de-DE" dirty="0"/>
+              <a:t>Outlook</a:t>
+            </a:r>
+          </a:p>
+        </p:txBody>
+      </p:sp>
+    </p:spTree>
+    <p:extLst>
+      <p:ext uri="{BB962C8B-B14F-4D97-AF65-F5344CB8AC3E}">
+        <p14:creationId xmlns:p14="http://schemas.microsoft.com/office/powerpoint/2010/main" val="4142548322"/>
+      </p:ext>
+    </p:extLst>
+  </p:cSld>
+  <p:clrMapOvr>
+    <a:masterClrMapping/>
+  </p:clrMapOvr>
+</p:sld>
+</file>
+
+<file path=ppt/slides/slide32.xml><?xml version="1.0" encoding="utf-8"?>
+<p:sld xmlns:a="http://schemas.openxmlformats.org/drawingml/2006/main" xmlns:r="http://schemas.openxmlformats.org/officeDocument/2006/relationships" xmlns:p="http://schemas.openxmlformats.org/presentationml/2006/main">
+  <p:cSld>
+    <p:spTree>
+      <p:nvGrpSpPr>
+        <p:cNvPr id="1" name="">
+          <a:extLst>
+            <a:ext uri="{FF2B5EF4-FFF2-40B4-BE49-F238E27FC236}">
+              <a16:creationId xmlns:a16="http://schemas.microsoft.com/office/drawing/2014/main" id="{5BD18CE9-9F40-B3A8-703E-7A14262764CF}"/>
+            </a:ext>
+          </a:extLst>
+        </p:cNvPr>
+        <p:cNvGrpSpPr/>
+        <p:nvPr/>
+      </p:nvGrpSpPr>
+      <p:grpSpPr>
+        <a:xfrm>
+          <a:off x="0" y="0"/>
+          <a:ext cx="0" cy="0"/>
+          <a:chOff x="0" y="0"/>
+          <a:chExt cx="0" cy="0"/>
+        </a:xfrm>
+      </p:grpSpPr>
+      <p:sp>
+        <p:nvSpPr>
+          <p:cNvPr id="9" name="Titel 8">
+            <a:extLst>
+              <a:ext uri="{FF2B5EF4-FFF2-40B4-BE49-F238E27FC236}">
+                <a16:creationId xmlns:a16="http://schemas.microsoft.com/office/drawing/2014/main" id="{77756563-0B36-715B-2E80-2A8FDB296C13}"/>
+              </a:ext>
+            </a:extLst>
+          </p:cNvPr>
+          <p:cNvSpPr>
+            <a:spLocks noGrp="1"/>
+          </p:cNvSpPr>
+          <p:nvPr>
+            <p:ph type="title"/>
+          </p:nvPr>
+        </p:nvSpPr>
+        <p:spPr/>
+        <p:txBody>
+          <a:bodyPr/>
+          <a:lstStyle/>
+          <a:p>
+            <a:r>
+              <a:rPr lang="de-DE" dirty="0"/>
+              <a:t>Outlook</a:t>
+            </a:r>
+          </a:p>
+        </p:txBody>
+      </p:sp>
+      <p:sp>
+        <p:nvSpPr>
+          <p:cNvPr id="10" name="Inhaltsplatzhalter 9">
+            <a:extLst>
+              <a:ext uri="{FF2B5EF4-FFF2-40B4-BE49-F238E27FC236}">
+                <a16:creationId xmlns:a16="http://schemas.microsoft.com/office/drawing/2014/main" id="{D0BAAB43-1E20-FCC9-93DD-D591624EA33A}"/>
+              </a:ext>
+            </a:extLst>
+          </p:cNvPr>
+          <p:cNvSpPr>
+            <a:spLocks noGrp="1"/>
+          </p:cNvSpPr>
+          <p:nvPr>
+            <p:ph idx="1"/>
+          </p:nvPr>
+        </p:nvSpPr>
+        <p:spPr/>
+        <p:txBody>
+          <a:bodyPr/>
+          <a:lstStyle/>
+          <a:p>
+            <a:endParaRPr lang="de-DE" dirty="0"/>
+          </a:p>
+        </p:txBody>
+      </p:sp>
+      <p:sp>
+        <p:nvSpPr>
+          <p:cNvPr id="4" name="Datumsplatzhalter 3">
+            <a:extLst>
+              <a:ext uri="{FF2B5EF4-FFF2-40B4-BE49-F238E27FC236}">
+                <a16:creationId xmlns:a16="http://schemas.microsoft.com/office/drawing/2014/main" id="{5BF9F3B1-553A-3F18-91A0-2B8B185E7617}"/>
+              </a:ext>
+            </a:extLst>
+          </p:cNvPr>
+          <p:cNvSpPr>
+            <a:spLocks noGrp="1"/>
+          </p:cNvSpPr>
+          <p:nvPr>
+            <p:ph type="dt" sz="half" idx="10"/>
+          </p:nvPr>
+        </p:nvSpPr>
+        <p:spPr/>
+        <p:txBody>
+          <a:bodyPr/>
+          <a:lstStyle/>
+          <a:p>
+            <a:r>
+              <a:rPr lang="de-DE" dirty="0"/>
+              <a:t>Anna Reiter, Chiara Perocco</a:t>
+            </a:r>
+          </a:p>
+        </p:txBody>
+      </p:sp>
+      <p:sp>
+        <p:nvSpPr>
+          <p:cNvPr id="5" name="Fußzeilenplatzhalter 4">
+            <a:extLst>
+              <a:ext uri="{FF2B5EF4-FFF2-40B4-BE49-F238E27FC236}">
+                <a16:creationId xmlns:a16="http://schemas.microsoft.com/office/drawing/2014/main" id="{86EB82BD-3C7E-E9F1-3274-B7CE43FEDC24}"/>
+              </a:ext>
+            </a:extLst>
+          </p:cNvPr>
+          <p:cNvSpPr>
+            <a:spLocks noGrp="1"/>
+          </p:cNvSpPr>
+          <p:nvPr>
+            <p:ph type="ftr" sz="quarter" idx="11"/>
+          </p:nvPr>
+        </p:nvSpPr>
+        <p:spPr/>
+        <p:txBody>
+          <a:bodyPr/>
+          <a:lstStyle/>
+          <a:p>
+            <a:r>
+              <a:rPr lang="de-DE"/>
+              <a:t>Advanced Deep Learning </a:t>
+            </a:r>
+            <a:endParaRPr lang="de-DE" dirty="0"/>
+          </a:p>
+        </p:txBody>
+      </p:sp>
+      <p:sp>
+        <p:nvSpPr>
+          <p:cNvPr id="6" name="Foliennummernplatzhalter 5">
+            <a:extLst>
+              <a:ext uri="{FF2B5EF4-FFF2-40B4-BE49-F238E27FC236}">
+                <a16:creationId xmlns:a16="http://schemas.microsoft.com/office/drawing/2014/main" id="{C7EE546B-A32A-2B0D-D87A-6EFA77AF0EDC}"/>
+              </a:ext>
+            </a:extLst>
+          </p:cNvPr>
+          <p:cNvSpPr>
+            <a:spLocks noGrp="1"/>
+          </p:cNvSpPr>
+          <p:nvPr>
+            <p:ph type="sldNum" sz="quarter" idx="12"/>
+          </p:nvPr>
+        </p:nvSpPr>
+        <p:spPr/>
+        <p:txBody>
+          <a:bodyPr/>
+          <a:lstStyle/>
+          <a:p>
+            <a:fld id="{A13361CF-9A47-4C8C-A01E-566DC0626ACC}" type="slidenum">
+              <a:rPr lang="de-DE" smtClean="0"/>
+              <a:t>32</a:t>
+            </a:fld>
+            <a:endParaRPr lang="de-DE"/>
+          </a:p>
+        </p:txBody>
+      </p:sp>
+    </p:spTree>
+    <p:extLst>
+      <p:ext uri="{BB962C8B-B14F-4D97-AF65-F5344CB8AC3E}">
+        <p14:creationId xmlns:p14="http://schemas.microsoft.com/office/powerpoint/2010/main" val="1441482819"/>
       </p:ext>
     </p:extLst>
   </p:cSld>
@@ -9358,231 +14339,6 @@
         <p:cNvPr id="1" name="">
           <a:extLst>
             <a:ext uri="{FF2B5EF4-FFF2-40B4-BE49-F238E27FC236}">
-              <a16:creationId xmlns:a16="http://schemas.microsoft.com/office/drawing/2014/main" id="{B424896F-2D4E-62C4-D475-99BEF40A81E6}"/>
-            </a:ext>
-          </a:extLst>
-        </p:cNvPr>
-        <p:cNvGrpSpPr/>
-        <p:nvPr/>
-      </p:nvGrpSpPr>
-      <p:grpSpPr>
-        <a:xfrm>
-          <a:off x="0" y="0"/>
-          <a:ext cx="0" cy="0"/>
-          <a:chOff x="0" y="0"/>
-          <a:chExt cx="0" cy="0"/>
-        </a:xfrm>
-      </p:grpSpPr>
-      <p:sp>
-        <p:nvSpPr>
-          <p:cNvPr id="2" name="Bildplatzhalter 1">
-            <a:extLst>
-              <a:ext uri="{FF2B5EF4-FFF2-40B4-BE49-F238E27FC236}">
-                <a16:creationId xmlns:a16="http://schemas.microsoft.com/office/drawing/2014/main" id="{D7CC91E7-C5BA-CEBE-769B-4B8A6CEB9665}"/>
-              </a:ext>
-            </a:extLst>
-          </p:cNvPr>
-          <p:cNvSpPr>
-            <a:spLocks noGrp="1"/>
-          </p:cNvSpPr>
-          <p:nvPr>
-            <p:ph type="pic" sz="quarter" idx="15"/>
-          </p:nvPr>
-        </p:nvSpPr>
-        <p:spPr/>
-        <p:txBody>
-          <a:bodyPr/>
-          <a:lstStyle/>
-          <a:p>
-            <a:endParaRPr lang="de-DE"/>
-          </a:p>
-        </p:txBody>
-      </p:sp>
-      <p:sp>
-        <p:nvSpPr>
-          <p:cNvPr id="3" name="Textplatzhalter 2">
-            <a:extLst>
-              <a:ext uri="{FF2B5EF4-FFF2-40B4-BE49-F238E27FC236}">
-                <a16:creationId xmlns:a16="http://schemas.microsoft.com/office/drawing/2014/main" id="{A2DB0689-6AED-83EE-5A7A-B4C85492926E}"/>
-              </a:ext>
-            </a:extLst>
-          </p:cNvPr>
-          <p:cNvSpPr>
-            <a:spLocks noGrp="1"/>
-          </p:cNvSpPr>
-          <p:nvPr>
-            <p:ph type="body" sz="quarter" idx="16"/>
-          </p:nvPr>
-        </p:nvSpPr>
-        <p:spPr/>
-        <p:txBody>
-          <a:bodyPr/>
-          <a:lstStyle/>
-          <a:p>
-            <a:endParaRPr lang="de-DE"/>
-          </a:p>
-        </p:txBody>
-      </p:sp>
-      <p:sp>
-        <p:nvSpPr>
-          <p:cNvPr id="4" name="Datumsplatzhalter 3">
-            <a:extLst>
-              <a:ext uri="{FF2B5EF4-FFF2-40B4-BE49-F238E27FC236}">
-                <a16:creationId xmlns:a16="http://schemas.microsoft.com/office/drawing/2014/main" id="{7F9F02F6-AD88-6DEB-6C49-7AD0B5DA901F}"/>
-              </a:ext>
-            </a:extLst>
-          </p:cNvPr>
-          <p:cNvSpPr>
-            <a:spLocks noGrp="1"/>
-          </p:cNvSpPr>
-          <p:nvPr>
-            <p:ph type="dt" sz="half" idx="10"/>
-          </p:nvPr>
-        </p:nvSpPr>
-        <p:spPr/>
-        <p:txBody>
-          <a:bodyPr/>
-          <a:lstStyle/>
-          <a:p>
-            <a:r>
-              <a:rPr lang="de-DE" dirty="0"/>
-              <a:t>Anna Reiter, Chiara Perocco</a:t>
-            </a:r>
-          </a:p>
-        </p:txBody>
-      </p:sp>
-      <p:sp>
-        <p:nvSpPr>
-          <p:cNvPr id="5" name="Fußzeilenplatzhalter 4">
-            <a:extLst>
-              <a:ext uri="{FF2B5EF4-FFF2-40B4-BE49-F238E27FC236}">
-                <a16:creationId xmlns:a16="http://schemas.microsoft.com/office/drawing/2014/main" id="{59FE6865-D938-929B-5F7F-B4B4C45CF7F3}"/>
-              </a:ext>
-            </a:extLst>
-          </p:cNvPr>
-          <p:cNvSpPr>
-            <a:spLocks noGrp="1"/>
-          </p:cNvSpPr>
-          <p:nvPr>
-            <p:ph type="ftr" sz="quarter" idx="11"/>
-          </p:nvPr>
-        </p:nvSpPr>
-        <p:spPr/>
-        <p:txBody>
-          <a:bodyPr/>
-          <a:lstStyle/>
-          <a:p>
-            <a:r>
-              <a:rPr lang="de-DE"/>
-              <a:t>Advanced Deep Learning </a:t>
-            </a:r>
-            <a:endParaRPr lang="de-DE" dirty="0"/>
-          </a:p>
-        </p:txBody>
-      </p:sp>
-      <p:sp>
-        <p:nvSpPr>
-          <p:cNvPr id="6" name="Foliennummernplatzhalter 5">
-            <a:extLst>
-              <a:ext uri="{FF2B5EF4-FFF2-40B4-BE49-F238E27FC236}">
-                <a16:creationId xmlns:a16="http://schemas.microsoft.com/office/drawing/2014/main" id="{8986B7D0-9EE0-F667-4A73-BBEBB394A58E}"/>
-              </a:ext>
-            </a:extLst>
-          </p:cNvPr>
-          <p:cNvSpPr>
-            <a:spLocks noGrp="1"/>
-          </p:cNvSpPr>
-          <p:nvPr>
-            <p:ph type="sldNum" sz="quarter" idx="12"/>
-          </p:nvPr>
-        </p:nvSpPr>
-        <p:spPr/>
-        <p:txBody>
-          <a:bodyPr/>
-          <a:lstStyle/>
-          <a:p>
-            <a:fld id="{A13361CF-9A47-4C8C-A01E-566DC0626ACC}" type="slidenum">
-              <a:rPr lang="de-DE" smtClean="0"/>
-              <a:t>8</a:t>
-            </a:fld>
-            <a:endParaRPr lang="de-DE"/>
-          </a:p>
-        </p:txBody>
-      </p:sp>
-      <p:sp>
-        <p:nvSpPr>
-          <p:cNvPr id="7" name="Textplatzhalter 6">
-            <a:extLst>
-              <a:ext uri="{FF2B5EF4-FFF2-40B4-BE49-F238E27FC236}">
-                <a16:creationId xmlns:a16="http://schemas.microsoft.com/office/drawing/2014/main" id="{D99DBB1C-1F55-4411-84DA-EC3A66749BD2}"/>
-              </a:ext>
-            </a:extLst>
-          </p:cNvPr>
-          <p:cNvSpPr>
-            <a:spLocks noGrp="1"/>
-          </p:cNvSpPr>
-          <p:nvPr>
-            <p:ph type="body" sz="quarter" idx="14"/>
-          </p:nvPr>
-        </p:nvSpPr>
-        <p:spPr/>
-        <p:txBody>
-          <a:bodyPr/>
-          <a:lstStyle/>
-          <a:p>
-            <a:endParaRPr lang="de-DE"/>
-          </a:p>
-        </p:txBody>
-      </p:sp>
-      <p:sp>
-        <p:nvSpPr>
-          <p:cNvPr id="8" name="Titel 7">
-            <a:extLst>
-              <a:ext uri="{FF2B5EF4-FFF2-40B4-BE49-F238E27FC236}">
-                <a16:creationId xmlns:a16="http://schemas.microsoft.com/office/drawing/2014/main" id="{FF3B6658-B062-D8FA-DF8F-04C207E59FC9}"/>
-              </a:ext>
-            </a:extLst>
-          </p:cNvPr>
-          <p:cNvSpPr>
-            <a:spLocks noGrp="1"/>
-          </p:cNvSpPr>
-          <p:nvPr>
-            <p:ph type="title"/>
-          </p:nvPr>
-        </p:nvSpPr>
-        <p:spPr/>
-        <p:txBody>
-          <a:bodyPr/>
-          <a:lstStyle/>
-          <a:p>
-            <a:r>
-              <a:rPr lang="de-DE" dirty="0"/>
-              <a:t>Modules</a:t>
-            </a:r>
-          </a:p>
-        </p:txBody>
-      </p:sp>
-    </p:spTree>
-    <p:extLst>
-      <p:ext uri="{BB962C8B-B14F-4D97-AF65-F5344CB8AC3E}">
-        <p14:creationId xmlns:p14="http://schemas.microsoft.com/office/powerpoint/2010/main" val="207348648"/>
-      </p:ext>
-    </p:extLst>
-  </p:cSld>
-  <p:clrMapOvr>
-    <a:masterClrMapping/>
-  </p:clrMapOvr>
-</p:sld>
-</file>
-
-<file path=ppt/slides/slide9.xml><?xml version="1.0" encoding="utf-8"?>
-<p:sld xmlns:a="http://schemas.openxmlformats.org/drawingml/2006/main" xmlns:r="http://schemas.openxmlformats.org/officeDocument/2006/relationships" xmlns:p="http://schemas.openxmlformats.org/presentationml/2006/main">
-  <p:cSld>
-    <p:spTree>
-      <p:nvGrpSpPr>
-        <p:cNvPr id="1" name="">
-          <a:extLst>
-            <a:ext uri="{FF2B5EF4-FFF2-40B4-BE49-F238E27FC236}">
               <a16:creationId xmlns:a16="http://schemas.microsoft.com/office/drawing/2014/main" id="{274B0B70-FD98-B926-01DF-5FE551726C66}"/>
             </a:ext>
           </a:extLst>
@@ -9728,7 +14484,7 @@
           <a:p>
             <a:fld id="{A13361CF-9A47-4C8C-A01E-566DC0626ACC}" type="slidenum">
               <a:rPr lang="de-DE" smtClean="0"/>
-              <a:t>9</a:t>
+              <a:t>8</a:t>
             </a:fld>
             <a:endParaRPr lang="de-DE"/>
           </a:p>
@@ -9800,6 +14556,315 @@
     <p:extLst>
       <p:ext uri="{BB962C8B-B14F-4D97-AF65-F5344CB8AC3E}">
         <p14:creationId xmlns:p14="http://schemas.microsoft.com/office/powerpoint/2010/main" val="83678234"/>
+      </p:ext>
+    </p:extLst>
+  </p:cSld>
+  <p:clrMapOvr>
+    <a:masterClrMapping/>
+  </p:clrMapOvr>
+</p:sld>
+</file>
+
+<file path=ppt/slides/slide9.xml><?xml version="1.0" encoding="utf-8"?>
+<p:sld xmlns:a="http://schemas.openxmlformats.org/drawingml/2006/main" xmlns:r="http://schemas.openxmlformats.org/officeDocument/2006/relationships" xmlns:p="http://schemas.openxmlformats.org/presentationml/2006/main">
+  <p:cSld>
+    <p:spTree>
+      <p:nvGrpSpPr>
+        <p:cNvPr id="1" name=""/>
+        <p:cNvGrpSpPr/>
+        <p:nvPr/>
+      </p:nvGrpSpPr>
+      <p:grpSpPr>
+        <a:xfrm>
+          <a:off x="0" y="0"/>
+          <a:ext cx="0" cy="0"/>
+          <a:chOff x="0" y="0"/>
+          <a:chExt cx="0" cy="0"/>
+        </a:xfrm>
+      </p:grpSpPr>
+      <p:sp>
+        <p:nvSpPr>
+          <p:cNvPr id="9" name="Titel 8">
+            <a:extLst>
+              <a:ext uri="{FF2B5EF4-FFF2-40B4-BE49-F238E27FC236}">
+                <a16:creationId xmlns:a16="http://schemas.microsoft.com/office/drawing/2014/main" id="{268F133F-4C9A-7707-B34D-766AFFAB1857}"/>
+              </a:ext>
+            </a:extLst>
+          </p:cNvPr>
+          <p:cNvSpPr>
+            <a:spLocks noGrp="1"/>
+          </p:cNvSpPr>
+          <p:nvPr>
+            <p:ph type="title"/>
+          </p:nvPr>
+        </p:nvSpPr>
+        <p:spPr/>
+        <p:txBody>
+          <a:bodyPr/>
+          <a:lstStyle/>
+          <a:p>
+            <a:r>
+              <a:rPr lang="de-DE" dirty="0" err="1"/>
+              <a:t>Object</a:t>
+            </a:r>
+            <a:r>
+              <a:rPr lang="de-DE" dirty="0"/>
+              <a:t> </a:t>
+            </a:r>
+            <a:r>
+              <a:rPr lang="de-DE" dirty="0" err="1"/>
+              <a:t>Detector</a:t>
+            </a:r>
+            <a:endParaRPr lang="de-DE" dirty="0"/>
+          </a:p>
+        </p:txBody>
+      </p:sp>
+      <p:sp>
+        <p:nvSpPr>
+          <p:cNvPr id="10" name="Inhaltsplatzhalter 9">
+            <a:extLst>
+              <a:ext uri="{FF2B5EF4-FFF2-40B4-BE49-F238E27FC236}">
+                <a16:creationId xmlns:a16="http://schemas.microsoft.com/office/drawing/2014/main" id="{B094D90E-236B-B3CB-FD5E-EAB07D3098B9}"/>
+              </a:ext>
+            </a:extLst>
+          </p:cNvPr>
+          <p:cNvSpPr>
+            <a:spLocks noGrp="1"/>
+          </p:cNvSpPr>
+          <p:nvPr>
+            <p:ph idx="1"/>
+          </p:nvPr>
+        </p:nvSpPr>
+        <p:spPr/>
+        <p:txBody>
+          <a:bodyPr/>
+          <a:lstStyle/>
+          <a:p>
+            <a:r>
+              <a:rPr lang="de-DE" dirty="0"/>
+              <a:t>Laptop </a:t>
+            </a:r>
+            <a:r>
+              <a:rPr lang="de-DE" dirty="0" err="1"/>
+              <a:t>camera</a:t>
+            </a:r>
+            <a:endParaRPr lang="de-DE" dirty="0"/>
+          </a:p>
+          <a:p>
+            <a:r>
+              <a:rPr lang="de-DE" dirty="0" err="1"/>
+              <a:t>Opencv-python</a:t>
+            </a:r>
+            <a:endParaRPr lang="de-DE" dirty="0"/>
+          </a:p>
+          <a:p>
+            <a:r>
+              <a:rPr lang="de-DE" dirty="0"/>
+              <a:t>Takes a </a:t>
+            </a:r>
+            <a:r>
+              <a:rPr lang="de-DE" dirty="0" err="1"/>
+              <a:t>photo</a:t>
+            </a:r>
+            <a:r>
+              <a:rPr lang="de-DE" dirty="0"/>
+              <a:t> </a:t>
+            </a:r>
+            <a:r>
+              <a:rPr lang="de-DE" dirty="0" err="1"/>
+              <a:t>by</a:t>
+            </a:r>
+            <a:r>
+              <a:rPr lang="de-DE" dirty="0"/>
+              <a:t> </a:t>
+            </a:r>
+            <a:r>
+              <a:rPr lang="de-DE" dirty="0" err="1"/>
+              <a:t>triggering</a:t>
+            </a:r>
+            <a:r>
+              <a:rPr lang="de-DE" dirty="0"/>
+              <a:t> </a:t>
+            </a:r>
+            <a:r>
+              <a:rPr lang="de-DE" dirty="0" err="1"/>
+              <a:t>the</a:t>
+            </a:r>
+            <a:r>
+              <a:rPr lang="de-DE" dirty="0"/>
+              <a:t> „y“ (</a:t>
+            </a:r>
+            <a:r>
+              <a:rPr lang="de-DE" dirty="0" err="1"/>
+              <a:t>yes</a:t>
+            </a:r>
+            <a:r>
+              <a:rPr lang="de-DE" dirty="0"/>
+              <a:t>) on </a:t>
+            </a:r>
+            <a:r>
+              <a:rPr lang="de-DE" dirty="0" err="1"/>
+              <a:t>keyboard</a:t>
+            </a:r>
+            <a:endParaRPr lang="de-DE" dirty="0"/>
+          </a:p>
+          <a:p>
+            <a:r>
+              <a:rPr lang="de-DE" dirty="0"/>
+              <a:t>Takes </a:t>
+            </a:r>
+            <a:r>
+              <a:rPr lang="de-DE" dirty="0" err="1"/>
+              <a:t>no</a:t>
+            </a:r>
+            <a:r>
+              <a:rPr lang="de-DE" dirty="0"/>
+              <a:t> </a:t>
+            </a:r>
+            <a:r>
+              <a:rPr lang="de-DE" dirty="0" err="1"/>
+              <a:t>photo</a:t>
+            </a:r>
+            <a:r>
+              <a:rPr lang="de-DE" dirty="0"/>
+              <a:t> </a:t>
+            </a:r>
+            <a:r>
+              <a:rPr lang="de-DE" dirty="0" err="1"/>
+              <a:t>by</a:t>
+            </a:r>
+            <a:r>
+              <a:rPr lang="de-DE" dirty="0"/>
+              <a:t> </a:t>
+            </a:r>
+            <a:r>
+              <a:rPr lang="de-DE" dirty="0" err="1"/>
+              <a:t>triggering</a:t>
+            </a:r>
+            <a:r>
+              <a:rPr lang="de-DE" dirty="0"/>
+              <a:t> </a:t>
+            </a:r>
+            <a:r>
+              <a:rPr lang="de-DE" dirty="0" err="1"/>
+              <a:t>the</a:t>
+            </a:r>
+            <a:r>
+              <a:rPr lang="de-DE" dirty="0"/>
+              <a:t> „n“ (</a:t>
+            </a:r>
+            <a:r>
+              <a:rPr lang="de-DE" dirty="0" err="1"/>
+              <a:t>no</a:t>
+            </a:r>
+            <a:r>
+              <a:rPr lang="de-DE" dirty="0"/>
+              <a:t>) on </a:t>
+            </a:r>
+            <a:r>
+              <a:rPr lang="de-DE" dirty="0" err="1"/>
+              <a:t>keyboard</a:t>
+            </a:r>
+            <a:endParaRPr lang="de-DE" dirty="0"/>
+          </a:p>
+          <a:p>
+            <a:pPr marL="0" indent="0">
+              <a:buNone/>
+            </a:pPr>
+            <a:endParaRPr lang="de-DE" dirty="0"/>
+          </a:p>
+        </p:txBody>
+      </p:sp>
+      <p:sp>
+        <p:nvSpPr>
+          <p:cNvPr id="4" name="Datumsplatzhalter 3">
+            <a:extLst>
+              <a:ext uri="{FF2B5EF4-FFF2-40B4-BE49-F238E27FC236}">
+                <a16:creationId xmlns:a16="http://schemas.microsoft.com/office/drawing/2014/main" id="{361C50BC-9D54-6364-B64A-0681C9C40C87}"/>
+              </a:ext>
+            </a:extLst>
+          </p:cNvPr>
+          <p:cNvSpPr>
+            <a:spLocks noGrp="1"/>
+          </p:cNvSpPr>
+          <p:nvPr>
+            <p:ph type="dt" sz="half" idx="10"/>
+          </p:nvPr>
+        </p:nvSpPr>
+        <p:spPr/>
+        <p:txBody>
+          <a:bodyPr/>
+          <a:lstStyle/>
+          <a:p>
+            <a:r>
+              <a:rPr lang="de-DE" dirty="0"/>
+              <a:t>Anna Reiter, Chiara Perocco</a:t>
+            </a:r>
+          </a:p>
+        </p:txBody>
+      </p:sp>
+      <p:sp>
+        <p:nvSpPr>
+          <p:cNvPr id="5" name="Fußzeilenplatzhalter 4">
+            <a:extLst>
+              <a:ext uri="{FF2B5EF4-FFF2-40B4-BE49-F238E27FC236}">
+                <a16:creationId xmlns:a16="http://schemas.microsoft.com/office/drawing/2014/main" id="{B6C9F80D-11E7-C39D-F223-050B7FF75A29}"/>
+              </a:ext>
+            </a:extLst>
+          </p:cNvPr>
+          <p:cNvSpPr>
+            <a:spLocks noGrp="1"/>
+          </p:cNvSpPr>
+          <p:nvPr>
+            <p:ph type="ftr" sz="quarter" idx="11"/>
+          </p:nvPr>
+        </p:nvSpPr>
+        <p:spPr/>
+        <p:txBody>
+          <a:bodyPr/>
+          <a:lstStyle/>
+          <a:p>
+            <a:r>
+              <a:rPr lang="de-DE"/>
+              <a:t>Advanced Deep Learning </a:t>
+            </a:r>
+            <a:endParaRPr lang="de-DE" dirty="0"/>
+          </a:p>
+        </p:txBody>
+      </p:sp>
+      <p:sp>
+        <p:nvSpPr>
+          <p:cNvPr id="6" name="Foliennummernplatzhalter 5">
+            <a:extLst>
+              <a:ext uri="{FF2B5EF4-FFF2-40B4-BE49-F238E27FC236}">
+                <a16:creationId xmlns:a16="http://schemas.microsoft.com/office/drawing/2014/main" id="{E0FA3F44-66B9-48AA-BE5A-73CE10608016}"/>
+              </a:ext>
+            </a:extLst>
+          </p:cNvPr>
+          <p:cNvSpPr>
+            <a:spLocks noGrp="1"/>
+          </p:cNvSpPr>
+          <p:nvPr>
+            <p:ph type="sldNum" sz="quarter" idx="12"/>
+          </p:nvPr>
+        </p:nvSpPr>
+        <p:spPr/>
+        <p:txBody>
+          <a:bodyPr/>
+          <a:lstStyle/>
+          <a:p>
+            <a:fld id="{A13361CF-9A47-4C8C-A01E-566DC0626ACC}" type="slidenum">
+              <a:rPr lang="de-DE" smtClean="0"/>
+              <a:t>9</a:t>
+            </a:fld>
+            <a:endParaRPr lang="de-DE"/>
+          </a:p>
+        </p:txBody>
+      </p:sp>
+    </p:spTree>
+    <p:extLst>
+      <p:ext uri="{BB962C8B-B14F-4D97-AF65-F5344CB8AC3E}">
+        <p14:creationId xmlns:p14="http://schemas.microsoft.com/office/powerpoint/2010/main" val="3874882628"/>
       </p:ext>
     </p:extLst>
   </p:cSld>

--- a/pres.pptx
+++ b/pres.pptx
@@ -5,10 +5,10 @@
     <p:sldMasterId id="2147483648" r:id="rId1"/>
   </p:sldMasterIdLst>
   <p:notesMasterIdLst>
-    <p:notesMasterId r:id="rId34"/>
+    <p:notesMasterId r:id="rId37"/>
   </p:notesMasterIdLst>
   <p:handoutMasterIdLst>
-    <p:handoutMasterId r:id="rId35"/>
+    <p:handoutMasterId r:id="rId38"/>
   </p:handoutMasterIdLst>
   <p:sldIdLst>
     <p:sldId id="256" r:id="rId2"/>
@@ -35,14 +35,17 @@
     <p:sldId id="288" r:id="rId23"/>
     <p:sldId id="289" r:id="rId24"/>
     <p:sldId id="290" r:id="rId25"/>
-    <p:sldId id="291" r:id="rId26"/>
-    <p:sldId id="292" r:id="rId27"/>
-    <p:sldId id="293" r:id="rId28"/>
-    <p:sldId id="294" r:id="rId29"/>
-    <p:sldId id="295" r:id="rId30"/>
-    <p:sldId id="296" r:id="rId31"/>
-    <p:sldId id="280" r:id="rId32"/>
-    <p:sldId id="279" r:id="rId33"/>
+    <p:sldId id="292" r:id="rId26"/>
+    <p:sldId id="293" r:id="rId27"/>
+    <p:sldId id="294" r:id="rId28"/>
+    <p:sldId id="297" r:id="rId29"/>
+    <p:sldId id="298" r:id="rId30"/>
+    <p:sldId id="299" r:id="rId31"/>
+    <p:sldId id="295" r:id="rId32"/>
+    <p:sldId id="296" r:id="rId33"/>
+    <p:sldId id="280" r:id="rId34"/>
+    <p:sldId id="300" r:id="rId35"/>
+    <p:sldId id="279" r:id="rId36"/>
   </p:sldIdLst>
   <p:sldSz cx="12192000" cy="6858000"/>
   <p:notesSz cx="6858000" cy="9144000"/>
@@ -755,7 +758,7 @@
           <a:p>
             <a:fld id="{4A2621F5-529A-4D54-A085-69F194259C1B}" type="slidenum">
               <a:rPr lang="de-DE" smtClean="0"/>
-              <a:t>30</a:t>
+              <a:t>32</a:t>
             </a:fld>
             <a:endParaRPr lang="de-DE"/>
           </a:p>
@@ -6841,7 +6844,7 @@
           <a:p>
             <a:r>
               <a:rPr lang="de-DE" dirty="0"/>
-              <a:t>Definition Ds1, Ds2, Ds3</a:t>
+              <a:t>Definition Ds1, Ds2</a:t>
             </a:r>
           </a:p>
         </p:txBody>
@@ -6865,7 +6868,7 @@
         <p:spPr>
           <a:xfrm>
             <a:off x="180242" y="1462509"/>
-            <a:ext cx="3346729" cy="4665127"/>
+            <a:ext cx="5555396" cy="4665127"/>
           </a:xfrm>
         </p:spPr>
         <p:txBody>
@@ -7000,6 +7003,48 @@
               <a:rPr lang="de-DE" sz="1800" dirty="0"/>
               <a:t> n = 4)</a:t>
             </a:r>
+          </a:p>
+          <a:p>
+            <a:pPr marL="0" indent="0">
+              <a:buNone/>
+            </a:pPr>
+            <a:endParaRPr lang="de-DE" sz="1800" dirty="0"/>
+          </a:p>
+          <a:p>
+            <a:pPr marL="0" indent="0">
+              <a:buNone/>
+            </a:pPr>
+            <a:r>
+              <a:rPr lang="de-DE" sz="1800" dirty="0"/>
+              <a:t>Hyperparameter </a:t>
+            </a:r>
+            <a:r>
+              <a:rPr lang="de-DE" sz="1800" dirty="0" err="1"/>
+              <a:t>tuning</a:t>
+            </a:r>
+            <a:r>
+              <a:rPr lang="de-DE" sz="1800" dirty="0"/>
+              <a:t> </a:t>
+            </a:r>
+            <a:r>
+              <a:rPr lang="de-DE" sz="1800" dirty="0" err="1"/>
+              <a:t>with</a:t>
+            </a:r>
+            <a:r>
+              <a:rPr lang="de-DE" sz="1800" dirty="0"/>
+              <a:t> </a:t>
+            </a:r>
+            <a:r>
+              <a:rPr lang="de-DE" sz="1800" dirty="0" err="1"/>
+              <a:t>opruna</a:t>
+            </a:r>
+            <a:endParaRPr lang="de-DE" sz="1800" dirty="0"/>
+          </a:p>
+          <a:p>
+            <a:pPr marL="0" indent="0">
+              <a:buNone/>
+            </a:pPr>
+            <a:endParaRPr lang="de-DE" sz="1800" dirty="0"/>
           </a:p>
           <a:p>
             <a:pPr marL="0" indent="0">
@@ -7121,10 +7166,10 @@
       </p:sp>
       <p:sp>
         <p:nvSpPr>
-          <p:cNvPr id="3" name="Inhaltsplatzhalter 9">
-            <a:extLst>
-              <a:ext uri="{FF2B5EF4-FFF2-40B4-BE49-F238E27FC236}">
-                <a16:creationId xmlns:a16="http://schemas.microsoft.com/office/drawing/2014/main" id="{75503E3B-1A8C-8A2E-E617-76313E741437}"/>
+          <p:cNvPr id="7" name="Inhaltsplatzhalter 9">
+            <a:extLst>
+              <a:ext uri="{FF2B5EF4-FFF2-40B4-BE49-F238E27FC236}">
+                <a16:creationId xmlns:a16="http://schemas.microsoft.com/office/drawing/2014/main" id="{991F47F8-1EF2-DA77-8AC2-BE1F28A22029}"/>
               </a:ext>
             </a:extLst>
           </p:cNvPr>
@@ -7135,8 +7180,8 @@
         </p:nvSpPr>
         <p:spPr>
           <a:xfrm>
-            <a:off x="4083332" y="1448884"/>
-            <a:ext cx="3711855" cy="4665127"/>
+            <a:off x="6096001" y="1448885"/>
+            <a:ext cx="5724524" cy="4665127"/>
           </a:xfrm>
           <a:prstGeom prst="rect">
             <a:avLst/>
@@ -7340,452 +7385,6 @@
               <a:buFont typeface="Arial" panose="020B0604020202020204" pitchFamily="34" charset="0"/>
               <a:buNone/>
             </a:pPr>
-            <a:endParaRPr lang="de-DE" b="1" dirty="0"/>
-          </a:p>
-          <a:p>
-            <a:pPr marL="0" indent="0">
-              <a:buFont typeface="Arial" panose="020B0604020202020204" pitchFamily="34" charset="0"/>
-              <a:buNone/>
-            </a:pPr>
-            <a:r>
-              <a:rPr lang="de-DE" sz="1800" dirty="0"/>
-              <a:t>Adjustment </a:t>
-            </a:r>
-            <a:r>
-              <a:rPr lang="de-DE" sz="1800" dirty="0" err="1"/>
-              <a:t>of</a:t>
-            </a:r>
-            <a:r>
-              <a:rPr lang="de-DE" sz="1800" dirty="0"/>
-              <a:t> ds1 </a:t>
-            </a:r>
-            <a:r>
-              <a:rPr lang="de-DE" sz="1800" dirty="0" err="1"/>
-              <a:t>with</a:t>
-            </a:r>
-            <a:r>
-              <a:rPr lang="de-DE" sz="1800" dirty="0"/>
-              <a:t> </a:t>
-            </a:r>
-            <a:r>
-              <a:rPr lang="de-DE" sz="1800" dirty="0" err="1"/>
-              <a:t>mediapipe</a:t>
-            </a:r>
-            <a:r>
-              <a:rPr lang="de-DE" sz="1800" dirty="0"/>
-              <a:t>; 600 </a:t>
-            </a:r>
-            <a:r>
-              <a:rPr lang="de-DE" sz="1800" dirty="0" err="1"/>
-              <a:t>images</a:t>
-            </a:r>
-            <a:r>
-              <a:rPr lang="de-DE" sz="1800" dirty="0"/>
-              <a:t> per </a:t>
-            </a:r>
-            <a:r>
-              <a:rPr lang="de-DE" sz="1800" dirty="0" err="1"/>
-              <a:t>class</a:t>
-            </a:r>
-            <a:r>
-              <a:rPr lang="de-DE" sz="1800" dirty="0"/>
-              <a:t> (80% </a:t>
-            </a:r>
-            <a:r>
-              <a:rPr lang="de-DE" sz="1800" dirty="0" err="1"/>
-              <a:t>train</a:t>
-            </a:r>
-            <a:r>
-              <a:rPr lang="de-DE" sz="1800" dirty="0"/>
-              <a:t>, 10% </a:t>
-            </a:r>
-            <a:r>
-              <a:rPr lang="de-DE" sz="1800" dirty="0" err="1"/>
-              <a:t>val</a:t>
-            </a:r>
-            <a:r>
-              <a:rPr lang="de-DE" sz="1800" dirty="0"/>
-              <a:t>, 10% </a:t>
-            </a:r>
-            <a:r>
-              <a:rPr lang="de-DE" sz="1800" dirty="0" err="1"/>
-              <a:t>test</a:t>
-            </a:r>
-            <a:r>
-              <a:rPr lang="de-DE" sz="1800" dirty="0"/>
-              <a:t>)</a:t>
-            </a:r>
-          </a:p>
-          <a:p>
-            <a:pPr marL="0" indent="0">
-              <a:buFont typeface="Arial" panose="020B0604020202020204" pitchFamily="34" charset="0"/>
-              <a:buNone/>
-            </a:pPr>
-            <a:endParaRPr lang="de-DE" sz="1800" dirty="0"/>
-          </a:p>
-          <a:p>
-            <a:pPr marL="457200" indent="-457200">
-              <a:buFont typeface="Arial" panose="020B0604020202020204" pitchFamily="34" charset="0"/>
-              <a:buAutoNum type="arabicPeriod"/>
-            </a:pPr>
-            <a:r>
-              <a:rPr lang="de-DE" sz="1800" dirty="0"/>
-              <a:t>Data </a:t>
-            </a:r>
-            <a:r>
-              <a:rPr lang="de-DE" sz="1800" dirty="0" err="1"/>
-              <a:t>augmentation</a:t>
-            </a:r>
-            <a:r>
-              <a:rPr lang="de-DE" sz="1800" dirty="0"/>
-              <a:t>: horizontal </a:t>
-            </a:r>
-            <a:r>
-              <a:rPr lang="de-DE" sz="1800" dirty="0" err="1"/>
-              <a:t>flip</a:t>
-            </a:r>
-            <a:r>
-              <a:rPr lang="de-DE" sz="1800" dirty="0"/>
-              <a:t>, </a:t>
-            </a:r>
-            <a:r>
-              <a:rPr lang="de-DE" sz="1800" dirty="0" err="1"/>
-              <a:t>crop</a:t>
-            </a:r>
-            <a:r>
-              <a:rPr lang="de-DE" sz="1800" dirty="0"/>
-              <a:t> (</a:t>
-            </a:r>
-            <a:r>
-              <a:rPr lang="de-DE" sz="1800" dirty="0" err="1"/>
-              <a:t>padding</a:t>
-            </a:r>
-            <a:r>
-              <a:rPr lang="de-DE" sz="1800" dirty="0"/>
-              <a:t> n = 4)</a:t>
-            </a:r>
-          </a:p>
-          <a:p>
-            <a:pPr marL="457200" indent="-457200">
-              <a:buFont typeface="Arial" panose="020B0604020202020204" pitchFamily="34" charset="0"/>
-              <a:buAutoNum type="arabicPeriod"/>
-            </a:pPr>
-            <a:r>
-              <a:rPr lang="de-DE" sz="1800" dirty="0"/>
-              <a:t>Data </a:t>
-            </a:r>
-            <a:r>
-              <a:rPr lang="de-DE" sz="1800" dirty="0" err="1"/>
-              <a:t>augmentation</a:t>
-            </a:r>
-            <a:r>
-              <a:rPr lang="de-DE" sz="1800" dirty="0"/>
-              <a:t>: </a:t>
-            </a:r>
-            <a:r>
-              <a:rPr lang="de-DE" sz="1800" dirty="0" err="1"/>
-              <a:t>rotation</a:t>
-            </a:r>
-            <a:r>
-              <a:rPr lang="de-DE" sz="1800" dirty="0"/>
-              <a:t>, </a:t>
-            </a:r>
-            <a:r>
-              <a:rPr lang="de-DE" sz="1800" dirty="0" err="1"/>
-              <a:t>colour</a:t>
-            </a:r>
-            <a:r>
-              <a:rPr lang="de-DE" sz="1800" dirty="0"/>
-              <a:t> </a:t>
-            </a:r>
-            <a:r>
-              <a:rPr lang="de-DE" sz="1800" dirty="0" err="1"/>
-              <a:t>properties</a:t>
-            </a:r>
-            <a:r>
-              <a:rPr lang="de-DE" sz="1800" dirty="0"/>
-              <a:t>, affine </a:t>
-            </a:r>
-            <a:r>
-              <a:rPr lang="de-DE" sz="1800" dirty="0" err="1"/>
-              <a:t>transformations</a:t>
-            </a:r>
-            <a:r>
-              <a:rPr lang="de-DE" sz="1800" dirty="0"/>
-              <a:t>, </a:t>
-            </a:r>
-            <a:r>
-              <a:rPr lang="de-DE" sz="1800" dirty="0" err="1"/>
-              <a:t>grayscale</a:t>
-            </a:r>
-            <a:r>
-              <a:rPr lang="de-DE" sz="1800" dirty="0"/>
-              <a:t> </a:t>
-            </a:r>
-            <a:r>
-              <a:rPr lang="de-DE" sz="1800" dirty="0" err="1"/>
-              <a:t>conversion</a:t>
-            </a:r>
-            <a:endParaRPr lang="de-DE" sz="1800" dirty="0"/>
-          </a:p>
-          <a:p>
-            <a:pPr marL="0" indent="0">
-              <a:buFont typeface="Arial" panose="020B0604020202020204" pitchFamily="34" charset="0"/>
-              <a:buNone/>
-            </a:pPr>
-            <a:endParaRPr lang="de-DE" dirty="0"/>
-          </a:p>
-          <a:p>
-            <a:pPr marL="0" indent="0">
-              <a:buFont typeface="Arial" panose="020B0604020202020204" pitchFamily="34" charset="0"/>
-              <a:buNone/>
-            </a:pPr>
-            <a:endParaRPr lang="de-DE" dirty="0"/>
-          </a:p>
-          <a:p>
-            <a:pPr marL="0" indent="0">
-              <a:buFont typeface="Arial" panose="020B0604020202020204" pitchFamily="34" charset="0"/>
-              <a:buNone/>
-            </a:pPr>
-            <a:endParaRPr lang="de-DE" dirty="0"/>
-          </a:p>
-          <a:p>
-            <a:pPr marL="0" indent="0">
-              <a:buFont typeface="Arial" panose="020B0604020202020204" pitchFamily="34" charset="0"/>
-              <a:buNone/>
-            </a:pPr>
-            <a:endParaRPr lang="de-DE" dirty="0"/>
-          </a:p>
-          <a:p>
-            <a:pPr marL="0" indent="0">
-              <a:buFont typeface="Arial" panose="020B0604020202020204" pitchFamily="34" charset="0"/>
-              <a:buNone/>
-            </a:pPr>
-            <a:endParaRPr lang="de-DE" dirty="0"/>
-          </a:p>
-        </p:txBody>
-      </p:sp>
-      <p:sp>
-        <p:nvSpPr>
-          <p:cNvPr id="7" name="Inhaltsplatzhalter 9">
-            <a:extLst>
-              <a:ext uri="{FF2B5EF4-FFF2-40B4-BE49-F238E27FC236}">
-                <a16:creationId xmlns:a16="http://schemas.microsoft.com/office/drawing/2014/main" id="{991F47F8-1EF2-DA77-8AC2-BE1F28A22029}"/>
-              </a:ext>
-            </a:extLst>
-          </p:cNvPr>
-          <p:cNvSpPr txBox="1">
-            <a:spLocks/>
-          </p:cNvSpPr>
-          <p:nvPr/>
-        </p:nvSpPr>
-        <p:spPr>
-          <a:xfrm>
-            <a:off x="8108669" y="1448885"/>
-            <a:ext cx="3711855" cy="4665127"/>
-          </a:xfrm>
-          <a:prstGeom prst="rect">
-            <a:avLst/>
-          </a:prstGeom>
-        </p:spPr>
-        <p:txBody>
-          <a:bodyPr vert="horz" lIns="0" tIns="0" rIns="0" bIns="0" rtlCol="0" anchor="t" anchorCtr="0">
-            <a:noAutofit/>
-          </a:bodyPr>
-          <a:lstStyle>
-            <a:lvl1pPr marL="180975" indent="-180975" algn="l" defTabSz="914400" rtl="0" eaLnBrk="1" latinLnBrk="0" hangingPunct="1">
-              <a:lnSpc>
-                <a:spcPct val="110000"/>
-              </a:lnSpc>
-              <a:spcBef>
-                <a:spcPts val="0"/>
-              </a:spcBef>
-              <a:spcAft>
-                <a:spcPts val="800"/>
-              </a:spcAft>
-              <a:buFont typeface="Arial" panose="020B0604020202020204" pitchFamily="34" charset="0"/>
-              <a:buChar char="•"/>
-              <a:defRPr sz="2000" kern="1200">
-                <a:solidFill>
-                  <a:schemeClr val="tx1"/>
-                </a:solidFill>
-                <a:latin typeface="+mn-lt"/>
-                <a:ea typeface="+mn-ea"/>
-                <a:cs typeface="+mn-cs"/>
-              </a:defRPr>
-            </a:lvl1pPr>
-            <a:lvl2pPr marL="447675" indent="-266700" algn="l" defTabSz="914400" rtl="0" eaLnBrk="1" latinLnBrk="0" hangingPunct="1">
-              <a:lnSpc>
-                <a:spcPct val="110000"/>
-              </a:lnSpc>
-              <a:spcBef>
-                <a:spcPts val="0"/>
-              </a:spcBef>
-              <a:spcAft>
-                <a:spcPts val="800"/>
-              </a:spcAft>
-              <a:buFont typeface="Arial" panose="020B0604020202020204" pitchFamily="34" charset="0"/>
-              <a:buChar char="‒"/>
-              <a:defRPr sz="2000" kern="1200">
-                <a:solidFill>
-                  <a:schemeClr val="tx1"/>
-                </a:solidFill>
-                <a:latin typeface="+mn-lt"/>
-                <a:ea typeface="+mn-ea"/>
-                <a:cs typeface="+mn-cs"/>
-              </a:defRPr>
-            </a:lvl2pPr>
-            <a:lvl3pPr marL="717550" indent="-269875" algn="l" defTabSz="914400" rtl="0" eaLnBrk="1" latinLnBrk="0" hangingPunct="1">
-              <a:lnSpc>
-                <a:spcPct val="110000"/>
-              </a:lnSpc>
-              <a:spcBef>
-                <a:spcPts val="0"/>
-              </a:spcBef>
-              <a:spcAft>
-                <a:spcPts val="800"/>
-              </a:spcAft>
-              <a:buFont typeface="Arial" panose="020B0604020202020204" pitchFamily="34" charset="0"/>
-              <a:buChar char="‒"/>
-              <a:defRPr sz="2000" kern="1200">
-                <a:solidFill>
-                  <a:schemeClr val="tx1"/>
-                </a:solidFill>
-                <a:latin typeface="+mn-lt"/>
-                <a:ea typeface="+mn-ea"/>
-                <a:cs typeface="+mn-cs"/>
-              </a:defRPr>
-            </a:lvl3pPr>
-            <a:lvl4pPr marL="989013" indent="-271463" algn="l" defTabSz="914400" rtl="0" eaLnBrk="1" latinLnBrk="0" hangingPunct="1">
-              <a:lnSpc>
-                <a:spcPct val="110000"/>
-              </a:lnSpc>
-              <a:spcBef>
-                <a:spcPts val="0"/>
-              </a:spcBef>
-              <a:spcAft>
-                <a:spcPts val="800"/>
-              </a:spcAft>
-              <a:buFont typeface="Arial" panose="020B0604020202020204" pitchFamily="34" charset="0"/>
-              <a:buChar char="‒"/>
-              <a:defRPr sz="2000" kern="1200">
-                <a:solidFill>
-                  <a:schemeClr val="tx1"/>
-                </a:solidFill>
-                <a:latin typeface="+mn-lt"/>
-                <a:ea typeface="+mn-ea"/>
-                <a:cs typeface="+mn-cs"/>
-              </a:defRPr>
-            </a:lvl4pPr>
-            <a:lvl5pPr marL="1252538" indent="-263525" algn="l" defTabSz="914400" rtl="0" eaLnBrk="1" latinLnBrk="0" hangingPunct="1">
-              <a:lnSpc>
-                <a:spcPct val="110000"/>
-              </a:lnSpc>
-              <a:spcBef>
-                <a:spcPts val="0"/>
-              </a:spcBef>
-              <a:spcAft>
-                <a:spcPts val="800"/>
-              </a:spcAft>
-              <a:buFont typeface="Arial" panose="020B0604020202020204" pitchFamily="34" charset="0"/>
-              <a:buChar char="‒"/>
-              <a:defRPr sz="2000" kern="1200">
-                <a:solidFill>
-                  <a:schemeClr val="tx1"/>
-                </a:solidFill>
-                <a:latin typeface="+mn-lt"/>
-                <a:ea typeface="+mn-ea"/>
-                <a:cs typeface="+mn-cs"/>
-              </a:defRPr>
-            </a:lvl5pPr>
-            <a:lvl6pPr marL="2514600" indent="-228600" algn="l" defTabSz="914400" rtl="0" eaLnBrk="1" latinLnBrk="0" hangingPunct="1">
-              <a:lnSpc>
-                <a:spcPct val="90000"/>
-              </a:lnSpc>
-              <a:spcBef>
-                <a:spcPts val="500"/>
-              </a:spcBef>
-              <a:buFont typeface="Arial" panose="020B0604020202020204" pitchFamily="34" charset="0"/>
-              <a:buChar char="•"/>
-              <a:defRPr sz="1800" kern="1200">
-                <a:solidFill>
-                  <a:schemeClr val="tx1"/>
-                </a:solidFill>
-                <a:latin typeface="+mn-lt"/>
-                <a:ea typeface="+mn-ea"/>
-                <a:cs typeface="+mn-cs"/>
-              </a:defRPr>
-            </a:lvl6pPr>
-            <a:lvl7pPr marL="2971800" indent="-228600" algn="l" defTabSz="914400" rtl="0" eaLnBrk="1" latinLnBrk="0" hangingPunct="1">
-              <a:lnSpc>
-                <a:spcPct val="90000"/>
-              </a:lnSpc>
-              <a:spcBef>
-                <a:spcPts val="500"/>
-              </a:spcBef>
-              <a:buFont typeface="Arial" panose="020B0604020202020204" pitchFamily="34" charset="0"/>
-              <a:buChar char="•"/>
-              <a:defRPr sz="1800" kern="1200">
-                <a:solidFill>
-                  <a:schemeClr val="tx1"/>
-                </a:solidFill>
-                <a:latin typeface="+mn-lt"/>
-                <a:ea typeface="+mn-ea"/>
-                <a:cs typeface="+mn-cs"/>
-              </a:defRPr>
-            </a:lvl7pPr>
-            <a:lvl8pPr marL="3429000" indent="-228600" algn="l" defTabSz="914400" rtl="0" eaLnBrk="1" latinLnBrk="0" hangingPunct="1">
-              <a:lnSpc>
-                <a:spcPct val="90000"/>
-              </a:lnSpc>
-              <a:spcBef>
-                <a:spcPts val="500"/>
-              </a:spcBef>
-              <a:buFont typeface="Arial" panose="020B0604020202020204" pitchFamily="34" charset="0"/>
-              <a:buChar char="•"/>
-              <a:defRPr sz="1800" kern="1200">
-                <a:solidFill>
-                  <a:schemeClr val="tx1"/>
-                </a:solidFill>
-                <a:latin typeface="+mn-lt"/>
-                <a:ea typeface="+mn-ea"/>
-                <a:cs typeface="+mn-cs"/>
-              </a:defRPr>
-            </a:lvl8pPr>
-            <a:lvl9pPr marL="3886200" indent="-228600" algn="l" defTabSz="914400" rtl="0" eaLnBrk="1" latinLnBrk="0" hangingPunct="1">
-              <a:lnSpc>
-                <a:spcPct val="90000"/>
-              </a:lnSpc>
-              <a:spcBef>
-                <a:spcPts val="500"/>
-              </a:spcBef>
-              <a:buFont typeface="Arial" panose="020B0604020202020204" pitchFamily="34" charset="0"/>
-              <a:buChar char="•"/>
-              <a:defRPr sz="1800" kern="1200">
-                <a:solidFill>
-                  <a:schemeClr val="tx1"/>
-                </a:solidFill>
-                <a:latin typeface="+mn-lt"/>
-                <a:ea typeface="+mn-ea"/>
-                <a:cs typeface="+mn-cs"/>
-              </a:defRPr>
-            </a:lvl9pPr>
-          </a:lstStyle>
-          <a:p>
-            <a:pPr marL="0" indent="0" algn="ctr">
-              <a:buFont typeface="Arial" panose="020B0604020202020204" pitchFamily="34" charset="0"/>
-              <a:buNone/>
-            </a:pPr>
-            <a:r>
-              <a:rPr lang="de-DE" sz="2400" b="1" dirty="0"/>
-              <a:t>Ds3</a:t>
-            </a:r>
-          </a:p>
-          <a:p>
-            <a:pPr marL="0" indent="0">
-              <a:buFont typeface="Arial" panose="020B0604020202020204" pitchFamily="34" charset="0"/>
-              <a:buNone/>
-            </a:pPr>
             <a:endParaRPr lang="de-DE" sz="1800" b="1" dirty="0"/>
           </a:p>
           <a:p>
@@ -11016,186 +10615,6 @@
         <p:cNvPr id="1" name="">
           <a:extLst>
             <a:ext uri="{FF2B5EF4-FFF2-40B4-BE49-F238E27FC236}">
-              <a16:creationId xmlns:a16="http://schemas.microsoft.com/office/drawing/2014/main" id="{11D9CD35-38E4-904B-6916-43E0E5C135FE}"/>
-            </a:ext>
-          </a:extLst>
-        </p:cNvPr>
-        <p:cNvGrpSpPr/>
-        <p:nvPr/>
-      </p:nvGrpSpPr>
-      <p:grpSpPr>
-        <a:xfrm>
-          <a:off x="0" y="0"/>
-          <a:ext cx="0" cy="0"/>
-          <a:chOff x="0" y="0"/>
-          <a:chExt cx="0" cy="0"/>
-        </a:xfrm>
-      </p:grpSpPr>
-      <p:sp>
-        <p:nvSpPr>
-          <p:cNvPr id="2" name="Titel 1">
-            <a:extLst>
-              <a:ext uri="{FF2B5EF4-FFF2-40B4-BE49-F238E27FC236}">
-                <a16:creationId xmlns:a16="http://schemas.microsoft.com/office/drawing/2014/main" id="{57E44222-8CEE-8058-E9F5-A665183776BB}"/>
-              </a:ext>
-            </a:extLst>
-          </p:cNvPr>
-          <p:cNvSpPr>
-            <a:spLocks noGrp="1"/>
-          </p:cNvSpPr>
-          <p:nvPr>
-            <p:ph type="title"/>
-          </p:nvPr>
-        </p:nvSpPr>
-        <p:spPr/>
-        <p:txBody>
-          <a:bodyPr/>
-          <a:lstStyle/>
-          <a:p>
-            <a:r>
-              <a:rPr lang="de-DE" dirty="0"/>
-              <a:t>Ds2 – </a:t>
-            </a:r>
-            <a:r>
-              <a:rPr lang="de-DE" dirty="0" err="1"/>
-              <a:t>AlexNet</a:t>
-            </a:r>
-            <a:endParaRPr lang="de-DE" dirty="0"/>
-          </a:p>
-        </p:txBody>
-      </p:sp>
-      <p:sp>
-        <p:nvSpPr>
-          <p:cNvPr id="3" name="Inhaltsplatzhalter 2">
-            <a:extLst>
-              <a:ext uri="{FF2B5EF4-FFF2-40B4-BE49-F238E27FC236}">
-                <a16:creationId xmlns:a16="http://schemas.microsoft.com/office/drawing/2014/main" id="{25623F67-408B-A64B-AB43-5D9859AA3956}"/>
-              </a:ext>
-            </a:extLst>
-          </p:cNvPr>
-          <p:cNvSpPr>
-            <a:spLocks noGrp="1"/>
-          </p:cNvSpPr>
-          <p:nvPr>
-            <p:ph idx="1"/>
-          </p:nvPr>
-        </p:nvSpPr>
-        <p:spPr/>
-        <p:txBody>
-          <a:bodyPr/>
-          <a:lstStyle/>
-          <a:p>
-            <a:endParaRPr lang="de-DE" dirty="0"/>
-          </a:p>
-        </p:txBody>
-      </p:sp>
-      <p:sp>
-        <p:nvSpPr>
-          <p:cNvPr id="4" name="Datumsplatzhalter 3">
-            <a:extLst>
-              <a:ext uri="{FF2B5EF4-FFF2-40B4-BE49-F238E27FC236}">
-                <a16:creationId xmlns:a16="http://schemas.microsoft.com/office/drawing/2014/main" id="{6F20EC81-033E-1262-F7BA-7B14030FBC9A}"/>
-              </a:ext>
-            </a:extLst>
-          </p:cNvPr>
-          <p:cNvSpPr>
-            <a:spLocks noGrp="1"/>
-          </p:cNvSpPr>
-          <p:nvPr>
-            <p:ph type="dt" sz="half" idx="10"/>
-          </p:nvPr>
-        </p:nvSpPr>
-        <p:spPr/>
-        <p:txBody>
-          <a:bodyPr/>
-          <a:lstStyle/>
-          <a:p>
-            <a:r>
-              <a:rPr lang="de-DE"/>
-              <a:t>Markus Friedrich</a:t>
-            </a:r>
-          </a:p>
-        </p:txBody>
-      </p:sp>
-      <p:sp>
-        <p:nvSpPr>
-          <p:cNvPr id="5" name="Fußzeilenplatzhalter 4">
-            <a:extLst>
-              <a:ext uri="{FF2B5EF4-FFF2-40B4-BE49-F238E27FC236}">
-                <a16:creationId xmlns:a16="http://schemas.microsoft.com/office/drawing/2014/main" id="{E9DBD030-AAF4-8523-F927-F84DC4B9CE95}"/>
-              </a:ext>
-            </a:extLst>
-          </p:cNvPr>
-          <p:cNvSpPr>
-            <a:spLocks noGrp="1"/>
-          </p:cNvSpPr>
-          <p:nvPr>
-            <p:ph type="ftr" sz="quarter" idx="11"/>
-          </p:nvPr>
-        </p:nvSpPr>
-        <p:spPr/>
-        <p:txBody>
-          <a:bodyPr/>
-          <a:lstStyle/>
-          <a:p>
-            <a:r>
-              <a:rPr lang="de-DE"/>
-              <a:t>Advanced Deep Learning </a:t>
-            </a:r>
-          </a:p>
-        </p:txBody>
-      </p:sp>
-      <p:sp>
-        <p:nvSpPr>
-          <p:cNvPr id="6" name="Foliennummernplatzhalter 5">
-            <a:extLst>
-              <a:ext uri="{FF2B5EF4-FFF2-40B4-BE49-F238E27FC236}">
-                <a16:creationId xmlns:a16="http://schemas.microsoft.com/office/drawing/2014/main" id="{80FAF80B-712D-938D-5F7F-55FC8D7CE902}"/>
-              </a:ext>
-            </a:extLst>
-          </p:cNvPr>
-          <p:cNvSpPr>
-            <a:spLocks noGrp="1"/>
-          </p:cNvSpPr>
-          <p:nvPr>
-            <p:ph type="sldNum" sz="quarter" idx="12"/>
-          </p:nvPr>
-        </p:nvSpPr>
-        <p:spPr/>
-        <p:txBody>
-          <a:bodyPr/>
-          <a:lstStyle/>
-          <a:p>
-            <a:fld id="{A13361CF-9A47-4C8C-A01E-566DC0626ACC}" type="slidenum">
-              <a:rPr lang="de-DE" smtClean="0"/>
-              <a:pPr/>
-              <a:t>25</a:t>
-            </a:fld>
-            <a:endParaRPr lang="de-DE"/>
-          </a:p>
-        </p:txBody>
-      </p:sp>
-    </p:spTree>
-    <p:extLst>
-      <p:ext uri="{BB962C8B-B14F-4D97-AF65-F5344CB8AC3E}">
-        <p14:creationId xmlns:p14="http://schemas.microsoft.com/office/powerpoint/2010/main" val="3323082438"/>
-      </p:ext>
-    </p:extLst>
-  </p:cSld>
-  <p:clrMapOvr>
-    <a:masterClrMapping/>
-  </p:clrMapOvr>
-</p:sld>
-</file>
-
-<file path=ppt/slides/slide26.xml><?xml version="1.0" encoding="utf-8"?>
-<p:sld xmlns:a="http://schemas.openxmlformats.org/drawingml/2006/main" xmlns:r="http://schemas.openxmlformats.org/officeDocument/2006/relationships" xmlns:p="http://schemas.openxmlformats.org/presentationml/2006/main">
-  <p:cSld>
-    <p:spTree>
-      <p:nvGrpSpPr>
-        <p:cNvPr id="1" name="">
-          <a:extLst>
-            <a:ext uri="{FF2B5EF4-FFF2-40B4-BE49-F238E27FC236}">
               <a16:creationId xmlns:a16="http://schemas.microsoft.com/office/drawing/2014/main" id="{AE9639EF-B144-6002-6841-996E3F411B0C}"/>
             </a:ext>
           </a:extLst>
@@ -11234,7 +10653,7 @@
           <a:p>
             <a:r>
               <a:rPr lang="de-DE" dirty="0"/>
-              <a:t>Ds3 – </a:t>
+              <a:t>Ds2 – </a:t>
             </a:r>
             <a:r>
               <a:rPr lang="de-DE" dirty="0" err="1"/>
@@ -11244,127 +10663,147 @@
           </a:p>
         </p:txBody>
       </p:sp>
+      <p:sp>
+        <p:nvSpPr>
+          <p:cNvPr id="4" name="Datumsplatzhalter 3">
+            <a:extLst>
+              <a:ext uri="{FF2B5EF4-FFF2-40B4-BE49-F238E27FC236}">
+                <a16:creationId xmlns:a16="http://schemas.microsoft.com/office/drawing/2014/main" id="{5075E28F-930E-1408-0DE6-4EE124305848}"/>
+              </a:ext>
+            </a:extLst>
+          </p:cNvPr>
+          <p:cNvSpPr>
+            <a:spLocks noGrp="1"/>
+          </p:cNvSpPr>
+          <p:nvPr>
+            <p:ph type="dt" sz="half" idx="10"/>
+          </p:nvPr>
+        </p:nvSpPr>
+        <p:spPr/>
+        <p:txBody>
+          <a:bodyPr/>
+          <a:lstStyle/>
+          <a:p>
+            <a:r>
+              <a:rPr lang="de-DE"/>
+              <a:t>Markus Friedrich</a:t>
+            </a:r>
+          </a:p>
+        </p:txBody>
+      </p:sp>
+      <p:sp>
+        <p:nvSpPr>
+          <p:cNvPr id="5" name="Fußzeilenplatzhalter 4">
+            <a:extLst>
+              <a:ext uri="{FF2B5EF4-FFF2-40B4-BE49-F238E27FC236}">
+                <a16:creationId xmlns:a16="http://schemas.microsoft.com/office/drawing/2014/main" id="{B638066C-85D4-65D8-2B27-94D577F26C80}"/>
+              </a:ext>
+            </a:extLst>
+          </p:cNvPr>
+          <p:cNvSpPr>
+            <a:spLocks noGrp="1"/>
+          </p:cNvSpPr>
+          <p:nvPr>
+            <p:ph type="ftr" sz="quarter" idx="11"/>
+          </p:nvPr>
+        </p:nvSpPr>
+        <p:spPr/>
+        <p:txBody>
+          <a:bodyPr/>
+          <a:lstStyle/>
+          <a:p>
+            <a:r>
+              <a:rPr lang="de-DE"/>
+              <a:t>Advanced Deep Learning </a:t>
+            </a:r>
+          </a:p>
+        </p:txBody>
+      </p:sp>
+      <p:sp>
+        <p:nvSpPr>
+          <p:cNvPr id="6" name="Foliennummernplatzhalter 5">
+            <a:extLst>
+              <a:ext uri="{FF2B5EF4-FFF2-40B4-BE49-F238E27FC236}">
+                <a16:creationId xmlns:a16="http://schemas.microsoft.com/office/drawing/2014/main" id="{1CFDB8F5-3374-E6FB-9E0A-EEC82E781506}"/>
+              </a:ext>
+            </a:extLst>
+          </p:cNvPr>
+          <p:cNvSpPr>
+            <a:spLocks noGrp="1"/>
+          </p:cNvSpPr>
+          <p:nvPr>
+            <p:ph type="sldNum" sz="quarter" idx="12"/>
+          </p:nvPr>
+        </p:nvSpPr>
+        <p:spPr/>
+        <p:txBody>
+          <a:bodyPr/>
+          <a:lstStyle/>
+          <a:p>
+            <a:fld id="{A13361CF-9A47-4C8C-A01E-566DC0626ACC}" type="slidenum">
+              <a:rPr lang="de-DE" smtClean="0"/>
+              <a:pPr/>
+              <a:t>25</a:t>
+            </a:fld>
+            <a:endParaRPr lang="de-DE"/>
+          </a:p>
+        </p:txBody>
+      </p:sp>
+      <p:sp>
+        <p:nvSpPr>
+          <p:cNvPr id="7" name="Inhaltsplatzhalter 6">
+            <a:extLst>
+              <a:ext uri="{FF2B5EF4-FFF2-40B4-BE49-F238E27FC236}">
+                <a16:creationId xmlns:a16="http://schemas.microsoft.com/office/drawing/2014/main" id="{02FDBB67-460C-7C6D-9FFF-005B245DFA09}"/>
+              </a:ext>
+            </a:extLst>
+          </p:cNvPr>
+          <p:cNvSpPr>
+            <a:spLocks noGrp="1"/>
+          </p:cNvSpPr>
+          <p:nvPr>
+            <p:ph idx="1"/>
+          </p:nvPr>
+        </p:nvSpPr>
+        <p:spPr/>
+        <p:txBody>
+          <a:bodyPr/>
+          <a:lstStyle/>
+          <a:p>
+            <a:endParaRPr lang="en-US"/>
+          </a:p>
+        </p:txBody>
+      </p:sp>
       <p:pic>
         <p:nvPicPr>
-          <p:cNvPr id="8" name="Inhaltsplatzhalter 7" descr="Ein Bild, das Screenshot, Reihe, Diagramm enthält.&#10;&#10;Automatisch generierte Beschreibung">
-            <a:extLst>
-              <a:ext uri="{FF2B5EF4-FFF2-40B4-BE49-F238E27FC236}">
-                <a16:creationId xmlns:a16="http://schemas.microsoft.com/office/drawing/2014/main" id="{D9DBC960-2779-978B-75F6-8E3062637D58}"/>
+          <p:cNvPr id="9" name="Grafik 8">
+            <a:extLst>
+              <a:ext uri="{FF2B5EF4-FFF2-40B4-BE49-F238E27FC236}">
+                <a16:creationId xmlns:a16="http://schemas.microsoft.com/office/drawing/2014/main" id="{F44FCA76-216E-D4C2-3DCE-C7DB35B00D49}"/>
               </a:ext>
             </a:extLst>
           </p:cNvPr>
           <p:cNvPicPr>
-            <a:picLocks noGrp="1" noChangeAspect="1"/>
+            <a:picLocks noChangeAspect="1"/>
           </p:cNvPicPr>
-          <p:nvPr>
-            <p:ph idx="1"/>
-          </p:nvPr>
+          <p:nvPr/>
         </p:nvPicPr>
         <p:blipFill>
-          <a:blip r:embed="rId2">
-            <a:extLst>
-              <a:ext uri="{28A0092B-C50C-407E-A947-70E740481C1C}">
-                <a14:useLocalDpi xmlns:a14="http://schemas.microsoft.com/office/drawing/2010/main" val="0"/>
-              </a:ext>
-            </a:extLst>
-          </a:blip>
+          <a:blip r:embed="rId2"/>
           <a:stretch>
             <a:fillRect/>
           </a:stretch>
         </p:blipFill>
         <p:spPr>
           <a:xfrm>
-            <a:off x="804636" y="886665"/>
-            <a:ext cx="10582726" cy="5084669"/>
+            <a:off x="371474" y="1098194"/>
+            <a:ext cx="10693400" cy="5137845"/>
           </a:xfrm>
+          <a:prstGeom prst="rect">
+            <a:avLst/>
+          </a:prstGeom>
         </p:spPr>
       </p:pic>
-      <p:sp>
-        <p:nvSpPr>
-          <p:cNvPr id="4" name="Datumsplatzhalter 3">
-            <a:extLst>
-              <a:ext uri="{FF2B5EF4-FFF2-40B4-BE49-F238E27FC236}">
-                <a16:creationId xmlns:a16="http://schemas.microsoft.com/office/drawing/2014/main" id="{5075E28F-930E-1408-0DE6-4EE124305848}"/>
-              </a:ext>
-            </a:extLst>
-          </p:cNvPr>
-          <p:cNvSpPr>
-            <a:spLocks noGrp="1"/>
-          </p:cNvSpPr>
-          <p:nvPr>
-            <p:ph type="dt" sz="half" idx="10"/>
-          </p:nvPr>
-        </p:nvSpPr>
-        <p:spPr/>
-        <p:txBody>
-          <a:bodyPr/>
-          <a:lstStyle/>
-          <a:p>
-            <a:r>
-              <a:rPr lang="de-DE"/>
-              <a:t>Markus Friedrich</a:t>
-            </a:r>
-          </a:p>
-        </p:txBody>
-      </p:sp>
-      <p:sp>
-        <p:nvSpPr>
-          <p:cNvPr id="5" name="Fußzeilenplatzhalter 4">
-            <a:extLst>
-              <a:ext uri="{FF2B5EF4-FFF2-40B4-BE49-F238E27FC236}">
-                <a16:creationId xmlns:a16="http://schemas.microsoft.com/office/drawing/2014/main" id="{B638066C-85D4-65D8-2B27-94D577F26C80}"/>
-              </a:ext>
-            </a:extLst>
-          </p:cNvPr>
-          <p:cNvSpPr>
-            <a:spLocks noGrp="1"/>
-          </p:cNvSpPr>
-          <p:nvPr>
-            <p:ph type="ftr" sz="quarter" idx="11"/>
-          </p:nvPr>
-        </p:nvSpPr>
-        <p:spPr/>
-        <p:txBody>
-          <a:bodyPr/>
-          <a:lstStyle/>
-          <a:p>
-            <a:r>
-              <a:rPr lang="de-DE"/>
-              <a:t>Advanced Deep Learning </a:t>
-            </a:r>
-          </a:p>
-        </p:txBody>
-      </p:sp>
-      <p:sp>
-        <p:nvSpPr>
-          <p:cNvPr id="6" name="Foliennummernplatzhalter 5">
-            <a:extLst>
-              <a:ext uri="{FF2B5EF4-FFF2-40B4-BE49-F238E27FC236}">
-                <a16:creationId xmlns:a16="http://schemas.microsoft.com/office/drawing/2014/main" id="{1CFDB8F5-3374-E6FB-9E0A-EEC82E781506}"/>
-              </a:ext>
-            </a:extLst>
-          </p:cNvPr>
-          <p:cNvSpPr>
-            <a:spLocks noGrp="1"/>
-          </p:cNvSpPr>
-          <p:nvPr>
-            <p:ph type="sldNum" sz="quarter" idx="12"/>
-          </p:nvPr>
-        </p:nvSpPr>
-        <p:spPr/>
-        <p:txBody>
-          <a:bodyPr/>
-          <a:lstStyle/>
-          <a:p>
-            <a:fld id="{A13361CF-9A47-4C8C-A01E-566DC0626ACC}" type="slidenum">
-              <a:rPr lang="de-DE" smtClean="0"/>
-              <a:pPr/>
-              <a:t>26</a:t>
-            </a:fld>
-            <a:endParaRPr lang="de-DE"/>
-          </a:p>
-        </p:txBody>
-      </p:sp>
     </p:spTree>
     <p:extLst>
       <p:ext uri="{BB962C8B-B14F-4D97-AF65-F5344CB8AC3E}">
@@ -11378,7 +10817,7 @@
 </p:sld>
 </file>
 
-<file path=ppt/slides/slide27.xml><?xml version="1.0" encoding="utf-8"?>
+<file path=ppt/slides/slide26.xml><?xml version="1.0" encoding="utf-8"?>
 <p:sld xmlns:a="http://schemas.openxmlformats.org/drawingml/2006/main" xmlns:r="http://schemas.openxmlformats.org/officeDocument/2006/relationships" xmlns:p="http://schemas.openxmlformats.org/presentationml/2006/main">
   <p:cSld>
     <p:spTree>
@@ -11424,7 +10863,7 @@
           <a:p>
             <a:r>
               <a:rPr lang="de-DE" dirty="0"/>
-              <a:t>Ds3 – </a:t>
+              <a:t>Ds2 – </a:t>
             </a:r>
             <a:r>
               <a:rPr lang="de-DE" dirty="0" err="1"/>
@@ -11514,7 +10953,7 @@
             <a:fld id="{A13361CF-9A47-4C8C-A01E-566DC0626ACC}" type="slidenum">
               <a:rPr lang="de-DE" smtClean="0"/>
               <a:pPr/>
-              <a:t>27</a:t>
+              <a:t>26</a:t>
             </a:fld>
             <a:endParaRPr lang="de-DE"/>
           </a:p>
@@ -11820,7 +11259,7 @@
 </p:sld>
 </file>
 
-<file path=ppt/slides/slide28.xml><?xml version="1.0" encoding="utf-8"?>
+<file path=ppt/slides/slide27.xml><?xml version="1.0" encoding="utf-8"?>
 <p:sld xmlns:a="http://schemas.openxmlformats.org/drawingml/2006/main" xmlns:r="http://schemas.openxmlformats.org/officeDocument/2006/relationships" xmlns:p="http://schemas.openxmlformats.org/presentationml/2006/main">
   <p:cSld>
     <p:spTree>
@@ -11866,7 +11305,7 @@
           <a:p>
             <a:r>
               <a:rPr lang="de-DE" dirty="0"/>
-              <a:t>Ds3 – </a:t>
+              <a:t>Ds2 – </a:t>
             </a:r>
             <a:r>
               <a:rPr lang="de-DE" dirty="0" err="1"/>
@@ -11956,7 +11395,7 @@
             <a:fld id="{A13361CF-9A47-4C8C-A01E-566DC0626ACC}" type="slidenum">
               <a:rPr lang="de-DE" smtClean="0"/>
               <a:pPr/>
-              <a:t>28</a:t>
+              <a:t>27</a:t>
             </a:fld>
             <a:endParaRPr lang="de-DE"/>
           </a:p>
@@ -12036,7 +11475,7 @@
 </p:sld>
 </file>
 
-<file path=ppt/slides/slide29.xml><?xml version="1.0" encoding="utf-8"?>
+<file path=ppt/slides/slide28.xml><?xml version="1.0" encoding="utf-8"?>
 <p:sld xmlns:a="http://schemas.openxmlformats.org/drawingml/2006/main" xmlns:r="http://schemas.openxmlformats.org/officeDocument/2006/relationships" xmlns:p="http://schemas.openxmlformats.org/presentationml/2006/main">
   <p:cSld>
     <p:spTree>
@@ -12044,7 +11483,7 @@
         <p:cNvPr id="1" name="">
           <a:extLst>
             <a:ext uri="{FF2B5EF4-FFF2-40B4-BE49-F238E27FC236}">
-              <a16:creationId xmlns:a16="http://schemas.microsoft.com/office/drawing/2014/main" id="{37D08DDA-CF37-1B3B-EA4A-469090667A83}"/>
+              <a16:creationId xmlns:a16="http://schemas.microsoft.com/office/drawing/2014/main" id="{D9B883A7-1632-5906-1594-ADBE61A10C8A}"/>
             </a:ext>
           </a:extLst>
         </p:cNvPr>
@@ -12064,7 +11503,7 @@
           <p:cNvPr id="2" name="Titel 1">
             <a:extLst>
               <a:ext uri="{FF2B5EF4-FFF2-40B4-BE49-F238E27FC236}">
-                <a16:creationId xmlns:a16="http://schemas.microsoft.com/office/drawing/2014/main" id="{9A681973-D393-0E75-CBAC-FF46DA66C9DC}"/>
+                <a16:creationId xmlns:a16="http://schemas.microsoft.com/office/drawing/2014/main" id="{07263924-41CA-472F-F645-3259712CBA19}"/>
               </a:ext>
             </a:extLst>
           </p:cNvPr>
@@ -12082,13 +11521,8 @@
           <a:p>
             <a:r>
               <a:rPr lang="de-DE" dirty="0"/>
-              <a:t>Ds3 – </a:t>
-            </a:r>
-            <a:r>
-              <a:rPr lang="de-DE" dirty="0" err="1"/>
-              <a:t>VisionTransformer</a:t>
-            </a:r>
-            <a:endParaRPr lang="de-DE" dirty="0"/>
+              <a:t>Ds2 – ResNet50</a:t>
+            </a:r>
           </a:p>
         </p:txBody>
       </p:sp>
@@ -12097,7 +11531,7 @@
           <p:cNvPr id="4" name="Datumsplatzhalter 3">
             <a:extLst>
               <a:ext uri="{FF2B5EF4-FFF2-40B4-BE49-F238E27FC236}">
-                <a16:creationId xmlns:a16="http://schemas.microsoft.com/office/drawing/2014/main" id="{1AC9190B-CDF2-A2D5-A60A-7B9455B70125}"/>
+                <a16:creationId xmlns:a16="http://schemas.microsoft.com/office/drawing/2014/main" id="{DBB4B014-CE46-9D00-9988-5A5871529A99}"/>
               </a:ext>
             </a:extLst>
           </p:cNvPr>
@@ -12125,7 +11559,7 @@
           <p:cNvPr id="5" name="Fußzeilenplatzhalter 4">
             <a:extLst>
               <a:ext uri="{FF2B5EF4-FFF2-40B4-BE49-F238E27FC236}">
-                <a16:creationId xmlns:a16="http://schemas.microsoft.com/office/drawing/2014/main" id="{D84AC430-B190-5F19-232D-75CDAC752F27}"/>
+                <a16:creationId xmlns:a16="http://schemas.microsoft.com/office/drawing/2014/main" id="{521EFDA6-A410-43C4-66EF-1A423624ED33}"/>
               </a:ext>
             </a:extLst>
           </p:cNvPr>
@@ -12153,7 +11587,7 @@
           <p:cNvPr id="6" name="Foliennummernplatzhalter 5">
             <a:extLst>
               <a:ext uri="{FF2B5EF4-FFF2-40B4-BE49-F238E27FC236}">
-                <a16:creationId xmlns:a16="http://schemas.microsoft.com/office/drawing/2014/main" id="{AAAB3CA4-5AAF-DEB8-B69F-C043F1F69B58}"/>
+                <a16:creationId xmlns:a16="http://schemas.microsoft.com/office/drawing/2014/main" id="{0BDF3903-8A98-DE3D-F82B-9BBEBCBAD4BF}"/>
               </a:ext>
             </a:extLst>
           </p:cNvPr>
@@ -12172,7 +11606,7 @@
             <a:fld id="{A13361CF-9A47-4C8C-A01E-566DC0626ACC}" type="slidenum">
               <a:rPr lang="de-DE" smtClean="0"/>
               <a:pPr/>
-              <a:t>29</a:t>
+              <a:t>28</a:t>
             </a:fld>
             <a:endParaRPr lang="de-DE"/>
           </a:p>
@@ -12180,10 +11614,10 @@
       </p:sp>
       <p:pic>
         <p:nvPicPr>
-          <p:cNvPr id="10" name="Inhaltsplatzhalter 9" descr="Ein Bild, das Screenshot, Reihe, Diagramm enthält.&#10;&#10;Automatisch generierte Beschreibung">
-            <a:extLst>
-              <a:ext uri="{FF2B5EF4-FFF2-40B4-BE49-F238E27FC236}">
-                <a16:creationId xmlns:a16="http://schemas.microsoft.com/office/drawing/2014/main" id="{78EE903D-63E8-2A1D-8D97-287C1AAE76A3}"/>
+          <p:cNvPr id="8" name="Inhaltsplatzhalter 7" descr="Ein Bild, das Screenshot, Text, Reihe, Diagramm enthält.&#10;&#10;Automatisch generierte Beschreibung">
+            <a:extLst>
+              <a:ext uri="{FF2B5EF4-FFF2-40B4-BE49-F238E27FC236}">
+                <a16:creationId xmlns:a16="http://schemas.microsoft.com/office/drawing/2014/main" id="{B30EA0CF-435B-EA75-A6B3-0914914FD8B9}"/>
               </a:ext>
             </a:extLst>
           </p:cNvPr>
@@ -12208,15 +11642,190 @@
         </p:blipFill>
         <p:spPr>
           <a:xfrm>
-            <a:off x="880315" y="1228724"/>
-            <a:ext cx="9710646" cy="4665662"/>
+            <a:off x="571500" y="1137394"/>
+            <a:ext cx="10379823" cy="4987181"/>
           </a:xfrm>
         </p:spPr>
       </p:pic>
     </p:spTree>
     <p:extLst>
       <p:ext uri="{BB962C8B-B14F-4D97-AF65-F5344CB8AC3E}">
-        <p14:creationId xmlns:p14="http://schemas.microsoft.com/office/powerpoint/2010/main" val="3683197111"/>
+        <p14:creationId xmlns:p14="http://schemas.microsoft.com/office/powerpoint/2010/main" val="987745579"/>
+      </p:ext>
+    </p:extLst>
+  </p:cSld>
+  <p:clrMapOvr>
+    <a:masterClrMapping/>
+  </p:clrMapOvr>
+</p:sld>
+</file>
+
+<file path=ppt/slides/slide29.xml><?xml version="1.0" encoding="utf-8"?>
+<p:sld xmlns:a="http://schemas.openxmlformats.org/drawingml/2006/main" xmlns:r="http://schemas.openxmlformats.org/officeDocument/2006/relationships" xmlns:p="http://schemas.openxmlformats.org/presentationml/2006/main">
+  <p:cSld>
+    <p:spTree>
+      <p:nvGrpSpPr>
+        <p:cNvPr id="1" name="">
+          <a:extLst>
+            <a:ext uri="{FF2B5EF4-FFF2-40B4-BE49-F238E27FC236}">
+              <a16:creationId xmlns:a16="http://schemas.microsoft.com/office/drawing/2014/main" id="{F21133F7-E5DD-D99F-B585-045C6ABE38DA}"/>
+            </a:ext>
+          </a:extLst>
+        </p:cNvPr>
+        <p:cNvGrpSpPr/>
+        <p:nvPr/>
+      </p:nvGrpSpPr>
+      <p:grpSpPr>
+        <a:xfrm>
+          <a:off x="0" y="0"/>
+          <a:ext cx="0" cy="0"/>
+          <a:chOff x="0" y="0"/>
+          <a:chExt cx="0" cy="0"/>
+        </a:xfrm>
+      </p:grpSpPr>
+      <p:sp>
+        <p:nvSpPr>
+          <p:cNvPr id="2" name="Titel 1">
+            <a:extLst>
+              <a:ext uri="{FF2B5EF4-FFF2-40B4-BE49-F238E27FC236}">
+                <a16:creationId xmlns:a16="http://schemas.microsoft.com/office/drawing/2014/main" id="{2A405A01-3845-7B2D-9E1C-007A272E42AC}"/>
+              </a:ext>
+            </a:extLst>
+          </p:cNvPr>
+          <p:cNvSpPr>
+            <a:spLocks noGrp="1"/>
+          </p:cNvSpPr>
+          <p:nvPr>
+            <p:ph type="title"/>
+          </p:nvPr>
+        </p:nvSpPr>
+        <p:spPr/>
+        <p:txBody>
+          <a:bodyPr/>
+          <a:lstStyle/>
+          <a:p>
+            <a:r>
+              <a:rPr lang="de-DE" dirty="0"/>
+              <a:t>Ds2 – ResNet50</a:t>
+            </a:r>
+          </a:p>
+        </p:txBody>
+      </p:sp>
+      <p:sp>
+        <p:nvSpPr>
+          <p:cNvPr id="4" name="Datumsplatzhalter 3">
+            <a:extLst>
+              <a:ext uri="{FF2B5EF4-FFF2-40B4-BE49-F238E27FC236}">
+                <a16:creationId xmlns:a16="http://schemas.microsoft.com/office/drawing/2014/main" id="{773231C0-1917-7F23-B2F2-33A3766DA16A}"/>
+              </a:ext>
+            </a:extLst>
+          </p:cNvPr>
+          <p:cNvSpPr>
+            <a:spLocks noGrp="1"/>
+          </p:cNvSpPr>
+          <p:nvPr>
+            <p:ph type="dt" sz="half" idx="10"/>
+          </p:nvPr>
+        </p:nvSpPr>
+        <p:spPr/>
+        <p:txBody>
+          <a:bodyPr/>
+          <a:lstStyle/>
+          <a:p>
+            <a:r>
+              <a:rPr lang="de-DE"/>
+              <a:t>Markus Friedrich</a:t>
+            </a:r>
+          </a:p>
+        </p:txBody>
+      </p:sp>
+      <p:sp>
+        <p:nvSpPr>
+          <p:cNvPr id="5" name="Fußzeilenplatzhalter 4">
+            <a:extLst>
+              <a:ext uri="{FF2B5EF4-FFF2-40B4-BE49-F238E27FC236}">
+                <a16:creationId xmlns:a16="http://schemas.microsoft.com/office/drawing/2014/main" id="{946628CE-90B3-74C7-56E1-D0B00B3C2F4E}"/>
+              </a:ext>
+            </a:extLst>
+          </p:cNvPr>
+          <p:cNvSpPr>
+            <a:spLocks noGrp="1"/>
+          </p:cNvSpPr>
+          <p:nvPr>
+            <p:ph type="ftr" sz="quarter" idx="11"/>
+          </p:nvPr>
+        </p:nvSpPr>
+        <p:spPr/>
+        <p:txBody>
+          <a:bodyPr/>
+          <a:lstStyle/>
+          <a:p>
+            <a:r>
+              <a:rPr lang="de-DE"/>
+              <a:t>Advanced Deep Learning </a:t>
+            </a:r>
+          </a:p>
+        </p:txBody>
+      </p:sp>
+      <p:sp>
+        <p:nvSpPr>
+          <p:cNvPr id="6" name="Foliennummernplatzhalter 5">
+            <a:extLst>
+              <a:ext uri="{FF2B5EF4-FFF2-40B4-BE49-F238E27FC236}">
+                <a16:creationId xmlns:a16="http://schemas.microsoft.com/office/drawing/2014/main" id="{A7AB7FE4-8808-0D5A-EAFF-F2619A17FC36}"/>
+              </a:ext>
+            </a:extLst>
+          </p:cNvPr>
+          <p:cNvSpPr>
+            <a:spLocks noGrp="1"/>
+          </p:cNvSpPr>
+          <p:nvPr>
+            <p:ph type="sldNum" sz="quarter" idx="12"/>
+          </p:nvPr>
+        </p:nvSpPr>
+        <p:spPr/>
+        <p:txBody>
+          <a:bodyPr/>
+          <a:lstStyle/>
+          <a:p>
+            <a:fld id="{A13361CF-9A47-4C8C-A01E-566DC0626ACC}" type="slidenum">
+              <a:rPr lang="de-DE" smtClean="0"/>
+              <a:pPr/>
+              <a:t>29</a:t>
+            </a:fld>
+            <a:endParaRPr lang="de-DE"/>
+          </a:p>
+        </p:txBody>
+      </p:sp>
+      <p:sp>
+        <p:nvSpPr>
+          <p:cNvPr id="7" name="Inhaltsplatzhalter 6">
+            <a:extLst>
+              <a:ext uri="{FF2B5EF4-FFF2-40B4-BE49-F238E27FC236}">
+                <a16:creationId xmlns:a16="http://schemas.microsoft.com/office/drawing/2014/main" id="{532EBC30-5B2E-899A-5CF3-5074678CF70D}"/>
+              </a:ext>
+            </a:extLst>
+          </p:cNvPr>
+          <p:cNvSpPr>
+            <a:spLocks noGrp="1"/>
+          </p:cNvSpPr>
+          <p:nvPr>
+            <p:ph idx="1"/>
+          </p:nvPr>
+        </p:nvSpPr>
+        <p:spPr/>
+        <p:txBody>
+          <a:bodyPr/>
+          <a:lstStyle/>
+          <a:p>
+            <a:endParaRPr lang="en-US"/>
+          </a:p>
+        </p:txBody>
+      </p:sp>
+    </p:spTree>
+    <p:extLst>
+      <p:ext uri="{BB962C8B-B14F-4D97-AF65-F5344CB8AC3E}">
+        <p14:creationId xmlns:p14="http://schemas.microsoft.com/office/powerpoint/2010/main" val="1485009638"/>
       </p:ext>
     </p:extLst>
   </p:cSld>
@@ -12453,6 +12062,421 @@
         <p:cNvPr id="1" name="">
           <a:extLst>
             <a:ext uri="{FF2B5EF4-FFF2-40B4-BE49-F238E27FC236}">
+              <a16:creationId xmlns:a16="http://schemas.microsoft.com/office/drawing/2014/main" id="{6191ABFF-4468-7FA0-A9AA-6D48FB518775}"/>
+            </a:ext>
+          </a:extLst>
+        </p:cNvPr>
+        <p:cNvGrpSpPr/>
+        <p:nvPr/>
+      </p:nvGrpSpPr>
+      <p:grpSpPr>
+        <a:xfrm>
+          <a:off x="0" y="0"/>
+          <a:ext cx="0" cy="0"/>
+          <a:chOff x="0" y="0"/>
+          <a:chExt cx="0" cy="0"/>
+        </a:xfrm>
+      </p:grpSpPr>
+      <p:sp>
+        <p:nvSpPr>
+          <p:cNvPr id="2" name="Titel 1">
+            <a:extLst>
+              <a:ext uri="{FF2B5EF4-FFF2-40B4-BE49-F238E27FC236}">
+                <a16:creationId xmlns:a16="http://schemas.microsoft.com/office/drawing/2014/main" id="{674232D7-3535-9A48-7F24-986BE1DB94B6}"/>
+              </a:ext>
+            </a:extLst>
+          </p:cNvPr>
+          <p:cNvSpPr>
+            <a:spLocks noGrp="1"/>
+          </p:cNvSpPr>
+          <p:nvPr>
+            <p:ph type="title"/>
+          </p:nvPr>
+        </p:nvSpPr>
+        <p:spPr/>
+        <p:txBody>
+          <a:bodyPr/>
+          <a:lstStyle/>
+          <a:p>
+            <a:r>
+              <a:rPr lang="de-DE" dirty="0"/>
+              <a:t>Ds2 – ResNet50</a:t>
+            </a:r>
+          </a:p>
+        </p:txBody>
+      </p:sp>
+      <p:sp>
+        <p:nvSpPr>
+          <p:cNvPr id="4" name="Datumsplatzhalter 3">
+            <a:extLst>
+              <a:ext uri="{FF2B5EF4-FFF2-40B4-BE49-F238E27FC236}">
+                <a16:creationId xmlns:a16="http://schemas.microsoft.com/office/drawing/2014/main" id="{37F018E9-4CC7-27BD-A2FB-5F6DF309C5AF}"/>
+              </a:ext>
+            </a:extLst>
+          </p:cNvPr>
+          <p:cNvSpPr>
+            <a:spLocks noGrp="1"/>
+          </p:cNvSpPr>
+          <p:nvPr>
+            <p:ph type="dt" sz="half" idx="10"/>
+          </p:nvPr>
+        </p:nvSpPr>
+        <p:spPr/>
+        <p:txBody>
+          <a:bodyPr/>
+          <a:lstStyle/>
+          <a:p>
+            <a:r>
+              <a:rPr lang="de-DE"/>
+              <a:t>Markus Friedrich</a:t>
+            </a:r>
+          </a:p>
+        </p:txBody>
+      </p:sp>
+      <p:sp>
+        <p:nvSpPr>
+          <p:cNvPr id="5" name="Fußzeilenplatzhalter 4">
+            <a:extLst>
+              <a:ext uri="{FF2B5EF4-FFF2-40B4-BE49-F238E27FC236}">
+                <a16:creationId xmlns:a16="http://schemas.microsoft.com/office/drawing/2014/main" id="{8E6409D7-BF57-67F5-08EB-1E4B5A60E903}"/>
+              </a:ext>
+            </a:extLst>
+          </p:cNvPr>
+          <p:cNvSpPr>
+            <a:spLocks noGrp="1"/>
+          </p:cNvSpPr>
+          <p:nvPr>
+            <p:ph type="ftr" sz="quarter" idx="11"/>
+          </p:nvPr>
+        </p:nvSpPr>
+        <p:spPr/>
+        <p:txBody>
+          <a:bodyPr/>
+          <a:lstStyle/>
+          <a:p>
+            <a:r>
+              <a:rPr lang="de-DE"/>
+              <a:t>Advanced Deep Learning </a:t>
+            </a:r>
+          </a:p>
+        </p:txBody>
+      </p:sp>
+      <p:sp>
+        <p:nvSpPr>
+          <p:cNvPr id="6" name="Foliennummernplatzhalter 5">
+            <a:extLst>
+              <a:ext uri="{FF2B5EF4-FFF2-40B4-BE49-F238E27FC236}">
+                <a16:creationId xmlns:a16="http://schemas.microsoft.com/office/drawing/2014/main" id="{9336583D-2397-144E-1317-238EE9A29948}"/>
+              </a:ext>
+            </a:extLst>
+          </p:cNvPr>
+          <p:cNvSpPr>
+            <a:spLocks noGrp="1"/>
+          </p:cNvSpPr>
+          <p:nvPr>
+            <p:ph type="sldNum" sz="quarter" idx="12"/>
+          </p:nvPr>
+        </p:nvSpPr>
+        <p:spPr/>
+        <p:txBody>
+          <a:bodyPr/>
+          <a:lstStyle/>
+          <a:p>
+            <a:fld id="{A13361CF-9A47-4C8C-A01E-566DC0626ACC}" type="slidenum">
+              <a:rPr lang="de-DE" smtClean="0"/>
+              <a:pPr/>
+              <a:t>30</a:t>
+            </a:fld>
+            <a:endParaRPr lang="de-DE"/>
+          </a:p>
+        </p:txBody>
+      </p:sp>
+      <p:sp>
+        <p:nvSpPr>
+          <p:cNvPr id="7" name="Inhaltsplatzhalter 6">
+            <a:extLst>
+              <a:ext uri="{FF2B5EF4-FFF2-40B4-BE49-F238E27FC236}">
+                <a16:creationId xmlns:a16="http://schemas.microsoft.com/office/drawing/2014/main" id="{C780A12F-776A-1DF0-69A7-64E6DF18F25D}"/>
+              </a:ext>
+            </a:extLst>
+          </p:cNvPr>
+          <p:cNvSpPr>
+            <a:spLocks noGrp="1"/>
+          </p:cNvSpPr>
+          <p:nvPr>
+            <p:ph idx="1"/>
+          </p:nvPr>
+        </p:nvSpPr>
+        <p:spPr/>
+        <p:txBody>
+          <a:bodyPr/>
+          <a:lstStyle/>
+          <a:p>
+            <a:endParaRPr lang="de-DE"/>
+          </a:p>
+        </p:txBody>
+      </p:sp>
+      <p:pic>
+        <p:nvPicPr>
+          <p:cNvPr id="3" name="Grafik 2">
+            <a:extLst>
+              <a:ext uri="{FF2B5EF4-FFF2-40B4-BE49-F238E27FC236}">
+                <a16:creationId xmlns:a16="http://schemas.microsoft.com/office/drawing/2014/main" id="{1B1ECA2F-C586-2BE2-E23A-AC78C8699C77}"/>
+              </a:ext>
+            </a:extLst>
+          </p:cNvPr>
+          <p:cNvPicPr>
+            <a:picLocks noChangeAspect="1"/>
+          </p:cNvPicPr>
+          <p:nvPr/>
+        </p:nvPicPr>
+        <p:blipFill>
+          <a:blip r:embed="rId2"/>
+          <a:stretch>
+            <a:fillRect/>
+          </a:stretch>
+        </p:blipFill>
+        <p:spPr>
+          <a:xfrm>
+            <a:off x="371474" y="873148"/>
+            <a:ext cx="10959583" cy="5265737"/>
+          </a:xfrm>
+          <a:prstGeom prst="rect">
+            <a:avLst/>
+          </a:prstGeom>
+        </p:spPr>
+      </p:pic>
+    </p:spTree>
+    <p:extLst>
+      <p:ext uri="{BB962C8B-B14F-4D97-AF65-F5344CB8AC3E}">
+        <p14:creationId xmlns:p14="http://schemas.microsoft.com/office/powerpoint/2010/main" val="2255711604"/>
+      </p:ext>
+    </p:extLst>
+  </p:cSld>
+  <p:clrMapOvr>
+    <a:masterClrMapping/>
+  </p:clrMapOvr>
+</p:sld>
+</file>
+
+<file path=ppt/slides/slide31.xml><?xml version="1.0" encoding="utf-8"?>
+<p:sld xmlns:a="http://schemas.openxmlformats.org/drawingml/2006/main" xmlns:r="http://schemas.openxmlformats.org/officeDocument/2006/relationships" xmlns:p="http://schemas.openxmlformats.org/presentationml/2006/main">
+  <p:cSld>
+    <p:spTree>
+      <p:nvGrpSpPr>
+        <p:cNvPr id="1" name="">
+          <a:extLst>
+            <a:ext uri="{FF2B5EF4-FFF2-40B4-BE49-F238E27FC236}">
+              <a16:creationId xmlns:a16="http://schemas.microsoft.com/office/drawing/2014/main" id="{37D08DDA-CF37-1B3B-EA4A-469090667A83}"/>
+            </a:ext>
+          </a:extLst>
+        </p:cNvPr>
+        <p:cNvGrpSpPr/>
+        <p:nvPr/>
+      </p:nvGrpSpPr>
+      <p:grpSpPr>
+        <a:xfrm>
+          <a:off x="0" y="0"/>
+          <a:ext cx="0" cy="0"/>
+          <a:chOff x="0" y="0"/>
+          <a:chExt cx="0" cy="0"/>
+        </a:xfrm>
+      </p:grpSpPr>
+      <p:sp>
+        <p:nvSpPr>
+          <p:cNvPr id="2" name="Titel 1">
+            <a:extLst>
+              <a:ext uri="{FF2B5EF4-FFF2-40B4-BE49-F238E27FC236}">
+                <a16:creationId xmlns:a16="http://schemas.microsoft.com/office/drawing/2014/main" id="{9A681973-D393-0E75-CBAC-FF46DA66C9DC}"/>
+              </a:ext>
+            </a:extLst>
+          </p:cNvPr>
+          <p:cNvSpPr>
+            <a:spLocks noGrp="1"/>
+          </p:cNvSpPr>
+          <p:nvPr>
+            <p:ph type="title"/>
+          </p:nvPr>
+        </p:nvSpPr>
+        <p:spPr/>
+        <p:txBody>
+          <a:bodyPr/>
+          <a:lstStyle/>
+          <a:p>
+            <a:r>
+              <a:rPr lang="de-DE" dirty="0"/>
+              <a:t>Ds2 – </a:t>
+            </a:r>
+            <a:r>
+              <a:rPr lang="de-DE" dirty="0" err="1"/>
+              <a:t>VisionTransformer</a:t>
+            </a:r>
+            <a:endParaRPr lang="de-DE" dirty="0"/>
+          </a:p>
+        </p:txBody>
+      </p:sp>
+      <p:sp>
+        <p:nvSpPr>
+          <p:cNvPr id="4" name="Datumsplatzhalter 3">
+            <a:extLst>
+              <a:ext uri="{FF2B5EF4-FFF2-40B4-BE49-F238E27FC236}">
+                <a16:creationId xmlns:a16="http://schemas.microsoft.com/office/drawing/2014/main" id="{1AC9190B-CDF2-A2D5-A60A-7B9455B70125}"/>
+              </a:ext>
+            </a:extLst>
+          </p:cNvPr>
+          <p:cNvSpPr>
+            <a:spLocks noGrp="1"/>
+          </p:cNvSpPr>
+          <p:nvPr>
+            <p:ph type="dt" sz="half" idx="10"/>
+          </p:nvPr>
+        </p:nvSpPr>
+        <p:spPr/>
+        <p:txBody>
+          <a:bodyPr/>
+          <a:lstStyle/>
+          <a:p>
+            <a:r>
+              <a:rPr lang="de-DE"/>
+              <a:t>Markus Friedrich</a:t>
+            </a:r>
+          </a:p>
+        </p:txBody>
+      </p:sp>
+      <p:sp>
+        <p:nvSpPr>
+          <p:cNvPr id="5" name="Fußzeilenplatzhalter 4">
+            <a:extLst>
+              <a:ext uri="{FF2B5EF4-FFF2-40B4-BE49-F238E27FC236}">
+                <a16:creationId xmlns:a16="http://schemas.microsoft.com/office/drawing/2014/main" id="{D84AC430-B190-5F19-232D-75CDAC752F27}"/>
+              </a:ext>
+            </a:extLst>
+          </p:cNvPr>
+          <p:cNvSpPr>
+            <a:spLocks noGrp="1"/>
+          </p:cNvSpPr>
+          <p:nvPr>
+            <p:ph type="ftr" sz="quarter" idx="11"/>
+          </p:nvPr>
+        </p:nvSpPr>
+        <p:spPr/>
+        <p:txBody>
+          <a:bodyPr/>
+          <a:lstStyle/>
+          <a:p>
+            <a:r>
+              <a:rPr lang="de-DE"/>
+              <a:t>Advanced Deep Learning </a:t>
+            </a:r>
+          </a:p>
+        </p:txBody>
+      </p:sp>
+      <p:sp>
+        <p:nvSpPr>
+          <p:cNvPr id="6" name="Foliennummernplatzhalter 5">
+            <a:extLst>
+              <a:ext uri="{FF2B5EF4-FFF2-40B4-BE49-F238E27FC236}">
+                <a16:creationId xmlns:a16="http://schemas.microsoft.com/office/drawing/2014/main" id="{AAAB3CA4-5AAF-DEB8-B69F-C043F1F69B58}"/>
+              </a:ext>
+            </a:extLst>
+          </p:cNvPr>
+          <p:cNvSpPr>
+            <a:spLocks noGrp="1"/>
+          </p:cNvSpPr>
+          <p:nvPr>
+            <p:ph type="sldNum" sz="quarter" idx="12"/>
+          </p:nvPr>
+        </p:nvSpPr>
+        <p:spPr/>
+        <p:txBody>
+          <a:bodyPr/>
+          <a:lstStyle/>
+          <a:p>
+            <a:fld id="{A13361CF-9A47-4C8C-A01E-566DC0626ACC}" type="slidenum">
+              <a:rPr lang="de-DE" smtClean="0"/>
+              <a:pPr/>
+              <a:t>31</a:t>
+            </a:fld>
+            <a:endParaRPr lang="de-DE"/>
+          </a:p>
+        </p:txBody>
+      </p:sp>
+      <p:sp>
+        <p:nvSpPr>
+          <p:cNvPr id="7" name="Inhaltsplatzhalter 6">
+            <a:extLst>
+              <a:ext uri="{FF2B5EF4-FFF2-40B4-BE49-F238E27FC236}">
+                <a16:creationId xmlns:a16="http://schemas.microsoft.com/office/drawing/2014/main" id="{B32A8E8A-7909-033E-69E9-C13B5DC384A0}"/>
+              </a:ext>
+            </a:extLst>
+          </p:cNvPr>
+          <p:cNvSpPr>
+            <a:spLocks noGrp="1"/>
+          </p:cNvSpPr>
+          <p:nvPr>
+            <p:ph idx="1"/>
+          </p:nvPr>
+        </p:nvSpPr>
+        <p:spPr/>
+        <p:txBody>
+          <a:bodyPr/>
+          <a:lstStyle/>
+          <a:p>
+            <a:endParaRPr lang="en-US"/>
+          </a:p>
+        </p:txBody>
+      </p:sp>
+      <p:pic>
+        <p:nvPicPr>
+          <p:cNvPr id="8" name="Grafik 7">
+            <a:extLst>
+              <a:ext uri="{FF2B5EF4-FFF2-40B4-BE49-F238E27FC236}">
+                <a16:creationId xmlns:a16="http://schemas.microsoft.com/office/drawing/2014/main" id="{E83873A0-2DD1-1D6B-3E30-DB0A4F8A0FF3}"/>
+              </a:ext>
+            </a:extLst>
+          </p:cNvPr>
+          <p:cNvPicPr>
+            <a:picLocks noChangeAspect="1"/>
+          </p:cNvPicPr>
+          <p:nvPr/>
+        </p:nvPicPr>
+        <p:blipFill>
+          <a:blip r:embed="rId2"/>
+          <a:stretch>
+            <a:fillRect/>
+          </a:stretch>
+        </p:blipFill>
+        <p:spPr>
+          <a:xfrm>
+            <a:off x="371474" y="1155114"/>
+            <a:ext cx="10372727" cy="4983771"/>
+          </a:xfrm>
+          <a:prstGeom prst="rect">
+            <a:avLst/>
+          </a:prstGeom>
+        </p:spPr>
+      </p:pic>
+    </p:spTree>
+    <p:extLst>
+      <p:ext uri="{BB962C8B-B14F-4D97-AF65-F5344CB8AC3E}">
+        <p14:creationId xmlns:p14="http://schemas.microsoft.com/office/powerpoint/2010/main" val="3683197111"/>
+      </p:ext>
+    </p:extLst>
+  </p:cSld>
+  <p:clrMapOvr>
+    <a:masterClrMapping/>
+  </p:clrMapOvr>
+</p:sld>
+</file>
+
+<file path=ppt/slides/slide32.xml><?xml version="1.0" encoding="utf-8"?>
+<p:sld xmlns:a="http://schemas.openxmlformats.org/drawingml/2006/main" xmlns:r="http://schemas.openxmlformats.org/officeDocument/2006/relationships" xmlns:p="http://schemas.openxmlformats.org/presentationml/2006/main">
+  <p:cSld>
+    <p:spTree>
+      <p:nvGrpSpPr>
+        <p:cNvPr id="1" name="">
+          <a:extLst>
+            <a:ext uri="{FF2B5EF4-FFF2-40B4-BE49-F238E27FC236}">
               <a16:creationId xmlns:a16="http://schemas.microsoft.com/office/drawing/2014/main" id="{4602EE6F-3BDC-2509-A1EA-E23D801EAE24}"/>
             </a:ext>
           </a:extLst>
@@ -12491,7 +12515,7 @@
           <a:p>
             <a:r>
               <a:rPr lang="de-DE" dirty="0"/>
-              <a:t>Ds3 – </a:t>
+              <a:t>Ds2 – </a:t>
             </a:r>
             <a:r>
               <a:rPr lang="de-DE" dirty="0" err="1"/>
@@ -12581,7 +12605,7 @@
             <a:fld id="{A13361CF-9A47-4C8C-A01E-566DC0626ACC}" type="slidenum">
               <a:rPr lang="de-DE" smtClean="0"/>
               <a:pPr/>
-              <a:t>30</a:t>
+              <a:t>32</a:t>
             </a:fld>
             <a:endParaRPr lang="de-DE"/>
           </a:p>
@@ -12759,6 +12783,114 @@
         <p:spPr>
           <a:xfrm>
             <a:off x="736600" y="3802648"/>
+            <a:ext cx="2133600" cy="2133600"/>
+          </a:xfrm>
+          <a:prstGeom prst="rect">
+            <a:avLst/>
+          </a:prstGeom>
+        </p:spPr>
+      </p:pic>
+      <p:pic>
+        <p:nvPicPr>
+          <p:cNvPr id="7" name="Grafik 6" descr="Ein Bild, das Farbigkeit, Licht, Electric Blue (Farbe), Screenshot enthält.&#10;&#10;Automatisch generierte Beschreibung">
+            <a:extLst>
+              <a:ext uri="{FF2B5EF4-FFF2-40B4-BE49-F238E27FC236}">
+                <a16:creationId xmlns:a16="http://schemas.microsoft.com/office/drawing/2014/main" id="{A5165FA4-028C-4901-01B5-AC0A0EF56490}"/>
+              </a:ext>
+            </a:extLst>
+          </p:cNvPr>
+          <p:cNvPicPr>
+            <a:picLocks noChangeAspect="1"/>
+          </p:cNvPicPr>
+          <p:nvPr/>
+        </p:nvPicPr>
+        <p:blipFill>
+          <a:blip r:embed="rId8">
+            <a:extLst>
+              <a:ext uri="{28A0092B-C50C-407E-A947-70E740481C1C}">
+                <a14:useLocalDpi xmlns:a14="http://schemas.microsoft.com/office/drawing/2010/main" val="0"/>
+              </a:ext>
+            </a:extLst>
+          </a:blip>
+          <a:stretch>
+            <a:fillRect/>
+          </a:stretch>
+        </p:blipFill>
+        <p:spPr>
+          <a:xfrm>
+            <a:off x="3128683" y="3802648"/>
+            <a:ext cx="2133600" cy="2133600"/>
+          </a:xfrm>
+          <a:prstGeom prst="rect">
+            <a:avLst/>
+          </a:prstGeom>
+        </p:spPr>
+      </p:pic>
+      <p:pic>
+        <p:nvPicPr>
+          <p:cNvPr id="10" name="Grafik 9" descr="Ein Bild, das Electric Blue (Farbe), Cartoon, Kunst, Hand enthält.&#10;&#10;Automatisch generierte Beschreibung">
+            <a:extLst>
+              <a:ext uri="{FF2B5EF4-FFF2-40B4-BE49-F238E27FC236}">
+                <a16:creationId xmlns:a16="http://schemas.microsoft.com/office/drawing/2014/main" id="{7DFC864E-AB8F-7B59-9FBF-454F11F5BFCA}"/>
+              </a:ext>
+            </a:extLst>
+          </p:cNvPr>
+          <p:cNvPicPr>
+            <a:picLocks noChangeAspect="1"/>
+          </p:cNvPicPr>
+          <p:nvPr/>
+        </p:nvPicPr>
+        <p:blipFill>
+          <a:blip r:embed="rId9">
+            <a:extLst>
+              <a:ext uri="{28A0092B-C50C-407E-A947-70E740481C1C}">
+                <a14:useLocalDpi xmlns:a14="http://schemas.microsoft.com/office/drawing/2010/main" val="0"/>
+              </a:ext>
+            </a:extLst>
+          </a:blip>
+          <a:stretch>
+            <a:fillRect/>
+          </a:stretch>
+        </p:blipFill>
+        <p:spPr>
+          <a:xfrm>
+            <a:off x="5520766" y="3802648"/>
+            <a:ext cx="2133600" cy="2133600"/>
+          </a:xfrm>
+          <a:prstGeom prst="rect">
+            <a:avLst/>
+          </a:prstGeom>
+        </p:spPr>
+      </p:pic>
+      <p:pic>
+        <p:nvPicPr>
+          <p:cNvPr id="13" name="Grafik 12" descr="Ein Bild, das Screenshot, Farbigkeit, Electric Blue (Farbe), Blau enthält.&#10;&#10;Automatisch generierte Beschreibung">
+            <a:extLst>
+              <a:ext uri="{FF2B5EF4-FFF2-40B4-BE49-F238E27FC236}">
+                <a16:creationId xmlns:a16="http://schemas.microsoft.com/office/drawing/2014/main" id="{6E26D5AB-C87B-CCF0-A7E9-338AC3D8F324}"/>
+              </a:ext>
+            </a:extLst>
+          </p:cNvPr>
+          <p:cNvPicPr>
+            <a:picLocks noChangeAspect="1"/>
+          </p:cNvPicPr>
+          <p:nvPr/>
+        </p:nvPicPr>
+        <p:blipFill>
+          <a:blip r:embed="rId10">
+            <a:extLst>
+              <a:ext uri="{28A0092B-C50C-407E-A947-70E740481C1C}">
+                <a14:useLocalDpi xmlns:a14="http://schemas.microsoft.com/office/drawing/2010/main" val="0"/>
+              </a:ext>
+            </a:extLst>
+          </a:blip>
+          <a:stretch>
+            <a:fillRect/>
+          </a:stretch>
+        </p:blipFill>
+        <p:spPr>
+          <a:xfrm>
+            <a:off x="7912849" y="3802648"/>
             <a:ext cx="2133600" cy="2133600"/>
           </a:xfrm>
           <a:prstGeom prst="rect">
@@ -12779,7 +12911,7 @@
 </p:sld>
 </file>
 
-<file path=ppt/slides/slide31.xml><?xml version="1.0" encoding="utf-8"?>
+<file path=ppt/slides/slide33.xml><?xml version="1.0" encoding="utf-8"?>
 <p:sld xmlns:a="http://schemas.openxmlformats.org/drawingml/2006/main" xmlns:r="http://schemas.openxmlformats.org/officeDocument/2006/relationships" xmlns:p="http://schemas.openxmlformats.org/presentationml/2006/main">
   <p:cSld>
     <p:spTree>
@@ -12932,7 +13064,7 @@
           <a:p>
             <a:fld id="{A13361CF-9A47-4C8C-A01E-566DC0626ACC}" type="slidenum">
               <a:rPr lang="de-DE" smtClean="0"/>
-              <a:t>31</a:t>
+              <a:t>33</a:t>
             </a:fld>
             <a:endParaRPr lang="de-DE"/>
           </a:p>
@@ -13004,7 +13136,423 @@
 </p:sld>
 </file>
 
-<file path=ppt/slides/slide32.xml><?xml version="1.0" encoding="utf-8"?>
+<file path=ppt/slides/slide34.xml><?xml version="1.0" encoding="utf-8"?>
+<p:sld xmlns:a="http://schemas.openxmlformats.org/drawingml/2006/main" xmlns:r="http://schemas.openxmlformats.org/officeDocument/2006/relationships" xmlns:p="http://schemas.openxmlformats.org/presentationml/2006/main">
+  <p:cSld>
+    <p:spTree>
+      <p:nvGrpSpPr>
+        <p:cNvPr id="1" name="">
+          <a:extLst>
+            <a:ext uri="{FF2B5EF4-FFF2-40B4-BE49-F238E27FC236}">
+              <a16:creationId xmlns:a16="http://schemas.microsoft.com/office/drawing/2014/main" id="{8169BB09-12CD-FC9A-EC23-1A2E89B5C735}"/>
+            </a:ext>
+          </a:extLst>
+        </p:cNvPr>
+        <p:cNvGrpSpPr/>
+        <p:nvPr/>
+      </p:nvGrpSpPr>
+      <p:grpSpPr>
+        <a:xfrm>
+          <a:off x="0" y="0"/>
+          <a:ext cx="0" cy="0"/>
+          <a:chOff x="0" y="0"/>
+          <a:chExt cx="0" cy="0"/>
+        </a:xfrm>
+      </p:grpSpPr>
+      <p:sp>
+        <p:nvSpPr>
+          <p:cNvPr id="2" name="Bildplatzhalter 1">
+            <a:extLst>
+              <a:ext uri="{FF2B5EF4-FFF2-40B4-BE49-F238E27FC236}">
+                <a16:creationId xmlns:a16="http://schemas.microsoft.com/office/drawing/2014/main" id="{1A99330F-31CB-95BB-1249-73AC6636D8F1}"/>
+              </a:ext>
+            </a:extLst>
+          </p:cNvPr>
+          <p:cNvSpPr>
+            <a:spLocks noGrp="1"/>
+          </p:cNvSpPr>
+          <p:nvPr>
+            <p:ph type="pic" sz="quarter" idx="15"/>
+          </p:nvPr>
+        </p:nvSpPr>
+        <p:spPr/>
+        <p:txBody>
+          <a:bodyPr/>
+          <a:lstStyle/>
+          <a:p>
+            <a:endParaRPr lang="de-DE"/>
+          </a:p>
+        </p:txBody>
+      </p:sp>
+      <p:sp>
+        <p:nvSpPr>
+          <p:cNvPr id="3" name="Textplatzhalter 2">
+            <a:extLst>
+              <a:ext uri="{FF2B5EF4-FFF2-40B4-BE49-F238E27FC236}">
+                <a16:creationId xmlns:a16="http://schemas.microsoft.com/office/drawing/2014/main" id="{472794D4-D1BA-D39D-AD14-D4102334357B}"/>
+              </a:ext>
+            </a:extLst>
+          </p:cNvPr>
+          <p:cNvSpPr>
+            <a:spLocks noGrp="1"/>
+          </p:cNvSpPr>
+          <p:nvPr>
+            <p:ph type="body" sz="quarter" idx="16"/>
+          </p:nvPr>
+        </p:nvSpPr>
+        <p:spPr/>
+        <p:txBody>
+          <a:bodyPr/>
+          <a:lstStyle/>
+          <a:p>
+            <a:endParaRPr lang="de-DE"/>
+          </a:p>
+        </p:txBody>
+      </p:sp>
+      <p:sp>
+        <p:nvSpPr>
+          <p:cNvPr id="4" name="Datumsplatzhalter 3">
+            <a:extLst>
+              <a:ext uri="{FF2B5EF4-FFF2-40B4-BE49-F238E27FC236}">
+                <a16:creationId xmlns:a16="http://schemas.microsoft.com/office/drawing/2014/main" id="{C2D6BA20-564B-9847-6BEB-89B6F09EAA5D}"/>
+              </a:ext>
+            </a:extLst>
+          </p:cNvPr>
+          <p:cNvSpPr>
+            <a:spLocks noGrp="1"/>
+          </p:cNvSpPr>
+          <p:nvPr>
+            <p:ph type="dt" sz="half" idx="10"/>
+          </p:nvPr>
+        </p:nvSpPr>
+        <p:spPr/>
+        <p:txBody>
+          <a:bodyPr/>
+          <a:lstStyle/>
+          <a:p>
+            <a:r>
+              <a:rPr lang="de-DE" dirty="0"/>
+              <a:t>Anna Reiter, Chiara Perocco</a:t>
+            </a:r>
+          </a:p>
+        </p:txBody>
+      </p:sp>
+      <p:sp>
+        <p:nvSpPr>
+          <p:cNvPr id="5" name="Fußzeilenplatzhalter 4">
+            <a:extLst>
+              <a:ext uri="{FF2B5EF4-FFF2-40B4-BE49-F238E27FC236}">
+                <a16:creationId xmlns:a16="http://schemas.microsoft.com/office/drawing/2014/main" id="{A0D89A86-533D-8DEF-308F-BE8C4A005262}"/>
+              </a:ext>
+            </a:extLst>
+          </p:cNvPr>
+          <p:cNvSpPr>
+            <a:spLocks noGrp="1"/>
+          </p:cNvSpPr>
+          <p:nvPr>
+            <p:ph type="ftr" sz="quarter" idx="11"/>
+          </p:nvPr>
+        </p:nvSpPr>
+        <p:spPr/>
+        <p:txBody>
+          <a:bodyPr/>
+          <a:lstStyle/>
+          <a:p>
+            <a:r>
+              <a:rPr lang="de-DE"/>
+              <a:t>Advanced Deep Learning </a:t>
+            </a:r>
+            <a:endParaRPr lang="de-DE" dirty="0"/>
+          </a:p>
+        </p:txBody>
+      </p:sp>
+      <p:sp>
+        <p:nvSpPr>
+          <p:cNvPr id="6" name="Foliennummernplatzhalter 5">
+            <a:extLst>
+              <a:ext uri="{FF2B5EF4-FFF2-40B4-BE49-F238E27FC236}">
+                <a16:creationId xmlns:a16="http://schemas.microsoft.com/office/drawing/2014/main" id="{42C3B142-AA9E-0041-9DC1-74A9DF30E830}"/>
+              </a:ext>
+            </a:extLst>
+          </p:cNvPr>
+          <p:cNvSpPr>
+            <a:spLocks noGrp="1"/>
+          </p:cNvSpPr>
+          <p:nvPr>
+            <p:ph type="sldNum" sz="quarter" idx="12"/>
+          </p:nvPr>
+        </p:nvSpPr>
+        <p:spPr/>
+        <p:txBody>
+          <a:bodyPr/>
+          <a:lstStyle/>
+          <a:p>
+            <a:fld id="{A13361CF-9A47-4C8C-A01E-566DC0626ACC}" type="slidenum">
+              <a:rPr lang="de-DE" smtClean="0"/>
+              <a:t>34</a:t>
+            </a:fld>
+            <a:endParaRPr lang="de-DE"/>
+          </a:p>
+        </p:txBody>
+      </p:sp>
+      <p:sp>
+        <p:nvSpPr>
+          <p:cNvPr id="7" name="Textplatzhalter 6">
+            <a:extLst>
+              <a:ext uri="{FF2B5EF4-FFF2-40B4-BE49-F238E27FC236}">
+                <a16:creationId xmlns:a16="http://schemas.microsoft.com/office/drawing/2014/main" id="{F6C4B76E-7B95-BB93-949F-DBA2D6ABB838}"/>
+              </a:ext>
+            </a:extLst>
+          </p:cNvPr>
+          <p:cNvSpPr>
+            <a:spLocks noGrp="1"/>
+          </p:cNvSpPr>
+          <p:nvPr>
+            <p:ph type="body" sz="quarter" idx="14"/>
+          </p:nvPr>
+        </p:nvSpPr>
+        <p:spPr>
+          <a:xfrm>
+            <a:off x="6107112" y="277708"/>
+            <a:ext cx="5713413" cy="6465991"/>
+          </a:xfrm>
+        </p:spPr>
+        <p:txBody>
+          <a:bodyPr/>
+          <a:lstStyle/>
+          <a:p>
+            <a:pPr marL="457200" indent="-457200">
+              <a:buFont typeface="Arial" panose="020B0604020202020204" pitchFamily="34" charset="0"/>
+              <a:buChar char="•"/>
+            </a:pPr>
+            <a:r>
+              <a:rPr lang="de-DE" dirty="0"/>
+              <a:t>More </a:t>
+            </a:r>
+            <a:r>
+              <a:rPr lang="de-DE" dirty="0" err="1"/>
+              <a:t>images</a:t>
+            </a:r>
+            <a:r>
+              <a:rPr lang="de-DE" dirty="0"/>
+              <a:t> and </a:t>
+            </a:r>
+            <a:r>
+              <a:rPr lang="de-DE" dirty="0" err="1"/>
+              <a:t>data</a:t>
+            </a:r>
+            <a:r>
+              <a:rPr lang="de-DE" dirty="0"/>
+              <a:t> </a:t>
+            </a:r>
+            <a:r>
+              <a:rPr lang="de-DE" dirty="0" err="1"/>
+              <a:t>augmentation</a:t>
+            </a:r>
+            <a:r>
+              <a:rPr lang="de-DE" dirty="0"/>
+              <a:t> </a:t>
+            </a:r>
+            <a:r>
+              <a:rPr lang="de-DE" dirty="0" err="1"/>
+              <a:t>improve</a:t>
+            </a:r>
+            <a:r>
+              <a:rPr lang="de-DE" dirty="0"/>
+              <a:t> </a:t>
+            </a:r>
+            <a:r>
+              <a:rPr lang="de-DE" dirty="0" err="1"/>
+              <a:t>performence</a:t>
+            </a:r>
+            <a:r>
+              <a:rPr lang="de-DE" dirty="0"/>
+              <a:t> </a:t>
+            </a:r>
+            <a:r>
+              <a:rPr lang="de-DE" dirty="0" err="1"/>
+              <a:t>of</a:t>
+            </a:r>
+            <a:r>
+              <a:rPr lang="de-DE" dirty="0"/>
+              <a:t> all </a:t>
+            </a:r>
+            <a:r>
+              <a:rPr lang="de-DE" dirty="0" err="1"/>
+              <a:t>models</a:t>
+            </a:r>
+            <a:endParaRPr lang="de-DE" dirty="0"/>
+          </a:p>
+          <a:p>
+            <a:pPr marL="457200" indent="-457200">
+              <a:buFont typeface="Arial" panose="020B0604020202020204" pitchFamily="34" charset="0"/>
+              <a:buChar char="•"/>
+            </a:pPr>
+            <a:endParaRPr lang="de-DE" dirty="0"/>
+          </a:p>
+          <a:p>
+            <a:pPr marL="457200" indent="-457200">
+              <a:buFont typeface="Arial" panose="020B0604020202020204" pitchFamily="34" charset="0"/>
+              <a:buChar char="•"/>
+            </a:pPr>
+            <a:r>
+              <a:rPr lang="de-DE" dirty="0"/>
+              <a:t>Early </a:t>
+            </a:r>
+            <a:r>
+              <a:rPr lang="de-DE" dirty="0" err="1"/>
+              <a:t>Stopping</a:t>
+            </a:r>
+            <a:r>
+              <a:rPr lang="de-DE" dirty="0"/>
+              <a:t>, </a:t>
+            </a:r>
+            <a:r>
+              <a:rPr lang="de-DE" dirty="0" err="1"/>
+              <a:t>drop</a:t>
+            </a:r>
+            <a:r>
+              <a:rPr lang="de-DE" dirty="0"/>
+              <a:t> out rate, </a:t>
+            </a:r>
+            <a:r>
+              <a:rPr lang="de-DE" dirty="0" err="1"/>
+              <a:t>weight</a:t>
+            </a:r>
+            <a:r>
+              <a:rPr lang="de-DE" dirty="0"/>
+              <a:t> </a:t>
+            </a:r>
+            <a:r>
+              <a:rPr lang="de-DE" dirty="0" err="1"/>
+              <a:t>decay</a:t>
+            </a:r>
+            <a:r>
+              <a:rPr lang="de-DE" dirty="0"/>
+              <a:t>, </a:t>
+            </a:r>
+            <a:r>
+              <a:rPr lang="de-DE" dirty="0" err="1"/>
+              <a:t>learning</a:t>
+            </a:r>
+            <a:r>
+              <a:rPr lang="de-DE" dirty="0"/>
+              <a:t> rate </a:t>
+            </a:r>
+            <a:r>
+              <a:rPr lang="de-DE" dirty="0" err="1"/>
+              <a:t>scheduler</a:t>
+            </a:r>
+            <a:endParaRPr lang="de-DE" dirty="0"/>
+          </a:p>
+          <a:p>
+            <a:pPr marL="457200" indent="-457200">
+              <a:buFont typeface="Arial" panose="020B0604020202020204" pitchFamily="34" charset="0"/>
+              <a:buChar char="•"/>
+            </a:pPr>
+            <a:endParaRPr lang="de-DE" dirty="0"/>
+          </a:p>
+          <a:p>
+            <a:pPr marL="457200" indent="-457200">
+              <a:buFont typeface="Arial" panose="020B0604020202020204" pitchFamily="34" charset="0"/>
+              <a:buChar char="•"/>
+            </a:pPr>
+            <a:r>
+              <a:rPr lang="de-DE" dirty="0" err="1"/>
+              <a:t>AlexNet</a:t>
+            </a:r>
+            <a:r>
+              <a:rPr lang="de-DE" dirty="0"/>
+              <a:t> </a:t>
+            </a:r>
+            <a:r>
+              <a:rPr lang="de-DE" dirty="0" err="1"/>
+              <a:t>has</a:t>
+            </a:r>
+            <a:r>
+              <a:rPr lang="de-DE" dirty="0"/>
+              <a:t> </a:t>
+            </a:r>
+            <a:r>
+              <a:rPr lang="de-DE" dirty="0" err="1"/>
+              <a:t>best</a:t>
+            </a:r>
+            <a:r>
+              <a:rPr lang="de-DE" dirty="0"/>
+              <a:t> </a:t>
+            </a:r>
+            <a:r>
+              <a:rPr lang="de-DE" dirty="0" err="1"/>
+              <a:t>focus</a:t>
+            </a:r>
+            <a:endParaRPr lang="de-DE" dirty="0"/>
+          </a:p>
+          <a:p>
+            <a:pPr marL="457200" indent="-457200">
+              <a:buFont typeface="Arial" panose="020B0604020202020204" pitchFamily="34" charset="0"/>
+              <a:buChar char="•"/>
+            </a:pPr>
+            <a:endParaRPr lang="de-DE" dirty="0"/>
+          </a:p>
+          <a:p>
+            <a:pPr marL="457200" indent="-457200">
+              <a:buFont typeface="Arial" panose="020B0604020202020204" pitchFamily="34" charset="0"/>
+              <a:buChar char="•"/>
+            </a:pPr>
+            <a:endParaRPr lang="de-DE" dirty="0"/>
+          </a:p>
+          <a:p>
+            <a:pPr marL="457200" indent="-457200">
+              <a:buFont typeface="Arial" panose="020B0604020202020204" pitchFamily="34" charset="0"/>
+              <a:buChar char="•"/>
+            </a:pPr>
+            <a:endParaRPr lang="de-DE" dirty="0"/>
+          </a:p>
+        </p:txBody>
+      </p:sp>
+      <p:sp>
+        <p:nvSpPr>
+          <p:cNvPr id="8" name="Titel 7">
+            <a:extLst>
+              <a:ext uri="{FF2B5EF4-FFF2-40B4-BE49-F238E27FC236}">
+                <a16:creationId xmlns:a16="http://schemas.microsoft.com/office/drawing/2014/main" id="{F996AA29-2474-347D-6BE5-20C1AD57F1C6}"/>
+              </a:ext>
+            </a:extLst>
+          </p:cNvPr>
+          <p:cNvSpPr>
+            <a:spLocks noGrp="1"/>
+          </p:cNvSpPr>
+          <p:nvPr>
+            <p:ph type="title"/>
+          </p:nvPr>
+        </p:nvSpPr>
+        <p:spPr/>
+        <p:txBody>
+          <a:bodyPr/>
+          <a:lstStyle/>
+          <a:p>
+            <a:r>
+              <a:rPr lang="de-DE" dirty="0" err="1"/>
+              <a:t>Conclusion</a:t>
+            </a:r>
+            <a:endParaRPr lang="de-DE" dirty="0"/>
+          </a:p>
+        </p:txBody>
+      </p:sp>
+    </p:spTree>
+    <p:extLst>
+      <p:ext uri="{BB962C8B-B14F-4D97-AF65-F5344CB8AC3E}">
+        <p14:creationId xmlns:p14="http://schemas.microsoft.com/office/powerpoint/2010/main" val="162438805"/>
+      </p:ext>
+    </p:extLst>
+  </p:cSld>
+  <p:clrMapOvr>
+    <a:masterClrMapping/>
+  </p:clrMapOvr>
+</p:sld>
+</file>
+
+<file path=ppt/slides/slide35.xml><?xml version="1.0" encoding="utf-8"?>
 <p:sld xmlns:a="http://schemas.openxmlformats.org/drawingml/2006/main" xmlns:r="http://schemas.openxmlformats.org/officeDocument/2006/relationships" xmlns:p="http://schemas.openxmlformats.org/presentationml/2006/main">
   <p:cSld>
     <p:spTree>
@@ -13160,7 +13708,7 @@
           <a:p>
             <a:fld id="{A13361CF-9A47-4C8C-A01E-566DC0626ACC}" type="slidenum">
               <a:rPr lang="de-DE" smtClean="0"/>
-              <a:t>32</a:t>
+              <a:t>35</a:t>
             </a:fld>
             <a:endParaRPr lang="de-DE"/>
           </a:p>
